--- a/p07_slide.pptx
+++ b/p07_slide.pptx
@@ -5,22 +5,23 @@
     <p:sldMasterId id="2147483660" r:id="rId1"/>
   </p:sldMasterIdLst>
   <p:notesMasterIdLst>
-    <p:notesMasterId r:id="rId12"/>
+    <p:notesMasterId r:id="rId13"/>
   </p:notesMasterIdLst>
   <p:handoutMasterIdLst>
-    <p:handoutMasterId r:id="rId13"/>
+    <p:handoutMasterId r:id="rId14"/>
   </p:handoutMasterIdLst>
   <p:sldIdLst>
     <p:sldId id="261" r:id="rId2"/>
     <p:sldId id="264" r:id="rId3"/>
-    <p:sldId id="312" r:id="rId4"/>
+    <p:sldId id="318" r:id="rId4"/>
     <p:sldId id="317" r:id="rId5"/>
-    <p:sldId id="311" r:id="rId6"/>
-    <p:sldId id="313" r:id="rId7"/>
-    <p:sldId id="314" r:id="rId8"/>
-    <p:sldId id="315" r:id="rId9"/>
-    <p:sldId id="316" r:id="rId10"/>
-    <p:sldId id="273" r:id="rId11"/>
+    <p:sldId id="319" r:id="rId6"/>
+    <p:sldId id="311" r:id="rId7"/>
+    <p:sldId id="313" r:id="rId8"/>
+    <p:sldId id="314" r:id="rId9"/>
+    <p:sldId id="315" r:id="rId10"/>
+    <p:sldId id="316" r:id="rId11"/>
+    <p:sldId id="273" r:id="rId12"/>
   </p:sldIdLst>
   <p:sldSz cx="12192000" cy="6858000"/>
   <p:notesSz cx="6858000" cy="9144000"/>
@@ -130,8 +131,9 @@
         </p14:section>
         <p14:section name="bruteforce - Pseudocode" id="{1707F46F-3635-4945-9638-2F6641B1A94C}">
           <p14:sldIdLst>
-            <p14:sldId id="312"/>
+            <p14:sldId id="318"/>
             <p14:sldId id="317"/>
+            <p14:sldId id="319"/>
           </p14:sldIdLst>
         </p14:section>
         <p14:section name="bruteforce - Perfs" id="{E983AB5B-7300-45BF-8CC5-BDBA9014C0E7}">
@@ -270,7 +272,7 @@
           <a:p>
             <a:fld id="{006FEFC0-2236-48A2-B120-C759EDA2264F}" type="datetimeFigureOut">
               <a:rPr lang="fr-FR" smtClean="0"/>
-              <a:t>05/01/2022</a:t>
+              <a:t>08/01/2022</a:t>
             </a:fld>
             <a:endParaRPr lang="fr-FR"/>
           </a:p>
@@ -447,7 +449,7 @@
           <a:p>
             <a:fld id="{39A2C6B1-E7AA-4745-9EA3-948DDA335211}" type="datetimeFigureOut">
               <a:rPr lang="fr-FR" smtClean="0"/>
-              <a:t>05/01/2022</a:t>
+              <a:t>08/01/2022</a:t>
             </a:fld>
             <a:endParaRPr lang="fr-FR"/>
           </a:p>
@@ -1133,7 +1135,7 @@
             <a:fld id="{EEB52BBF-3D2E-4DB7-B1B2-3EEDAF05D916}" type="datetime1">
               <a:rPr lang="fr-FR" smtClean="0"/>
               <a:pPr/>
-              <a:t>05/01/2022</a:t>
+              <a:t>08/01/2022</a:t>
             </a:fld>
             <a:endParaRPr lang="fr-FR" dirty="0"/>
           </a:p>
@@ -1301,7 +1303,7 @@
           <a:p>
             <a:fld id="{D1B56501-E7FC-4AA4-829C-7EB06C5B501B}" type="datetime1">
               <a:rPr lang="fr-FR" smtClean="0"/>
-              <a:t>05/01/2022</a:t>
+              <a:t>08/01/2022</a:t>
             </a:fld>
             <a:endParaRPr lang="fr-FR"/>
           </a:p>
@@ -1539,7 +1541,7 @@
           <a:p>
             <a:fld id="{E1EA16D8-943B-480F-B7AB-8A20EEC88A30}" type="datetime1">
               <a:rPr lang="fr-FR" smtClean="0"/>
-              <a:t>05/01/2022</a:t>
+              <a:t>08/01/2022</a:t>
             </a:fld>
             <a:endParaRPr lang="fr-FR"/>
           </a:p>
@@ -1753,7 +1755,7 @@
           <a:p>
             <a:fld id="{B9F3C5A3-9381-4B97-82E4-385F6F49F69F}" type="datetime1">
               <a:rPr lang="fr-FR" smtClean="0"/>
-              <a:t>05/01/2022</a:t>
+              <a:t>08/01/2022</a:t>
             </a:fld>
             <a:endParaRPr lang="fr-FR"/>
           </a:p>
@@ -1882,7 +1884,7 @@
           <a:p>
             <a:fld id="{4716E524-F7FE-4CF1-BC8B-47DD9AC23070}" type="datetime1">
               <a:rPr lang="fr-FR" smtClean="0"/>
-              <a:t>05/01/2022</a:t>
+              <a:t>08/01/2022</a:t>
             </a:fld>
             <a:endParaRPr lang="fr-FR"/>
           </a:p>
@@ -2416,7 +2418,7 @@
           <a:p>
             <a:fld id="{336D8786-97C7-4BAF-A4C9-C839CD61D49F}" type="datetime1">
               <a:rPr lang="fr-FR" smtClean="0"/>
-              <a:t>05/01/2022</a:t>
+              <a:t>08/01/2022</a:t>
             </a:fld>
             <a:endParaRPr lang="fr-FR"/>
           </a:p>
@@ -2719,7 +2721,7 @@
           <a:p>
             <a:fld id="{074B9914-FBA4-40D6-94C7-D139128B50C8}" type="datetime1">
               <a:rPr lang="fr-FR" smtClean="0"/>
-              <a:t>05/01/2022</a:t>
+              <a:t>08/01/2022</a:t>
             </a:fld>
             <a:endParaRPr lang="fr-FR"/>
           </a:p>
@@ -3170,7 +3172,7 @@
           <a:p>
             <a:fld id="{51704AF8-D9A6-4385-8AB7-F174826852B4}" type="datetime1">
               <a:rPr lang="fr-FR" smtClean="0"/>
-              <a:t>05/01/2022</a:t>
+              <a:t>08/01/2022</a:t>
             </a:fld>
             <a:endParaRPr lang="fr-FR"/>
           </a:p>
@@ -3307,7 +3309,7 @@
             <a:lvl1pPr>
               <a:defRPr>
                 <a:solidFill>
-                  <a:schemeClr val="tx1"/>
+                  <a:srgbClr val="64B164"/>
                 </a:solidFill>
               </a:defRPr>
             </a:lvl1pPr>
@@ -3351,7 +3353,7 @@
             <a:lvl1pPr>
               <a:defRPr>
                 <a:solidFill>
-                  <a:schemeClr val="tx1"/>
+                  <a:srgbClr val="64B164"/>
                 </a:solidFill>
               </a:defRPr>
             </a:lvl1pPr>
@@ -3427,7 +3429,7 @@
           <a:p>
             <a:fld id="{2DB68652-01BB-4E56-9340-87662979ACA3}" type="datetime1">
               <a:rPr lang="fr-FR" smtClean="0"/>
-              <a:t>05/01/2022</a:t>
+              <a:t>08/01/2022</a:t>
             </a:fld>
             <a:endParaRPr lang="fr-FR"/>
           </a:p>
@@ -3771,7 +3773,7 @@
           <a:p>
             <a:fld id="{EC149F96-B5CE-4558-BCAE-5D6484994026}" type="datetime1">
               <a:rPr lang="fr-FR" smtClean="0"/>
-              <a:t>05/01/2022</a:t>
+              <a:t>08/01/2022</a:t>
             </a:fld>
             <a:endParaRPr lang="fr-FR"/>
           </a:p>
@@ -4092,7 +4094,7 @@
           <a:p>
             <a:fld id="{5B90BA0F-8B4E-4DE9-A747-69F5CB516130}" type="datetime1">
               <a:rPr lang="fr-FR" smtClean="0"/>
-              <a:t>05/01/2022</a:t>
+              <a:t>08/01/2022</a:t>
             </a:fld>
             <a:endParaRPr lang="fr-FR"/>
           </a:p>
@@ -4187,7 +4189,7 @@
     <p:bg>
       <p:bgPr>
         <a:solidFill>
-          <a:srgbClr val="A0A0A0"/>
+          <a:srgbClr val="272822"/>
         </a:solidFill>
         <a:effectLst/>
       </p:bgPr>
@@ -4251,7 +4253,11 @@
             </a:lvl1pPr>
           </a:lstStyle>
           <a:p>
-            <a:endParaRPr lang="fr-FR" dirty="0"/>
+            <a:endParaRPr lang="fr-FR" dirty="0">
+              <a:solidFill>
+                <a:srgbClr val="64B164"/>
+              </a:solidFill>
+            </a:endParaRPr>
           </a:p>
         </p:txBody>
       </p:sp>
@@ -4282,11 +4288,20 @@
         </p:spPr>
         <p:txBody>
           <a:bodyPr/>
-          <a:lstStyle/>
+          <a:lstStyle>
+            <a:lvl1pPr>
+              <a:defRPr>
+                <a:solidFill>
+                  <a:srgbClr val="64B164"/>
+                </a:solidFill>
+              </a:defRPr>
+            </a:lvl1pPr>
+          </a:lstStyle>
           <a:p>
             <a:fld id="{C1D57578-8FE2-4469-A516-156BBECEE892}" type="datetime1">
               <a:rPr lang="fr-FR" smtClean="0"/>
-              <a:t>05/01/2022</a:t>
+              <a:pPr/>
+              <a:t>08/01/2022</a:t>
             </a:fld>
             <a:endParaRPr lang="fr-FR"/>
           </a:p>
@@ -4319,7 +4334,15 @@
         </p:spPr>
         <p:txBody>
           <a:bodyPr/>
-          <a:lstStyle/>
+          <a:lstStyle>
+            <a:lvl1pPr>
+              <a:defRPr>
+                <a:solidFill>
+                  <a:srgbClr val="64B164"/>
+                </a:solidFill>
+              </a:defRPr>
+            </a:lvl1pPr>
+          </a:lstStyle>
           <a:p>
             <a:endParaRPr lang="fr-FR"/>
           </a:p>
@@ -4354,7 +4377,11 @@
           <a:bodyPr/>
           <a:lstStyle>
             <a:lvl1pPr algn="r">
-              <a:defRPr/>
+              <a:defRPr>
+                <a:solidFill>
+                  <a:srgbClr val="64B164"/>
+                </a:solidFill>
+              </a:defRPr>
             </a:lvl1pPr>
           </a:lstStyle>
           <a:p>
@@ -4390,43 +4417,95 @@
           </a:bodyPr>
           <a:lstStyle/>
           <a:p>
-            <a:endParaRPr lang="fr-FR" dirty="0"/>
-          </a:p>
-          <a:p>
-            <a:endParaRPr lang="fr-FR" dirty="0"/>
-          </a:p>
-          <a:p>
-            <a:endParaRPr lang="fr-FR" dirty="0"/>
-          </a:p>
-          <a:p>
-            <a:endParaRPr lang="fr-FR" dirty="0"/>
-          </a:p>
-          <a:p>
-            <a:endParaRPr lang="fr-FR" dirty="0"/>
-          </a:p>
-          <a:p>
-            <a:endParaRPr lang="fr-FR" dirty="0"/>
-          </a:p>
-          <a:p>
-            <a:endParaRPr lang="fr-FR" dirty="0"/>
-          </a:p>
-          <a:p>
-            <a:endParaRPr lang="fr-FR" dirty="0"/>
-          </a:p>
-          <a:p>
-            <a:endParaRPr lang="fr-FR" dirty="0"/>
-          </a:p>
-          <a:p>
-            <a:endParaRPr lang="fr-FR" dirty="0"/>
-          </a:p>
-          <a:p>
-            <a:endParaRPr lang="fr-FR" dirty="0"/>
-          </a:p>
-          <a:p>
-            <a:endParaRPr lang="fr-FR" dirty="0"/>
-          </a:p>
-          <a:p>
-            <a:endParaRPr lang="fr-FR" dirty="0"/>
+            <a:endParaRPr lang="fr-FR" dirty="0">
+              <a:solidFill>
+                <a:srgbClr val="64B164"/>
+              </a:solidFill>
+            </a:endParaRPr>
+          </a:p>
+          <a:p>
+            <a:endParaRPr lang="fr-FR" dirty="0">
+              <a:solidFill>
+                <a:srgbClr val="64B164"/>
+              </a:solidFill>
+            </a:endParaRPr>
+          </a:p>
+          <a:p>
+            <a:endParaRPr lang="fr-FR" dirty="0">
+              <a:solidFill>
+                <a:srgbClr val="64B164"/>
+              </a:solidFill>
+            </a:endParaRPr>
+          </a:p>
+          <a:p>
+            <a:endParaRPr lang="fr-FR" dirty="0">
+              <a:solidFill>
+                <a:srgbClr val="64B164"/>
+              </a:solidFill>
+            </a:endParaRPr>
+          </a:p>
+          <a:p>
+            <a:endParaRPr lang="fr-FR" dirty="0">
+              <a:solidFill>
+                <a:srgbClr val="64B164"/>
+              </a:solidFill>
+            </a:endParaRPr>
+          </a:p>
+          <a:p>
+            <a:endParaRPr lang="fr-FR" dirty="0">
+              <a:solidFill>
+                <a:srgbClr val="64B164"/>
+              </a:solidFill>
+            </a:endParaRPr>
+          </a:p>
+          <a:p>
+            <a:endParaRPr lang="fr-FR" dirty="0">
+              <a:solidFill>
+                <a:srgbClr val="64B164"/>
+              </a:solidFill>
+            </a:endParaRPr>
+          </a:p>
+          <a:p>
+            <a:endParaRPr lang="fr-FR" dirty="0">
+              <a:solidFill>
+                <a:srgbClr val="64B164"/>
+              </a:solidFill>
+            </a:endParaRPr>
+          </a:p>
+          <a:p>
+            <a:endParaRPr lang="fr-FR" dirty="0">
+              <a:solidFill>
+                <a:srgbClr val="64B164"/>
+              </a:solidFill>
+            </a:endParaRPr>
+          </a:p>
+          <a:p>
+            <a:endParaRPr lang="fr-FR" dirty="0">
+              <a:solidFill>
+                <a:srgbClr val="64B164"/>
+              </a:solidFill>
+            </a:endParaRPr>
+          </a:p>
+          <a:p>
+            <a:endParaRPr lang="fr-FR" dirty="0">
+              <a:solidFill>
+                <a:srgbClr val="64B164"/>
+              </a:solidFill>
+            </a:endParaRPr>
+          </a:p>
+          <a:p>
+            <a:endParaRPr lang="fr-FR" dirty="0">
+              <a:solidFill>
+                <a:srgbClr val="64B164"/>
+              </a:solidFill>
+            </a:endParaRPr>
+          </a:p>
+          <a:p>
+            <a:endParaRPr lang="fr-FR" dirty="0">
+              <a:solidFill>
+                <a:srgbClr val="64B164"/>
+              </a:solidFill>
+            </a:endParaRPr>
           </a:p>
         </p:txBody>
       </p:sp>
@@ -4658,7 +4737,11 @@
             </a:lvl9pPr>
           </a:lstStyle>
           <a:p>
-            <a:endParaRPr lang="fr-FR" dirty="0"/>
+            <a:endParaRPr lang="fr-FR" dirty="0">
+              <a:solidFill>
+                <a:srgbClr val="64B164"/>
+              </a:solidFill>
+            </a:endParaRPr>
           </a:p>
         </p:txBody>
       </p:sp>
@@ -4697,7 +4780,7 @@
         <a:buNone/>
         <a:defRPr sz="4400" kern="1200">
           <a:solidFill>
-            <a:schemeClr val="tx1"/>
+            <a:srgbClr val="64B164"/>
           </a:solidFill>
           <a:latin typeface="+mn-lt"/>
           <a:ea typeface="+mj-ea"/>
@@ -4717,7 +4800,7 @@
         <a:buChar char="•"/>
         <a:defRPr sz="2800" kern="1200">
           <a:solidFill>
-            <a:schemeClr val="tx1"/>
+            <a:srgbClr val="64B164"/>
           </a:solidFill>
           <a:latin typeface="+mn-lt"/>
           <a:ea typeface="+mn-ea"/>
@@ -4735,7 +4818,7 @@
         <a:buChar char="•"/>
         <a:defRPr sz="2400" kern="1200">
           <a:solidFill>
-            <a:schemeClr val="tx1"/>
+            <a:srgbClr val="64B164"/>
           </a:solidFill>
           <a:latin typeface="+mn-lt"/>
           <a:ea typeface="+mn-ea"/>
@@ -4753,7 +4836,7 @@
         <a:buChar char="•"/>
         <a:defRPr sz="2000" kern="1200">
           <a:solidFill>
-            <a:schemeClr val="tx1"/>
+            <a:srgbClr val="64B164"/>
           </a:solidFill>
           <a:latin typeface="+mn-lt"/>
           <a:ea typeface="+mn-ea"/>
@@ -4771,7 +4854,7 @@
         <a:buChar char="•"/>
         <a:defRPr sz="1800" kern="1200">
           <a:solidFill>
-            <a:schemeClr val="tx1"/>
+            <a:srgbClr val="64B164"/>
           </a:solidFill>
           <a:latin typeface="+mn-lt"/>
           <a:ea typeface="+mn-ea"/>
@@ -4789,7 +4872,7 @@
         <a:buChar char="•"/>
         <a:defRPr sz="1800" kern="1200">
           <a:solidFill>
-            <a:schemeClr val="tx1"/>
+            <a:srgbClr val="64B164"/>
           </a:solidFill>
           <a:latin typeface="+mn-lt"/>
           <a:ea typeface="+mn-ea"/>
@@ -5353,6 +5436,94 @@
       </p:grpSpPr>
       <p:sp>
         <p:nvSpPr>
+          <p:cNvPr id="2" name="Titre 1">
+            <a:extLst>
+              <a:ext uri="{FF2B5EF4-FFF2-40B4-BE49-F238E27FC236}">
+                <a16:creationId xmlns:a16="http://schemas.microsoft.com/office/drawing/2014/main" id="{CDDD166C-6BB7-44CD-B06B-CC20A965ADB2}"/>
+              </a:ext>
+            </a:extLst>
+          </p:cNvPr>
+          <p:cNvSpPr>
+            <a:spLocks noGrp="1"/>
+          </p:cNvSpPr>
+          <p:nvPr>
+            <p:ph type="title"/>
+          </p:nvPr>
+        </p:nvSpPr>
+        <p:spPr/>
+        <p:txBody>
+          <a:bodyPr/>
+          <a:lstStyle/>
+          <a:p>
+            <a:r>
+              <a:rPr lang="fr-FR" dirty="0"/>
+              <a:t>Idées d’améliorations</a:t>
+            </a:r>
+          </a:p>
+        </p:txBody>
+      </p:sp>
+      <p:sp>
+        <p:nvSpPr>
+          <p:cNvPr id="3" name="Espace réservé du numéro de diapositive 2">
+            <a:extLst>
+              <a:ext uri="{FF2B5EF4-FFF2-40B4-BE49-F238E27FC236}">
+                <a16:creationId xmlns:a16="http://schemas.microsoft.com/office/drawing/2014/main" id="{AA751994-A367-4785-93E4-E8C8525BA60C}"/>
+              </a:ext>
+            </a:extLst>
+          </p:cNvPr>
+          <p:cNvSpPr>
+            <a:spLocks noGrp="1"/>
+          </p:cNvSpPr>
+          <p:nvPr>
+            <p:ph type="sldNum" sz="quarter" idx="12"/>
+          </p:nvPr>
+        </p:nvSpPr>
+        <p:spPr/>
+        <p:txBody>
+          <a:bodyPr/>
+          <a:lstStyle/>
+          <a:p>
+            <a:fld id="{2CEE6A89-DFCB-4FC8-A1BB-9845AC41F306}" type="slidenum">
+              <a:rPr lang="fr-FR" smtClean="0"/>
+              <a:pPr/>
+              <a:t>10</a:t>
+            </a:fld>
+            <a:endParaRPr lang="fr-FR" dirty="0"/>
+          </a:p>
+        </p:txBody>
+      </p:sp>
+    </p:spTree>
+    <p:extLst>
+      <p:ext uri="{BB962C8B-B14F-4D97-AF65-F5344CB8AC3E}">
+        <p14:creationId xmlns:p14="http://schemas.microsoft.com/office/powerpoint/2010/main" val="1515443543"/>
+      </p:ext>
+    </p:extLst>
+  </p:cSld>
+  <p:clrMapOvr>
+    <a:masterClrMapping/>
+  </p:clrMapOvr>
+</p:sld>
+</file>
+
+<file path=ppt/slides/slide11.xml><?xml version="1.0" encoding="utf-8"?>
+<p:sld xmlns:a="http://schemas.openxmlformats.org/drawingml/2006/main" xmlns:r="http://schemas.openxmlformats.org/officeDocument/2006/relationships" xmlns:p="http://schemas.openxmlformats.org/presentationml/2006/main">
+  <p:cSld>
+    <p:spTree>
+      <p:nvGrpSpPr>
+        <p:cNvPr id="1" name=""/>
+        <p:cNvGrpSpPr/>
+        <p:nvPr/>
+      </p:nvGrpSpPr>
+      <p:grpSpPr>
+        <a:xfrm>
+          <a:off x="0" y="0"/>
+          <a:ext cx="0" cy="0"/>
+          <a:chOff x="0" y="0"/>
+          <a:chExt cx="0" cy="0"/>
+        </a:xfrm>
+      </p:grpSpPr>
+      <p:sp>
+        <p:nvSpPr>
           <p:cNvPr id="5" name="ZoneTexte 4">
             <a:extLst>
               <a:ext uri="{FF2B5EF4-FFF2-40B4-BE49-F238E27FC236}">
@@ -5410,7 +5581,7 @@
             <a:fld id="{2CEE6A89-DFCB-4FC8-A1BB-9845AC41F306}" type="slidenum">
               <a:rPr lang="fr-FR" smtClean="0"/>
               <a:pPr/>
-              <a:t>10</a:t>
+              <a:t>11</a:t>
             </a:fld>
             <a:endParaRPr lang="fr-FR" dirty="0"/>
           </a:p>
@@ -5507,7 +5678,11 @@
               <a:buChar char="-"/>
             </a:pPr>
             <a:r>
-              <a:rPr lang="fr-FR" sz="2400" dirty="0"/>
+              <a:rPr lang="fr-FR" sz="2400" dirty="0">
+                <a:solidFill>
+                  <a:srgbClr val="64B164"/>
+                </a:solidFill>
+              </a:rPr>
               <a:t>bruteforce.py</a:t>
             </a:r>
           </a:p>
@@ -5517,7 +5692,11 @@
               <a:buChar char="-"/>
             </a:pPr>
             <a:r>
-              <a:rPr lang="fr-FR" sz="2400" dirty="0"/>
+              <a:rPr lang="fr-FR" sz="2400" dirty="0">
+                <a:solidFill>
+                  <a:srgbClr val="64B164"/>
+                </a:solidFill>
+              </a:rPr>
               <a:t>Pseudocode</a:t>
             </a:r>
           </a:p>
@@ -5527,7 +5706,11 @@
               <a:buChar char="-"/>
             </a:pPr>
             <a:r>
-              <a:rPr lang="fr-FR" sz="2400" dirty="0"/>
+              <a:rPr lang="fr-FR" sz="2400" dirty="0">
+                <a:solidFill>
+                  <a:srgbClr val="64B164"/>
+                </a:solidFill>
+              </a:rPr>
               <a:t>Performances</a:t>
             </a:r>
           </a:p>
@@ -5537,7 +5720,11 @@
               <a:buChar char="-"/>
             </a:pPr>
             <a:r>
-              <a:rPr lang="fr-FR" sz="2400" dirty="0"/>
+              <a:rPr lang="fr-FR" sz="2400" dirty="0">
+                <a:solidFill>
+                  <a:srgbClr val="64B164"/>
+                </a:solidFill>
+              </a:rPr>
               <a:t>optimized.py</a:t>
             </a:r>
           </a:p>
@@ -5547,7 +5734,11 @@
               <a:buChar char="-"/>
             </a:pPr>
             <a:r>
-              <a:rPr lang="fr-FR" sz="2400" dirty="0"/>
+              <a:rPr lang="fr-FR" sz="2400" dirty="0">
+                <a:solidFill>
+                  <a:srgbClr val="64B164"/>
+                </a:solidFill>
+              </a:rPr>
               <a:t>Pseudocode et/ou diagramme</a:t>
             </a:r>
           </a:p>
@@ -5557,7 +5748,11 @@
               <a:buChar char="-"/>
             </a:pPr>
             <a:r>
-              <a:rPr lang="fr-FR" sz="2400" dirty="0"/>
+              <a:rPr lang="fr-FR" sz="2400" dirty="0">
+                <a:solidFill>
+                  <a:srgbClr val="64B164"/>
+                </a:solidFill>
+              </a:rPr>
               <a:t>Cas limites</a:t>
             </a:r>
           </a:p>
@@ -5567,7 +5762,11 @@
               <a:buChar char="-"/>
             </a:pPr>
             <a:r>
-              <a:rPr lang="fr-FR" sz="2400" dirty="0"/>
+              <a:rPr lang="fr-FR" sz="2400" dirty="0">
+                <a:solidFill>
+                  <a:srgbClr val="64B164"/>
+                </a:solidFill>
+              </a:rPr>
               <a:t>Comparaisons performances</a:t>
             </a:r>
           </a:p>
@@ -5576,14 +5775,22 @@
               <a:buFontTx/>
               <a:buChar char="-"/>
             </a:pPr>
-            <a:endParaRPr lang="fr-FR" sz="2400" dirty="0"/>
+            <a:endParaRPr lang="fr-FR" sz="2400" dirty="0">
+              <a:solidFill>
+                <a:srgbClr val="64B164"/>
+              </a:solidFill>
+            </a:endParaRPr>
           </a:p>
           <a:p>
             <a:pPr marL="742950" lvl="1" indent="-285750">
               <a:buFontTx/>
               <a:buChar char="-"/>
             </a:pPr>
-            <a:endParaRPr lang="fr-FR" sz="2400" dirty="0"/>
+            <a:endParaRPr lang="fr-FR" sz="2400" dirty="0">
+              <a:solidFill>
+                <a:srgbClr val="64B164"/>
+              </a:solidFill>
+            </a:endParaRPr>
           </a:p>
         </p:txBody>
       </p:sp>
@@ -5639,14 +5846,13 @@
               </a:ext>
             </a:extLst>
           </a:blip>
-          <a:stretch>
-            <a:fillRect/>
-          </a:stretch>
+          <a:srcRect/>
+          <a:stretch/>
         </p:blipFill>
         <p:spPr>
           <a:xfrm>
-            <a:off x="828000" y="1440000"/>
-            <a:ext cx="9397160" cy="5040000"/>
+            <a:off x="360000" y="1440000"/>
+            <a:ext cx="6972932" cy="5040000"/>
           </a:xfrm>
           <a:prstGeom prst="rect">
             <a:avLst/>
@@ -5718,10 +5924,10 @@
       </p:sp>
       <p:sp>
         <p:nvSpPr>
-          <p:cNvPr id="11" name="Accolade fermante 10">
+          <p:cNvPr id="12" name="Accolade fermante 11">
             <a:extLst>
               <a:ext uri="{FF2B5EF4-FFF2-40B4-BE49-F238E27FC236}">
-                <a16:creationId xmlns:a16="http://schemas.microsoft.com/office/drawing/2014/main" id="{CB9E246E-664B-45CB-AF40-2707547698F2}"/>
+                <a16:creationId xmlns:a16="http://schemas.microsoft.com/office/drawing/2014/main" id="{F3B61D8F-8C43-47F0-BC2C-435AA8AF6070}"/>
               </a:ext>
             </a:extLst>
           </p:cNvPr>
@@ -5730,8 +5936,8 @@
         </p:nvSpPr>
         <p:spPr>
           <a:xfrm>
-            <a:off x="5255017" y="1798730"/>
-            <a:ext cx="362583" cy="431800"/>
+            <a:off x="6422516" y="2185823"/>
+            <a:ext cx="362583" cy="897759"/>
           </a:xfrm>
           <a:prstGeom prst="rightBrace">
             <a:avLst>
@@ -5764,16 +5970,16 @@
           <a:lstStyle/>
           <a:p>
             <a:pPr algn="ctr"/>
-            <a:endParaRPr lang="fr-FR"/>
-          </a:p>
-        </p:txBody>
-      </p:sp>
-      <p:sp>
-        <p:nvSpPr>
-          <p:cNvPr id="12" name="Accolade fermante 11">
+            <a:endParaRPr lang="fr-FR" dirty="0"/>
+          </a:p>
+        </p:txBody>
+      </p:sp>
+      <p:sp>
+        <p:nvSpPr>
+          <p:cNvPr id="13" name="Accolade fermante 12">
             <a:extLst>
               <a:ext uri="{FF2B5EF4-FFF2-40B4-BE49-F238E27FC236}">
-                <a16:creationId xmlns:a16="http://schemas.microsoft.com/office/drawing/2014/main" id="{F3B61D8F-8C43-47F0-BC2C-435AA8AF6070}"/>
+                <a16:creationId xmlns:a16="http://schemas.microsoft.com/office/drawing/2014/main" id="{DAA41E13-FFC9-4F1A-8375-ED310C91907E}"/>
               </a:ext>
             </a:extLst>
           </p:cNvPr>
@@ -5782,8 +5988,8 @@
         </p:nvSpPr>
         <p:spPr>
           <a:xfrm>
-            <a:off x="5255650" y="2339186"/>
-            <a:ext cx="362583" cy="431800"/>
+            <a:off x="6416161" y="3389798"/>
+            <a:ext cx="362583" cy="1011207"/>
           </a:xfrm>
           <a:prstGeom prst="rightBrace">
             <a:avLst>
@@ -5822,10 +6028,10 @@
       </p:sp>
       <p:sp>
         <p:nvSpPr>
-          <p:cNvPr id="13" name="Accolade fermante 12">
+          <p:cNvPr id="17" name="Accolade fermante 16">
             <a:extLst>
               <a:ext uri="{FF2B5EF4-FFF2-40B4-BE49-F238E27FC236}">
-                <a16:creationId xmlns:a16="http://schemas.microsoft.com/office/drawing/2014/main" id="{DAA41E13-FFC9-4F1A-8375-ED310C91907E}"/>
+                <a16:creationId xmlns:a16="http://schemas.microsoft.com/office/drawing/2014/main" id="{12461E6B-4CAA-4259-B0E8-8E5F082F43D1}"/>
               </a:ext>
             </a:extLst>
           </p:cNvPr>
@@ -5834,8 +6040,8 @@
         </p:nvSpPr>
         <p:spPr>
           <a:xfrm>
-            <a:off x="5249297" y="2917138"/>
-            <a:ext cx="362583" cy="1523069"/>
+            <a:off x="6416161" y="4759169"/>
+            <a:ext cx="362583" cy="1597183"/>
           </a:xfrm>
           <a:prstGeom prst="rightBrace">
             <a:avLst>
@@ -5874,10 +6080,1503 @@
       </p:sp>
       <p:sp>
         <p:nvSpPr>
-          <p:cNvPr id="14" name="Accolade fermante 13">
+          <p:cNvPr id="25" name="ZoneTexte 24">
             <a:extLst>
               <a:ext uri="{FF2B5EF4-FFF2-40B4-BE49-F238E27FC236}">
-                <a16:creationId xmlns:a16="http://schemas.microsoft.com/office/drawing/2014/main" id="{48EFF560-BB3B-49A1-B6F5-B9176D87E3C9}"/>
+                <a16:creationId xmlns:a16="http://schemas.microsoft.com/office/drawing/2014/main" id="{BFC19CDB-26D5-4AE0-8C46-A91296F51749}"/>
+              </a:ext>
+            </a:extLst>
+          </p:cNvPr>
+          <p:cNvSpPr txBox="1"/>
+          <p:nvPr/>
+        </p:nvSpPr>
+        <p:spPr>
+          <a:xfrm>
+            <a:off x="1531872" y="59970"/>
+            <a:ext cx="4585807" cy="646331"/>
+          </a:xfrm>
+          <a:prstGeom prst="rect">
+            <a:avLst/>
+          </a:prstGeom>
+          <a:noFill/>
+        </p:spPr>
+        <p:txBody>
+          <a:bodyPr wrap="none" rtlCol="0">
+            <a:spAutoFit/>
+          </a:bodyPr>
+          <a:lstStyle/>
+          <a:p>
+            <a:r>
+              <a:rPr lang="fr-FR" dirty="0"/>
+              <a:t>Anas, si dans l’idée, c’est correct, </a:t>
+            </a:r>
+          </a:p>
+          <a:p>
+            <a:r>
+              <a:rPr lang="fr-FR" dirty="0"/>
+              <a:t>alors je ferais un meilleur découpage des slides</a:t>
+            </a:r>
+          </a:p>
+        </p:txBody>
+      </p:sp>
+      <mc:AlternateContent xmlns:mc="http://schemas.openxmlformats.org/markup-compatibility/2006">
+        <mc:Choice xmlns:a14="http://schemas.microsoft.com/office/drawing/2010/main" Requires="a14">
+          <p:sp>
+            <p:nvSpPr>
+              <p:cNvPr id="4" name="ZoneTexte 3">
+                <a:extLst>
+                  <a:ext uri="{FF2B5EF4-FFF2-40B4-BE49-F238E27FC236}">
+                    <a16:creationId xmlns:a16="http://schemas.microsoft.com/office/drawing/2014/main" id="{B3D06FFB-AA9B-43B8-9DF2-77B0B6144207}"/>
+                  </a:ext>
+                </a:extLst>
+              </p:cNvPr>
+              <p:cNvSpPr txBox="1"/>
+              <p:nvPr/>
+            </p:nvSpPr>
+            <p:spPr>
+              <a:xfrm>
+                <a:off x="8406789" y="121212"/>
+                <a:ext cx="3823354" cy="1200329"/>
+              </a:xfrm>
+              <a:prstGeom prst="rect">
+                <a:avLst/>
+              </a:prstGeom>
+              <a:noFill/>
+              <a:ln>
+                <a:solidFill>
+                  <a:schemeClr val="tx1"/>
+                </a:solidFill>
+              </a:ln>
+            </p:spPr>
+            <p:txBody>
+              <a:bodyPr wrap="none" rtlCol="0">
+                <a:spAutoFit/>
+              </a:bodyPr>
+              <a:lstStyle/>
+              <a:p>
+                <a:r>
+                  <a:rPr lang="fr-FR" dirty="0">
+                    <a:solidFill>
+                      <a:srgbClr val="64B164"/>
+                    </a:solidFill>
+                  </a:rPr>
+                  <a:t>n = nombre d’actions du fichier</a:t>
+                </a:r>
+              </a:p>
+              <a:p>
+                <a:r>
+                  <a:rPr lang="fr-FR" dirty="0">
+                    <a:solidFill>
+                      <a:srgbClr val="64B164"/>
+                    </a:solidFill>
+                  </a:rPr>
+                  <a:t>C</a:t>
+                </a:r>
+                <a:r>
+                  <a:rPr lang="fr-FR" baseline="-25000" dirty="0">
+                    <a:solidFill>
+                      <a:srgbClr val="64B164"/>
+                    </a:solidFill>
+                  </a:rPr>
+                  <a:t>i</a:t>
+                </a:r>
+                <a:r>
+                  <a:rPr lang="fr-FR" dirty="0">
+                    <a:solidFill>
+                      <a:srgbClr val="64B164"/>
+                    </a:solidFill>
+                  </a:rPr>
+                  <a:t> = Constante de la fonction i</a:t>
+                </a:r>
+              </a:p>
+              <a:p>
+                <a:r>
+                  <a:rPr lang="fr-FR" dirty="0">
+                    <a:solidFill>
+                      <a:srgbClr val="64B164"/>
+                    </a:solidFill>
+                  </a:rPr>
+                  <a:t>n</a:t>
+                </a:r>
+                <a:r>
+                  <a:rPr lang="fr-FR" baseline="-25000" dirty="0">
+                    <a:solidFill>
+                      <a:srgbClr val="64B164"/>
+                    </a:solidFill>
+                  </a:rPr>
+                  <a:t>a</a:t>
+                </a:r>
+                <a:r>
+                  <a:rPr lang="fr-FR" dirty="0">
+                    <a:solidFill>
+                      <a:srgbClr val="64B164"/>
+                    </a:solidFill>
+                  </a:rPr>
+                  <a:t> = nombre actions de la combinaison</a:t>
+                </a:r>
+              </a:p>
+              <a:p>
+                <a14:m>
+                  <m:oMath xmlns:m="http://schemas.openxmlformats.org/officeDocument/2006/math">
+                    <m:r>
+                      <a:rPr lang="fr-FR" i="1">
+                        <a:solidFill>
+                          <a:srgbClr val="64B164"/>
+                        </a:solidFill>
+                        <a:latin typeface="Cambria Math" panose="02040503050406030204" pitchFamily="18" charset="0"/>
+                      </a:rPr>
+                      <m:t>𝜖</m:t>
+                    </m:r>
+                    <m:r>
+                      <m:rPr>
+                        <m:sty m:val="p"/>
+                      </m:rPr>
+                      <a:rPr lang="fr-FR" b="0" i="0" baseline="-25000" smtClean="0">
+                        <a:solidFill>
+                          <a:srgbClr val="64B164"/>
+                        </a:solidFill>
+                        <a:latin typeface="Cambria Math" panose="02040503050406030204" pitchFamily="18" charset="0"/>
+                      </a:rPr>
+                      <m:t>i</m:t>
+                    </m:r>
+                  </m:oMath>
+                </a14:m>
+                <a:r>
+                  <a:rPr lang="fr-FR" dirty="0">
+                    <a:solidFill>
+                      <a:srgbClr val="64B164"/>
+                    </a:solidFill>
+                  </a:rPr>
+                  <a:t> = négligeables</a:t>
+                </a:r>
+              </a:p>
+            </p:txBody>
+          </p:sp>
+        </mc:Choice>
+        <mc:Fallback>
+          <p:sp>
+            <p:nvSpPr>
+              <p:cNvPr id="4" name="ZoneTexte 3">
+                <a:extLst>
+                  <a:ext uri="{FF2B5EF4-FFF2-40B4-BE49-F238E27FC236}">
+                    <a16:creationId xmlns:a16="http://schemas.microsoft.com/office/drawing/2014/main" id="{B3D06FFB-AA9B-43B8-9DF2-77B0B6144207}"/>
+                  </a:ext>
+                </a:extLst>
+              </p:cNvPr>
+              <p:cNvSpPr txBox="1">
+                <a:spLocks noRot="1" noChangeAspect="1" noMove="1" noResize="1" noEditPoints="1" noAdjustHandles="1" noChangeArrowheads="1" noChangeShapeType="1" noTextEdit="1"/>
+              </p:cNvSpPr>
+              <p:nvPr/>
+            </p:nvSpPr>
+            <p:spPr>
+              <a:xfrm>
+                <a:off x="8406789" y="121212"/>
+                <a:ext cx="3823354" cy="1200329"/>
+              </a:xfrm>
+              <a:prstGeom prst="rect">
+                <a:avLst/>
+              </a:prstGeom>
+              <a:blipFill>
+                <a:blip r:embed="rId3"/>
+                <a:stretch>
+                  <a:fillRect l="-1113" t="-2513" r="-795" b="-6533"/>
+                </a:stretch>
+              </a:blipFill>
+              <a:ln>
+                <a:solidFill>
+                  <a:schemeClr val="tx1"/>
+                </a:solidFill>
+              </a:ln>
+            </p:spPr>
+            <p:txBody>
+              <a:bodyPr/>
+              <a:lstStyle/>
+              <a:p>
+                <a:r>
+                  <a:rPr lang="fr-FR">
+                    <a:noFill/>
+                  </a:rPr>
+                  <a:t> </a:t>
+                </a:r>
+              </a:p>
+            </p:txBody>
+          </p:sp>
+        </mc:Fallback>
+      </mc:AlternateContent>
+      <mc:AlternateContent xmlns:mc="http://schemas.openxmlformats.org/markup-compatibility/2006">
+        <mc:Choice xmlns:a14="http://schemas.microsoft.com/office/drawing/2010/main" Requires="a14">
+          <p:sp>
+            <p:nvSpPr>
+              <p:cNvPr id="5" name="Rectangle 4">
+                <a:extLst>
+                  <a:ext uri="{FF2B5EF4-FFF2-40B4-BE49-F238E27FC236}">
+                    <a16:creationId xmlns:a16="http://schemas.microsoft.com/office/drawing/2014/main" id="{432DD7BD-1D75-448C-B1CE-AA1C28567E26}"/>
+                  </a:ext>
+                </a:extLst>
+              </p:cNvPr>
+              <p:cNvSpPr/>
+              <p:nvPr/>
+            </p:nvSpPr>
+            <p:spPr>
+              <a:xfrm>
+                <a:off x="7020000" y="2450036"/>
+                <a:ext cx="3047822" cy="369332"/>
+              </a:xfrm>
+              <a:prstGeom prst="rect">
+                <a:avLst/>
+              </a:prstGeom>
+            </p:spPr>
+            <p:txBody>
+              <a:bodyPr wrap="none">
+                <a:spAutoFit/>
+              </a:bodyPr>
+              <a:lstStyle/>
+              <a:p>
+                <a:pPr/>
+                <a14:m>
+                  <m:oMathPara xmlns:m="http://schemas.openxmlformats.org/officeDocument/2006/math">
+                    <m:oMathParaPr>
+                      <m:jc m:val="left"/>
+                    </m:oMathParaPr>
+                    <m:oMath xmlns:m="http://schemas.openxmlformats.org/officeDocument/2006/math">
+                      <m:sSub>
+                        <m:sSubPr>
+                          <m:ctrlPr>
+                            <a:rPr lang="fr-FR" smtClean="0">
+                              <a:solidFill>
+                                <a:srgbClr val="66D9EF"/>
+                              </a:solidFill>
+                              <a:latin typeface="Cambria Math" panose="02040503050406030204" pitchFamily="18" charset="0"/>
+                            </a:rPr>
+                          </m:ctrlPr>
+                        </m:sSubPr>
+                        <m:e>
+                          <m:r>
+                            <m:rPr>
+                              <m:sty m:val="p"/>
+                            </m:rPr>
+                            <a:rPr lang="fr-FR">
+                              <a:solidFill>
+                                <a:srgbClr val="66D9EF"/>
+                              </a:solidFill>
+                              <a:latin typeface="Cambria Math" panose="02040503050406030204" pitchFamily="18" charset="0"/>
+                            </a:rPr>
+                            <m:t>Ο</m:t>
+                          </m:r>
+                        </m:e>
+                        <m:sub>
+                          <m:r>
+                            <a:rPr lang="fr-FR" i="0">
+                              <a:solidFill>
+                                <a:srgbClr val="66D9EF"/>
+                              </a:solidFill>
+                              <a:latin typeface="Cambria Math" panose="02040503050406030204" pitchFamily="18" charset="0"/>
+                            </a:rPr>
+                            <m:t>1</m:t>
+                          </m:r>
+                        </m:sub>
+                      </m:sSub>
+                      <m:d>
+                        <m:dPr>
+                          <m:ctrlPr>
+                            <a:rPr lang="fr-FR" i="1">
+                              <a:solidFill>
+                                <a:srgbClr val="66D9EF"/>
+                              </a:solidFill>
+                              <a:latin typeface="Cambria Math" panose="02040503050406030204" pitchFamily="18" charset="0"/>
+                            </a:rPr>
+                          </m:ctrlPr>
+                        </m:dPr>
+                        <m:e>
+                          <m:r>
+                            <a:rPr lang="fr-FR" i="1">
+                              <a:solidFill>
+                                <a:srgbClr val="66D9EF"/>
+                              </a:solidFill>
+                              <a:latin typeface="Cambria Math" panose="02040503050406030204" pitchFamily="18" charset="0"/>
+                            </a:rPr>
+                            <m:t>𝑛</m:t>
+                          </m:r>
+                          <m:r>
+                            <a:rPr lang="fr-FR" i="0">
+                              <a:solidFill>
+                                <a:srgbClr val="66D9EF"/>
+                              </a:solidFill>
+                              <a:latin typeface="Cambria Math" panose="02040503050406030204" pitchFamily="18" charset="0"/>
+                            </a:rPr>
+                            <m:t>+</m:t>
+                          </m:r>
+                          <m:sSub>
+                            <m:sSubPr>
+                              <m:ctrlPr>
+                                <a:rPr lang="fr-FR" i="1">
+                                  <a:solidFill>
+                                    <a:srgbClr val="66D9EF"/>
+                                  </a:solidFill>
+                                  <a:latin typeface="Cambria Math" panose="02040503050406030204" pitchFamily="18" charset="0"/>
+                                </a:rPr>
+                              </m:ctrlPr>
+                            </m:sSubPr>
+                            <m:e>
+                              <m:r>
+                                <a:rPr lang="fr-FR" i="1">
+                                  <a:solidFill>
+                                    <a:srgbClr val="66D9EF"/>
+                                  </a:solidFill>
+                                  <a:latin typeface="Cambria Math" panose="02040503050406030204" pitchFamily="18" charset="0"/>
+                                </a:rPr>
+                                <m:t>𝐶</m:t>
+                              </m:r>
+                            </m:e>
+                            <m:sub>
+                              <m:r>
+                                <a:rPr lang="fr-FR" i="0">
+                                  <a:solidFill>
+                                    <a:srgbClr val="66D9EF"/>
+                                  </a:solidFill>
+                                  <a:latin typeface="Cambria Math" panose="02040503050406030204" pitchFamily="18" charset="0"/>
+                                </a:rPr>
+                                <m:t>1</m:t>
+                              </m:r>
+                            </m:sub>
+                          </m:sSub>
+                        </m:e>
+                      </m:d>
+                      <m:r>
+                        <a:rPr lang="fr-FR" b="0" i="0" smtClean="0">
+                          <a:solidFill>
+                            <a:srgbClr val="66D9EF"/>
+                          </a:solidFill>
+                          <a:latin typeface="Cambria Math" panose="02040503050406030204" pitchFamily="18" charset="0"/>
+                        </a:rPr>
+                        <m:t>   </m:t>
+                      </m:r>
+                      <m:r>
+                        <a:rPr lang="fr-FR" i="0">
+                          <a:solidFill>
+                            <a:srgbClr val="66D9EF"/>
+                          </a:solidFill>
+                          <a:latin typeface="Cambria Math" panose="02040503050406030204" pitchFamily="18" charset="0"/>
+                        </a:rPr>
+                        <m:t>=</m:t>
+                      </m:r>
+                      <m:r>
+                        <a:rPr lang="fr-FR" b="0" i="1" smtClean="0">
+                          <a:solidFill>
+                            <a:srgbClr val="66D9EF"/>
+                          </a:solidFill>
+                          <a:latin typeface="Cambria Math" panose="02040503050406030204" pitchFamily="18" charset="0"/>
+                        </a:rPr>
+                        <m:t>   </m:t>
+                      </m:r>
+                      <m:sSub>
+                        <m:sSubPr>
+                          <m:ctrlPr>
+                            <a:rPr lang="fr-FR" i="1">
+                              <a:solidFill>
+                                <a:srgbClr val="66D9EF"/>
+                              </a:solidFill>
+                              <a:latin typeface="Cambria Math" panose="02040503050406030204" pitchFamily="18" charset="0"/>
+                            </a:rPr>
+                          </m:ctrlPr>
+                        </m:sSubPr>
+                        <m:e>
+                          <m:r>
+                            <m:rPr>
+                              <m:sty m:val="p"/>
+                            </m:rPr>
+                            <a:rPr lang="fr-FR" i="0">
+                              <a:solidFill>
+                                <a:srgbClr val="66D9EF"/>
+                              </a:solidFill>
+                              <a:latin typeface="Cambria Math" panose="02040503050406030204" pitchFamily="18" charset="0"/>
+                            </a:rPr>
+                            <m:t>Ο</m:t>
+                          </m:r>
+                        </m:e>
+                        <m:sub>
+                          <m:r>
+                            <a:rPr lang="fr-FR" i="0">
+                              <a:solidFill>
+                                <a:srgbClr val="66D9EF"/>
+                              </a:solidFill>
+                              <a:latin typeface="Cambria Math" panose="02040503050406030204" pitchFamily="18" charset="0"/>
+                            </a:rPr>
+                            <m:t>1</m:t>
+                          </m:r>
+                        </m:sub>
+                      </m:sSub>
+                      <m:d>
+                        <m:dPr>
+                          <m:ctrlPr>
+                            <a:rPr lang="fr-FR" i="1">
+                              <a:solidFill>
+                                <a:srgbClr val="66D9EF"/>
+                              </a:solidFill>
+                              <a:latin typeface="Cambria Math" panose="02040503050406030204" pitchFamily="18" charset="0"/>
+                            </a:rPr>
+                          </m:ctrlPr>
+                        </m:dPr>
+                        <m:e>
+                          <m:r>
+                            <a:rPr lang="fr-FR" i="1">
+                              <a:solidFill>
+                                <a:srgbClr val="66D9EF"/>
+                              </a:solidFill>
+                              <a:latin typeface="Cambria Math" panose="02040503050406030204" pitchFamily="18" charset="0"/>
+                            </a:rPr>
+                            <m:t>𝑛</m:t>
+                          </m:r>
+                        </m:e>
+                      </m:d>
+                      <m:r>
+                        <a:rPr lang="fr-FR" i="0">
+                          <a:solidFill>
+                            <a:srgbClr val="66D9EF"/>
+                          </a:solidFill>
+                          <a:latin typeface="Cambria Math" panose="02040503050406030204" pitchFamily="18" charset="0"/>
+                        </a:rPr>
+                        <m:t>+</m:t>
+                      </m:r>
+                      <m:sSub>
+                        <m:sSubPr>
+                          <m:ctrlPr>
+                            <a:rPr lang="fr-FR" i="1">
+                              <a:solidFill>
+                                <a:srgbClr val="66D9EF"/>
+                              </a:solidFill>
+                              <a:latin typeface="Cambria Math" panose="02040503050406030204" pitchFamily="18" charset="0"/>
+                            </a:rPr>
+                          </m:ctrlPr>
+                        </m:sSubPr>
+                        <m:e>
+                          <m:r>
+                            <a:rPr lang="fr-FR" i="1">
+                              <a:solidFill>
+                                <a:srgbClr val="66D9EF"/>
+                              </a:solidFill>
+                              <a:latin typeface="Cambria Math" panose="02040503050406030204" pitchFamily="18" charset="0"/>
+                            </a:rPr>
+                            <m:t>𝜖</m:t>
+                          </m:r>
+                        </m:e>
+                        <m:sub>
+                          <m:r>
+                            <a:rPr lang="fr-FR" i="0">
+                              <a:solidFill>
+                                <a:srgbClr val="66D9EF"/>
+                              </a:solidFill>
+                              <a:latin typeface="Cambria Math" panose="02040503050406030204" pitchFamily="18" charset="0"/>
+                            </a:rPr>
+                            <m:t>1</m:t>
+                          </m:r>
+                        </m:sub>
+                      </m:sSub>
+                    </m:oMath>
+                  </m:oMathPara>
+                </a14:m>
+                <a:endParaRPr lang="fr-FR" dirty="0">
+                  <a:solidFill>
+                    <a:srgbClr val="66D9EF"/>
+                  </a:solidFill>
+                </a:endParaRPr>
+              </a:p>
+            </p:txBody>
+          </p:sp>
+        </mc:Choice>
+        <mc:Fallback>
+          <p:sp>
+            <p:nvSpPr>
+              <p:cNvPr id="5" name="Rectangle 4">
+                <a:extLst>
+                  <a:ext uri="{FF2B5EF4-FFF2-40B4-BE49-F238E27FC236}">
+                    <a16:creationId xmlns:a16="http://schemas.microsoft.com/office/drawing/2014/main" id="{432DD7BD-1D75-448C-B1CE-AA1C28567E26}"/>
+                  </a:ext>
+                </a:extLst>
+              </p:cNvPr>
+              <p:cNvSpPr>
+                <a:spLocks noRot="1" noChangeAspect="1" noMove="1" noResize="1" noEditPoints="1" noAdjustHandles="1" noChangeArrowheads="1" noChangeShapeType="1" noTextEdit="1"/>
+              </p:cNvSpPr>
+              <p:nvPr/>
+            </p:nvSpPr>
+            <p:spPr>
+              <a:xfrm>
+                <a:off x="7020000" y="2450036"/>
+                <a:ext cx="3047822" cy="369332"/>
+              </a:xfrm>
+              <a:prstGeom prst="rect">
+                <a:avLst/>
+              </a:prstGeom>
+              <a:blipFill>
+                <a:blip r:embed="rId4"/>
+                <a:stretch>
+                  <a:fillRect/>
+                </a:stretch>
+              </a:blipFill>
+            </p:spPr>
+            <p:txBody>
+              <a:bodyPr/>
+              <a:lstStyle/>
+              <a:p>
+                <a:r>
+                  <a:rPr lang="fr-FR">
+                    <a:noFill/>
+                  </a:rPr>
+                  <a:t> </a:t>
+                </a:r>
+              </a:p>
+            </p:txBody>
+          </p:sp>
+        </mc:Fallback>
+      </mc:AlternateContent>
+      <mc:AlternateContent xmlns:mc="http://schemas.openxmlformats.org/markup-compatibility/2006">
+        <mc:Choice xmlns:a14="http://schemas.microsoft.com/office/drawing/2010/main" Requires="a14">
+          <p:sp>
+            <p:nvSpPr>
+              <p:cNvPr id="6" name="Rectangle 5">
+                <a:extLst>
+                  <a:ext uri="{FF2B5EF4-FFF2-40B4-BE49-F238E27FC236}">
+                    <a16:creationId xmlns:a16="http://schemas.microsoft.com/office/drawing/2014/main" id="{169F74C3-6EEA-41E1-B6F7-95E0D7E87DA1}"/>
+                  </a:ext>
+                </a:extLst>
+              </p:cNvPr>
+              <p:cNvSpPr/>
+              <p:nvPr/>
+            </p:nvSpPr>
+            <p:spPr>
+              <a:xfrm>
+                <a:off x="7020000" y="3710735"/>
+                <a:ext cx="4327980" cy="369332"/>
+              </a:xfrm>
+              <a:prstGeom prst="rect">
+                <a:avLst/>
+              </a:prstGeom>
+            </p:spPr>
+            <p:txBody>
+              <a:bodyPr wrap="none">
+                <a:spAutoFit/>
+              </a:bodyPr>
+              <a:lstStyle/>
+              <a:p>
+                <a:pPr/>
+                <a14:m>
+                  <m:oMathPara xmlns:m="http://schemas.openxmlformats.org/officeDocument/2006/math">
+                    <m:oMathParaPr>
+                      <m:jc m:val="left"/>
+                    </m:oMathParaPr>
+                    <m:oMath xmlns:m="http://schemas.openxmlformats.org/officeDocument/2006/math">
+                      <m:sSub>
+                        <m:sSubPr>
+                          <m:ctrlPr>
+                            <a:rPr lang="fr-FR" smtClean="0">
+                              <a:solidFill>
+                                <a:srgbClr val="66D9EF"/>
+                              </a:solidFill>
+                              <a:latin typeface="Cambria Math" panose="02040503050406030204" pitchFamily="18" charset="0"/>
+                            </a:rPr>
+                          </m:ctrlPr>
+                        </m:sSubPr>
+                        <m:e>
+                          <m:r>
+                            <m:rPr>
+                              <m:sty m:val="p"/>
+                            </m:rPr>
+                            <a:rPr lang="fr-FR">
+                              <a:solidFill>
+                                <a:srgbClr val="66D9EF"/>
+                              </a:solidFill>
+                              <a:latin typeface="Cambria Math" panose="02040503050406030204" pitchFamily="18" charset="0"/>
+                            </a:rPr>
+                            <m:t>Ο</m:t>
+                          </m:r>
+                        </m:e>
+                        <m:sub>
+                          <m:r>
+                            <a:rPr lang="fr-FR" i="0">
+                              <a:solidFill>
+                                <a:srgbClr val="66D9EF"/>
+                              </a:solidFill>
+                              <a:latin typeface="Cambria Math" panose="02040503050406030204" pitchFamily="18" charset="0"/>
+                            </a:rPr>
+                            <m:t>2</m:t>
+                          </m:r>
+                        </m:sub>
+                      </m:sSub>
+                      <m:d>
+                        <m:dPr>
+                          <m:ctrlPr>
+                            <a:rPr lang="fr-FR" i="1">
+                              <a:solidFill>
+                                <a:srgbClr val="66D9EF"/>
+                              </a:solidFill>
+                              <a:latin typeface="Cambria Math" panose="02040503050406030204" pitchFamily="18" charset="0"/>
+                            </a:rPr>
+                          </m:ctrlPr>
+                        </m:dPr>
+                        <m:e>
+                          <m:r>
+                            <a:rPr lang="fr-FR" i="0">
+                              <a:solidFill>
+                                <a:srgbClr val="66D9EF"/>
+                              </a:solidFill>
+                              <a:latin typeface="Cambria Math" panose="02040503050406030204" pitchFamily="18" charset="0"/>
+                            </a:rPr>
+                            <m:t>&lt;</m:t>
+                          </m:r>
+                          <m:sSup>
+                            <m:sSupPr>
+                              <m:ctrlPr>
+                                <a:rPr lang="fr-FR" i="1">
+                                  <a:solidFill>
+                                    <a:srgbClr val="66D9EF"/>
+                                  </a:solidFill>
+                                  <a:latin typeface="Cambria Math" panose="02040503050406030204" pitchFamily="18" charset="0"/>
+                                </a:rPr>
+                              </m:ctrlPr>
+                            </m:sSupPr>
+                            <m:e>
+                              <m:r>
+                                <a:rPr lang="fr-FR" i="0">
+                                  <a:solidFill>
+                                    <a:srgbClr val="66D9EF"/>
+                                  </a:solidFill>
+                                  <a:latin typeface="Cambria Math" panose="02040503050406030204" pitchFamily="18" charset="0"/>
+                                </a:rPr>
+                                <m:t>2</m:t>
+                              </m:r>
+                            </m:e>
+                            <m:sup>
+                              <m:r>
+                                <a:rPr lang="fr-FR" i="1">
+                                  <a:solidFill>
+                                    <a:srgbClr val="66D9EF"/>
+                                  </a:solidFill>
+                                  <a:latin typeface="Cambria Math" panose="02040503050406030204" pitchFamily="18" charset="0"/>
+                                </a:rPr>
+                                <m:t>𝑛</m:t>
+                              </m:r>
+                            </m:sup>
+                          </m:sSup>
+                          <m:r>
+                            <a:rPr lang="fr-FR" i="0">
+                              <a:solidFill>
+                                <a:srgbClr val="66D9EF"/>
+                              </a:solidFill>
+                              <a:latin typeface="Cambria Math" panose="02040503050406030204" pitchFamily="18" charset="0"/>
+                            </a:rPr>
+                            <m:t>+</m:t>
+                          </m:r>
+                          <m:sSup>
+                            <m:sSupPr>
+                              <m:ctrlPr>
+                                <a:rPr lang="fr-FR" i="1">
+                                  <a:solidFill>
+                                    <a:srgbClr val="66D9EF"/>
+                                  </a:solidFill>
+                                  <a:latin typeface="Cambria Math" panose="02040503050406030204" pitchFamily="18" charset="0"/>
+                                </a:rPr>
+                              </m:ctrlPr>
+                            </m:sSupPr>
+                            <m:e>
+                              <m:r>
+                                <a:rPr lang="fr-FR" i="0">
+                                  <a:solidFill>
+                                    <a:srgbClr val="66D9EF"/>
+                                  </a:solidFill>
+                                  <a:latin typeface="Cambria Math" panose="02040503050406030204" pitchFamily="18" charset="0"/>
+                                </a:rPr>
+                                <m:t>2</m:t>
+                              </m:r>
+                            </m:e>
+                            <m:sup>
+                              <m:r>
+                                <a:rPr lang="fr-FR" i="1">
+                                  <a:solidFill>
+                                    <a:srgbClr val="66D9EF"/>
+                                  </a:solidFill>
+                                  <a:latin typeface="Cambria Math" panose="02040503050406030204" pitchFamily="18" charset="0"/>
+                                </a:rPr>
+                                <m:t>𝑛</m:t>
+                              </m:r>
+                            </m:sup>
+                          </m:sSup>
+                          <m:r>
+                            <a:rPr lang="fr-FR" i="0">
+                              <a:solidFill>
+                                <a:srgbClr val="66D9EF"/>
+                              </a:solidFill>
+                              <a:latin typeface="Cambria Math" panose="02040503050406030204" pitchFamily="18" charset="0"/>
+                            </a:rPr>
+                            <m:t>+</m:t>
+                          </m:r>
+                          <m:sSub>
+                            <m:sSubPr>
+                              <m:ctrlPr>
+                                <a:rPr lang="fr-FR" i="1">
+                                  <a:solidFill>
+                                    <a:srgbClr val="66D9EF"/>
+                                  </a:solidFill>
+                                  <a:latin typeface="Cambria Math" panose="02040503050406030204" pitchFamily="18" charset="0"/>
+                                </a:rPr>
+                              </m:ctrlPr>
+                            </m:sSubPr>
+                            <m:e>
+                              <m:r>
+                                <a:rPr lang="fr-FR" i="1">
+                                  <a:solidFill>
+                                    <a:srgbClr val="66D9EF"/>
+                                  </a:solidFill>
+                                  <a:latin typeface="Cambria Math" panose="02040503050406030204" pitchFamily="18" charset="0"/>
+                                </a:rPr>
+                                <m:t>𝐶</m:t>
+                              </m:r>
+                            </m:e>
+                            <m:sub>
+                              <m:r>
+                                <a:rPr lang="fr-FR" i="0">
+                                  <a:solidFill>
+                                    <a:srgbClr val="66D9EF"/>
+                                  </a:solidFill>
+                                  <a:latin typeface="Cambria Math" panose="02040503050406030204" pitchFamily="18" charset="0"/>
+                                </a:rPr>
+                                <m:t>2</m:t>
+                              </m:r>
+                            </m:sub>
+                          </m:sSub>
+                        </m:e>
+                      </m:d>
+                      <m:r>
+                        <a:rPr lang="fr-FR" i="0">
+                          <a:solidFill>
+                            <a:srgbClr val="66D9EF"/>
+                          </a:solidFill>
+                          <a:latin typeface="Cambria Math" panose="02040503050406030204" pitchFamily="18" charset="0"/>
+                        </a:rPr>
+                        <m:t> </m:t>
+                      </m:r>
+                      <m:r>
+                        <a:rPr lang="fr-FR" b="0" i="0" smtClean="0">
+                          <a:solidFill>
+                            <a:srgbClr val="66D9EF"/>
+                          </a:solidFill>
+                          <a:latin typeface="Cambria Math" panose="02040503050406030204" pitchFamily="18" charset="0"/>
+                        </a:rPr>
+                        <m:t>  </m:t>
+                      </m:r>
+                      <m:r>
+                        <a:rPr lang="fr-FR" i="0">
+                          <a:solidFill>
+                            <a:srgbClr val="66D9EF"/>
+                          </a:solidFill>
+                          <a:latin typeface="Cambria Math" panose="02040503050406030204" pitchFamily="18" charset="0"/>
+                        </a:rPr>
+                        <m:t>=   </m:t>
+                      </m:r>
+                      <m:sSub>
+                        <m:sSubPr>
+                          <m:ctrlPr>
+                            <a:rPr lang="fr-FR" i="1">
+                              <a:solidFill>
+                                <a:srgbClr val="66D9EF"/>
+                              </a:solidFill>
+                              <a:latin typeface="Cambria Math" panose="02040503050406030204" pitchFamily="18" charset="0"/>
+                            </a:rPr>
+                          </m:ctrlPr>
+                        </m:sSubPr>
+                        <m:e>
+                          <m:r>
+                            <m:rPr>
+                              <m:sty m:val="p"/>
+                            </m:rPr>
+                            <a:rPr lang="fr-FR" i="0">
+                              <a:solidFill>
+                                <a:srgbClr val="66D9EF"/>
+                              </a:solidFill>
+                              <a:latin typeface="Cambria Math" panose="02040503050406030204" pitchFamily="18" charset="0"/>
+                            </a:rPr>
+                            <m:t>Ο</m:t>
+                          </m:r>
+                        </m:e>
+                        <m:sub>
+                          <m:r>
+                            <a:rPr lang="fr-FR" i="0">
+                              <a:solidFill>
+                                <a:srgbClr val="66D9EF"/>
+                              </a:solidFill>
+                              <a:latin typeface="Cambria Math" panose="02040503050406030204" pitchFamily="18" charset="0"/>
+                            </a:rPr>
+                            <m:t>2</m:t>
+                          </m:r>
+                        </m:sub>
+                      </m:sSub>
+                      <m:d>
+                        <m:dPr>
+                          <m:ctrlPr>
+                            <a:rPr lang="fr-FR" i="1">
+                              <a:solidFill>
+                                <a:srgbClr val="66D9EF"/>
+                              </a:solidFill>
+                              <a:latin typeface="Cambria Math" panose="02040503050406030204" pitchFamily="18" charset="0"/>
+                            </a:rPr>
+                          </m:ctrlPr>
+                        </m:dPr>
+                        <m:e>
+                          <m:sSup>
+                            <m:sSupPr>
+                              <m:ctrlPr>
+                                <a:rPr lang="fr-FR" i="1">
+                                  <a:solidFill>
+                                    <a:srgbClr val="66D9EF"/>
+                                  </a:solidFill>
+                                  <a:latin typeface="Cambria Math" panose="02040503050406030204" pitchFamily="18" charset="0"/>
+                                </a:rPr>
+                              </m:ctrlPr>
+                            </m:sSupPr>
+                            <m:e>
+                              <m:r>
+                                <a:rPr lang="fr-FR" i="0">
+                                  <a:solidFill>
+                                    <a:srgbClr val="66D9EF"/>
+                                  </a:solidFill>
+                                  <a:latin typeface="Cambria Math" panose="02040503050406030204" pitchFamily="18" charset="0"/>
+                                </a:rPr>
+                                <m:t>2</m:t>
+                              </m:r>
+                            </m:e>
+                            <m:sup>
+                              <m:r>
+                                <a:rPr lang="fr-FR" i="1">
+                                  <a:solidFill>
+                                    <a:srgbClr val="66D9EF"/>
+                                  </a:solidFill>
+                                  <a:latin typeface="Cambria Math" panose="02040503050406030204" pitchFamily="18" charset="0"/>
+                                </a:rPr>
+                                <m:t>𝑛</m:t>
+                              </m:r>
+                              <m:r>
+                                <a:rPr lang="fr-FR" b="0" i="1" smtClean="0">
+                                  <a:solidFill>
+                                    <a:srgbClr val="66D9EF"/>
+                                  </a:solidFill>
+                                  <a:latin typeface="Cambria Math" panose="02040503050406030204" pitchFamily="18" charset="0"/>
+                                </a:rPr>
+                                <m:t>+1</m:t>
+                              </m:r>
+                            </m:sup>
+                          </m:sSup>
+                        </m:e>
+                      </m:d>
+                      <m:r>
+                        <a:rPr lang="fr-FR" i="0">
+                          <a:solidFill>
+                            <a:srgbClr val="66D9EF"/>
+                          </a:solidFill>
+                          <a:latin typeface="Cambria Math" panose="02040503050406030204" pitchFamily="18" charset="0"/>
+                        </a:rPr>
+                        <m:t>+</m:t>
+                      </m:r>
+                      <m:sSub>
+                        <m:sSubPr>
+                          <m:ctrlPr>
+                            <a:rPr lang="fr-FR" i="1">
+                              <a:solidFill>
+                                <a:srgbClr val="66D9EF"/>
+                              </a:solidFill>
+                              <a:latin typeface="Cambria Math" panose="02040503050406030204" pitchFamily="18" charset="0"/>
+                            </a:rPr>
+                          </m:ctrlPr>
+                        </m:sSubPr>
+                        <m:e>
+                          <m:r>
+                            <a:rPr lang="fr-FR" i="1">
+                              <a:solidFill>
+                                <a:srgbClr val="66D9EF"/>
+                              </a:solidFill>
+                              <a:latin typeface="Cambria Math" panose="02040503050406030204" pitchFamily="18" charset="0"/>
+                            </a:rPr>
+                            <m:t>𝜖</m:t>
+                          </m:r>
+                        </m:e>
+                        <m:sub>
+                          <m:r>
+                            <a:rPr lang="fr-FR" i="0">
+                              <a:solidFill>
+                                <a:srgbClr val="66D9EF"/>
+                              </a:solidFill>
+                              <a:latin typeface="Cambria Math" panose="02040503050406030204" pitchFamily="18" charset="0"/>
+                            </a:rPr>
+                            <m:t>2</m:t>
+                          </m:r>
+                        </m:sub>
+                      </m:sSub>
+                    </m:oMath>
+                  </m:oMathPara>
+                </a14:m>
+                <a:endParaRPr lang="fr-FR" dirty="0">
+                  <a:solidFill>
+                    <a:srgbClr val="66D9EF"/>
+                  </a:solidFill>
+                </a:endParaRPr>
+              </a:p>
+            </p:txBody>
+          </p:sp>
+        </mc:Choice>
+        <mc:Fallback>
+          <p:sp>
+            <p:nvSpPr>
+              <p:cNvPr id="6" name="Rectangle 5">
+                <a:extLst>
+                  <a:ext uri="{FF2B5EF4-FFF2-40B4-BE49-F238E27FC236}">
+                    <a16:creationId xmlns:a16="http://schemas.microsoft.com/office/drawing/2014/main" id="{169F74C3-6EEA-41E1-B6F7-95E0D7E87DA1}"/>
+                  </a:ext>
+                </a:extLst>
+              </p:cNvPr>
+              <p:cNvSpPr>
+                <a:spLocks noRot="1" noChangeAspect="1" noMove="1" noResize="1" noEditPoints="1" noAdjustHandles="1" noChangeArrowheads="1" noChangeShapeType="1" noTextEdit="1"/>
+              </p:cNvSpPr>
+              <p:nvPr/>
+            </p:nvSpPr>
+            <p:spPr>
+              <a:xfrm>
+                <a:off x="7020000" y="3710735"/>
+                <a:ext cx="4327980" cy="369332"/>
+              </a:xfrm>
+              <a:prstGeom prst="rect">
+                <a:avLst/>
+              </a:prstGeom>
+              <a:blipFill>
+                <a:blip r:embed="rId5"/>
+                <a:stretch>
+                  <a:fillRect/>
+                </a:stretch>
+              </a:blipFill>
+            </p:spPr>
+            <p:txBody>
+              <a:bodyPr/>
+              <a:lstStyle/>
+              <a:p>
+                <a:r>
+                  <a:rPr lang="fr-FR">
+                    <a:noFill/>
+                  </a:rPr>
+                  <a:t> </a:t>
+                </a:r>
+              </a:p>
+            </p:txBody>
+          </p:sp>
+        </mc:Fallback>
+      </mc:AlternateContent>
+      <mc:AlternateContent xmlns:mc="http://schemas.openxmlformats.org/markup-compatibility/2006">
+        <mc:Choice xmlns:a14="http://schemas.microsoft.com/office/drawing/2010/main" Requires="a14">
+          <p:sp>
+            <p:nvSpPr>
+              <p:cNvPr id="7" name="Rectangle 6">
+                <a:extLst>
+                  <a:ext uri="{FF2B5EF4-FFF2-40B4-BE49-F238E27FC236}">
+                    <a16:creationId xmlns:a16="http://schemas.microsoft.com/office/drawing/2014/main" id="{E0D9EFC0-BDC4-4801-8F98-8323AFD12386}"/>
+                  </a:ext>
+                </a:extLst>
+              </p:cNvPr>
+              <p:cNvSpPr/>
+              <p:nvPr/>
+            </p:nvSpPr>
+            <p:spPr>
+              <a:xfrm>
+                <a:off x="7020000" y="5373094"/>
+                <a:ext cx="3351366" cy="369332"/>
+              </a:xfrm>
+              <a:prstGeom prst="rect">
+                <a:avLst/>
+              </a:prstGeom>
+            </p:spPr>
+            <p:txBody>
+              <a:bodyPr wrap="none">
+                <a:spAutoFit/>
+              </a:bodyPr>
+              <a:lstStyle/>
+              <a:p>
+                <a:pPr/>
+                <a14:m>
+                  <m:oMathPara xmlns:m="http://schemas.openxmlformats.org/officeDocument/2006/math">
+                    <m:oMathParaPr>
+                      <m:jc m:val="left"/>
+                    </m:oMathParaPr>
+                    <m:oMath xmlns:m="http://schemas.openxmlformats.org/officeDocument/2006/math">
+                      <m:sSub>
+                        <m:sSubPr>
+                          <m:ctrlPr>
+                            <a:rPr lang="fr-FR" smtClean="0">
+                              <a:solidFill>
+                                <a:srgbClr val="66D9EF"/>
+                              </a:solidFill>
+                              <a:latin typeface="Cambria Math" panose="02040503050406030204" pitchFamily="18" charset="0"/>
+                            </a:rPr>
+                          </m:ctrlPr>
+                        </m:sSubPr>
+                        <m:e>
+                          <m:r>
+                            <m:rPr>
+                              <m:sty m:val="p"/>
+                            </m:rPr>
+                            <a:rPr lang="fr-FR">
+                              <a:solidFill>
+                                <a:srgbClr val="66D9EF"/>
+                              </a:solidFill>
+                              <a:latin typeface="Cambria Math" panose="02040503050406030204" pitchFamily="18" charset="0"/>
+                            </a:rPr>
+                            <m:t>Ο</m:t>
+                          </m:r>
+                        </m:e>
+                        <m:sub>
+                          <m:r>
+                            <a:rPr lang="fr-FR" i="0">
+                              <a:solidFill>
+                                <a:srgbClr val="66D9EF"/>
+                              </a:solidFill>
+                              <a:latin typeface="Cambria Math" panose="02040503050406030204" pitchFamily="18" charset="0"/>
+                            </a:rPr>
+                            <m:t>3</m:t>
+                          </m:r>
+                        </m:sub>
+                      </m:sSub>
+                      <m:d>
+                        <m:dPr>
+                          <m:ctrlPr>
+                            <a:rPr lang="fr-FR" i="1">
+                              <a:solidFill>
+                                <a:srgbClr val="66D9EF"/>
+                              </a:solidFill>
+                              <a:latin typeface="Cambria Math" panose="02040503050406030204" pitchFamily="18" charset="0"/>
+                            </a:rPr>
+                          </m:ctrlPr>
+                        </m:dPr>
+                        <m:e>
+                          <m:sSub>
+                            <m:sSubPr>
+                              <m:ctrlPr>
+                                <a:rPr lang="fr-FR" i="1">
+                                  <a:solidFill>
+                                    <a:srgbClr val="66D9EF"/>
+                                  </a:solidFill>
+                                  <a:latin typeface="Cambria Math" panose="02040503050406030204" pitchFamily="18" charset="0"/>
+                                </a:rPr>
+                              </m:ctrlPr>
+                            </m:sSubPr>
+                            <m:e>
+                              <m:r>
+                                <a:rPr lang="fr-FR" i="1">
+                                  <a:solidFill>
+                                    <a:srgbClr val="66D9EF"/>
+                                  </a:solidFill>
+                                  <a:latin typeface="Cambria Math" panose="02040503050406030204" pitchFamily="18" charset="0"/>
+                                </a:rPr>
+                                <m:t>𝑛</m:t>
+                              </m:r>
+                            </m:e>
+                            <m:sub>
+                              <m:r>
+                                <a:rPr lang="fr-FR" i="1">
+                                  <a:solidFill>
+                                    <a:srgbClr val="66D9EF"/>
+                                  </a:solidFill>
+                                  <a:latin typeface="Cambria Math" panose="02040503050406030204" pitchFamily="18" charset="0"/>
+                                </a:rPr>
+                                <m:t>𝑎</m:t>
+                              </m:r>
+                            </m:sub>
+                          </m:sSub>
+                          <m:r>
+                            <a:rPr lang="fr-FR" i="0">
+                              <a:solidFill>
+                                <a:srgbClr val="66D9EF"/>
+                              </a:solidFill>
+                              <a:latin typeface="Cambria Math" panose="02040503050406030204" pitchFamily="18" charset="0"/>
+                            </a:rPr>
+                            <m:t>+</m:t>
+                          </m:r>
+                          <m:sSub>
+                            <m:sSubPr>
+                              <m:ctrlPr>
+                                <a:rPr lang="fr-FR" i="1">
+                                  <a:solidFill>
+                                    <a:srgbClr val="66D9EF"/>
+                                  </a:solidFill>
+                                  <a:latin typeface="Cambria Math" panose="02040503050406030204" pitchFamily="18" charset="0"/>
+                                </a:rPr>
+                              </m:ctrlPr>
+                            </m:sSubPr>
+                            <m:e>
+                              <m:r>
+                                <a:rPr lang="fr-FR" i="1">
+                                  <a:solidFill>
+                                    <a:srgbClr val="66D9EF"/>
+                                  </a:solidFill>
+                                  <a:latin typeface="Cambria Math" panose="02040503050406030204" pitchFamily="18" charset="0"/>
+                                </a:rPr>
+                                <m:t>𝐶</m:t>
+                              </m:r>
+                            </m:e>
+                            <m:sub>
+                              <m:r>
+                                <a:rPr lang="fr-FR" i="0">
+                                  <a:solidFill>
+                                    <a:srgbClr val="66D9EF"/>
+                                  </a:solidFill>
+                                  <a:latin typeface="Cambria Math" panose="02040503050406030204" pitchFamily="18" charset="0"/>
+                                </a:rPr>
+                                <m:t>3</m:t>
+                              </m:r>
+                            </m:sub>
+                          </m:sSub>
+                          <m:r>
+                            <a:rPr lang="fr-FR" i="0">
+                              <a:solidFill>
+                                <a:srgbClr val="66D9EF"/>
+                              </a:solidFill>
+                              <a:latin typeface="Cambria Math" panose="02040503050406030204" pitchFamily="18" charset="0"/>
+                            </a:rPr>
+                            <m:t> </m:t>
+                          </m:r>
+                        </m:e>
+                      </m:d>
+                      <m:r>
+                        <a:rPr lang="fr-FR" b="0" i="0" smtClean="0">
+                          <a:solidFill>
+                            <a:srgbClr val="66D9EF"/>
+                          </a:solidFill>
+                          <a:latin typeface="Cambria Math" panose="02040503050406030204" pitchFamily="18" charset="0"/>
+                        </a:rPr>
+                        <m:t>   </m:t>
+                      </m:r>
+                      <m:r>
+                        <a:rPr lang="fr-FR" i="0">
+                          <a:solidFill>
+                            <a:srgbClr val="66D9EF"/>
+                          </a:solidFill>
+                          <a:latin typeface="Cambria Math" panose="02040503050406030204" pitchFamily="18" charset="0"/>
+                        </a:rPr>
+                        <m:t>=   </m:t>
+                      </m:r>
+                      <m:sSub>
+                        <m:sSubPr>
+                          <m:ctrlPr>
+                            <a:rPr lang="fr-FR" i="1">
+                              <a:solidFill>
+                                <a:srgbClr val="66D9EF"/>
+                              </a:solidFill>
+                              <a:latin typeface="Cambria Math" panose="02040503050406030204" pitchFamily="18" charset="0"/>
+                            </a:rPr>
+                          </m:ctrlPr>
+                        </m:sSubPr>
+                        <m:e>
+                          <m:r>
+                            <m:rPr>
+                              <m:sty m:val="p"/>
+                            </m:rPr>
+                            <a:rPr lang="fr-FR" i="0">
+                              <a:solidFill>
+                                <a:srgbClr val="66D9EF"/>
+                              </a:solidFill>
+                              <a:latin typeface="Cambria Math" panose="02040503050406030204" pitchFamily="18" charset="0"/>
+                            </a:rPr>
+                            <m:t>Ο</m:t>
+                          </m:r>
+                        </m:e>
+                        <m:sub>
+                          <m:r>
+                            <a:rPr lang="fr-FR" i="0">
+                              <a:solidFill>
+                                <a:srgbClr val="66D9EF"/>
+                              </a:solidFill>
+                              <a:latin typeface="Cambria Math" panose="02040503050406030204" pitchFamily="18" charset="0"/>
+                            </a:rPr>
+                            <m:t>3</m:t>
+                          </m:r>
+                        </m:sub>
+                      </m:sSub>
+                      <m:d>
+                        <m:dPr>
+                          <m:ctrlPr>
+                            <a:rPr lang="fr-FR" i="1">
+                              <a:solidFill>
+                                <a:srgbClr val="66D9EF"/>
+                              </a:solidFill>
+                              <a:latin typeface="Cambria Math" panose="02040503050406030204" pitchFamily="18" charset="0"/>
+                            </a:rPr>
+                          </m:ctrlPr>
+                        </m:dPr>
+                        <m:e>
+                          <m:sSub>
+                            <m:sSubPr>
+                              <m:ctrlPr>
+                                <a:rPr lang="fr-FR" i="1">
+                                  <a:solidFill>
+                                    <a:srgbClr val="66D9EF"/>
+                                  </a:solidFill>
+                                  <a:latin typeface="Cambria Math" panose="02040503050406030204" pitchFamily="18" charset="0"/>
+                                </a:rPr>
+                              </m:ctrlPr>
+                            </m:sSubPr>
+                            <m:e>
+                              <m:r>
+                                <a:rPr lang="fr-FR" i="1">
+                                  <a:solidFill>
+                                    <a:srgbClr val="66D9EF"/>
+                                  </a:solidFill>
+                                  <a:latin typeface="Cambria Math" panose="02040503050406030204" pitchFamily="18" charset="0"/>
+                                </a:rPr>
+                                <m:t>𝑛</m:t>
+                              </m:r>
+                            </m:e>
+                            <m:sub>
+                              <m:r>
+                                <a:rPr lang="fr-FR" i="1">
+                                  <a:solidFill>
+                                    <a:srgbClr val="66D9EF"/>
+                                  </a:solidFill>
+                                  <a:latin typeface="Cambria Math" panose="02040503050406030204" pitchFamily="18" charset="0"/>
+                                </a:rPr>
+                                <m:t>𝑎</m:t>
+                              </m:r>
+                            </m:sub>
+                          </m:sSub>
+                        </m:e>
+                      </m:d>
+                      <m:r>
+                        <a:rPr lang="fr-FR" i="0">
+                          <a:solidFill>
+                            <a:srgbClr val="66D9EF"/>
+                          </a:solidFill>
+                          <a:latin typeface="Cambria Math" panose="02040503050406030204" pitchFamily="18" charset="0"/>
+                        </a:rPr>
+                        <m:t>+</m:t>
+                      </m:r>
+                      <m:sSub>
+                        <m:sSubPr>
+                          <m:ctrlPr>
+                            <a:rPr lang="fr-FR" i="1">
+                              <a:solidFill>
+                                <a:srgbClr val="66D9EF"/>
+                              </a:solidFill>
+                              <a:latin typeface="Cambria Math" panose="02040503050406030204" pitchFamily="18" charset="0"/>
+                            </a:rPr>
+                          </m:ctrlPr>
+                        </m:sSubPr>
+                        <m:e>
+                          <m:r>
+                            <a:rPr lang="fr-FR" i="1">
+                              <a:solidFill>
+                                <a:srgbClr val="66D9EF"/>
+                              </a:solidFill>
+                              <a:latin typeface="Cambria Math" panose="02040503050406030204" pitchFamily="18" charset="0"/>
+                            </a:rPr>
+                            <m:t>𝜖</m:t>
+                          </m:r>
+                        </m:e>
+                        <m:sub>
+                          <m:r>
+                            <a:rPr lang="fr-FR" i="0">
+                              <a:solidFill>
+                                <a:srgbClr val="66D9EF"/>
+                              </a:solidFill>
+                              <a:latin typeface="Cambria Math" panose="02040503050406030204" pitchFamily="18" charset="0"/>
+                            </a:rPr>
+                            <m:t>3</m:t>
+                          </m:r>
+                        </m:sub>
+                      </m:sSub>
+                    </m:oMath>
+                  </m:oMathPara>
+                </a14:m>
+                <a:endParaRPr lang="fr-FR" dirty="0">
+                  <a:solidFill>
+                    <a:srgbClr val="66D9EF"/>
+                  </a:solidFill>
+                </a:endParaRPr>
+              </a:p>
+            </p:txBody>
+          </p:sp>
+        </mc:Choice>
+        <mc:Fallback>
+          <p:sp>
+            <p:nvSpPr>
+              <p:cNvPr id="7" name="Rectangle 6">
+                <a:extLst>
+                  <a:ext uri="{FF2B5EF4-FFF2-40B4-BE49-F238E27FC236}">
+                    <a16:creationId xmlns:a16="http://schemas.microsoft.com/office/drawing/2014/main" id="{E0D9EFC0-BDC4-4801-8F98-8323AFD12386}"/>
+                  </a:ext>
+                </a:extLst>
+              </p:cNvPr>
+              <p:cNvSpPr>
+                <a:spLocks noRot="1" noChangeAspect="1" noMove="1" noResize="1" noEditPoints="1" noAdjustHandles="1" noChangeArrowheads="1" noChangeShapeType="1" noTextEdit="1"/>
+              </p:cNvSpPr>
+              <p:nvPr/>
+            </p:nvSpPr>
+            <p:spPr>
+              <a:xfrm>
+                <a:off x="7020000" y="5373094"/>
+                <a:ext cx="3351366" cy="369332"/>
+              </a:xfrm>
+              <a:prstGeom prst="rect">
+                <a:avLst/>
+              </a:prstGeom>
+              <a:blipFill>
+                <a:blip r:embed="rId6"/>
+                <a:stretch>
+                  <a:fillRect/>
+                </a:stretch>
+              </a:blipFill>
+            </p:spPr>
+            <p:txBody>
+              <a:bodyPr/>
+              <a:lstStyle/>
+              <a:p>
+                <a:r>
+                  <a:rPr lang="fr-FR">
+                    <a:noFill/>
+                  </a:rPr>
+                  <a:t> </a:t>
+                </a:r>
+              </a:p>
+            </p:txBody>
+          </p:sp>
+        </mc:Fallback>
+      </mc:AlternateContent>
+    </p:spTree>
+    <p:extLst>
+      <p:ext uri="{BB962C8B-B14F-4D97-AF65-F5344CB8AC3E}">
+        <p14:creationId xmlns:p14="http://schemas.microsoft.com/office/powerpoint/2010/main" val="4021196716"/>
+      </p:ext>
+    </p:extLst>
+  </p:cSld>
+  <p:clrMapOvr>
+    <a:masterClrMapping/>
+  </p:clrMapOvr>
+</p:sld>
+</file>
+
+<file path=ppt/slides/slide4.xml><?xml version="1.0" encoding="utf-8"?>
+<p:sld xmlns:a="http://schemas.openxmlformats.org/drawingml/2006/main" xmlns:r="http://schemas.openxmlformats.org/officeDocument/2006/relationships" xmlns:p="http://schemas.openxmlformats.org/presentationml/2006/main">
+  <p:cSld>
+    <p:spTree>
+      <p:nvGrpSpPr>
+        <p:cNvPr id="1" name=""/>
+        <p:cNvGrpSpPr/>
+        <p:nvPr/>
+      </p:nvGrpSpPr>
+      <p:grpSpPr>
+        <a:xfrm>
+          <a:off x="0" y="0"/>
+          <a:ext cx="0" cy="0"/>
+          <a:chOff x="0" y="0"/>
+          <a:chExt cx="0" cy="0"/>
+        </a:xfrm>
+      </p:grpSpPr>
+      <p:pic>
+        <p:nvPicPr>
+          <p:cNvPr id="6" name="Image 5">
+            <a:extLst>
+              <a:ext uri="{FF2B5EF4-FFF2-40B4-BE49-F238E27FC236}">
+                <a16:creationId xmlns:a16="http://schemas.microsoft.com/office/drawing/2014/main" id="{72B8EFA7-C0C8-41CD-BF9C-4D804CE55F79}"/>
+              </a:ext>
+            </a:extLst>
+          </p:cNvPr>
+          <p:cNvPicPr>
+            <a:picLocks noChangeAspect="1"/>
+          </p:cNvPicPr>
+          <p:nvPr/>
+        </p:nvPicPr>
+        <p:blipFill>
+          <a:blip r:embed="rId2">
+            <a:extLst>
+              <a:ext uri="{28A0092B-C50C-407E-A947-70E740481C1C}">
+                <a14:useLocalDpi xmlns:a14="http://schemas.microsoft.com/office/drawing/2010/main" val="0"/>
+              </a:ext>
+            </a:extLst>
+          </a:blip>
+          <a:stretch>
+            <a:fillRect/>
+          </a:stretch>
+        </p:blipFill>
+        <p:spPr>
+          <a:xfrm>
+            <a:off x="360000" y="1439999"/>
+            <a:ext cx="6988906" cy="3538383"/>
+          </a:xfrm>
+          <a:prstGeom prst="rect">
+            <a:avLst/>
+          </a:prstGeom>
+        </p:spPr>
+      </p:pic>
+      <p:sp>
+        <p:nvSpPr>
+          <p:cNvPr id="2" name="Titre 1">
+            <a:extLst>
+              <a:ext uri="{FF2B5EF4-FFF2-40B4-BE49-F238E27FC236}">
+                <a16:creationId xmlns:a16="http://schemas.microsoft.com/office/drawing/2014/main" id="{7EDD41E2-634D-4556-9D66-0DA5B3A633A2}"/>
+              </a:ext>
+            </a:extLst>
+          </p:cNvPr>
+          <p:cNvSpPr>
+            <a:spLocks noGrp="1"/>
+          </p:cNvSpPr>
+          <p:nvPr>
+            <p:ph type="title"/>
+          </p:nvPr>
+        </p:nvSpPr>
+        <p:spPr/>
+        <p:txBody>
+          <a:bodyPr/>
+          <a:lstStyle/>
+          <a:p>
+            <a:r>
+              <a:rPr lang="fr-FR" dirty="0"/>
+              <a:t>bruteforce.py =&gt; Pseudocode</a:t>
+            </a:r>
+          </a:p>
+        </p:txBody>
+      </p:sp>
+      <p:sp>
+        <p:nvSpPr>
+          <p:cNvPr id="3" name="Espace réservé du numéro de diapositive 2">
+            <a:extLst>
+              <a:ext uri="{FF2B5EF4-FFF2-40B4-BE49-F238E27FC236}">
+                <a16:creationId xmlns:a16="http://schemas.microsoft.com/office/drawing/2014/main" id="{99276D9A-66F8-4FAF-B199-D0EAC7844654}"/>
+              </a:ext>
+            </a:extLst>
+          </p:cNvPr>
+          <p:cNvSpPr>
+            <a:spLocks noGrp="1"/>
+          </p:cNvSpPr>
+          <p:nvPr>
+            <p:ph type="sldNum" sz="quarter" idx="12"/>
+          </p:nvPr>
+        </p:nvSpPr>
+        <p:spPr>
+          <a:xfrm>
+            <a:off x="8610600" y="6356352"/>
+            <a:ext cx="2743200" cy="365125"/>
+          </a:xfrm>
+        </p:spPr>
+        <p:txBody>
+          <a:bodyPr/>
+          <a:lstStyle/>
+          <a:p>
+            <a:fld id="{2CEE6A89-DFCB-4FC8-A1BB-9845AC41F306}" type="slidenum">
+              <a:rPr lang="fr-FR" smtClean="0"/>
+              <a:pPr/>
+              <a:t>4</a:t>
+            </a:fld>
+            <a:endParaRPr lang="fr-FR" dirty="0"/>
+          </a:p>
+        </p:txBody>
+      </p:sp>
+      <p:sp>
+        <p:nvSpPr>
+          <p:cNvPr id="11" name="Accolade fermante 10">
+            <a:extLst>
+              <a:ext uri="{FF2B5EF4-FFF2-40B4-BE49-F238E27FC236}">
+                <a16:creationId xmlns:a16="http://schemas.microsoft.com/office/drawing/2014/main" id="{C40DAE66-3392-4AE8-AD96-929A30527245}"/>
               </a:ext>
             </a:extLst>
           </p:cNvPr>
@@ -5886,8 +7585,8 @@
         </p:nvSpPr>
         <p:spPr>
           <a:xfrm>
-            <a:off x="5249296" y="4628986"/>
-            <a:ext cx="362583" cy="497829"/>
+            <a:off x="6422400" y="1515357"/>
+            <a:ext cx="362583" cy="1516971"/>
           </a:xfrm>
           <a:prstGeom prst="rightBrace">
             <a:avLst>
@@ -5926,10 +7625,10 @@
       </p:sp>
       <p:sp>
         <p:nvSpPr>
-          <p:cNvPr id="16" name="Accolade fermante 15">
+          <p:cNvPr id="10" name="Accolade fermante 9">
             <a:extLst>
               <a:ext uri="{FF2B5EF4-FFF2-40B4-BE49-F238E27FC236}">
-                <a16:creationId xmlns:a16="http://schemas.microsoft.com/office/drawing/2014/main" id="{676F578A-E0BC-46C4-9AF2-A33F3FA14734}"/>
+                <a16:creationId xmlns:a16="http://schemas.microsoft.com/office/drawing/2014/main" id="{51A14258-4489-45B7-9875-6AF7E7BC7EC5}"/>
               </a:ext>
             </a:extLst>
           </p:cNvPr>
@@ -5938,8 +7637,8 @@
         </p:nvSpPr>
         <p:spPr>
           <a:xfrm>
-            <a:off x="5255650" y="5224826"/>
-            <a:ext cx="362583" cy="290254"/>
+            <a:off x="6422400" y="3429000"/>
+            <a:ext cx="362583" cy="1297004"/>
           </a:xfrm>
           <a:prstGeom prst="rightBrace">
             <a:avLst>
@@ -5976,695 +7675,665 @@
           </a:p>
         </p:txBody>
       </p:sp>
-      <p:sp>
-        <p:nvSpPr>
-          <p:cNvPr id="17" name="Accolade fermante 16">
-            <a:extLst>
-              <a:ext uri="{FF2B5EF4-FFF2-40B4-BE49-F238E27FC236}">
-                <a16:creationId xmlns:a16="http://schemas.microsoft.com/office/drawing/2014/main" id="{12461E6B-4CAA-4259-B0E8-8E5F082F43D1}"/>
-              </a:ext>
-            </a:extLst>
-          </p:cNvPr>
-          <p:cNvSpPr/>
-          <p:nvPr/>
-        </p:nvSpPr>
-        <p:spPr>
-          <a:xfrm>
-            <a:off x="5249295" y="5661800"/>
-            <a:ext cx="362583" cy="694552"/>
-          </a:xfrm>
-          <a:prstGeom prst="rightBrace">
-            <a:avLst>
-              <a:gd name="adj1" fmla="val 6862"/>
-              <a:gd name="adj2" fmla="val 51471"/>
-            </a:avLst>
-          </a:prstGeom>
-          <a:ln w="15875">
-            <a:solidFill>
-              <a:srgbClr val="64B164"/>
-            </a:solidFill>
-          </a:ln>
-        </p:spPr>
-        <p:style>
-          <a:lnRef idx="1">
-            <a:schemeClr val="accent1"/>
-          </a:lnRef>
-          <a:fillRef idx="0">
-            <a:schemeClr val="accent1"/>
-          </a:fillRef>
-          <a:effectRef idx="0">
-            <a:schemeClr val="accent1"/>
-          </a:effectRef>
-          <a:fontRef idx="minor">
-            <a:schemeClr val="tx1"/>
-          </a:fontRef>
-        </p:style>
-        <p:txBody>
-          <a:bodyPr rtlCol="0" anchor="ctr"/>
-          <a:lstStyle/>
-          <a:p>
-            <a:pPr algn="ctr"/>
-            <a:endParaRPr lang="fr-FR"/>
-          </a:p>
-        </p:txBody>
-      </p:sp>
-      <p:sp>
-        <p:nvSpPr>
-          <p:cNvPr id="18" name="ZoneTexte 17">
-            <a:extLst>
-              <a:ext uri="{FF2B5EF4-FFF2-40B4-BE49-F238E27FC236}">
-                <a16:creationId xmlns:a16="http://schemas.microsoft.com/office/drawing/2014/main" id="{1DE83F58-9981-467B-BE68-E925E3846EDD}"/>
-              </a:ext>
-            </a:extLst>
-          </p:cNvPr>
-          <p:cNvSpPr txBox="1"/>
-          <p:nvPr/>
-        </p:nvSpPr>
-        <p:spPr>
-          <a:xfrm>
-            <a:off x="6196533" y="1418850"/>
-            <a:ext cx="582211" cy="307777"/>
-          </a:xfrm>
-          <a:prstGeom prst="rect">
-            <a:avLst/>
-          </a:prstGeom>
-          <a:noFill/>
-        </p:spPr>
-        <p:txBody>
-          <a:bodyPr wrap="none" rtlCol="0">
-            <a:spAutoFit/>
-          </a:bodyPr>
-          <a:lstStyle/>
-          <a:p>
-            <a:r>
-              <a:rPr lang="fr-FR" sz="1400" dirty="0" err="1">
-                <a:solidFill>
-                  <a:srgbClr val="64B164"/>
-                </a:solidFill>
-              </a:rPr>
-              <a:t>Big-O</a:t>
-            </a:r>
-            <a:endParaRPr lang="fr-FR" sz="1400" dirty="0">
-              <a:solidFill>
-                <a:srgbClr val="64B164"/>
-              </a:solidFill>
-            </a:endParaRPr>
-          </a:p>
-        </p:txBody>
-      </p:sp>
-      <p:sp>
-        <p:nvSpPr>
-          <p:cNvPr id="19" name="ZoneTexte 18">
-            <a:extLst>
-              <a:ext uri="{FF2B5EF4-FFF2-40B4-BE49-F238E27FC236}">
-                <a16:creationId xmlns:a16="http://schemas.microsoft.com/office/drawing/2014/main" id="{CFF457D3-E94A-4463-8FA9-2CFCCB7D1187}"/>
-              </a:ext>
-            </a:extLst>
-          </p:cNvPr>
-          <p:cNvSpPr txBox="1"/>
-          <p:nvPr/>
-        </p:nvSpPr>
-        <p:spPr>
-          <a:xfrm>
-            <a:off x="5926664" y="1844865"/>
-            <a:ext cx="553357" cy="338554"/>
-          </a:xfrm>
-          <a:prstGeom prst="rect">
-            <a:avLst/>
-          </a:prstGeom>
-          <a:noFill/>
-        </p:spPr>
-        <p:txBody>
-          <a:bodyPr wrap="none" rtlCol="0">
-            <a:spAutoFit/>
-          </a:bodyPr>
-          <a:lstStyle/>
-          <a:p>
-            <a:r>
-              <a:rPr lang="fr-FR" sz="1600" dirty="0">
-                <a:solidFill>
-                  <a:srgbClr val="64B164"/>
-                </a:solidFill>
-              </a:rPr>
-              <a:t>O(n)</a:t>
-            </a:r>
-          </a:p>
-        </p:txBody>
-      </p:sp>
-      <p:sp>
-        <p:nvSpPr>
-          <p:cNvPr id="20" name="ZoneTexte 19">
-            <a:extLst>
-              <a:ext uri="{FF2B5EF4-FFF2-40B4-BE49-F238E27FC236}">
-                <a16:creationId xmlns:a16="http://schemas.microsoft.com/office/drawing/2014/main" id="{706EE00B-63CF-42EE-9690-6CF72B0D5F24}"/>
-              </a:ext>
-            </a:extLst>
-          </p:cNvPr>
-          <p:cNvSpPr txBox="1"/>
-          <p:nvPr/>
-        </p:nvSpPr>
-        <p:spPr>
-          <a:xfrm>
-            <a:off x="5926664" y="2385809"/>
-            <a:ext cx="760144" cy="338554"/>
-          </a:xfrm>
-          <a:prstGeom prst="rect">
-            <a:avLst/>
-          </a:prstGeom>
-          <a:noFill/>
-        </p:spPr>
-        <p:txBody>
-          <a:bodyPr wrap="none" rtlCol="0">
-            <a:spAutoFit/>
-          </a:bodyPr>
-          <a:lstStyle/>
-          <a:p>
-            <a:r>
-              <a:rPr lang="fr-FR" sz="1600" dirty="0">
-                <a:solidFill>
-                  <a:srgbClr val="64B164"/>
-                </a:solidFill>
-              </a:rPr>
-              <a:t>O(2^n)</a:t>
-            </a:r>
-          </a:p>
-        </p:txBody>
-      </p:sp>
-      <p:sp>
-        <p:nvSpPr>
-          <p:cNvPr id="21" name="ZoneTexte 20">
-            <a:extLst>
-              <a:ext uri="{FF2B5EF4-FFF2-40B4-BE49-F238E27FC236}">
-                <a16:creationId xmlns:a16="http://schemas.microsoft.com/office/drawing/2014/main" id="{22B17ABF-4474-4218-AE6B-ED2A62E379CC}"/>
-              </a:ext>
-            </a:extLst>
-          </p:cNvPr>
-          <p:cNvSpPr txBox="1"/>
-          <p:nvPr/>
-        </p:nvSpPr>
-        <p:spPr>
-          <a:xfrm>
-            <a:off x="5926663" y="3509395"/>
-            <a:ext cx="760144" cy="338554"/>
-          </a:xfrm>
-          <a:prstGeom prst="rect">
-            <a:avLst/>
-          </a:prstGeom>
-          <a:noFill/>
-        </p:spPr>
-        <p:txBody>
-          <a:bodyPr wrap="none" rtlCol="0">
-            <a:spAutoFit/>
-          </a:bodyPr>
-          <a:lstStyle/>
-          <a:p>
-            <a:r>
-              <a:rPr lang="fr-FR" sz="1600" dirty="0">
-                <a:solidFill>
-                  <a:srgbClr val="64B164"/>
-                </a:solidFill>
-              </a:rPr>
-              <a:t>O(n^2)</a:t>
-            </a:r>
-          </a:p>
-        </p:txBody>
-      </p:sp>
-      <p:sp>
-        <p:nvSpPr>
-          <p:cNvPr id="22" name="ZoneTexte 21">
-            <a:extLst>
-              <a:ext uri="{FF2B5EF4-FFF2-40B4-BE49-F238E27FC236}">
-                <a16:creationId xmlns:a16="http://schemas.microsoft.com/office/drawing/2014/main" id="{BA625B53-A8CE-4376-BF30-E05EDA7D8711}"/>
-              </a:ext>
-            </a:extLst>
-          </p:cNvPr>
-          <p:cNvSpPr txBox="1"/>
-          <p:nvPr/>
-        </p:nvSpPr>
-        <p:spPr>
-          <a:xfrm>
-            <a:off x="5934282" y="4708623"/>
-            <a:ext cx="553357" cy="338554"/>
-          </a:xfrm>
-          <a:prstGeom prst="rect">
-            <a:avLst/>
-          </a:prstGeom>
-          <a:noFill/>
-        </p:spPr>
-        <p:txBody>
-          <a:bodyPr wrap="none" rtlCol="0">
-            <a:spAutoFit/>
-          </a:bodyPr>
-          <a:lstStyle/>
-          <a:p>
-            <a:r>
-              <a:rPr lang="fr-FR" sz="1600" dirty="0">
-                <a:solidFill>
-                  <a:srgbClr val="64B164"/>
-                </a:solidFill>
-              </a:rPr>
-              <a:t>O(n)</a:t>
-            </a:r>
-          </a:p>
-        </p:txBody>
-      </p:sp>
-      <p:sp>
-        <p:nvSpPr>
-          <p:cNvPr id="23" name="ZoneTexte 22">
-            <a:extLst>
-              <a:ext uri="{FF2B5EF4-FFF2-40B4-BE49-F238E27FC236}">
-                <a16:creationId xmlns:a16="http://schemas.microsoft.com/office/drawing/2014/main" id="{C3E1952D-3C28-4CBE-86C7-D1885DFE67D8}"/>
-              </a:ext>
-            </a:extLst>
-          </p:cNvPr>
-          <p:cNvSpPr txBox="1"/>
-          <p:nvPr/>
-        </p:nvSpPr>
-        <p:spPr>
-          <a:xfrm>
-            <a:off x="5926662" y="5200676"/>
-            <a:ext cx="550151" cy="338554"/>
-          </a:xfrm>
-          <a:prstGeom prst="rect">
-            <a:avLst/>
-          </a:prstGeom>
-          <a:noFill/>
-        </p:spPr>
-        <p:txBody>
-          <a:bodyPr wrap="none" rtlCol="0">
-            <a:spAutoFit/>
-          </a:bodyPr>
-          <a:lstStyle/>
-          <a:p>
-            <a:r>
-              <a:rPr lang="fr-FR" sz="1600" dirty="0">
-                <a:solidFill>
-                  <a:srgbClr val="64B164"/>
-                </a:solidFill>
-              </a:rPr>
-              <a:t>O(1)</a:t>
-            </a:r>
-          </a:p>
-        </p:txBody>
-      </p:sp>
-      <p:sp>
-        <p:nvSpPr>
-          <p:cNvPr id="24" name="ZoneTexte 23">
-            <a:extLst>
-              <a:ext uri="{FF2B5EF4-FFF2-40B4-BE49-F238E27FC236}">
-                <a16:creationId xmlns:a16="http://schemas.microsoft.com/office/drawing/2014/main" id="{3E3272BA-AF9A-403D-AB22-678A6D00FCFF}"/>
-              </a:ext>
-            </a:extLst>
-          </p:cNvPr>
-          <p:cNvSpPr txBox="1"/>
-          <p:nvPr/>
-        </p:nvSpPr>
-        <p:spPr>
-          <a:xfrm>
-            <a:off x="5926661" y="5842765"/>
-            <a:ext cx="553357" cy="338554"/>
-          </a:xfrm>
-          <a:prstGeom prst="rect">
-            <a:avLst/>
-          </a:prstGeom>
-          <a:noFill/>
-        </p:spPr>
-        <p:txBody>
-          <a:bodyPr wrap="none" rtlCol="0">
-            <a:spAutoFit/>
-          </a:bodyPr>
-          <a:lstStyle/>
-          <a:p>
-            <a:r>
-              <a:rPr lang="fr-FR" sz="1600" dirty="0">
-                <a:solidFill>
-                  <a:srgbClr val="64B164"/>
-                </a:solidFill>
-              </a:rPr>
-              <a:t>O(n)</a:t>
-            </a:r>
-          </a:p>
-        </p:txBody>
-      </p:sp>
-      <p:sp>
-        <p:nvSpPr>
-          <p:cNvPr id="25" name="ZoneTexte 24">
-            <a:extLst>
-              <a:ext uri="{FF2B5EF4-FFF2-40B4-BE49-F238E27FC236}">
-                <a16:creationId xmlns:a16="http://schemas.microsoft.com/office/drawing/2014/main" id="{BFC19CDB-26D5-4AE0-8C46-A91296F51749}"/>
-              </a:ext>
-            </a:extLst>
-          </p:cNvPr>
-          <p:cNvSpPr txBox="1"/>
-          <p:nvPr/>
-        </p:nvSpPr>
-        <p:spPr>
-          <a:xfrm>
-            <a:off x="7606193" y="145173"/>
-            <a:ext cx="4585807" cy="646331"/>
-          </a:xfrm>
-          <a:prstGeom prst="rect">
-            <a:avLst/>
-          </a:prstGeom>
-          <a:noFill/>
-        </p:spPr>
-        <p:txBody>
-          <a:bodyPr wrap="none" rtlCol="0">
-            <a:spAutoFit/>
-          </a:bodyPr>
-          <a:lstStyle/>
-          <a:p>
-            <a:r>
-              <a:rPr lang="fr-FR" dirty="0"/>
-              <a:t>Anas, si dans l’idée, c’est correct, </a:t>
-            </a:r>
-          </a:p>
-          <a:p>
-            <a:r>
-              <a:rPr lang="fr-FR" dirty="0"/>
-              <a:t>alors je ferais un meilleur découpage des slides</a:t>
-            </a:r>
-          </a:p>
-        </p:txBody>
-      </p:sp>
-    </p:spTree>
-    <p:extLst>
-      <p:ext uri="{BB962C8B-B14F-4D97-AF65-F5344CB8AC3E}">
-        <p14:creationId xmlns:p14="http://schemas.microsoft.com/office/powerpoint/2010/main" val="3337873254"/>
-      </p:ext>
-    </p:extLst>
-  </p:cSld>
-  <p:clrMapOvr>
-    <a:masterClrMapping/>
-  </p:clrMapOvr>
-</p:sld>
-</file>
-
-<file path=ppt/slides/slide4.xml><?xml version="1.0" encoding="utf-8"?>
-<p:sld xmlns:a="http://schemas.openxmlformats.org/drawingml/2006/main" xmlns:r="http://schemas.openxmlformats.org/officeDocument/2006/relationships" xmlns:p="http://schemas.openxmlformats.org/presentationml/2006/main">
-  <p:cSld>
-    <p:spTree>
-      <p:nvGrpSpPr>
-        <p:cNvPr id="1" name=""/>
-        <p:cNvGrpSpPr/>
-        <p:nvPr/>
-      </p:nvGrpSpPr>
-      <p:grpSpPr>
-        <a:xfrm>
-          <a:off x="0" y="0"/>
-          <a:ext cx="0" cy="0"/>
-          <a:chOff x="0" y="0"/>
-          <a:chExt cx="0" cy="0"/>
-        </a:xfrm>
-      </p:grpSpPr>
-      <p:sp>
-        <p:nvSpPr>
-          <p:cNvPr id="2" name="Titre 1">
-            <a:extLst>
-              <a:ext uri="{FF2B5EF4-FFF2-40B4-BE49-F238E27FC236}">
-                <a16:creationId xmlns:a16="http://schemas.microsoft.com/office/drawing/2014/main" id="{7EDD41E2-634D-4556-9D66-0DA5B3A633A2}"/>
-              </a:ext>
-            </a:extLst>
-          </p:cNvPr>
-          <p:cNvSpPr>
-            <a:spLocks noGrp="1"/>
-          </p:cNvSpPr>
-          <p:nvPr>
-            <p:ph type="title"/>
-          </p:nvPr>
-        </p:nvSpPr>
-        <p:spPr/>
-        <p:txBody>
-          <a:bodyPr/>
-          <a:lstStyle/>
-          <a:p>
-            <a:r>
-              <a:rPr lang="fr-FR" dirty="0"/>
-              <a:t>bruteforce.py =&gt; Pseudocode</a:t>
-            </a:r>
-          </a:p>
-        </p:txBody>
-      </p:sp>
-      <p:sp>
-        <p:nvSpPr>
-          <p:cNvPr id="3" name="Espace réservé du numéro de diapositive 2">
-            <a:extLst>
-              <a:ext uri="{FF2B5EF4-FFF2-40B4-BE49-F238E27FC236}">
-                <a16:creationId xmlns:a16="http://schemas.microsoft.com/office/drawing/2014/main" id="{99276D9A-66F8-4FAF-B199-D0EAC7844654}"/>
-              </a:ext>
-            </a:extLst>
-          </p:cNvPr>
-          <p:cNvSpPr>
-            <a:spLocks noGrp="1"/>
-          </p:cNvSpPr>
-          <p:nvPr>
-            <p:ph type="sldNum" sz="quarter" idx="12"/>
-          </p:nvPr>
-        </p:nvSpPr>
-        <p:spPr>
-          <a:xfrm>
-            <a:off x="8610600" y="6356352"/>
-            <a:ext cx="2743200" cy="365125"/>
-          </a:xfrm>
-        </p:spPr>
-        <p:txBody>
-          <a:bodyPr/>
-          <a:lstStyle/>
-          <a:p>
-            <a:fld id="{2CEE6A89-DFCB-4FC8-A1BB-9845AC41F306}" type="slidenum">
-              <a:rPr lang="fr-FR" smtClean="0"/>
-              <a:pPr/>
-              <a:t>4</a:t>
-            </a:fld>
-            <a:endParaRPr lang="fr-FR" dirty="0"/>
-          </a:p>
-        </p:txBody>
-      </p:sp>
-      <p:pic>
-        <p:nvPicPr>
-          <p:cNvPr id="9" name="Image 8">
-            <a:extLst>
-              <a:ext uri="{FF2B5EF4-FFF2-40B4-BE49-F238E27FC236}">
-                <a16:creationId xmlns:a16="http://schemas.microsoft.com/office/drawing/2014/main" id="{8151D1B3-3E26-45C7-B2D8-6CBEE3017E74}"/>
-              </a:ext>
-            </a:extLst>
-          </p:cNvPr>
-          <p:cNvPicPr>
-            <a:picLocks/>
-          </p:cNvPicPr>
-          <p:nvPr/>
-        </p:nvPicPr>
-        <p:blipFill>
-          <a:blip r:embed="rId2">
-            <a:extLst>
-              <a:ext uri="{28A0092B-C50C-407E-A947-70E740481C1C}">
-                <a14:useLocalDpi xmlns:a14="http://schemas.microsoft.com/office/drawing/2010/main" val="0"/>
-              </a:ext>
-            </a:extLst>
-          </a:blip>
-          <a:srcRect/>
-          <a:stretch/>
-        </p:blipFill>
-        <p:spPr>
-          <a:xfrm>
-            <a:off x="828000" y="1440000"/>
-            <a:ext cx="9396000" cy="5040000"/>
-          </a:xfrm>
-          <a:prstGeom prst="rect">
-            <a:avLst/>
-          </a:prstGeom>
-        </p:spPr>
-      </p:pic>
-      <p:sp>
-        <p:nvSpPr>
-          <p:cNvPr id="11" name="Accolade fermante 10">
-            <a:extLst>
-              <a:ext uri="{FF2B5EF4-FFF2-40B4-BE49-F238E27FC236}">
-                <a16:creationId xmlns:a16="http://schemas.microsoft.com/office/drawing/2014/main" id="{C40DAE66-3392-4AE8-AD96-929A30527245}"/>
-              </a:ext>
-            </a:extLst>
-          </p:cNvPr>
-          <p:cNvSpPr/>
-          <p:nvPr/>
-        </p:nvSpPr>
-        <p:spPr>
-          <a:xfrm>
-            <a:off x="5255017" y="1798730"/>
-            <a:ext cx="362583" cy="431800"/>
-          </a:xfrm>
-          <a:prstGeom prst="rightBrace">
-            <a:avLst>
-              <a:gd name="adj1" fmla="val 6862"/>
-              <a:gd name="adj2" fmla="val 51471"/>
-            </a:avLst>
-          </a:prstGeom>
-          <a:ln w="15875">
-            <a:solidFill>
-              <a:srgbClr val="64B164"/>
-            </a:solidFill>
-          </a:ln>
-        </p:spPr>
-        <p:style>
-          <a:lnRef idx="1">
-            <a:schemeClr val="accent1"/>
-          </a:lnRef>
-          <a:fillRef idx="0">
-            <a:schemeClr val="accent1"/>
-          </a:fillRef>
-          <a:effectRef idx="0">
-            <a:schemeClr val="accent1"/>
-          </a:effectRef>
-          <a:fontRef idx="minor">
-            <a:schemeClr val="tx1"/>
-          </a:fontRef>
-        </p:style>
-        <p:txBody>
-          <a:bodyPr rtlCol="0" anchor="ctr"/>
-          <a:lstStyle/>
-          <a:p>
-            <a:pPr algn="ctr"/>
-            <a:endParaRPr lang="fr-FR"/>
-          </a:p>
-        </p:txBody>
-      </p:sp>
-      <p:sp>
-        <p:nvSpPr>
-          <p:cNvPr id="12" name="ZoneTexte 11">
-            <a:extLst>
-              <a:ext uri="{FF2B5EF4-FFF2-40B4-BE49-F238E27FC236}">
-                <a16:creationId xmlns:a16="http://schemas.microsoft.com/office/drawing/2014/main" id="{DB325563-F38F-42BB-8BA3-41B3CB4BECBB}"/>
-              </a:ext>
-            </a:extLst>
-          </p:cNvPr>
-          <p:cNvSpPr txBox="1"/>
-          <p:nvPr/>
-        </p:nvSpPr>
-        <p:spPr>
-          <a:xfrm>
-            <a:off x="6196533" y="1418850"/>
-            <a:ext cx="582211" cy="307777"/>
-          </a:xfrm>
-          <a:prstGeom prst="rect">
-            <a:avLst/>
-          </a:prstGeom>
-          <a:noFill/>
-        </p:spPr>
-        <p:txBody>
-          <a:bodyPr wrap="none" rtlCol="0">
-            <a:spAutoFit/>
-          </a:bodyPr>
-          <a:lstStyle/>
-          <a:p>
-            <a:r>
-              <a:rPr lang="fr-FR" sz="1400" dirty="0" err="1">
-                <a:solidFill>
-                  <a:srgbClr val="64B164"/>
-                </a:solidFill>
-              </a:rPr>
-              <a:t>Big-O</a:t>
-            </a:r>
-            <a:endParaRPr lang="fr-FR" sz="1400" dirty="0">
-              <a:solidFill>
-                <a:srgbClr val="64B164"/>
-              </a:solidFill>
-            </a:endParaRPr>
-          </a:p>
-        </p:txBody>
-      </p:sp>
-      <p:sp>
-        <p:nvSpPr>
-          <p:cNvPr id="13" name="ZoneTexte 12">
-            <a:extLst>
-              <a:ext uri="{FF2B5EF4-FFF2-40B4-BE49-F238E27FC236}">
-                <a16:creationId xmlns:a16="http://schemas.microsoft.com/office/drawing/2014/main" id="{93F5C6E8-A0B6-4D2F-B2A2-52252F676A36}"/>
-              </a:ext>
-            </a:extLst>
-          </p:cNvPr>
-          <p:cNvSpPr txBox="1"/>
-          <p:nvPr/>
-        </p:nvSpPr>
-        <p:spPr>
-          <a:xfrm>
-            <a:off x="5926664" y="1844865"/>
-            <a:ext cx="550151" cy="338554"/>
-          </a:xfrm>
-          <a:prstGeom prst="rect">
-            <a:avLst/>
-          </a:prstGeom>
-          <a:noFill/>
-        </p:spPr>
-        <p:txBody>
-          <a:bodyPr wrap="none" rtlCol="0">
-            <a:spAutoFit/>
-          </a:bodyPr>
-          <a:lstStyle/>
-          <a:p>
-            <a:r>
-              <a:rPr lang="fr-FR" sz="1600" dirty="0">
-                <a:solidFill>
-                  <a:srgbClr val="64B164"/>
-                </a:solidFill>
-              </a:rPr>
-              <a:t>O(1)</a:t>
-            </a:r>
-          </a:p>
-        </p:txBody>
-      </p:sp>
-      <p:sp>
-        <p:nvSpPr>
-          <p:cNvPr id="4" name="ZoneTexte 3">
-            <a:extLst>
-              <a:ext uri="{FF2B5EF4-FFF2-40B4-BE49-F238E27FC236}">
-                <a16:creationId xmlns:a16="http://schemas.microsoft.com/office/drawing/2014/main" id="{1BF26404-F3DA-4540-A487-EC6727623E30}"/>
-              </a:ext>
-            </a:extLst>
-          </p:cNvPr>
-          <p:cNvSpPr txBox="1"/>
-          <p:nvPr/>
-        </p:nvSpPr>
-        <p:spPr>
-          <a:xfrm>
-            <a:off x="3459156" y="3960000"/>
-            <a:ext cx="4316887" cy="369332"/>
-          </a:xfrm>
-          <a:prstGeom prst="rect">
-            <a:avLst/>
-          </a:prstGeom>
-          <a:noFill/>
-        </p:spPr>
-        <p:txBody>
-          <a:bodyPr wrap="none" rtlCol="0">
-            <a:spAutoFit/>
-          </a:bodyPr>
-          <a:lstStyle/>
-          <a:p>
-            <a:r>
-              <a:rPr lang="fr-FR" dirty="0">
-                <a:solidFill>
-                  <a:srgbClr val="64B164"/>
-                </a:solidFill>
-              </a:rPr>
-              <a:t>Soit, pour l’ensemble du </a:t>
-            </a:r>
-            <a:r>
-              <a:rPr lang="fr-FR" dirty="0" err="1">
-                <a:solidFill>
-                  <a:srgbClr val="64B164"/>
-                </a:solidFill>
-              </a:rPr>
-              <a:t>bruteforce</a:t>
-            </a:r>
-            <a:r>
-              <a:rPr lang="fr-FR" dirty="0">
-                <a:solidFill>
-                  <a:srgbClr val="64B164"/>
-                </a:solidFill>
-              </a:rPr>
-              <a:t> : O(2^n)</a:t>
-            </a:r>
-          </a:p>
-        </p:txBody>
-      </p:sp>
+      <mc:AlternateContent xmlns:mc="http://schemas.openxmlformats.org/markup-compatibility/2006">
+        <mc:Choice xmlns:a14="http://schemas.microsoft.com/office/drawing/2010/main" Requires="a14">
+          <p:sp>
+            <p:nvSpPr>
+              <p:cNvPr id="7" name="Rectangle 6">
+                <a:extLst>
+                  <a:ext uri="{FF2B5EF4-FFF2-40B4-BE49-F238E27FC236}">
+                    <a16:creationId xmlns:a16="http://schemas.microsoft.com/office/drawing/2014/main" id="{9E756B57-8AEC-43EA-896D-6AA063F1F03D}"/>
+                  </a:ext>
+                </a:extLst>
+              </p:cNvPr>
+              <p:cNvSpPr/>
+              <p:nvPr/>
+            </p:nvSpPr>
+            <p:spPr>
+              <a:xfrm>
+                <a:off x="7020000" y="2089176"/>
+                <a:ext cx="2750175" cy="369332"/>
+              </a:xfrm>
+              <a:prstGeom prst="rect">
+                <a:avLst/>
+              </a:prstGeom>
+            </p:spPr>
+            <p:txBody>
+              <a:bodyPr wrap="none">
+                <a:spAutoFit/>
+              </a:bodyPr>
+              <a:lstStyle/>
+              <a:p>
+                <a:pPr/>
+                <a14:m>
+                  <m:oMathPara xmlns:m="http://schemas.openxmlformats.org/officeDocument/2006/math">
+                    <m:oMathParaPr>
+                      <m:jc m:val="left"/>
+                    </m:oMathParaPr>
+                    <m:oMath xmlns:m="http://schemas.openxmlformats.org/officeDocument/2006/math">
+                      <m:sSub>
+                        <m:sSubPr>
+                          <m:ctrlPr>
+                            <a:rPr lang="fr-FR" smtClean="0">
+                              <a:solidFill>
+                                <a:srgbClr val="66D9EF"/>
+                              </a:solidFill>
+                              <a:latin typeface="Cambria Math" panose="02040503050406030204" pitchFamily="18" charset="0"/>
+                            </a:rPr>
+                          </m:ctrlPr>
+                        </m:sSubPr>
+                        <m:e>
+                          <m:r>
+                            <m:rPr>
+                              <m:sty m:val="p"/>
+                            </m:rPr>
+                            <a:rPr lang="fr-FR">
+                              <a:solidFill>
+                                <a:srgbClr val="66D9EF"/>
+                              </a:solidFill>
+                              <a:latin typeface="Cambria Math" panose="02040503050406030204" pitchFamily="18" charset="0"/>
+                            </a:rPr>
+                            <m:t>Ο</m:t>
+                          </m:r>
+                        </m:e>
+                        <m:sub>
+                          <m:r>
+                            <a:rPr lang="fr-FR" i="0">
+                              <a:solidFill>
+                                <a:srgbClr val="66D9EF"/>
+                              </a:solidFill>
+                              <a:latin typeface="Cambria Math" panose="02040503050406030204" pitchFamily="18" charset="0"/>
+                            </a:rPr>
+                            <m:t>4</m:t>
+                          </m:r>
+                        </m:sub>
+                      </m:sSub>
+                      <m:d>
+                        <m:dPr>
+                          <m:ctrlPr>
+                            <a:rPr lang="fr-FR" i="1">
+                              <a:solidFill>
+                                <a:srgbClr val="66D9EF"/>
+                              </a:solidFill>
+                              <a:latin typeface="Cambria Math" panose="02040503050406030204" pitchFamily="18" charset="0"/>
+                            </a:rPr>
+                          </m:ctrlPr>
+                        </m:dPr>
+                        <m:e>
+                          <m:sSub>
+                            <m:sSubPr>
+                              <m:ctrlPr>
+                                <a:rPr lang="fr-FR" i="1">
+                                  <a:solidFill>
+                                    <a:srgbClr val="66D9EF"/>
+                                  </a:solidFill>
+                                  <a:latin typeface="Cambria Math" panose="02040503050406030204" pitchFamily="18" charset="0"/>
+                                </a:rPr>
+                              </m:ctrlPr>
+                            </m:sSubPr>
+                            <m:e>
+                              <m:r>
+                                <a:rPr lang="fr-FR" i="1">
+                                  <a:solidFill>
+                                    <a:srgbClr val="66D9EF"/>
+                                  </a:solidFill>
+                                  <a:latin typeface="Cambria Math" panose="02040503050406030204" pitchFamily="18" charset="0"/>
+                                </a:rPr>
+                                <m:t>𝐶</m:t>
+                              </m:r>
+                            </m:e>
+                            <m:sub>
+                              <m:r>
+                                <a:rPr lang="fr-FR" i="0">
+                                  <a:solidFill>
+                                    <a:srgbClr val="66D9EF"/>
+                                  </a:solidFill>
+                                  <a:latin typeface="Cambria Math" panose="02040503050406030204" pitchFamily="18" charset="0"/>
+                                </a:rPr>
+                                <m:t>4</m:t>
+                              </m:r>
+                            </m:sub>
+                          </m:sSub>
+                        </m:e>
+                      </m:d>
+                      <m:r>
+                        <a:rPr lang="fr-FR" i="0">
+                          <a:solidFill>
+                            <a:srgbClr val="66D9EF"/>
+                          </a:solidFill>
+                          <a:latin typeface="Cambria Math" panose="02040503050406030204" pitchFamily="18" charset="0"/>
+                        </a:rPr>
+                        <m:t>  </m:t>
+                      </m:r>
+                      <m:r>
+                        <a:rPr lang="fr-FR" b="0" i="0" smtClean="0">
+                          <a:solidFill>
+                            <a:srgbClr val="66D9EF"/>
+                          </a:solidFill>
+                          <a:latin typeface="Cambria Math" panose="02040503050406030204" pitchFamily="18" charset="0"/>
+                        </a:rPr>
+                        <m:t> </m:t>
+                      </m:r>
+                      <m:r>
+                        <a:rPr lang="fr-FR" i="0">
+                          <a:solidFill>
+                            <a:srgbClr val="66D9EF"/>
+                          </a:solidFill>
+                          <a:latin typeface="Cambria Math" panose="02040503050406030204" pitchFamily="18" charset="0"/>
+                        </a:rPr>
+                        <m:t>=    </m:t>
+                      </m:r>
+                      <m:sSub>
+                        <m:sSubPr>
+                          <m:ctrlPr>
+                            <a:rPr lang="fr-FR" i="1">
+                              <a:solidFill>
+                                <a:srgbClr val="66D9EF"/>
+                              </a:solidFill>
+                              <a:latin typeface="Cambria Math" panose="02040503050406030204" pitchFamily="18" charset="0"/>
+                            </a:rPr>
+                          </m:ctrlPr>
+                        </m:sSubPr>
+                        <m:e>
+                          <m:r>
+                            <m:rPr>
+                              <m:sty m:val="p"/>
+                            </m:rPr>
+                            <a:rPr lang="fr-FR" i="0">
+                              <a:solidFill>
+                                <a:srgbClr val="66D9EF"/>
+                              </a:solidFill>
+                              <a:latin typeface="Cambria Math" panose="02040503050406030204" pitchFamily="18" charset="0"/>
+                            </a:rPr>
+                            <m:t>Ο</m:t>
+                          </m:r>
+                        </m:e>
+                        <m:sub>
+                          <m:r>
+                            <a:rPr lang="fr-FR" i="0">
+                              <a:solidFill>
+                                <a:srgbClr val="66D9EF"/>
+                              </a:solidFill>
+                              <a:latin typeface="Cambria Math" panose="02040503050406030204" pitchFamily="18" charset="0"/>
+                            </a:rPr>
+                            <m:t>4</m:t>
+                          </m:r>
+                        </m:sub>
+                      </m:sSub>
+                      <m:d>
+                        <m:dPr>
+                          <m:ctrlPr>
+                            <a:rPr lang="fr-FR" i="1">
+                              <a:solidFill>
+                                <a:srgbClr val="66D9EF"/>
+                              </a:solidFill>
+                              <a:latin typeface="Cambria Math" panose="02040503050406030204" pitchFamily="18" charset="0"/>
+                            </a:rPr>
+                          </m:ctrlPr>
+                        </m:dPr>
+                        <m:e>
+                          <m:r>
+                            <a:rPr lang="fr-FR" i="0">
+                              <a:solidFill>
+                                <a:srgbClr val="66D9EF"/>
+                              </a:solidFill>
+                              <a:latin typeface="Cambria Math" panose="02040503050406030204" pitchFamily="18" charset="0"/>
+                            </a:rPr>
+                            <m:t>1</m:t>
+                          </m:r>
+                        </m:e>
+                      </m:d>
+                      <m:r>
+                        <a:rPr lang="fr-FR" b="0" i="0" smtClean="0">
+                          <a:solidFill>
+                            <a:srgbClr val="66D9EF"/>
+                          </a:solidFill>
+                          <a:latin typeface="Cambria Math" panose="02040503050406030204" pitchFamily="18" charset="0"/>
+                        </a:rPr>
+                        <m:t> </m:t>
+                      </m:r>
+                      <m:r>
+                        <a:rPr lang="fr-FR" i="0">
+                          <a:solidFill>
+                            <a:srgbClr val="66D9EF"/>
+                          </a:solidFill>
+                          <a:latin typeface="Cambria Math" panose="02040503050406030204" pitchFamily="18" charset="0"/>
+                        </a:rPr>
+                        <m:t>+</m:t>
+                      </m:r>
+                      <m:r>
+                        <a:rPr lang="fr-FR" b="0" i="1" smtClean="0">
+                          <a:solidFill>
+                            <a:srgbClr val="66D9EF"/>
+                          </a:solidFill>
+                          <a:latin typeface="Cambria Math" panose="02040503050406030204" pitchFamily="18" charset="0"/>
+                        </a:rPr>
+                        <m:t> </m:t>
+                      </m:r>
+                      <m:sSub>
+                        <m:sSubPr>
+                          <m:ctrlPr>
+                            <a:rPr lang="fr-FR" i="1">
+                              <a:solidFill>
+                                <a:srgbClr val="66D9EF"/>
+                              </a:solidFill>
+                              <a:latin typeface="Cambria Math" panose="02040503050406030204" pitchFamily="18" charset="0"/>
+                            </a:rPr>
+                          </m:ctrlPr>
+                        </m:sSubPr>
+                        <m:e>
+                          <m:r>
+                            <a:rPr lang="fr-FR" i="1">
+                              <a:solidFill>
+                                <a:srgbClr val="66D9EF"/>
+                              </a:solidFill>
+                              <a:latin typeface="Cambria Math" panose="02040503050406030204" pitchFamily="18" charset="0"/>
+                            </a:rPr>
+                            <m:t>𝜖</m:t>
+                          </m:r>
+                        </m:e>
+                        <m:sub>
+                          <m:r>
+                            <a:rPr lang="fr-FR" i="0">
+                              <a:solidFill>
+                                <a:srgbClr val="66D9EF"/>
+                              </a:solidFill>
+                              <a:latin typeface="Cambria Math" panose="02040503050406030204" pitchFamily="18" charset="0"/>
+                            </a:rPr>
+                            <m:t>4</m:t>
+                          </m:r>
+                        </m:sub>
+                      </m:sSub>
+                    </m:oMath>
+                  </m:oMathPara>
+                </a14:m>
+                <a:endParaRPr lang="fr-FR" dirty="0">
+                  <a:solidFill>
+                    <a:srgbClr val="66D9EF"/>
+                  </a:solidFill>
+                </a:endParaRPr>
+              </a:p>
+            </p:txBody>
+          </p:sp>
+        </mc:Choice>
+        <mc:Fallback>
+          <p:sp>
+            <p:nvSpPr>
+              <p:cNvPr id="7" name="Rectangle 6">
+                <a:extLst>
+                  <a:ext uri="{FF2B5EF4-FFF2-40B4-BE49-F238E27FC236}">
+                    <a16:creationId xmlns:a16="http://schemas.microsoft.com/office/drawing/2014/main" id="{9E756B57-8AEC-43EA-896D-6AA063F1F03D}"/>
+                  </a:ext>
+                </a:extLst>
+              </p:cNvPr>
+              <p:cNvSpPr>
+                <a:spLocks noRot="1" noChangeAspect="1" noMove="1" noResize="1" noEditPoints="1" noAdjustHandles="1" noChangeArrowheads="1" noChangeShapeType="1" noTextEdit="1"/>
+              </p:cNvSpPr>
+              <p:nvPr/>
+            </p:nvSpPr>
+            <p:spPr>
+              <a:xfrm>
+                <a:off x="7020000" y="2089176"/>
+                <a:ext cx="2750175" cy="369332"/>
+              </a:xfrm>
+              <a:prstGeom prst="rect">
+                <a:avLst/>
+              </a:prstGeom>
+              <a:blipFill>
+                <a:blip r:embed="rId3"/>
+                <a:stretch>
+                  <a:fillRect/>
+                </a:stretch>
+              </a:blipFill>
+            </p:spPr>
+            <p:txBody>
+              <a:bodyPr/>
+              <a:lstStyle/>
+              <a:p>
+                <a:r>
+                  <a:rPr lang="fr-FR">
+                    <a:noFill/>
+                  </a:rPr>
+                  <a:t> </a:t>
+                </a:r>
+              </a:p>
+            </p:txBody>
+          </p:sp>
+        </mc:Fallback>
+      </mc:AlternateContent>
+      <mc:AlternateContent xmlns:mc="http://schemas.openxmlformats.org/markup-compatibility/2006">
+        <mc:Choice xmlns:a14="http://schemas.microsoft.com/office/drawing/2010/main" Requires="a14">
+          <p:sp>
+            <p:nvSpPr>
+              <p:cNvPr id="8" name="Rectangle 7">
+                <a:extLst>
+                  <a:ext uri="{FF2B5EF4-FFF2-40B4-BE49-F238E27FC236}">
+                    <a16:creationId xmlns:a16="http://schemas.microsoft.com/office/drawing/2014/main" id="{32F9A4C5-A6FE-4154-8A13-C8715DC926E3}"/>
+                  </a:ext>
+                </a:extLst>
+              </p:cNvPr>
+              <p:cNvSpPr/>
+              <p:nvPr/>
+            </p:nvSpPr>
+            <p:spPr>
+              <a:xfrm>
+                <a:off x="7020000" y="3892836"/>
+                <a:ext cx="3124510" cy="369332"/>
+              </a:xfrm>
+              <a:prstGeom prst="rect">
+                <a:avLst/>
+              </a:prstGeom>
+            </p:spPr>
+            <p:txBody>
+              <a:bodyPr wrap="none">
+                <a:spAutoFit/>
+              </a:bodyPr>
+              <a:lstStyle/>
+              <a:p>
+                <a:pPr/>
+                <a14:m>
+                  <m:oMathPara xmlns:m="http://schemas.openxmlformats.org/officeDocument/2006/math">
+                    <m:oMathParaPr>
+                      <m:jc m:val="left"/>
+                    </m:oMathParaPr>
+                    <m:oMath xmlns:m="http://schemas.openxmlformats.org/officeDocument/2006/math">
+                      <m:sSub>
+                        <m:sSubPr>
+                          <m:ctrlPr>
+                            <a:rPr lang="fr-FR" smtClean="0">
+                              <a:solidFill>
+                                <a:srgbClr val="66D9EF"/>
+                              </a:solidFill>
+                              <a:latin typeface="Cambria Math" panose="02040503050406030204" pitchFamily="18" charset="0"/>
+                            </a:rPr>
+                          </m:ctrlPr>
+                        </m:sSubPr>
+                        <m:e>
+                          <m:r>
+                            <m:rPr>
+                              <m:sty m:val="p"/>
+                            </m:rPr>
+                            <a:rPr lang="fr-FR">
+                              <a:solidFill>
+                                <a:srgbClr val="66D9EF"/>
+                              </a:solidFill>
+                              <a:latin typeface="Cambria Math" panose="02040503050406030204" pitchFamily="18" charset="0"/>
+                            </a:rPr>
+                            <m:t>Ο</m:t>
+                          </m:r>
+                        </m:e>
+                        <m:sub>
+                          <m:r>
+                            <a:rPr lang="fr-FR" i="0">
+                              <a:solidFill>
+                                <a:srgbClr val="66D9EF"/>
+                              </a:solidFill>
+                              <a:latin typeface="Cambria Math" panose="02040503050406030204" pitchFamily="18" charset="0"/>
+                            </a:rPr>
+                            <m:t>5</m:t>
+                          </m:r>
+                        </m:sub>
+                      </m:sSub>
+                      <m:d>
+                        <m:dPr>
+                          <m:ctrlPr>
+                            <a:rPr lang="fr-FR" i="1">
+                              <a:solidFill>
+                                <a:srgbClr val="66D9EF"/>
+                              </a:solidFill>
+                              <a:latin typeface="Cambria Math" panose="02040503050406030204" pitchFamily="18" charset="0"/>
+                            </a:rPr>
+                          </m:ctrlPr>
+                        </m:dPr>
+                        <m:e>
+                          <m:sSub>
+                            <m:sSubPr>
+                              <m:ctrlPr>
+                                <a:rPr lang="fr-FR" i="1">
+                                  <a:solidFill>
+                                    <a:srgbClr val="66D9EF"/>
+                                  </a:solidFill>
+                                  <a:latin typeface="Cambria Math" panose="02040503050406030204" pitchFamily="18" charset="0"/>
+                                </a:rPr>
+                              </m:ctrlPr>
+                            </m:sSubPr>
+                            <m:e>
+                              <m:r>
+                                <a:rPr lang="fr-FR" i="1">
+                                  <a:solidFill>
+                                    <a:srgbClr val="66D9EF"/>
+                                  </a:solidFill>
+                                  <a:latin typeface="Cambria Math" panose="02040503050406030204" pitchFamily="18" charset="0"/>
+                                </a:rPr>
+                                <m:t>𝑛</m:t>
+                              </m:r>
+                            </m:e>
+                            <m:sub>
+                              <m:r>
+                                <a:rPr lang="fr-FR" i="1">
+                                  <a:solidFill>
+                                    <a:srgbClr val="66D9EF"/>
+                                  </a:solidFill>
+                                  <a:latin typeface="Cambria Math" panose="02040503050406030204" pitchFamily="18" charset="0"/>
+                                </a:rPr>
+                                <m:t>𝑎</m:t>
+                              </m:r>
+                            </m:sub>
+                          </m:sSub>
+                          <m:r>
+                            <a:rPr lang="fr-FR" i="0">
+                              <a:solidFill>
+                                <a:srgbClr val="66D9EF"/>
+                              </a:solidFill>
+                              <a:latin typeface="Cambria Math" panose="02040503050406030204" pitchFamily="18" charset="0"/>
+                            </a:rPr>
+                            <m:t>+</m:t>
+                          </m:r>
+                          <m:sSub>
+                            <m:sSubPr>
+                              <m:ctrlPr>
+                                <a:rPr lang="fr-FR" i="1">
+                                  <a:solidFill>
+                                    <a:srgbClr val="66D9EF"/>
+                                  </a:solidFill>
+                                  <a:latin typeface="Cambria Math" panose="02040503050406030204" pitchFamily="18" charset="0"/>
+                                </a:rPr>
+                              </m:ctrlPr>
+                            </m:sSubPr>
+                            <m:e>
+                              <m:r>
+                                <a:rPr lang="fr-FR" i="1">
+                                  <a:solidFill>
+                                    <a:srgbClr val="66D9EF"/>
+                                  </a:solidFill>
+                                  <a:latin typeface="Cambria Math" panose="02040503050406030204" pitchFamily="18" charset="0"/>
+                                </a:rPr>
+                                <m:t>𝐶</m:t>
+                              </m:r>
+                            </m:e>
+                            <m:sub>
+                              <m:r>
+                                <a:rPr lang="fr-FR" i="0">
+                                  <a:solidFill>
+                                    <a:srgbClr val="66D9EF"/>
+                                  </a:solidFill>
+                                  <a:latin typeface="Cambria Math" panose="02040503050406030204" pitchFamily="18" charset="0"/>
+                                </a:rPr>
+                                <m:t>5</m:t>
+                              </m:r>
+                            </m:sub>
+                          </m:sSub>
+                        </m:e>
+                      </m:d>
+                      <m:r>
+                        <a:rPr lang="fr-FR" i="0">
+                          <a:solidFill>
+                            <a:srgbClr val="66D9EF"/>
+                          </a:solidFill>
+                          <a:latin typeface="Cambria Math" panose="02040503050406030204" pitchFamily="18" charset="0"/>
+                        </a:rPr>
+                        <m:t>   =   </m:t>
+                      </m:r>
+                      <m:sSub>
+                        <m:sSubPr>
+                          <m:ctrlPr>
+                            <a:rPr lang="fr-FR" i="1">
+                              <a:solidFill>
+                                <a:srgbClr val="66D9EF"/>
+                              </a:solidFill>
+                              <a:latin typeface="Cambria Math" panose="02040503050406030204" pitchFamily="18" charset="0"/>
+                            </a:rPr>
+                          </m:ctrlPr>
+                        </m:sSubPr>
+                        <m:e>
+                          <m:r>
+                            <m:rPr>
+                              <m:sty m:val="p"/>
+                            </m:rPr>
+                            <a:rPr lang="fr-FR" i="0">
+                              <a:solidFill>
+                                <a:srgbClr val="66D9EF"/>
+                              </a:solidFill>
+                              <a:latin typeface="Cambria Math" panose="02040503050406030204" pitchFamily="18" charset="0"/>
+                            </a:rPr>
+                            <m:t>Ο</m:t>
+                          </m:r>
+                        </m:e>
+                        <m:sub>
+                          <m:r>
+                            <a:rPr lang="fr-FR" i="0">
+                              <a:solidFill>
+                                <a:srgbClr val="66D9EF"/>
+                              </a:solidFill>
+                              <a:latin typeface="Cambria Math" panose="02040503050406030204" pitchFamily="18" charset="0"/>
+                            </a:rPr>
+                            <m:t>5</m:t>
+                          </m:r>
+                        </m:sub>
+                      </m:sSub>
+                      <m:d>
+                        <m:dPr>
+                          <m:ctrlPr>
+                            <a:rPr lang="fr-FR" i="1">
+                              <a:solidFill>
+                                <a:srgbClr val="66D9EF"/>
+                              </a:solidFill>
+                              <a:latin typeface="Cambria Math" panose="02040503050406030204" pitchFamily="18" charset="0"/>
+                            </a:rPr>
+                          </m:ctrlPr>
+                        </m:dPr>
+                        <m:e>
+                          <m:r>
+                            <a:rPr lang="fr-FR" i="0">
+                              <a:solidFill>
+                                <a:srgbClr val="66D9EF"/>
+                              </a:solidFill>
+                              <a:latin typeface="Cambria Math" panose="02040503050406030204" pitchFamily="18" charset="0"/>
+                            </a:rPr>
+                            <m:t>1</m:t>
+                          </m:r>
+                        </m:e>
+                      </m:d>
+                      <m:r>
+                        <a:rPr lang="fr-FR" i="0">
+                          <a:solidFill>
+                            <a:srgbClr val="66D9EF"/>
+                          </a:solidFill>
+                          <a:latin typeface="Cambria Math" panose="02040503050406030204" pitchFamily="18" charset="0"/>
+                        </a:rPr>
+                        <m:t>+</m:t>
+                      </m:r>
+                      <m:sSub>
+                        <m:sSubPr>
+                          <m:ctrlPr>
+                            <a:rPr lang="fr-FR" i="1">
+                              <a:solidFill>
+                                <a:srgbClr val="66D9EF"/>
+                              </a:solidFill>
+                              <a:latin typeface="Cambria Math" panose="02040503050406030204" pitchFamily="18" charset="0"/>
+                            </a:rPr>
+                          </m:ctrlPr>
+                        </m:sSubPr>
+                        <m:e>
+                          <m:r>
+                            <a:rPr lang="fr-FR" i="1">
+                              <a:solidFill>
+                                <a:srgbClr val="66D9EF"/>
+                              </a:solidFill>
+                              <a:latin typeface="Cambria Math" panose="02040503050406030204" pitchFamily="18" charset="0"/>
+                            </a:rPr>
+                            <m:t>𝜖</m:t>
+                          </m:r>
+                        </m:e>
+                        <m:sub>
+                          <m:r>
+                            <a:rPr lang="fr-FR" i="0">
+                              <a:solidFill>
+                                <a:srgbClr val="66D9EF"/>
+                              </a:solidFill>
+                              <a:latin typeface="Cambria Math" panose="02040503050406030204" pitchFamily="18" charset="0"/>
+                            </a:rPr>
+                            <m:t>5</m:t>
+                          </m:r>
+                        </m:sub>
+                      </m:sSub>
+                    </m:oMath>
+                  </m:oMathPara>
+                </a14:m>
+                <a:endParaRPr lang="fr-FR" dirty="0">
+                  <a:solidFill>
+                    <a:srgbClr val="66D9EF"/>
+                  </a:solidFill>
+                </a:endParaRPr>
+              </a:p>
+            </p:txBody>
+          </p:sp>
+        </mc:Choice>
+        <mc:Fallback>
+          <p:sp>
+            <p:nvSpPr>
+              <p:cNvPr id="8" name="Rectangle 7">
+                <a:extLst>
+                  <a:ext uri="{FF2B5EF4-FFF2-40B4-BE49-F238E27FC236}">
+                    <a16:creationId xmlns:a16="http://schemas.microsoft.com/office/drawing/2014/main" id="{32F9A4C5-A6FE-4154-8A13-C8715DC926E3}"/>
+                  </a:ext>
+                </a:extLst>
+              </p:cNvPr>
+              <p:cNvSpPr>
+                <a:spLocks noRot="1" noChangeAspect="1" noMove="1" noResize="1" noEditPoints="1" noAdjustHandles="1" noChangeArrowheads="1" noChangeShapeType="1" noTextEdit="1"/>
+              </p:cNvSpPr>
+              <p:nvPr/>
+            </p:nvSpPr>
+            <p:spPr>
+              <a:xfrm>
+                <a:off x="7020000" y="3892836"/>
+                <a:ext cx="3124510" cy="369332"/>
+              </a:xfrm>
+              <a:prstGeom prst="rect">
+                <a:avLst/>
+              </a:prstGeom>
+              <a:blipFill>
+                <a:blip r:embed="rId4"/>
+                <a:stretch>
+                  <a:fillRect/>
+                </a:stretch>
+              </a:blipFill>
+            </p:spPr>
+            <p:txBody>
+              <a:bodyPr/>
+              <a:lstStyle/>
+              <a:p>
+                <a:r>
+                  <a:rPr lang="fr-FR">
+                    <a:noFill/>
+                  </a:rPr>
+                  <a:t> </a:t>
+                </a:r>
+              </a:p>
+            </p:txBody>
+          </p:sp>
+        </mc:Fallback>
+      </mc:AlternateContent>
     </p:spTree>
     <p:extLst>
       <p:ext uri="{BB962C8B-B14F-4D97-AF65-F5344CB8AC3E}">
@@ -6695,70 +8364,12 @@
           <a:chExt cx="0" cy="0"/>
         </a:xfrm>
       </p:grpSpPr>
-      <p:sp>
-        <p:nvSpPr>
-          <p:cNvPr id="2" name="Titre 1">
-            <a:extLst>
-              <a:ext uri="{FF2B5EF4-FFF2-40B4-BE49-F238E27FC236}">
-                <a16:creationId xmlns:a16="http://schemas.microsoft.com/office/drawing/2014/main" id="{E927B88C-5312-40BD-9D70-538F97EFDD9F}"/>
-              </a:ext>
-            </a:extLst>
-          </p:cNvPr>
-          <p:cNvSpPr>
-            <a:spLocks noGrp="1"/>
-          </p:cNvSpPr>
-          <p:nvPr>
-            <p:ph type="title"/>
-          </p:nvPr>
-        </p:nvSpPr>
-        <p:spPr/>
-        <p:txBody>
-          <a:bodyPr/>
-          <a:lstStyle/>
-          <a:p>
-            <a:r>
-              <a:rPr lang="fr-FR" dirty="0"/>
-              <a:t>bruteforce.py =&gt; Performances</a:t>
-            </a:r>
-          </a:p>
-        </p:txBody>
-      </p:sp>
-      <p:sp>
-        <p:nvSpPr>
-          <p:cNvPr id="3" name="Espace réservé du numéro de diapositive 2">
-            <a:extLst>
-              <a:ext uri="{FF2B5EF4-FFF2-40B4-BE49-F238E27FC236}">
-                <a16:creationId xmlns:a16="http://schemas.microsoft.com/office/drawing/2014/main" id="{3225B6F3-7B14-47A1-A53B-3DFEA10E7206}"/>
-              </a:ext>
-            </a:extLst>
-          </p:cNvPr>
-          <p:cNvSpPr>
-            <a:spLocks noGrp="1"/>
-          </p:cNvSpPr>
-          <p:nvPr>
-            <p:ph type="sldNum" sz="quarter" idx="12"/>
-          </p:nvPr>
-        </p:nvSpPr>
-        <p:spPr/>
-        <p:txBody>
-          <a:bodyPr/>
-          <a:lstStyle/>
-          <a:p>
-            <a:fld id="{2CEE6A89-DFCB-4FC8-A1BB-9845AC41F306}" type="slidenum">
-              <a:rPr lang="fr-FR" smtClean="0"/>
-              <a:pPr/>
-              <a:t>5</a:t>
-            </a:fld>
-            <a:endParaRPr lang="fr-FR" dirty="0"/>
-          </a:p>
-        </p:txBody>
-      </p:sp>
       <p:pic>
         <p:nvPicPr>
-          <p:cNvPr id="4" name="Image 3">
+          <p:cNvPr id="9" name="Image 8">
             <a:extLst>
               <a:ext uri="{FF2B5EF4-FFF2-40B4-BE49-F238E27FC236}">
-                <a16:creationId xmlns:a16="http://schemas.microsoft.com/office/drawing/2014/main" id="{7DB54529-8740-4915-BEB4-A483167ED694}"/>
+                <a16:creationId xmlns:a16="http://schemas.microsoft.com/office/drawing/2014/main" id="{E001923B-C023-4177-9F88-36A6A04ADF59}"/>
               </a:ext>
             </a:extLst>
           </p:cNvPr>
@@ -6775,13 +8386,14 @@
               </a:ext>
             </a:extLst>
           </a:blip>
-          <a:srcRect/>
-          <a:stretch/>
+          <a:stretch>
+            <a:fillRect/>
+          </a:stretch>
         </p:blipFill>
         <p:spPr>
           <a:xfrm>
-            <a:off x="1767828" y="1895631"/>
-            <a:ext cx="5852172" cy="4389129"/>
+            <a:off x="360000" y="1440000"/>
+            <a:ext cx="7539169" cy="1792168"/>
           </a:xfrm>
           <a:prstGeom prst="rect">
             <a:avLst/>
@@ -6790,10 +8402,125 @@
       </p:pic>
       <p:sp>
         <p:nvSpPr>
-          <p:cNvPr id="5" name="ZoneTexte 4">
+          <p:cNvPr id="2" name="Titre 1">
             <a:extLst>
               <a:ext uri="{FF2B5EF4-FFF2-40B4-BE49-F238E27FC236}">
-                <a16:creationId xmlns:a16="http://schemas.microsoft.com/office/drawing/2014/main" id="{D42A67DE-0D67-41C0-98C6-6D5BDC18338A}"/>
+                <a16:creationId xmlns:a16="http://schemas.microsoft.com/office/drawing/2014/main" id="{7EDD41E2-634D-4556-9D66-0DA5B3A633A2}"/>
+              </a:ext>
+            </a:extLst>
+          </p:cNvPr>
+          <p:cNvSpPr>
+            <a:spLocks noGrp="1"/>
+          </p:cNvSpPr>
+          <p:nvPr>
+            <p:ph type="title"/>
+          </p:nvPr>
+        </p:nvSpPr>
+        <p:spPr/>
+        <p:txBody>
+          <a:bodyPr/>
+          <a:lstStyle/>
+          <a:p>
+            <a:r>
+              <a:rPr lang="fr-FR" dirty="0"/>
+              <a:t>bruteforce.py =&gt; Pseudocode</a:t>
+            </a:r>
+          </a:p>
+        </p:txBody>
+      </p:sp>
+      <p:sp>
+        <p:nvSpPr>
+          <p:cNvPr id="3" name="Espace réservé du numéro de diapositive 2">
+            <a:extLst>
+              <a:ext uri="{FF2B5EF4-FFF2-40B4-BE49-F238E27FC236}">
+                <a16:creationId xmlns:a16="http://schemas.microsoft.com/office/drawing/2014/main" id="{99276D9A-66F8-4FAF-B199-D0EAC7844654}"/>
+              </a:ext>
+            </a:extLst>
+          </p:cNvPr>
+          <p:cNvSpPr>
+            <a:spLocks noGrp="1"/>
+          </p:cNvSpPr>
+          <p:nvPr>
+            <p:ph type="sldNum" sz="quarter" idx="12"/>
+          </p:nvPr>
+        </p:nvSpPr>
+        <p:spPr>
+          <a:xfrm>
+            <a:off x="8610600" y="6356352"/>
+            <a:ext cx="2743200" cy="365125"/>
+          </a:xfrm>
+        </p:spPr>
+        <p:txBody>
+          <a:bodyPr/>
+          <a:lstStyle/>
+          <a:p>
+            <a:fld id="{2CEE6A89-DFCB-4FC8-A1BB-9845AC41F306}" type="slidenum">
+              <a:rPr lang="fr-FR" smtClean="0"/>
+              <a:pPr/>
+              <a:t>5</a:t>
+            </a:fld>
+            <a:endParaRPr lang="fr-FR" dirty="0"/>
+          </a:p>
+        </p:txBody>
+      </p:sp>
+      <p:sp>
+        <p:nvSpPr>
+          <p:cNvPr id="11" name="Accolade fermante 10">
+            <a:extLst>
+              <a:ext uri="{FF2B5EF4-FFF2-40B4-BE49-F238E27FC236}">
+                <a16:creationId xmlns:a16="http://schemas.microsoft.com/office/drawing/2014/main" id="{C40DAE66-3392-4AE8-AD96-929A30527245}"/>
+              </a:ext>
+            </a:extLst>
+          </p:cNvPr>
+          <p:cNvSpPr/>
+          <p:nvPr/>
+        </p:nvSpPr>
+        <p:spPr>
+          <a:xfrm>
+            <a:off x="6422400" y="1707086"/>
+            <a:ext cx="362583" cy="628998"/>
+          </a:xfrm>
+          <a:prstGeom prst="rightBrace">
+            <a:avLst>
+              <a:gd name="adj1" fmla="val 6862"/>
+              <a:gd name="adj2" fmla="val 51471"/>
+            </a:avLst>
+          </a:prstGeom>
+          <a:ln w="15875">
+            <a:solidFill>
+              <a:srgbClr val="64B164"/>
+            </a:solidFill>
+          </a:ln>
+        </p:spPr>
+        <p:style>
+          <a:lnRef idx="1">
+            <a:schemeClr val="accent1"/>
+          </a:lnRef>
+          <a:fillRef idx="0">
+            <a:schemeClr val="accent1"/>
+          </a:fillRef>
+          <a:effectRef idx="0">
+            <a:schemeClr val="accent1"/>
+          </a:effectRef>
+          <a:fontRef idx="minor">
+            <a:schemeClr val="tx1"/>
+          </a:fontRef>
+        </p:style>
+        <p:txBody>
+          <a:bodyPr rtlCol="0" anchor="ctr"/>
+          <a:lstStyle/>
+          <a:p>
+            <a:pPr algn="ctr"/>
+            <a:endParaRPr lang="fr-FR"/>
+          </a:p>
+        </p:txBody>
+      </p:sp>
+      <p:sp>
+        <p:nvSpPr>
+          <p:cNvPr id="4" name="ZoneTexte 3">
+            <a:extLst>
+              <a:ext uri="{FF2B5EF4-FFF2-40B4-BE49-F238E27FC236}">
+                <a16:creationId xmlns:a16="http://schemas.microsoft.com/office/drawing/2014/main" id="{1BF26404-F3DA-4540-A487-EC6727623E30}"/>
               </a:ext>
             </a:extLst>
           </p:cNvPr>
@@ -6802,8 +8529,8 @@
         </p:nvSpPr>
         <p:spPr>
           <a:xfrm>
-            <a:off x="6937805" y="1331496"/>
-            <a:ext cx="5254195" cy="923330"/>
+            <a:off x="2286804" y="3268327"/>
+            <a:ext cx="3616375" cy="369332"/>
           </a:xfrm>
           <a:prstGeom prst="rect">
             <a:avLst/>
@@ -6817,28 +8544,1174 @@
           <a:lstStyle/>
           <a:p>
             <a:r>
-              <a:rPr lang="fr-FR" dirty="0"/>
-              <a:t>Anas, l’habillage du graph est temporaire.</a:t>
+              <a:rPr lang="fr-FR" dirty="0">
+                <a:solidFill>
+                  <a:srgbClr val="64B164"/>
+                </a:solidFill>
+              </a:rPr>
+              <a:t>Soit, pour l’ensemble du </a:t>
             </a:r>
-          </a:p>
-          <a:p>
             <a:r>
-              <a:rPr lang="fr-FR" dirty="0"/>
-              <a:t>Je prévois de changer les couleurs, les unités des axes </a:t>
+              <a:rPr lang="fr-FR" dirty="0" err="1">
+                <a:solidFill>
+                  <a:srgbClr val="64B164"/>
+                </a:solidFill>
+              </a:rPr>
+              <a:t>bruteforce</a:t>
             </a:r>
-          </a:p>
-          <a:p>
             <a:r>
-              <a:rPr lang="fr-FR" dirty="0"/>
-              <a:t>et d’ajouter une légende pour les trois courbes.</a:t>
+              <a:rPr lang="fr-FR" dirty="0">
+                <a:solidFill>
+                  <a:srgbClr val="64B164"/>
+                </a:solidFill>
+              </a:rPr>
+              <a:t> :</a:t>
             </a:r>
           </a:p>
         </p:txBody>
       </p:sp>
+      <mc:AlternateContent xmlns:mc="http://schemas.openxmlformats.org/markup-compatibility/2006">
+        <mc:Choice xmlns:a14="http://schemas.microsoft.com/office/drawing/2010/main" Requires="a14">
+          <p:sp>
+            <p:nvSpPr>
+              <p:cNvPr id="13" name="Rectangle 12">
+                <a:extLst>
+                  <a:ext uri="{FF2B5EF4-FFF2-40B4-BE49-F238E27FC236}">
+                    <a16:creationId xmlns:a16="http://schemas.microsoft.com/office/drawing/2014/main" id="{18AD6443-A7CD-4C52-B4C8-3EDFFE6D8C03}"/>
+                  </a:ext>
+                </a:extLst>
+              </p:cNvPr>
+              <p:cNvSpPr/>
+              <p:nvPr/>
+            </p:nvSpPr>
+            <p:spPr>
+              <a:xfrm>
+                <a:off x="7020000" y="1836358"/>
+                <a:ext cx="2544991" cy="369332"/>
+              </a:xfrm>
+              <a:prstGeom prst="rect">
+                <a:avLst/>
+              </a:prstGeom>
+            </p:spPr>
+            <p:txBody>
+              <a:bodyPr wrap="none">
+                <a:spAutoFit/>
+              </a:bodyPr>
+              <a:lstStyle/>
+              <a:p>
+                <a:pPr/>
+                <a14:m>
+                  <m:oMathPara xmlns:m="http://schemas.openxmlformats.org/officeDocument/2006/math">
+                    <m:oMathParaPr>
+                      <m:jc m:val="left"/>
+                    </m:oMathParaPr>
+                    <m:oMath xmlns:m="http://schemas.openxmlformats.org/officeDocument/2006/math">
+                      <m:sSub>
+                        <m:sSubPr>
+                          <m:ctrlPr>
+                            <a:rPr lang="fr-FR" smtClean="0">
+                              <a:solidFill>
+                                <a:srgbClr val="66D9EF"/>
+                              </a:solidFill>
+                              <a:latin typeface="Cambria Math" panose="02040503050406030204" pitchFamily="18" charset="0"/>
+                            </a:rPr>
+                          </m:ctrlPr>
+                        </m:sSubPr>
+                        <m:e>
+                          <m:r>
+                            <m:rPr>
+                              <m:sty m:val="p"/>
+                            </m:rPr>
+                            <a:rPr lang="fr-FR">
+                              <a:solidFill>
+                                <a:srgbClr val="66D9EF"/>
+                              </a:solidFill>
+                              <a:latin typeface="Cambria Math" panose="02040503050406030204" pitchFamily="18" charset="0"/>
+                            </a:rPr>
+                            <m:t>Ο</m:t>
+                          </m:r>
+                        </m:e>
+                        <m:sub>
+                          <m:r>
+                            <a:rPr lang="fr-FR" i="0">
+                              <a:solidFill>
+                                <a:srgbClr val="66D9EF"/>
+                              </a:solidFill>
+                              <a:latin typeface="Cambria Math" panose="02040503050406030204" pitchFamily="18" charset="0"/>
+                            </a:rPr>
+                            <m:t>6</m:t>
+                          </m:r>
+                        </m:sub>
+                      </m:sSub>
+                      <m:d>
+                        <m:dPr>
+                          <m:ctrlPr>
+                            <a:rPr lang="fr-FR" i="1">
+                              <a:solidFill>
+                                <a:srgbClr val="66D9EF"/>
+                              </a:solidFill>
+                              <a:latin typeface="Cambria Math" panose="02040503050406030204" pitchFamily="18" charset="0"/>
+                            </a:rPr>
+                          </m:ctrlPr>
+                        </m:dPr>
+                        <m:e>
+                          <m:sSub>
+                            <m:sSubPr>
+                              <m:ctrlPr>
+                                <a:rPr lang="fr-FR" i="1">
+                                  <a:solidFill>
+                                    <a:srgbClr val="66D9EF"/>
+                                  </a:solidFill>
+                                  <a:latin typeface="Cambria Math" panose="02040503050406030204" pitchFamily="18" charset="0"/>
+                                </a:rPr>
+                              </m:ctrlPr>
+                            </m:sSubPr>
+                            <m:e>
+                              <m:r>
+                                <a:rPr lang="fr-FR" i="1">
+                                  <a:solidFill>
+                                    <a:srgbClr val="66D9EF"/>
+                                  </a:solidFill>
+                                  <a:latin typeface="Cambria Math" panose="02040503050406030204" pitchFamily="18" charset="0"/>
+                                </a:rPr>
+                                <m:t>𝐶</m:t>
+                              </m:r>
+                            </m:e>
+                            <m:sub>
+                              <m:r>
+                                <a:rPr lang="fr-FR" i="0">
+                                  <a:solidFill>
+                                    <a:srgbClr val="66D9EF"/>
+                                  </a:solidFill>
+                                  <a:latin typeface="Cambria Math" panose="02040503050406030204" pitchFamily="18" charset="0"/>
+                                </a:rPr>
+                                <m:t>6</m:t>
+                              </m:r>
+                            </m:sub>
+                          </m:sSub>
+                        </m:e>
+                      </m:d>
+                      <m:r>
+                        <a:rPr lang="fr-FR" i="0">
+                          <a:solidFill>
+                            <a:srgbClr val="66D9EF"/>
+                          </a:solidFill>
+                          <a:latin typeface="Cambria Math" panose="02040503050406030204" pitchFamily="18" charset="0"/>
+                        </a:rPr>
+                        <m:t>  =   </m:t>
+                      </m:r>
+                      <m:sSub>
+                        <m:sSubPr>
+                          <m:ctrlPr>
+                            <a:rPr lang="fr-FR" i="1">
+                              <a:solidFill>
+                                <a:srgbClr val="66D9EF"/>
+                              </a:solidFill>
+                              <a:latin typeface="Cambria Math" panose="02040503050406030204" pitchFamily="18" charset="0"/>
+                            </a:rPr>
+                          </m:ctrlPr>
+                        </m:sSubPr>
+                        <m:e>
+                          <m:r>
+                            <m:rPr>
+                              <m:sty m:val="p"/>
+                            </m:rPr>
+                            <a:rPr lang="fr-FR" i="0">
+                              <a:solidFill>
+                                <a:srgbClr val="66D9EF"/>
+                              </a:solidFill>
+                              <a:latin typeface="Cambria Math" panose="02040503050406030204" pitchFamily="18" charset="0"/>
+                            </a:rPr>
+                            <m:t>Ο</m:t>
+                          </m:r>
+                        </m:e>
+                        <m:sub>
+                          <m:r>
+                            <a:rPr lang="fr-FR" i="0">
+                              <a:solidFill>
+                                <a:srgbClr val="66D9EF"/>
+                              </a:solidFill>
+                              <a:latin typeface="Cambria Math" panose="02040503050406030204" pitchFamily="18" charset="0"/>
+                            </a:rPr>
+                            <m:t>6</m:t>
+                          </m:r>
+                        </m:sub>
+                      </m:sSub>
+                      <m:d>
+                        <m:dPr>
+                          <m:ctrlPr>
+                            <a:rPr lang="fr-FR" i="1">
+                              <a:solidFill>
+                                <a:srgbClr val="66D9EF"/>
+                              </a:solidFill>
+                              <a:latin typeface="Cambria Math" panose="02040503050406030204" pitchFamily="18" charset="0"/>
+                            </a:rPr>
+                          </m:ctrlPr>
+                        </m:dPr>
+                        <m:e>
+                          <m:r>
+                            <a:rPr lang="fr-FR" i="0">
+                              <a:solidFill>
+                                <a:srgbClr val="66D9EF"/>
+                              </a:solidFill>
+                              <a:latin typeface="Cambria Math" panose="02040503050406030204" pitchFamily="18" charset="0"/>
+                            </a:rPr>
+                            <m:t>1</m:t>
+                          </m:r>
+                        </m:e>
+                      </m:d>
+                      <m:r>
+                        <a:rPr lang="fr-FR" i="0">
+                          <a:solidFill>
+                            <a:srgbClr val="66D9EF"/>
+                          </a:solidFill>
+                          <a:latin typeface="Cambria Math" panose="02040503050406030204" pitchFamily="18" charset="0"/>
+                        </a:rPr>
+                        <m:t>+</m:t>
+                      </m:r>
+                      <m:sSub>
+                        <m:sSubPr>
+                          <m:ctrlPr>
+                            <a:rPr lang="fr-FR" i="1">
+                              <a:solidFill>
+                                <a:srgbClr val="66D9EF"/>
+                              </a:solidFill>
+                              <a:latin typeface="Cambria Math" panose="02040503050406030204" pitchFamily="18" charset="0"/>
+                            </a:rPr>
+                          </m:ctrlPr>
+                        </m:sSubPr>
+                        <m:e>
+                          <m:r>
+                            <a:rPr lang="fr-FR" i="1">
+                              <a:solidFill>
+                                <a:srgbClr val="66D9EF"/>
+                              </a:solidFill>
+                              <a:latin typeface="Cambria Math" panose="02040503050406030204" pitchFamily="18" charset="0"/>
+                            </a:rPr>
+                            <m:t>𝜖</m:t>
+                          </m:r>
+                        </m:e>
+                        <m:sub>
+                          <m:r>
+                            <a:rPr lang="fr-FR" i="0">
+                              <a:solidFill>
+                                <a:srgbClr val="66D9EF"/>
+                              </a:solidFill>
+                              <a:latin typeface="Cambria Math" panose="02040503050406030204" pitchFamily="18" charset="0"/>
+                            </a:rPr>
+                            <m:t>6</m:t>
+                          </m:r>
+                        </m:sub>
+                      </m:sSub>
+                    </m:oMath>
+                  </m:oMathPara>
+                </a14:m>
+                <a:endParaRPr lang="fr-FR" dirty="0">
+                  <a:solidFill>
+                    <a:srgbClr val="66D9EF"/>
+                  </a:solidFill>
+                </a:endParaRPr>
+              </a:p>
+            </p:txBody>
+          </p:sp>
+        </mc:Choice>
+        <mc:Fallback>
+          <p:sp>
+            <p:nvSpPr>
+              <p:cNvPr id="13" name="Rectangle 12">
+                <a:extLst>
+                  <a:ext uri="{FF2B5EF4-FFF2-40B4-BE49-F238E27FC236}">
+                    <a16:creationId xmlns:a16="http://schemas.microsoft.com/office/drawing/2014/main" id="{18AD6443-A7CD-4C52-B4C8-3EDFFE6D8C03}"/>
+                  </a:ext>
+                </a:extLst>
+              </p:cNvPr>
+              <p:cNvSpPr>
+                <a:spLocks noRot="1" noChangeAspect="1" noMove="1" noResize="1" noEditPoints="1" noAdjustHandles="1" noChangeArrowheads="1" noChangeShapeType="1" noTextEdit="1"/>
+              </p:cNvSpPr>
+              <p:nvPr/>
+            </p:nvSpPr>
+            <p:spPr>
+              <a:xfrm>
+                <a:off x="7020000" y="1836358"/>
+                <a:ext cx="2544991" cy="369332"/>
+              </a:xfrm>
+              <a:prstGeom prst="rect">
+                <a:avLst/>
+              </a:prstGeom>
+              <a:blipFill>
+                <a:blip r:embed="rId3"/>
+                <a:stretch>
+                  <a:fillRect/>
+                </a:stretch>
+              </a:blipFill>
+            </p:spPr>
+            <p:txBody>
+              <a:bodyPr/>
+              <a:lstStyle/>
+              <a:p>
+                <a:r>
+                  <a:rPr lang="fr-FR">
+                    <a:noFill/>
+                  </a:rPr>
+                  <a:t> </a:t>
+                </a:r>
+              </a:p>
+            </p:txBody>
+          </p:sp>
+        </mc:Fallback>
+      </mc:AlternateContent>
+      <mc:AlternateContent xmlns:mc="http://schemas.openxmlformats.org/markup-compatibility/2006">
+        <mc:Choice xmlns:a14="http://schemas.microsoft.com/office/drawing/2010/main" Requires="a14">
+          <p:sp>
+            <p:nvSpPr>
+              <p:cNvPr id="15" name="Rectangle 14">
+                <a:extLst>
+                  <a:ext uri="{FF2B5EF4-FFF2-40B4-BE49-F238E27FC236}">
+                    <a16:creationId xmlns:a16="http://schemas.microsoft.com/office/drawing/2014/main" id="{D9F00734-CF6A-4E47-8200-3BE287361D96}"/>
+                  </a:ext>
+                </a:extLst>
+              </p:cNvPr>
+              <p:cNvSpPr/>
+              <p:nvPr/>
+            </p:nvSpPr>
+            <p:spPr>
+              <a:xfrm>
+                <a:off x="1943100" y="3816329"/>
+                <a:ext cx="8305800" cy="388696"/>
+              </a:xfrm>
+              <a:prstGeom prst="rect">
+                <a:avLst/>
+              </a:prstGeom>
+            </p:spPr>
+            <p:txBody>
+              <a:bodyPr wrap="square">
+                <a:spAutoFit/>
+              </a:bodyPr>
+              <a:lstStyle/>
+              <a:p>
+                <a:pPr>
+                  <a:lnSpc>
+                    <a:spcPct val="107000"/>
+                  </a:lnSpc>
+                </a:pPr>
+                <a14:m>
+                  <m:oMathPara xmlns:m="http://schemas.openxmlformats.org/officeDocument/2006/math">
+                    <m:oMathParaPr>
+                      <m:jc m:val="centerGroup"/>
+                    </m:oMathParaPr>
+                    <m:oMath xmlns:m="http://schemas.openxmlformats.org/officeDocument/2006/math">
+                      <m:r>
+                        <m:rPr>
+                          <m:sty m:val="p"/>
+                        </m:rPr>
+                        <a:rPr lang="fr-FR">
+                          <a:solidFill>
+                            <a:srgbClr val="66D9EF"/>
+                          </a:solidFill>
+                          <a:latin typeface="Cambria Math" panose="02040503050406030204" pitchFamily="18" charset="0"/>
+                          <a:ea typeface="Yu Mincho" panose="02020400000000000000" pitchFamily="18" charset="-128"/>
+                          <a:cs typeface="Times New Roman" panose="02020603050405020304" pitchFamily="18" charset="0"/>
+                        </a:rPr>
+                        <m:t>Ο</m:t>
+                      </m:r>
+                      <m:d>
+                        <m:dPr>
+                          <m:ctrlPr>
+                            <a:rPr lang="fr-FR" i="1">
+                              <a:solidFill>
+                                <a:srgbClr val="66D9EF"/>
+                              </a:solidFill>
+                              <a:latin typeface="Cambria Math" panose="02040503050406030204" pitchFamily="18" charset="0"/>
+                              <a:ea typeface="Yu Mincho" panose="02020400000000000000" pitchFamily="18" charset="-128"/>
+                              <a:cs typeface="Times New Roman" panose="02020603050405020304" pitchFamily="18" charset="0"/>
+                            </a:rPr>
+                          </m:ctrlPr>
+                        </m:dPr>
+                        <m:e>
+                          <m:sSub>
+                            <m:sSubPr>
+                              <m:ctrlPr>
+                                <a:rPr lang="fr-FR" i="1">
+                                  <a:solidFill>
+                                    <a:srgbClr val="66D9EF"/>
+                                  </a:solidFill>
+                                  <a:latin typeface="Cambria Math" panose="02040503050406030204" pitchFamily="18" charset="0"/>
+                                  <a:ea typeface="Yu Mincho" panose="02020400000000000000" pitchFamily="18" charset="-128"/>
+                                  <a:cs typeface="Times New Roman" panose="02020603050405020304" pitchFamily="18" charset="0"/>
+                                </a:rPr>
+                              </m:ctrlPr>
+                            </m:sSubPr>
+                            <m:e>
+                              <m:r>
+                                <m:rPr>
+                                  <m:sty m:val="p"/>
+                                </m:rPr>
+                                <a:rPr lang="fr-FR">
+                                  <a:solidFill>
+                                    <a:srgbClr val="66D9EF"/>
+                                  </a:solidFill>
+                                  <a:latin typeface="Cambria Math" panose="02040503050406030204" pitchFamily="18" charset="0"/>
+                                  <a:ea typeface="Yu Mincho" panose="02020400000000000000" pitchFamily="18" charset="-128"/>
+                                  <a:cs typeface="Times New Roman" panose="02020603050405020304" pitchFamily="18" charset="0"/>
+                                </a:rPr>
+                                <m:t>Ο</m:t>
+                              </m:r>
+                            </m:e>
+                            <m:sub>
+                              <m:r>
+                                <a:rPr lang="fr-FR">
+                                  <a:solidFill>
+                                    <a:srgbClr val="66D9EF"/>
+                                  </a:solidFill>
+                                  <a:latin typeface="Cambria Math" panose="02040503050406030204" pitchFamily="18" charset="0"/>
+                                  <a:ea typeface="Yu Mincho" panose="02020400000000000000" pitchFamily="18" charset="-128"/>
+                                  <a:cs typeface="Times New Roman" panose="02020603050405020304" pitchFamily="18" charset="0"/>
+                                </a:rPr>
+                                <m:t>1</m:t>
+                              </m:r>
+                            </m:sub>
+                          </m:sSub>
+                          <m:r>
+                            <a:rPr lang="fr-FR" i="1">
+                              <a:solidFill>
+                                <a:srgbClr val="66D9EF"/>
+                              </a:solidFill>
+                              <a:latin typeface="Cambria Math" panose="02040503050406030204" pitchFamily="18" charset="0"/>
+                              <a:ea typeface="Yu Mincho" panose="02020400000000000000" pitchFamily="18" charset="-128"/>
+                              <a:cs typeface="Times New Roman" panose="02020603050405020304" pitchFamily="18" charset="0"/>
+                            </a:rPr>
+                            <m:t>+</m:t>
+                          </m:r>
+                          <m:sSub>
+                            <m:sSubPr>
+                              <m:ctrlPr>
+                                <a:rPr lang="fr-FR" i="1">
+                                  <a:solidFill>
+                                    <a:srgbClr val="66D9EF"/>
+                                  </a:solidFill>
+                                  <a:latin typeface="Cambria Math" panose="02040503050406030204" pitchFamily="18" charset="0"/>
+                                  <a:ea typeface="Yu Mincho" panose="02020400000000000000" pitchFamily="18" charset="-128"/>
+                                  <a:cs typeface="Times New Roman" panose="02020603050405020304" pitchFamily="18" charset="0"/>
+                                </a:rPr>
+                              </m:ctrlPr>
+                            </m:sSubPr>
+                            <m:e>
+                              <m:r>
+                                <m:rPr>
+                                  <m:sty m:val="p"/>
+                                </m:rPr>
+                                <a:rPr lang="fr-FR">
+                                  <a:solidFill>
+                                    <a:srgbClr val="66D9EF"/>
+                                  </a:solidFill>
+                                  <a:latin typeface="Cambria Math" panose="02040503050406030204" pitchFamily="18" charset="0"/>
+                                  <a:ea typeface="Yu Mincho" panose="02020400000000000000" pitchFamily="18" charset="-128"/>
+                                  <a:cs typeface="Times New Roman" panose="02020603050405020304" pitchFamily="18" charset="0"/>
+                                </a:rPr>
+                                <m:t>Ο</m:t>
+                              </m:r>
+                            </m:e>
+                            <m:sub>
+                              <m:r>
+                                <a:rPr lang="fr-FR" i="1">
+                                  <a:solidFill>
+                                    <a:srgbClr val="66D9EF"/>
+                                  </a:solidFill>
+                                  <a:latin typeface="Cambria Math" panose="02040503050406030204" pitchFamily="18" charset="0"/>
+                                  <a:ea typeface="Yu Mincho" panose="02020400000000000000" pitchFamily="18" charset="-128"/>
+                                  <a:cs typeface="Times New Roman" panose="02020603050405020304" pitchFamily="18" charset="0"/>
+                                </a:rPr>
+                                <m:t>2</m:t>
+                              </m:r>
+                            </m:sub>
+                          </m:sSub>
+                          <m:r>
+                            <a:rPr lang="fr-FR" i="1">
+                              <a:solidFill>
+                                <a:srgbClr val="66D9EF"/>
+                              </a:solidFill>
+                              <a:latin typeface="Cambria Math" panose="02040503050406030204" pitchFamily="18" charset="0"/>
+                              <a:ea typeface="Yu Mincho" panose="02020400000000000000" pitchFamily="18" charset="-128"/>
+                              <a:cs typeface="Times New Roman" panose="02020603050405020304" pitchFamily="18" charset="0"/>
+                            </a:rPr>
+                            <m:t>+</m:t>
+                          </m:r>
+                          <m:sSub>
+                            <m:sSubPr>
+                              <m:ctrlPr>
+                                <a:rPr lang="fr-FR" i="1">
+                                  <a:solidFill>
+                                    <a:srgbClr val="66D9EF"/>
+                                  </a:solidFill>
+                                  <a:latin typeface="Cambria Math" panose="02040503050406030204" pitchFamily="18" charset="0"/>
+                                  <a:ea typeface="Yu Mincho" panose="02020400000000000000" pitchFamily="18" charset="-128"/>
+                                  <a:cs typeface="Times New Roman" panose="02020603050405020304" pitchFamily="18" charset="0"/>
+                                </a:rPr>
+                              </m:ctrlPr>
+                            </m:sSubPr>
+                            <m:e>
+                              <m:r>
+                                <m:rPr>
+                                  <m:sty m:val="p"/>
+                                </m:rPr>
+                                <a:rPr lang="fr-FR">
+                                  <a:solidFill>
+                                    <a:srgbClr val="66D9EF"/>
+                                  </a:solidFill>
+                                  <a:latin typeface="Cambria Math" panose="02040503050406030204" pitchFamily="18" charset="0"/>
+                                  <a:ea typeface="Yu Mincho" panose="02020400000000000000" pitchFamily="18" charset="-128"/>
+                                  <a:cs typeface="Times New Roman" panose="02020603050405020304" pitchFamily="18" charset="0"/>
+                                </a:rPr>
+                                <m:t>Ο</m:t>
+                              </m:r>
+                            </m:e>
+                            <m:sub>
+                              <m:r>
+                                <a:rPr lang="fr-FR" i="1">
+                                  <a:solidFill>
+                                    <a:srgbClr val="66D9EF"/>
+                                  </a:solidFill>
+                                  <a:latin typeface="Cambria Math" panose="02040503050406030204" pitchFamily="18" charset="0"/>
+                                  <a:ea typeface="Yu Mincho" panose="02020400000000000000" pitchFamily="18" charset="-128"/>
+                                  <a:cs typeface="Times New Roman" panose="02020603050405020304" pitchFamily="18" charset="0"/>
+                                </a:rPr>
+                                <m:t>3</m:t>
+                              </m:r>
+                            </m:sub>
+                          </m:sSub>
+                          <m:r>
+                            <a:rPr lang="fr-FR" i="1">
+                              <a:solidFill>
+                                <a:srgbClr val="66D9EF"/>
+                              </a:solidFill>
+                              <a:latin typeface="Cambria Math" panose="02040503050406030204" pitchFamily="18" charset="0"/>
+                              <a:ea typeface="Yu Mincho" panose="02020400000000000000" pitchFamily="18" charset="-128"/>
+                              <a:cs typeface="Times New Roman" panose="02020603050405020304" pitchFamily="18" charset="0"/>
+                            </a:rPr>
+                            <m:t>+</m:t>
+                          </m:r>
+                          <m:sSub>
+                            <m:sSubPr>
+                              <m:ctrlPr>
+                                <a:rPr lang="fr-FR" i="1">
+                                  <a:solidFill>
+                                    <a:srgbClr val="66D9EF"/>
+                                  </a:solidFill>
+                                  <a:latin typeface="Cambria Math" panose="02040503050406030204" pitchFamily="18" charset="0"/>
+                                  <a:ea typeface="Yu Mincho" panose="02020400000000000000" pitchFamily="18" charset="-128"/>
+                                  <a:cs typeface="Times New Roman" panose="02020603050405020304" pitchFamily="18" charset="0"/>
+                                </a:rPr>
+                              </m:ctrlPr>
+                            </m:sSubPr>
+                            <m:e>
+                              <m:r>
+                                <m:rPr>
+                                  <m:sty m:val="p"/>
+                                </m:rPr>
+                                <a:rPr lang="fr-FR">
+                                  <a:solidFill>
+                                    <a:srgbClr val="66D9EF"/>
+                                  </a:solidFill>
+                                  <a:latin typeface="Cambria Math" panose="02040503050406030204" pitchFamily="18" charset="0"/>
+                                  <a:ea typeface="Yu Mincho" panose="02020400000000000000" pitchFamily="18" charset="-128"/>
+                                  <a:cs typeface="Times New Roman" panose="02020603050405020304" pitchFamily="18" charset="0"/>
+                                </a:rPr>
+                                <m:t>Ο</m:t>
+                              </m:r>
+                            </m:e>
+                            <m:sub>
+                              <m:r>
+                                <a:rPr lang="fr-FR" i="1">
+                                  <a:solidFill>
+                                    <a:srgbClr val="66D9EF"/>
+                                  </a:solidFill>
+                                  <a:latin typeface="Cambria Math" panose="02040503050406030204" pitchFamily="18" charset="0"/>
+                                  <a:ea typeface="Yu Mincho" panose="02020400000000000000" pitchFamily="18" charset="-128"/>
+                                  <a:cs typeface="Times New Roman" panose="02020603050405020304" pitchFamily="18" charset="0"/>
+                                </a:rPr>
+                                <m:t>4</m:t>
+                              </m:r>
+                            </m:sub>
+                          </m:sSub>
+                          <m:r>
+                            <a:rPr lang="fr-FR" i="1">
+                              <a:solidFill>
+                                <a:srgbClr val="66D9EF"/>
+                              </a:solidFill>
+                              <a:latin typeface="Cambria Math" panose="02040503050406030204" pitchFamily="18" charset="0"/>
+                              <a:ea typeface="Yu Mincho" panose="02020400000000000000" pitchFamily="18" charset="-128"/>
+                              <a:cs typeface="Times New Roman" panose="02020603050405020304" pitchFamily="18" charset="0"/>
+                            </a:rPr>
+                            <m:t>+</m:t>
+                          </m:r>
+                          <m:sSub>
+                            <m:sSubPr>
+                              <m:ctrlPr>
+                                <a:rPr lang="fr-FR" i="1">
+                                  <a:solidFill>
+                                    <a:srgbClr val="66D9EF"/>
+                                  </a:solidFill>
+                                  <a:latin typeface="Cambria Math" panose="02040503050406030204" pitchFamily="18" charset="0"/>
+                                  <a:ea typeface="Yu Mincho" panose="02020400000000000000" pitchFamily="18" charset="-128"/>
+                                  <a:cs typeface="Times New Roman" panose="02020603050405020304" pitchFamily="18" charset="0"/>
+                                </a:rPr>
+                              </m:ctrlPr>
+                            </m:sSubPr>
+                            <m:e>
+                              <m:r>
+                                <m:rPr>
+                                  <m:sty m:val="p"/>
+                                </m:rPr>
+                                <a:rPr lang="fr-FR">
+                                  <a:solidFill>
+                                    <a:srgbClr val="66D9EF"/>
+                                  </a:solidFill>
+                                  <a:latin typeface="Cambria Math" panose="02040503050406030204" pitchFamily="18" charset="0"/>
+                                  <a:ea typeface="Yu Mincho" panose="02020400000000000000" pitchFamily="18" charset="-128"/>
+                                  <a:cs typeface="Times New Roman" panose="02020603050405020304" pitchFamily="18" charset="0"/>
+                                </a:rPr>
+                                <m:t>Ο</m:t>
+                              </m:r>
+                            </m:e>
+                            <m:sub>
+                              <m:r>
+                                <a:rPr lang="fr-FR" i="1">
+                                  <a:solidFill>
+                                    <a:srgbClr val="66D9EF"/>
+                                  </a:solidFill>
+                                  <a:latin typeface="Cambria Math" panose="02040503050406030204" pitchFamily="18" charset="0"/>
+                                  <a:ea typeface="Yu Mincho" panose="02020400000000000000" pitchFamily="18" charset="-128"/>
+                                  <a:cs typeface="Times New Roman" panose="02020603050405020304" pitchFamily="18" charset="0"/>
+                                </a:rPr>
+                                <m:t>5</m:t>
+                              </m:r>
+                            </m:sub>
+                          </m:sSub>
+                          <m:r>
+                            <a:rPr lang="fr-FR" i="1">
+                              <a:solidFill>
+                                <a:srgbClr val="66D9EF"/>
+                              </a:solidFill>
+                              <a:latin typeface="Cambria Math" panose="02040503050406030204" pitchFamily="18" charset="0"/>
+                              <a:ea typeface="Yu Mincho" panose="02020400000000000000" pitchFamily="18" charset="-128"/>
+                              <a:cs typeface="Times New Roman" panose="02020603050405020304" pitchFamily="18" charset="0"/>
+                            </a:rPr>
+                            <m:t>+</m:t>
+                          </m:r>
+                          <m:sSub>
+                            <m:sSubPr>
+                              <m:ctrlPr>
+                                <a:rPr lang="fr-FR" i="1">
+                                  <a:solidFill>
+                                    <a:srgbClr val="66D9EF"/>
+                                  </a:solidFill>
+                                  <a:latin typeface="Cambria Math" panose="02040503050406030204" pitchFamily="18" charset="0"/>
+                                  <a:ea typeface="Yu Mincho" panose="02020400000000000000" pitchFamily="18" charset="-128"/>
+                                  <a:cs typeface="Times New Roman" panose="02020603050405020304" pitchFamily="18" charset="0"/>
+                                </a:rPr>
+                              </m:ctrlPr>
+                            </m:sSubPr>
+                            <m:e>
+                              <m:r>
+                                <m:rPr>
+                                  <m:sty m:val="p"/>
+                                </m:rPr>
+                                <a:rPr lang="fr-FR">
+                                  <a:solidFill>
+                                    <a:srgbClr val="66D9EF"/>
+                                  </a:solidFill>
+                                  <a:latin typeface="Cambria Math" panose="02040503050406030204" pitchFamily="18" charset="0"/>
+                                  <a:ea typeface="Yu Mincho" panose="02020400000000000000" pitchFamily="18" charset="-128"/>
+                                  <a:cs typeface="Times New Roman" panose="02020603050405020304" pitchFamily="18" charset="0"/>
+                                </a:rPr>
+                                <m:t>Ο</m:t>
+                              </m:r>
+                            </m:e>
+                            <m:sub>
+                              <m:r>
+                                <a:rPr lang="fr-FR" i="1">
+                                  <a:solidFill>
+                                    <a:srgbClr val="66D9EF"/>
+                                  </a:solidFill>
+                                  <a:latin typeface="Cambria Math" panose="02040503050406030204" pitchFamily="18" charset="0"/>
+                                  <a:ea typeface="Yu Mincho" panose="02020400000000000000" pitchFamily="18" charset="-128"/>
+                                  <a:cs typeface="Times New Roman" panose="02020603050405020304" pitchFamily="18" charset="0"/>
+                                </a:rPr>
+                                <m:t>6</m:t>
+                              </m:r>
+                            </m:sub>
+                          </m:sSub>
+                        </m:e>
+                      </m:d>
+                      <m:r>
+                        <a:rPr lang="fr-FR" i="1">
+                          <a:solidFill>
+                            <a:srgbClr val="66D9EF"/>
+                          </a:solidFill>
+                          <a:latin typeface="Cambria Math" panose="02040503050406030204" pitchFamily="18" charset="0"/>
+                          <a:ea typeface="Yu Mincho" panose="02020400000000000000" pitchFamily="18" charset="-128"/>
+                          <a:cs typeface="Times New Roman" panose="02020603050405020304" pitchFamily="18" charset="0"/>
+                        </a:rPr>
+                        <m:t> +</m:t>
+                      </m:r>
+                      <m:r>
+                        <a:rPr lang="fr-FR" i="1">
+                          <a:solidFill>
+                            <a:srgbClr val="66D9EF"/>
+                          </a:solidFill>
+                          <a:latin typeface="Cambria Math" panose="02040503050406030204" pitchFamily="18" charset="0"/>
+                          <a:ea typeface="Yu Mincho" panose="02020400000000000000" pitchFamily="18" charset="-128"/>
+                          <a:cs typeface="Times New Roman" panose="02020603050405020304" pitchFamily="18" charset="0"/>
+                        </a:rPr>
+                        <m:t>𝜖</m:t>
+                      </m:r>
+                      <m:r>
+                        <a:rPr lang="fr-FR" i="1">
+                          <a:solidFill>
+                            <a:srgbClr val="66D9EF"/>
+                          </a:solidFill>
+                          <a:latin typeface="Cambria Math" panose="02040503050406030204" pitchFamily="18" charset="0"/>
+                          <a:ea typeface="Yu Mincho" panose="02020400000000000000" pitchFamily="18" charset="-128"/>
+                          <a:cs typeface="Times New Roman" panose="02020603050405020304" pitchFamily="18" charset="0"/>
+                        </a:rPr>
+                        <m:t>   =   </m:t>
+                      </m:r>
+                      <m:r>
+                        <m:rPr>
+                          <m:sty m:val="p"/>
+                        </m:rPr>
+                        <a:rPr lang="fr-FR">
+                          <a:solidFill>
+                            <a:srgbClr val="66D9EF"/>
+                          </a:solidFill>
+                          <a:latin typeface="Cambria Math" panose="02040503050406030204" pitchFamily="18" charset="0"/>
+                          <a:ea typeface="Yu Mincho" panose="02020400000000000000" pitchFamily="18" charset="-128"/>
+                          <a:cs typeface="Times New Roman" panose="02020603050405020304" pitchFamily="18" charset="0"/>
+                        </a:rPr>
+                        <m:t>Ο</m:t>
+                      </m:r>
+                      <m:d>
+                        <m:dPr>
+                          <m:ctrlPr>
+                            <a:rPr lang="fr-FR" i="1">
+                              <a:solidFill>
+                                <a:srgbClr val="66D9EF"/>
+                              </a:solidFill>
+                              <a:latin typeface="Cambria Math" panose="02040503050406030204" pitchFamily="18" charset="0"/>
+                              <a:ea typeface="Yu Mincho" panose="02020400000000000000" pitchFamily="18" charset="-128"/>
+                              <a:cs typeface="Times New Roman" panose="02020603050405020304" pitchFamily="18" charset="0"/>
+                            </a:rPr>
+                          </m:ctrlPr>
+                        </m:dPr>
+                        <m:e>
+                          <m:r>
+                            <a:rPr lang="fr-FR" i="1">
+                              <a:solidFill>
+                                <a:srgbClr val="66D9EF"/>
+                              </a:solidFill>
+                              <a:latin typeface="Cambria Math" panose="02040503050406030204" pitchFamily="18" charset="0"/>
+                              <a:ea typeface="Yu Mincho" panose="02020400000000000000" pitchFamily="18" charset="-128"/>
+                              <a:cs typeface="Times New Roman" panose="02020603050405020304" pitchFamily="18" charset="0"/>
+                            </a:rPr>
+                            <m:t>𝑛</m:t>
+                          </m:r>
+                          <m:r>
+                            <a:rPr lang="fr-FR" i="1">
+                              <a:solidFill>
+                                <a:srgbClr val="66D9EF"/>
+                              </a:solidFill>
+                              <a:latin typeface="Cambria Math" panose="02040503050406030204" pitchFamily="18" charset="0"/>
+                              <a:ea typeface="Yu Mincho" panose="02020400000000000000" pitchFamily="18" charset="-128"/>
+                              <a:cs typeface="Times New Roman" panose="02020603050405020304" pitchFamily="18" charset="0"/>
+                            </a:rPr>
+                            <m:t>+</m:t>
+                          </m:r>
+                          <m:sSup>
+                            <m:sSupPr>
+                              <m:ctrlPr>
+                                <a:rPr lang="fr-FR" i="1">
+                                  <a:solidFill>
+                                    <a:srgbClr val="66D9EF"/>
+                                  </a:solidFill>
+                                  <a:latin typeface="Cambria Math" panose="02040503050406030204" pitchFamily="18" charset="0"/>
+                                  <a:ea typeface="Yu Mincho" panose="02020400000000000000" pitchFamily="18" charset="-128"/>
+                                  <a:cs typeface="Times New Roman" panose="02020603050405020304" pitchFamily="18" charset="0"/>
+                                </a:rPr>
+                              </m:ctrlPr>
+                            </m:sSupPr>
+                            <m:e>
+                              <m:r>
+                                <a:rPr lang="fr-FR" i="1">
+                                  <a:solidFill>
+                                    <a:srgbClr val="66D9EF"/>
+                                  </a:solidFill>
+                                  <a:latin typeface="Cambria Math" panose="02040503050406030204" pitchFamily="18" charset="0"/>
+                                  <a:ea typeface="Yu Mincho" panose="02020400000000000000" pitchFamily="18" charset="-128"/>
+                                  <a:cs typeface="Times New Roman" panose="02020603050405020304" pitchFamily="18" charset="0"/>
+                                </a:rPr>
+                                <m:t>2</m:t>
+                              </m:r>
+                            </m:e>
+                            <m:sup>
+                              <m:r>
+                                <a:rPr lang="fr-FR" i="1">
+                                  <a:solidFill>
+                                    <a:srgbClr val="66D9EF"/>
+                                  </a:solidFill>
+                                  <a:latin typeface="Cambria Math" panose="02040503050406030204" pitchFamily="18" charset="0"/>
+                                  <a:ea typeface="Yu Mincho" panose="02020400000000000000" pitchFamily="18" charset="-128"/>
+                                  <a:cs typeface="Times New Roman" panose="02020603050405020304" pitchFamily="18" charset="0"/>
+                                </a:rPr>
+                                <m:t>𝑛</m:t>
+                              </m:r>
+                            </m:sup>
+                          </m:sSup>
+                          <m:r>
+                            <a:rPr lang="fr-FR" i="1">
+                              <a:solidFill>
+                                <a:srgbClr val="66D9EF"/>
+                              </a:solidFill>
+                              <a:latin typeface="Cambria Math" panose="02040503050406030204" pitchFamily="18" charset="0"/>
+                              <a:ea typeface="Yu Mincho" panose="02020400000000000000" pitchFamily="18" charset="-128"/>
+                              <a:cs typeface="Times New Roman" panose="02020603050405020304" pitchFamily="18" charset="0"/>
+                            </a:rPr>
+                            <m:t>+</m:t>
+                          </m:r>
+                          <m:sSub>
+                            <m:sSubPr>
+                              <m:ctrlPr>
+                                <a:rPr lang="fr-FR" i="1">
+                                  <a:solidFill>
+                                    <a:srgbClr val="66D9EF"/>
+                                  </a:solidFill>
+                                  <a:latin typeface="Cambria Math" panose="02040503050406030204" pitchFamily="18" charset="0"/>
+                                  <a:ea typeface="Yu Mincho" panose="02020400000000000000" pitchFamily="18" charset="-128"/>
+                                  <a:cs typeface="Times New Roman" panose="02020603050405020304" pitchFamily="18" charset="0"/>
+                                </a:rPr>
+                              </m:ctrlPr>
+                            </m:sSubPr>
+                            <m:e>
+                              <m:r>
+                                <a:rPr lang="fr-FR" i="1">
+                                  <a:solidFill>
+                                    <a:srgbClr val="66D9EF"/>
+                                  </a:solidFill>
+                                  <a:latin typeface="Cambria Math" panose="02040503050406030204" pitchFamily="18" charset="0"/>
+                                  <a:ea typeface="Yu Mincho" panose="02020400000000000000" pitchFamily="18" charset="-128"/>
+                                  <a:cs typeface="Times New Roman" panose="02020603050405020304" pitchFamily="18" charset="0"/>
+                                </a:rPr>
+                                <m:t>𝑛</m:t>
+                              </m:r>
+                            </m:e>
+                            <m:sub>
+                              <m:r>
+                                <a:rPr lang="fr-FR" i="1">
+                                  <a:solidFill>
+                                    <a:srgbClr val="66D9EF"/>
+                                  </a:solidFill>
+                                  <a:latin typeface="Cambria Math" panose="02040503050406030204" pitchFamily="18" charset="0"/>
+                                  <a:ea typeface="Yu Mincho" panose="02020400000000000000" pitchFamily="18" charset="-128"/>
+                                  <a:cs typeface="Times New Roman" panose="02020603050405020304" pitchFamily="18" charset="0"/>
+                                </a:rPr>
+                                <m:t>𝑎</m:t>
+                              </m:r>
+                            </m:sub>
+                          </m:sSub>
+                          <m:r>
+                            <a:rPr lang="fr-FR" i="1">
+                              <a:solidFill>
+                                <a:srgbClr val="66D9EF"/>
+                              </a:solidFill>
+                              <a:latin typeface="Cambria Math" panose="02040503050406030204" pitchFamily="18" charset="0"/>
+                              <a:ea typeface="Yu Mincho" panose="02020400000000000000" pitchFamily="18" charset="-128"/>
+                              <a:cs typeface="Times New Roman" panose="02020603050405020304" pitchFamily="18" charset="0"/>
+                            </a:rPr>
+                            <m:t>+1+1+1</m:t>
+                          </m:r>
+                        </m:e>
+                      </m:d>
+                      <m:r>
+                        <a:rPr lang="fr-FR" i="1">
+                          <a:solidFill>
+                            <a:srgbClr val="66D9EF"/>
+                          </a:solidFill>
+                          <a:latin typeface="Cambria Math" panose="02040503050406030204" pitchFamily="18" charset="0"/>
+                          <a:ea typeface="Yu Mincho" panose="02020400000000000000" pitchFamily="18" charset="-128"/>
+                          <a:cs typeface="Times New Roman" panose="02020603050405020304" pitchFamily="18" charset="0"/>
+                        </a:rPr>
+                        <m:t>+</m:t>
+                      </m:r>
+                      <m:r>
+                        <a:rPr lang="fr-FR" i="1">
+                          <a:solidFill>
+                            <a:srgbClr val="66D9EF"/>
+                          </a:solidFill>
+                          <a:latin typeface="Cambria Math" panose="02040503050406030204" pitchFamily="18" charset="0"/>
+                          <a:ea typeface="Yu Mincho" panose="02020400000000000000" pitchFamily="18" charset="-128"/>
+                          <a:cs typeface="Times New Roman" panose="02020603050405020304" pitchFamily="18" charset="0"/>
+                        </a:rPr>
+                        <m:t>𝜖</m:t>
+                      </m:r>
+                    </m:oMath>
+                  </m:oMathPara>
+                </a14:m>
+                <a:endParaRPr lang="fr-FR" dirty="0">
+                  <a:latin typeface="Cambria" panose="02040503050406030204" pitchFamily="18" charset="0"/>
+                  <a:ea typeface="Calibri" panose="020F0502020204030204" pitchFamily="34" charset="0"/>
+                  <a:cs typeface="Times New Roman" panose="02020603050405020304" pitchFamily="18" charset="0"/>
+                </a:endParaRPr>
+              </a:p>
+            </p:txBody>
+          </p:sp>
+        </mc:Choice>
+        <mc:Fallback>
+          <p:sp>
+            <p:nvSpPr>
+              <p:cNvPr id="15" name="Rectangle 14">
+                <a:extLst>
+                  <a:ext uri="{FF2B5EF4-FFF2-40B4-BE49-F238E27FC236}">
+                    <a16:creationId xmlns:a16="http://schemas.microsoft.com/office/drawing/2014/main" id="{D9F00734-CF6A-4E47-8200-3BE287361D96}"/>
+                  </a:ext>
+                </a:extLst>
+              </p:cNvPr>
+              <p:cNvSpPr>
+                <a:spLocks noRot="1" noChangeAspect="1" noMove="1" noResize="1" noEditPoints="1" noAdjustHandles="1" noChangeArrowheads="1" noChangeShapeType="1" noTextEdit="1"/>
+              </p:cNvSpPr>
+              <p:nvPr/>
+            </p:nvSpPr>
+            <p:spPr>
+              <a:xfrm>
+                <a:off x="1943100" y="3816329"/>
+                <a:ext cx="8305800" cy="388696"/>
+              </a:xfrm>
+              <a:prstGeom prst="rect">
+                <a:avLst/>
+              </a:prstGeom>
+              <a:blipFill>
+                <a:blip r:embed="rId4"/>
+                <a:stretch>
+                  <a:fillRect/>
+                </a:stretch>
+              </a:blipFill>
+            </p:spPr>
+            <p:txBody>
+              <a:bodyPr/>
+              <a:lstStyle/>
+              <a:p>
+                <a:r>
+                  <a:rPr lang="fr-FR">
+                    <a:noFill/>
+                  </a:rPr>
+                  <a:t> </a:t>
+                </a:r>
+              </a:p>
+            </p:txBody>
+          </p:sp>
+        </mc:Fallback>
+      </mc:AlternateContent>
+      <mc:AlternateContent xmlns:mc="http://schemas.openxmlformats.org/markup-compatibility/2006">
+        <mc:Choice xmlns:a14="http://schemas.microsoft.com/office/drawing/2010/main" Requires="a14">
+          <p:sp>
+            <p:nvSpPr>
+              <p:cNvPr id="18" name="Rectangle 17">
+                <a:extLst>
+                  <a:ext uri="{FF2B5EF4-FFF2-40B4-BE49-F238E27FC236}">
+                    <a16:creationId xmlns:a16="http://schemas.microsoft.com/office/drawing/2014/main" id="{9414A595-5EA0-45AE-ADCE-7A8DEDFB7225}"/>
+                  </a:ext>
+                </a:extLst>
+              </p:cNvPr>
+              <p:cNvSpPr/>
+              <p:nvPr/>
+            </p:nvSpPr>
+            <p:spPr>
+              <a:xfrm>
+                <a:off x="5486827" y="4660446"/>
+                <a:ext cx="1218346" cy="388696"/>
+              </a:xfrm>
+              <a:prstGeom prst="rect">
+                <a:avLst/>
+              </a:prstGeom>
+              <a:ln>
+                <a:solidFill>
+                  <a:srgbClr val="66D9EF"/>
+                </a:solidFill>
+              </a:ln>
+            </p:spPr>
+            <p:txBody>
+              <a:bodyPr wrap="none">
+                <a:spAutoFit/>
+              </a:bodyPr>
+              <a:lstStyle/>
+              <a:p>
+                <a:pPr>
+                  <a:lnSpc>
+                    <a:spcPct val="107000"/>
+                  </a:lnSpc>
+                </a:pPr>
+                <a14:m>
+                  <m:oMathPara xmlns:m="http://schemas.openxmlformats.org/officeDocument/2006/math">
+                    <m:oMathParaPr>
+                      <m:jc m:val="centerGroup"/>
+                    </m:oMathParaPr>
+                    <m:oMath xmlns:m="http://schemas.openxmlformats.org/officeDocument/2006/math">
+                      <m:r>
+                        <m:rPr>
+                          <m:sty m:val="p"/>
+                        </m:rPr>
+                        <a:rPr lang="fr-FR" smtClean="0">
+                          <a:solidFill>
+                            <a:srgbClr val="66D9EF"/>
+                          </a:solidFill>
+                          <a:latin typeface="Cambria Math" panose="02040503050406030204" pitchFamily="18" charset="0"/>
+                          <a:ea typeface="Yu Mincho" panose="02020400000000000000" pitchFamily="18" charset="-128"/>
+                          <a:cs typeface="Times New Roman" panose="02020603050405020304" pitchFamily="18" charset="0"/>
+                        </a:rPr>
+                        <m:t>Ο</m:t>
+                      </m:r>
+                      <m:d>
+                        <m:dPr>
+                          <m:ctrlPr>
+                            <a:rPr lang="fr-FR" i="1">
+                              <a:solidFill>
+                                <a:srgbClr val="66D9EF"/>
+                              </a:solidFill>
+                              <a:latin typeface="Cambria Math" panose="02040503050406030204" pitchFamily="18" charset="0"/>
+                              <a:ea typeface="Yu Mincho" panose="02020400000000000000" pitchFamily="18" charset="-128"/>
+                              <a:cs typeface="Times New Roman" panose="02020603050405020304" pitchFamily="18" charset="0"/>
+                            </a:rPr>
+                          </m:ctrlPr>
+                        </m:dPr>
+                        <m:e>
+                          <m:sSup>
+                            <m:sSupPr>
+                              <m:ctrlPr>
+                                <a:rPr lang="fr-FR" i="1">
+                                  <a:solidFill>
+                                    <a:srgbClr val="66D9EF"/>
+                                  </a:solidFill>
+                                  <a:latin typeface="Cambria Math" panose="02040503050406030204" pitchFamily="18" charset="0"/>
+                                  <a:ea typeface="Yu Mincho" panose="02020400000000000000" pitchFamily="18" charset="-128"/>
+                                  <a:cs typeface="Times New Roman" panose="02020603050405020304" pitchFamily="18" charset="0"/>
+                                </a:rPr>
+                              </m:ctrlPr>
+                            </m:sSupPr>
+                            <m:e>
+                              <m:r>
+                                <a:rPr lang="fr-FR" i="1">
+                                  <a:solidFill>
+                                    <a:srgbClr val="66D9EF"/>
+                                  </a:solidFill>
+                                  <a:latin typeface="Cambria Math" panose="02040503050406030204" pitchFamily="18" charset="0"/>
+                                  <a:ea typeface="Yu Mincho" panose="02020400000000000000" pitchFamily="18" charset="-128"/>
+                                  <a:cs typeface="Times New Roman" panose="02020603050405020304" pitchFamily="18" charset="0"/>
+                                </a:rPr>
+                                <m:t>2</m:t>
+                              </m:r>
+                            </m:e>
+                            <m:sup>
+                              <m:r>
+                                <a:rPr lang="fr-FR" i="1">
+                                  <a:solidFill>
+                                    <a:srgbClr val="66D9EF"/>
+                                  </a:solidFill>
+                                  <a:latin typeface="Cambria Math" panose="02040503050406030204" pitchFamily="18" charset="0"/>
+                                  <a:ea typeface="Yu Mincho" panose="02020400000000000000" pitchFamily="18" charset="-128"/>
+                                  <a:cs typeface="Times New Roman" panose="02020603050405020304" pitchFamily="18" charset="0"/>
+                                </a:rPr>
+                                <m:t>𝑛</m:t>
+                              </m:r>
+                            </m:sup>
+                          </m:sSup>
+                        </m:e>
+                      </m:d>
+                      <m:r>
+                        <a:rPr lang="fr-FR" i="1">
+                          <a:solidFill>
+                            <a:srgbClr val="66D9EF"/>
+                          </a:solidFill>
+                          <a:latin typeface="Cambria Math" panose="02040503050406030204" pitchFamily="18" charset="0"/>
+                          <a:ea typeface="Yu Mincho" panose="02020400000000000000" pitchFamily="18" charset="-128"/>
+                          <a:cs typeface="Times New Roman" panose="02020603050405020304" pitchFamily="18" charset="0"/>
+                        </a:rPr>
+                        <m:t>+</m:t>
+                      </m:r>
+                      <m:r>
+                        <a:rPr lang="fr-FR" i="1">
+                          <a:solidFill>
+                            <a:srgbClr val="66D9EF"/>
+                          </a:solidFill>
+                          <a:latin typeface="Cambria Math" panose="02040503050406030204" pitchFamily="18" charset="0"/>
+                          <a:ea typeface="Yu Mincho" panose="02020400000000000000" pitchFamily="18" charset="-128"/>
+                          <a:cs typeface="Times New Roman" panose="02020603050405020304" pitchFamily="18" charset="0"/>
+                        </a:rPr>
+                        <m:t>𝜖</m:t>
+                      </m:r>
+                    </m:oMath>
+                  </m:oMathPara>
+                </a14:m>
+                <a:endParaRPr lang="fr-FR" dirty="0">
+                  <a:latin typeface="Cambria" panose="02040503050406030204" pitchFamily="18" charset="0"/>
+                  <a:ea typeface="Calibri" panose="020F0502020204030204" pitchFamily="34" charset="0"/>
+                  <a:cs typeface="Times New Roman" panose="02020603050405020304" pitchFamily="18" charset="0"/>
+                </a:endParaRPr>
+              </a:p>
+            </p:txBody>
+          </p:sp>
+        </mc:Choice>
+        <mc:Fallback>
+          <p:sp>
+            <p:nvSpPr>
+              <p:cNvPr id="18" name="Rectangle 17">
+                <a:extLst>
+                  <a:ext uri="{FF2B5EF4-FFF2-40B4-BE49-F238E27FC236}">
+                    <a16:creationId xmlns:a16="http://schemas.microsoft.com/office/drawing/2014/main" id="{9414A595-5EA0-45AE-ADCE-7A8DEDFB7225}"/>
+                  </a:ext>
+                </a:extLst>
+              </p:cNvPr>
+              <p:cNvSpPr>
+                <a:spLocks noRot="1" noChangeAspect="1" noMove="1" noResize="1" noEditPoints="1" noAdjustHandles="1" noChangeArrowheads="1" noChangeShapeType="1" noTextEdit="1"/>
+              </p:cNvSpPr>
+              <p:nvPr/>
+            </p:nvSpPr>
+            <p:spPr>
+              <a:xfrm>
+                <a:off x="5486827" y="4660446"/>
+                <a:ext cx="1218346" cy="388696"/>
+              </a:xfrm>
+              <a:prstGeom prst="rect">
+                <a:avLst/>
+              </a:prstGeom>
+              <a:blipFill>
+                <a:blip r:embed="rId5"/>
+                <a:stretch>
+                  <a:fillRect/>
+                </a:stretch>
+              </a:blipFill>
+              <a:ln>
+                <a:solidFill>
+                  <a:srgbClr val="66D9EF"/>
+                </a:solidFill>
+              </a:ln>
+            </p:spPr>
+            <p:txBody>
+              <a:bodyPr/>
+              <a:lstStyle/>
+              <a:p>
+                <a:r>
+                  <a:rPr lang="fr-FR">
+                    <a:noFill/>
+                  </a:rPr>
+                  <a:t> </a:t>
+                </a:r>
+              </a:p>
+            </p:txBody>
+          </p:sp>
+        </mc:Fallback>
+      </mc:AlternateContent>
     </p:spTree>
     <p:extLst>
       <p:ext uri="{BB962C8B-B14F-4D97-AF65-F5344CB8AC3E}">
-        <p14:creationId xmlns:p14="http://schemas.microsoft.com/office/powerpoint/2010/main" val="1078123378"/>
+        <p14:creationId xmlns:p14="http://schemas.microsoft.com/office/powerpoint/2010/main" val="1865150613"/>
       </p:ext>
     </p:extLst>
   </p:cSld>
@@ -6870,7 +9743,7 @@
           <p:cNvPr id="2" name="Titre 1">
             <a:extLst>
               <a:ext uri="{FF2B5EF4-FFF2-40B4-BE49-F238E27FC236}">
-                <a16:creationId xmlns:a16="http://schemas.microsoft.com/office/drawing/2014/main" id="{6E12BD60-FFB7-4FFC-8A8F-58ABA2B92C65}"/>
+                <a16:creationId xmlns:a16="http://schemas.microsoft.com/office/drawing/2014/main" id="{E927B88C-5312-40BD-9D70-538F97EFDD9F}"/>
               </a:ext>
             </a:extLst>
           </p:cNvPr>
@@ -6888,7 +9761,7 @@
           <a:p>
             <a:r>
               <a:rPr lang="fr-FR" dirty="0"/>
-              <a:t>optimized.py =&gt; Pseudocode/diagrammes</a:t>
+              <a:t>bruteforce.py =&gt; Performances</a:t>
             </a:r>
           </a:p>
         </p:txBody>
@@ -6898,7 +9771,7 @@
           <p:cNvPr id="3" name="Espace réservé du numéro de diapositive 2">
             <a:extLst>
               <a:ext uri="{FF2B5EF4-FFF2-40B4-BE49-F238E27FC236}">
-                <a16:creationId xmlns:a16="http://schemas.microsoft.com/office/drawing/2014/main" id="{5F9381FE-7645-4B0D-93DB-6C2975E58491}"/>
+                <a16:creationId xmlns:a16="http://schemas.microsoft.com/office/drawing/2014/main" id="{3225B6F3-7B14-47A1-A53B-3DFEA10E7206}"/>
               </a:ext>
             </a:extLst>
           </p:cNvPr>
@@ -6923,10 +9796,140 @@
           </a:p>
         </p:txBody>
       </p:sp>
+      <p:pic>
+        <p:nvPicPr>
+          <p:cNvPr id="4" name="Image 3">
+            <a:extLst>
+              <a:ext uri="{FF2B5EF4-FFF2-40B4-BE49-F238E27FC236}">
+                <a16:creationId xmlns:a16="http://schemas.microsoft.com/office/drawing/2014/main" id="{7DB54529-8740-4915-BEB4-A483167ED694}"/>
+              </a:ext>
+            </a:extLst>
+          </p:cNvPr>
+          <p:cNvPicPr>
+            <a:picLocks noChangeAspect="1"/>
+          </p:cNvPicPr>
+          <p:nvPr/>
+        </p:nvPicPr>
+        <p:blipFill>
+          <a:blip r:embed="rId2">
+            <a:extLst>
+              <a:ext uri="{28A0092B-C50C-407E-A947-70E740481C1C}">
+                <a14:useLocalDpi xmlns:a14="http://schemas.microsoft.com/office/drawing/2010/main" val="0"/>
+              </a:ext>
+            </a:extLst>
+          </a:blip>
+          <a:srcRect/>
+          <a:stretch/>
+        </p:blipFill>
+        <p:spPr>
+          <a:xfrm>
+            <a:off x="1767828" y="1895631"/>
+            <a:ext cx="5852172" cy="4389129"/>
+          </a:xfrm>
+          <a:prstGeom prst="rect">
+            <a:avLst/>
+          </a:prstGeom>
+        </p:spPr>
+      </p:pic>
+      <mc:AlternateContent xmlns:mc="http://schemas.openxmlformats.org/markup-compatibility/2006">
+        <mc:Choice xmlns:a14="http://schemas.microsoft.com/office/drawing/2010/main" Requires="a14">
+          <p:sp>
+            <p:nvSpPr>
+              <p:cNvPr id="6" name="ZoneTexte 5">
+                <a:extLst>
+                  <a:ext uri="{FF2B5EF4-FFF2-40B4-BE49-F238E27FC236}">
+                    <a16:creationId xmlns:a16="http://schemas.microsoft.com/office/drawing/2014/main" id="{256210CD-AD84-4916-83A8-260B0248DAB5}"/>
+                  </a:ext>
+                </a:extLst>
+              </p:cNvPr>
+              <p:cNvSpPr txBox="1"/>
+              <p:nvPr/>
+            </p:nvSpPr>
+            <p:spPr>
+              <a:xfrm>
+                <a:off x="8277765" y="3623461"/>
+                <a:ext cx="3214085" cy="369332"/>
+              </a:xfrm>
+              <a:prstGeom prst="rect">
+                <a:avLst/>
+              </a:prstGeom>
+              <a:noFill/>
+            </p:spPr>
+            <p:txBody>
+              <a:bodyPr wrap="none" rtlCol="0">
+                <a:spAutoFit/>
+              </a:bodyPr>
+              <a:lstStyle/>
+              <a:p>
+                <a:r>
+                  <a:rPr lang="fr-FR" dirty="0"/>
+                  <a:t>Complexité temporelle </a:t>
+                </a:r>
+                <a14:m>
+                  <m:oMath xmlns:m="http://schemas.openxmlformats.org/officeDocument/2006/math">
+                    <m:r>
+                      <a:rPr lang="fr-FR" i="1"/>
+                      <m:t>~</m:t>
+                    </m:r>
+                  </m:oMath>
+                </a14:m>
+                <a:r>
+                  <a:rPr lang="fr-FR" dirty="0"/>
+                  <a:t> 10,37s</a:t>
+                </a:r>
+              </a:p>
+            </p:txBody>
+          </p:sp>
+        </mc:Choice>
+        <mc:Fallback>
+          <p:sp>
+            <p:nvSpPr>
+              <p:cNvPr id="6" name="ZoneTexte 5">
+                <a:extLst>
+                  <a:ext uri="{FF2B5EF4-FFF2-40B4-BE49-F238E27FC236}">
+                    <a16:creationId xmlns:a16="http://schemas.microsoft.com/office/drawing/2014/main" id="{256210CD-AD84-4916-83A8-260B0248DAB5}"/>
+                  </a:ext>
+                </a:extLst>
+              </p:cNvPr>
+              <p:cNvSpPr txBox="1">
+                <a:spLocks noRot="1" noChangeAspect="1" noMove="1" noResize="1" noEditPoints="1" noAdjustHandles="1" noChangeArrowheads="1" noChangeShapeType="1" noTextEdit="1"/>
+              </p:cNvSpPr>
+              <p:nvPr/>
+            </p:nvSpPr>
+            <p:spPr>
+              <a:xfrm>
+                <a:off x="8277765" y="3623461"/>
+                <a:ext cx="3214085" cy="369332"/>
+              </a:xfrm>
+              <a:prstGeom prst="rect">
+                <a:avLst/>
+              </a:prstGeom>
+              <a:blipFill>
+                <a:blip r:embed="rId3"/>
+                <a:stretch>
+                  <a:fillRect l="-1708" t="-8197" r="-759" b="-24590"/>
+                </a:stretch>
+              </a:blipFill>
+            </p:spPr>
+            <p:txBody>
+              <a:bodyPr/>
+              <a:lstStyle/>
+              <a:p>
+                <a:r>
+                  <a:rPr lang="fr-FR">
+                    <a:noFill/>
+                  </a:rPr>
+                  <a:t> </a:t>
+                </a:r>
+              </a:p>
+            </p:txBody>
+          </p:sp>
+        </mc:Fallback>
+      </mc:AlternateContent>
     </p:spTree>
     <p:extLst>
       <p:ext uri="{BB962C8B-B14F-4D97-AF65-F5344CB8AC3E}">
-        <p14:creationId xmlns:p14="http://schemas.microsoft.com/office/powerpoint/2010/main" val="1315117873"/>
+        <p14:creationId xmlns:p14="http://schemas.microsoft.com/office/powerpoint/2010/main" val="1078123378"/>
       </p:ext>
     </p:extLst>
   </p:cSld>
@@ -6958,7 +9961,7 @@
           <p:cNvPr id="2" name="Titre 1">
             <a:extLst>
               <a:ext uri="{FF2B5EF4-FFF2-40B4-BE49-F238E27FC236}">
-                <a16:creationId xmlns:a16="http://schemas.microsoft.com/office/drawing/2014/main" id="{18A2161E-D157-4DD3-8676-561D46832918}"/>
+                <a16:creationId xmlns:a16="http://schemas.microsoft.com/office/drawing/2014/main" id="{6E12BD60-FFB7-4FFC-8A8F-58ABA2B92C65}"/>
               </a:ext>
             </a:extLst>
           </p:cNvPr>
@@ -6976,7 +9979,7 @@
           <a:p>
             <a:r>
               <a:rPr lang="fr-FR" dirty="0"/>
-              <a:t>optimized.py =&gt; Cas limites</a:t>
+              <a:t>optimized.py =&gt; Pseudocode/diagrammes</a:t>
             </a:r>
           </a:p>
         </p:txBody>
@@ -6986,7 +9989,7 @@
           <p:cNvPr id="3" name="Espace réservé du numéro de diapositive 2">
             <a:extLst>
               <a:ext uri="{FF2B5EF4-FFF2-40B4-BE49-F238E27FC236}">
-                <a16:creationId xmlns:a16="http://schemas.microsoft.com/office/drawing/2014/main" id="{280DC6FB-56E6-483B-ABE2-6FA64B789CDA}"/>
+                <a16:creationId xmlns:a16="http://schemas.microsoft.com/office/drawing/2014/main" id="{5F9381FE-7645-4B0D-93DB-6C2975E58491}"/>
               </a:ext>
             </a:extLst>
           </p:cNvPr>
@@ -7014,7 +10017,7 @@
     </p:spTree>
     <p:extLst>
       <p:ext uri="{BB962C8B-B14F-4D97-AF65-F5344CB8AC3E}">
-        <p14:creationId xmlns:p14="http://schemas.microsoft.com/office/powerpoint/2010/main" val="3814144576"/>
+        <p14:creationId xmlns:p14="http://schemas.microsoft.com/office/powerpoint/2010/main" val="1315117873"/>
       </p:ext>
     </p:extLst>
   </p:cSld>
@@ -7046,7 +10049,7 @@
           <p:cNvPr id="2" name="Titre 1">
             <a:extLst>
               <a:ext uri="{FF2B5EF4-FFF2-40B4-BE49-F238E27FC236}">
-                <a16:creationId xmlns:a16="http://schemas.microsoft.com/office/drawing/2014/main" id="{D0902EAC-08A5-4F86-BA0C-296DC5B4C3F0}"/>
+                <a16:creationId xmlns:a16="http://schemas.microsoft.com/office/drawing/2014/main" id="{18A2161E-D157-4DD3-8676-561D46832918}"/>
               </a:ext>
             </a:extLst>
           </p:cNvPr>
@@ -7064,13 +10067,8 @@
           <a:p>
             <a:r>
               <a:rPr lang="fr-FR" dirty="0"/>
-              <a:t>Comparaison performances brute/</a:t>
+              <a:t>optimized.py =&gt; Cas limites</a:t>
             </a:r>
-            <a:r>
-              <a:rPr lang="fr-FR" dirty="0" err="1"/>
-              <a:t>opti</a:t>
-            </a:r>
-            <a:endParaRPr lang="fr-FR" dirty="0"/>
           </a:p>
         </p:txBody>
       </p:sp>
@@ -7079,7 +10077,7 @@
           <p:cNvPr id="3" name="Espace réservé du numéro de diapositive 2">
             <a:extLst>
               <a:ext uri="{FF2B5EF4-FFF2-40B4-BE49-F238E27FC236}">
-                <a16:creationId xmlns:a16="http://schemas.microsoft.com/office/drawing/2014/main" id="{C16F43A3-9526-46B7-AFCD-BAB05B23A532}"/>
+                <a16:creationId xmlns:a16="http://schemas.microsoft.com/office/drawing/2014/main" id="{280DC6FB-56E6-483B-ABE2-6FA64B789CDA}"/>
               </a:ext>
             </a:extLst>
           </p:cNvPr>
@@ -7107,7 +10105,7 @@
     </p:spTree>
     <p:extLst>
       <p:ext uri="{BB962C8B-B14F-4D97-AF65-F5344CB8AC3E}">
-        <p14:creationId xmlns:p14="http://schemas.microsoft.com/office/powerpoint/2010/main" val="1963989922"/>
+        <p14:creationId xmlns:p14="http://schemas.microsoft.com/office/powerpoint/2010/main" val="3814144576"/>
       </p:ext>
     </p:extLst>
   </p:cSld>
@@ -7139,7 +10137,7 @@
           <p:cNvPr id="2" name="Titre 1">
             <a:extLst>
               <a:ext uri="{FF2B5EF4-FFF2-40B4-BE49-F238E27FC236}">
-                <a16:creationId xmlns:a16="http://schemas.microsoft.com/office/drawing/2014/main" id="{CDDD166C-6BB7-44CD-B06B-CC20A965ADB2}"/>
+                <a16:creationId xmlns:a16="http://schemas.microsoft.com/office/drawing/2014/main" id="{D0902EAC-08A5-4F86-BA0C-296DC5B4C3F0}"/>
               </a:ext>
             </a:extLst>
           </p:cNvPr>
@@ -7157,8 +10155,13 @@
           <a:p>
             <a:r>
               <a:rPr lang="fr-FR" dirty="0"/>
-              <a:t>Idées d’améliorations</a:t>
+              <a:t>Comparaison performances brute/</a:t>
             </a:r>
+            <a:r>
+              <a:rPr lang="fr-FR" dirty="0" err="1"/>
+              <a:t>opti</a:t>
+            </a:r>
+            <a:endParaRPr lang="fr-FR" dirty="0"/>
           </a:p>
         </p:txBody>
       </p:sp>
@@ -7167,7 +10170,7 @@
           <p:cNvPr id="3" name="Espace réservé du numéro de diapositive 2">
             <a:extLst>
               <a:ext uri="{FF2B5EF4-FFF2-40B4-BE49-F238E27FC236}">
-                <a16:creationId xmlns:a16="http://schemas.microsoft.com/office/drawing/2014/main" id="{AA751994-A367-4785-93E4-E8C8525BA60C}"/>
+                <a16:creationId xmlns:a16="http://schemas.microsoft.com/office/drawing/2014/main" id="{C16F43A3-9526-46B7-AFCD-BAB05B23A532}"/>
               </a:ext>
             </a:extLst>
           </p:cNvPr>
@@ -7195,7 +10198,7 @@
     </p:spTree>
     <p:extLst>
       <p:ext uri="{BB962C8B-B14F-4D97-AF65-F5344CB8AC3E}">
-        <p14:creationId xmlns:p14="http://schemas.microsoft.com/office/powerpoint/2010/main" val="1515443543"/>
+        <p14:creationId xmlns:p14="http://schemas.microsoft.com/office/powerpoint/2010/main" val="1963989922"/>
       </p:ext>
     </p:extLst>
   </p:cSld>

--- a/p07_slide.pptx
+++ b/p07_slide.pptx
@@ -5,10 +5,10 @@
     <p:sldMasterId id="2147483660" r:id="rId1"/>
   </p:sldMasterIdLst>
   <p:notesMasterIdLst>
-    <p:notesMasterId r:id="rId13"/>
+    <p:notesMasterId r:id="rId15"/>
   </p:notesMasterIdLst>
   <p:handoutMasterIdLst>
-    <p:handoutMasterId r:id="rId14"/>
+    <p:handoutMasterId r:id="rId16"/>
   </p:handoutMasterIdLst>
   <p:sldIdLst>
     <p:sldId id="261" r:id="rId2"/>
@@ -18,10 +18,12 @@
     <p:sldId id="319" r:id="rId6"/>
     <p:sldId id="311" r:id="rId7"/>
     <p:sldId id="313" r:id="rId8"/>
-    <p:sldId id="314" r:id="rId9"/>
-    <p:sldId id="315" r:id="rId10"/>
-    <p:sldId id="316" r:id="rId11"/>
-    <p:sldId id="273" r:id="rId12"/>
+    <p:sldId id="320" r:id="rId9"/>
+    <p:sldId id="321" r:id="rId10"/>
+    <p:sldId id="314" r:id="rId11"/>
+    <p:sldId id="315" r:id="rId12"/>
+    <p:sldId id="316" r:id="rId13"/>
+    <p:sldId id="273" r:id="rId14"/>
   </p:sldIdLst>
   <p:sldSz cx="12192000" cy="6858000"/>
   <p:notesSz cx="6858000" cy="9144000"/>
@@ -144,6 +146,8 @@
         <p14:section name="optimized - Pseudocode/diagramme" id="{E3EF66F9-02C8-45F0-A757-D705B1A1925E}">
           <p14:sldIdLst>
             <p14:sldId id="313"/>
+            <p14:sldId id="320"/>
+            <p14:sldId id="321"/>
           </p14:sldIdLst>
         </p14:section>
         <p14:section name="optimized - Cas limites" id="{C7212572-82B6-47DD-815A-BEDB161CE5E4}">
@@ -272,7 +276,7 @@
           <a:p>
             <a:fld id="{006FEFC0-2236-48A2-B120-C759EDA2264F}" type="datetimeFigureOut">
               <a:rPr lang="fr-FR" smtClean="0"/>
-              <a:t>08/01/2022</a:t>
+              <a:t>10/01/2022</a:t>
             </a:fld>
             <a:endParaRPr lang="fr-FR"/>
           </a:p>
@@ -449,7 +453,7 @@
           <a:p>
             <a:fld id="{39A2C6B1-E7AA-4745-9EA3-948DDA335211}" type="datetimeFigureOut">
               <a:rPr lang="fr-FR" smtClean="0"/>
-              <a:t>08/01/2022</a:t>
+              <a:t>10/01/2022</a:t>
             </a:fld>
             <a:endParaRPr lang="fr-FR"/>
           </a:p>
@@ -1135,7 +1139,7 @@
             <a:fld id="{EEB52BBF-3D2E-4DB7-B1B2-3EEDAF05D916}" type="datetime1">
               <a:rPr lang="fr-FR" smtClean="0"/>
               <a:pPr/>
-              <a:t>08/01/2022</a:t>
+              <a:t>10/01/2022</a:t>
             </a:fld>
             <a:endParaRPr lang="fr-FR" dirty="0"/>
           </a:p>
@@ -1303,7 +1307,7 @@
           <a:p>
             <a:fld id="{D1B56501-E7FC-4AA4-829C-7EB06C5B501B}" type="datetime1">
               <a:rPr lang="fr-FR" smtClean="0"/>
-              <a:t>08/01/2022</a:t>
+              <a:t>10/01/2022</a:t>
             </a:fld>
             <a:endParaRPr lang="fr-FR"/>
           </a:p>
@@ -1541,7 +1545,7 @@
           <a:p>
             <a:fld id="{E1EA16D8-943B-480F-B7AB-8A20EEC88A30}" type="datetime1">
               <a:rPr lang="fr-FR" smtClean="0"/>
-              <a:t>08/01/2022</a:t>
+              <a:t>10/01/2022</a:t>
             </a:fld>
             <a:endParaRPr lang="fr-FR"/>
           </a:p>
@@ -1755,7 +1759,7 @@
           <a:p>
             <a:fld id="{B9F3C5A3-9381-4B97-82E4-385F6F49F69F}" type="datetime1">
               <a:rPr lang="fr-FR" smtClean="0"/>
-              <a:t>08/01/2022</a:t>
+              <a:t>10/01/2022</a:t>
             </a:fld>
             <a:endParaRPr lang="fr-FR"/>
           </a:p>
@@ -1884,7 +1888,7 @@
           <a:p>
             <a:fld id="{4716E524-F7FE-4CF1-BC8B-47DD9AC23070}" type="datetime1">
               <a:rPr lang="fr-FR" smtClean="0"/>
-              <a:t>08/01/2022</a:t>
+              <a:t>10/01/2022</a:t>
             </a:fld>
             <a:endParaRPr lang="fr-FR"/>
           </a:p>
@@ -2418,7 +2422,7 @@
           <a:p>
             <a:fld id="{336D8786-97C7-4BAF-A4C9-C839CD61D49F}" type="datetime1">
               <a:rPr lang="fr-FR" smtClean="0"/>
-              <a:t>08/01/2022</a:t>
+              <a:t>10/01/2022</a:t>
             </a:fld>
             <a:endParaRPr lang="fr-FR"/>
           </a:p>
@@ -2721,7 +2725,7 @@
           <a:p>
             <a:fld id="{074B9914-FBA4-40D6-94C7-D139128B50C8}" type="datetime1">
               <a:rPr lang="fr-FR" smtClean="0"/>
-              <a:t>08/01/2022</a:t>
+              <a:t>10/01/2022</a:t>
             </a:fld>
             <a:endParaRPr lang="fr-FR"/>
           </a:p>
@@ -3172,7 +3176,7 @@
           <a:p>
             <a:fld id="{51704AF8-D9A6-4385-8AB7-F174826852B4}" type="datetime1">
               <a:rPr lang="fr-FR" smtClean="0"/>
-              <a:t>08/01/2022</a:t>
+              <a:t>10/01/2022</a:t>
             </a:fld>
             <a:endParaRPr lang="fr-FR"/>
           </a:p>
@@ -3309,7 +3313,7 @@
             <a:lvl1pPr>
               <a:defRPr>
                 <a:solidFill>
-                  <a:srgbClr val="64B164"/>
+                  <a:schemeClr val="accent1"/>
                 </a:solidFill>
               </a:defRPr>
             </a:lvl1pPr>
@@ -3429,7 +3433,7 @@
           <a:p>
             <a:fld id="{2DB68652-01BB-4E56-9340-87662979ACA3}" type="datetime1">
               <a:rPr lang="fr-FR" smtClean="0"/>
-              <a:t>08/01/2022</a:t>
+              <a:t>10/01/2022</a:t>
             </a:fld>
             <a:endParaRPr lang="fr-FR"/>
           </a:p>
@@ -3773,7 +3777,7 @@
           <a:p>
             <a:fld id="{EC149F96-B5CE-4558-BCAE-5D6484994026}" type="datetime1">
               <a:rPr lang="fr-FR" smtClean="0"/>
-              <a:t>08/01/2022</a:t>
+              <a:t>10/01/2022</a:t>
             </a:fld>
             <a:endParaRPr lang="fr-FR"/>
           </a:p>
@@ -4094,7 +4098,7 @@
           <a:p>
             <a:fld id="{5B90BA0F-8B4E-4DE9-A747-69F5CB516130}" type="datetime1">
               <a:rPr lang="fr-FR" smtClean="0"/>
-              <a:t>08/01/2022</a:t>
+              <a:t>10/01/2022</a:t>
             </a:fld>
             <a:endParaRPr lang="fr-FR"/>
           </a:p>
@@ -4301,7 +4305,7 @@
             <a:fld id="{C1D57578-8FE2-4469-A516-156BBECEE892}" type="datetime1">
               <a:rPr lang="fr-FR" smtClean="0"/>
               <a:pPr/>
-              <a:t>08/01/2022</a:t>
+              <a:t>10/01/2022</a:t>
             </a:fld>
             <a:endParaRPr lang="fr-FR"/>
           </a:p>
@@ -5439,6 +5443,255 @@
           <p:cNvPr id="2" name="Titre 1">
             <a:extLst>
               <a:ext uri="{FF2B5EF4-FFF2-40B4-BE49-F238E27FC236}">
+                <a16:creationId xmlns:a16="http://schemas.microsoft.com/office/drawing/2014/main" id="{18A2161E-D157-4DD3-8676-561D46832918}"/>
+              </a:ext>
+            </a:extLst>
+          </p:cNvPr>
+          <p:cNvSpPr>
+            <a:spLocks noGrp="1"/>
+          </p:cNvSpPr>
+          <p:nvPr>
+            <p:ph type="title"/>
+          </p:nvPr>
+        </p:nvSpPr>
+        <p:spPr/>
+        <p:txBody>
+          <a:bodyPr/>
+          <a:lstStyle/>
+          <a:p>
+            <a:r>
+              <a:rPr lang="fr-FR" dirty="0"/>
+              <a:t>optimized.py =&gt; Cas limites</a:t>
+            </a:r>
+          </a:p>
+        </p:txBody>
+      </p:sp>
+      <p:sp>
+        <p:nvSpPr>
+          <p:cNvPr id="3" name="Espace réservé du numéro de diapositive 2">
+            <a:extLst>
+              <a:ext uri="{FF2B5EF4-FFF2-40B4-BE49-F238E27FC236}">
+                <a16:creationId xmlns:a16="http://schemas.microsoft.com/office/drawing/2014/main" id="{280DC6FB-56E6-483B-ABE2-6FA64B789CDA}"/>
+              </a:ext>
+            </a:extLst>
+          </p:cNvPr>
+          <p:cNvSpPr>
+            <a:spLocks noGrp="1"/>
+          </p:cNvSpPr>
+          <p:nvPr>
+            <p:ph type="sldNum" sz="quarter" idx="12"/>
+          </p:nvPr>
+        </p:nvSpPr>
+        <p:spPr/>
+        <p:txBody>
+          <a:bodyPr/>
+          <a:lstStyle/>
+          <a:p>
+            <a:fld id="{2CEE6A89-DFCB-4FC8-A1BB-9845AC41F306}" type="slidenum">
+              <a:rPr lang="fr-FR" smtClean="0"/>
+              <a:pPr/>
+              <a:t>10</a:t>
+            </a:fld>
+            <a:endParaRPr lang="fr-FR" dirty="0"/>
+          </a:p>
+        </p:txBody>
+      </p:sp>
+      <p:sp>
+        <p:nvSpPr>
+          <p:cNvPr id="5" name="ZoneTexte 4">
+            <a:extLst>
+              <a:ext uri="{FF2B5EF4-FFF2-40B4-BE49-F238E27FC236}">
+                <a16:creationId xmlns:a16="http://schemas.microsoft.com/office/drawing/2014/main" id="{0D6A796C-7F25-4C44-85B9-0A38AD05CB63}"/>
+              </a:ext>
+            </a:extLst>
+          </p:cNvPr>
+          <p:cNvSpPr txBox="1"/>
+          <p:nvPr/>
+        </p:nvSpPr>
+        <p:spPr>
+          <a:xfrm>
+            <a:off x="1714500" y="2959100"/>
+            <a:ext cx="6070444" cy="923330"/>
+          </a:xfrm>
+          <a:prstGeom prst="rect">
+            <a:avLst/>
+          </a:prstGeom>
+          <a:noFill/>
+        </p:spPr>
+        <p:txBody>
+          <a:bodyPr wrap="none" rtlCol="0">
+            <a:spAutoFit/>
+          </a:bodyPr>
+          <a:lstStyle/>
+          <a:p>
+            <a:pPr marL="285750" indent="-285750">
+              <a:buFontTx/>
+              <a:buChar char="-"/>
+            </a:pPr>
+            <a:r>
+              <a:rPr lang="fr-FR" dirty="0">
+                <a:solidFill>
+                  <a:srgbClr val="64B164"/>
+                </a:solidFill>
+              </a:rPr>
+              <a:t>Les données du fichier ne sont pas sous la forme attendues.</a:t>
+            </a:r>
+          </a:p>
+          <a:p>
+            <a:pPr marL="285750" indent="-285750">
+              <a:buFontTx/>
+              <a:buChar char="-"/>
+            </a:pPr>
+            <a:r>
+              <a:rPr lang="fr-FR" dirty="0">
+                <a:solidFill>
+                  <a:srgbClr val="64B164"/>
+                </a:solidFill>
+              </a:rPr>
+              <a:t>Le fichier ne contient pas de données.</a:t>
+            </a:r>
+          </a:p>
+          <a:p>
+            <a:pPr marL="285750" indent="-285750">
+              <a:buFontTx/>
+              <a:buChar char="-"/>
+            </a:pPr>
+            <a:endParaRPr lang="fr-FR" dirty="0">
+              <a:solidFill>
+                <a:srgbClr val="64B164"/>
+              </a:solidFill>
+            </a:endParaRPr>
+          </a:p>
+        </p:txBody>
+      </p:sp>
+    </p:spTree>
+    <p:extLst>
+      <p:ext uri="{BB962C8B-B14F-4D97-AF65-F5344CB8AC3E}">
+        <p14:creationId xmlns:p14="http://schemas.microsoft.com/office/powerpoint/2010/main" val="3814144576"/>
+      </p:ext>
+    </p:extLst>
+  </p:cSld>
+  <p:clrMapOvr>
+    <a:masterClrMapping/>
+  </p:clrMapOvr>
+</p:sld>
+</file>
+
+<file path=ppt/slides/slide11.xml><?xml version="1.0" encoding="utf-8"?>
+<p:sld xmlns:a="http://schemas.openxmlformats.org/drawingml/2006/main" xmlns:r="http://schemas.openxmlformats.org/officeDocument/2006/relationships" xmlns:p="http://schemas.openxmlformats.org/presentationml/2006/main">
+  <p:cSld>
+    <p:spTree>
+      <p:nvGrpSpPr>
+        <p:cNvPr id="1" name=""/>
+        <p:cNvGrpSpPr/>
+        <p:nvPr/>
+      </p:nvGrpSpPr>
+      <p:grpSpPr>
+        <a:xfrm>
+          <a:off x="0" y="0"/>
+          <a:ext cx="0" cy="0"/>
+          <a:chOff x="0" y="0"/>
+          <a:chExt cx="0" cy="0"/>
+        </a:xfrm>
+      </p:grpSpPr>
+      <p:sp>
+        <p:nvSpPr>
+          <p:cNvPr id="2" name="Titre 1">
+            <a:extLst>
+              <a:ext uri="{FF2B5EF4-FFF2-40B4-BE49-F238E27FC236}">
+                <a16:creationId xmlns:a16="http://schemas.microsoft.com/office/drawing/2014/main" id="{D0902EAC-08A5-4F86-BA0C-296DC5B4C3F0}"/>
+              </a:ext>
+            </a:extLst>
+          </p:cNvPr>
+          <p:cNvSpPr>
+            <a:spLocks noGrp="1"/>
+          </p:cNvSpPr>
+          <p:nvPr>
+            <p:ph type="title"/>
+          </p:nvPr>
+        </p:nvSpPr>
+        <p:spPr/>
+        <p:txBody>
+          <a:bodyPr/>
+          <a:lstStyle/>
+          <a:p>
+            <a:r>
+              <a:rPr lang="fr-FR" dirty="0"/>
+              <a:t>Comparaison performances brute/</a:t>
+            </a:r>
+            <a:r>
+              <a:rPr lang="fr-FR" dirty="0" err="1"/>
+              <a:t>opti</a:t>
+            </a:r>
+            <a:endParaRPr lang="fr-FR" dirty="0"/>
+          </a:p>
+        </p:txBody>
+      </p:sp>
+      <p:sp>
+        <p:nvSpPr>
+          <p:cNvPr id="3" name="Espace réservé du numéro de diapositive 2">
+            <a:extLst>
+              <a:ext uri="{FF2B5EF4-FFF2-40B4-BE49-F238E27FC236}">
+                <a16:creationId xmlns:a16="http://schemas.microsoft.com/office/drawing/2014/main" id="{C16F43A3-9526-46B7-AFCD-BAB05B23A532}"/>
+              </a:ext>
+            </a:extLst>
+          </p:cNvPr>
+          <p:cNvSpPr>
+            <a:spLocks noGrp="1"/>
+          </p:cNvSpPr>
+          <p:nvPr>
+            <p:ph type="sldNum" sz="quarter" idx="12"/>
+          </p:nvPr>
+        </p:nvSpPr>
+        <p:spPr/>
+        <p:txBody>
+          <a:bodyPr/>
+          <a:lstStyle/>
+          <a:p>
+            <a:fld id="{2CEE6A89-DFCB-4FC8-A1BB-9845AC41F306}" type="slidenum">
+              <a:rPr lang="fr-FR" smtClean="0"/>
+              <a:pPr/>
+              <a:t>11</a:t>
+            </a:fld>
+            <a:endParaRPr lang="fr-FR" dirty="0"/>
+          </a:p>
+        </p:txBody>
+      </p:sp>
+    </p:spTree>
+    <p:extLst>
+      <p:ext uri="{BB962C8B-B14F-4D97-AF65-F5344CB8AC3E}">
+        <p14:creationId xmlns:p14="http://schemas.microsoft.com/office/powerpoint/2010/main" val="1963989922"/>
+      </p:ext>
+    </p:extLst>
+  </p:cSld>
+  <p:clrMapOvr>
+    <a:masterClrMapping/>
+  </p:clrMapOvr>
+</p:sld>
+</file>
+
+<file path=ppt/slides/slide12.xml><?xml version="1.0" encoding="utf-8"?>
+<p:sld xmlns:a="http://schemas.openxmlformats.org/drawingml/2006/main" xmlns:r="http://schemas.openxmlformats.org/officeDocument/2006/relationships" xmlns:p="http://schemas.openxmlformats.org/presentationml/2006/main">
+  <p:cSld>
+    <p:spTree>
+      <p:nvGrpSpPr>
+        <p:cNvPr id="1" name=""/>
+        <p:cNvGrpSpPr/>
+        <p:nvPr/>
+      </p:nvGrpSpPr>
+      <p:grpSpPr>
+        <a:xfrm>
+          <a:off x="0" y="0"/>
+          <a:ext cx="0" cy="0"/>
+          <a:chOff x="0" y="0"/>
+          <a:chExt cx="0" cy="0"/>
+        </a:xfrm>
+      </p:grpSpPr>
+      <p:sp>
+        <p:nvSpPr>
+          <p:cNvPr id="2" name="Titre 1">
+            <a:extLst>
+              <a:ext uri="{FF2B5EF4-FFF2-40B4-BE49-F238E27FC236}">
                 <a16:creationId xmlns:a16="http://schemas.microsoft.com/office/drawing/2014/main" id="{CDDD166C-6BB7-44CD-B06B-CC20A965ADB2}"/>
               </a:ext>
             </a:extLst>
@@ -5486,7 +5739,7 @@
             <a:fld id="{2CEE6A89-DFCB-4FC8-A1BB-9845AC41F306}" type="slidenum">
               <a:rPr lang="fr-FR" smtClean="0"/>
               <a:pPr/>
-              <a:t>10</a:t>
+              <a:t>12</a:t>
             </a:fld>
             <a:endParaRPr lang="fr-FR" dirty="0"/>
           </a:p>
@@ -5505,7 +5758,7 @@
 </p:sld>
 </file>
 
-<file path=ppt/slides/slide11.xml><?xml version="1.0" encoding="utf-8"?>
+<file path=ppt/slides/slide13.xml><?xml version="1.0" encoding="utf-8"?>
 <p:sld xmlns:a="http://schemas.openxmlformats.org/drawingml/2006/main" xmlns:r="http://schemas.openxmlformats.org/officeDocument/2006/relationships" xmlns:p="http://schemas.openxmlformats.org/presentationml/2006/main">
   <p:cSld>
     <p:spTree>
@@ -5581,7 +5834,7 @@
             <a:fld id="{2CEE6A89-DFCB-4FC8-A1BB-9845AC41F306}" type="slidenum">
               <a:rPr lang="fr-FR" smtClean="0"/>
               <a:pPr/>
-              <a:t>11</a:t>
+              <a:t>13</a:t>
             </a:fld>
             <a:endParaRPr lang="fr-FR" dirty="0"/>
           </a:p>
@@ -5826,10 +6079,10 @@
       </p:grpSpPr>
       <p:pic>
         <p:nvPicPr>
-          <p:cNvPr id="9" name="Image 8">
+          <p:cNvPr id="14" name="Image 13">
             <a:extLst>
               <a:ext uri="{FF2B5EF4-FFF2-40B4-BE49-F238E27FC236}">
-                <a16:creationId xmlns:a16="http://schemas.microsoft.com/office/drawing/2014/main" id="{8151D1B3-3E26-45C7-B2D8-6CBEE3017E74}"/>
+                <a16:creationId xmlns:a16="http://schemas.microsoft.com/office/drawing/2014/main" id="{D263BA42-548F-4A85-8517-5BFB257BBCC3}"/>
               </a:ext>
             </a:extLst>
           </p:cNvPr>
@@ -5852,7 +6105,7 @@
         <p:spPr>
           <a:xfrm>
             <a:off x="360000" y="1440000"/>
-            <a:ext cx="6972932" cy="5040000"/>
+            <a:ext cx="6363000" cy="5040000"/>
           </a:xfrm>
           <a:prstGeom prst="rect">
             <a:avLst/>
@@ -5936,7 +6189,7 @@
         </p:nvSpPr>
         <p:spPr>
           <a:xfrm>
-            <a:off x="6422516" y="2185823"/>
+            <a:off x="6480000" y="2185823"/>
             <a:ext cx="362583" cy="897759"/>
           </a:xfrm>
           <a:prstGeom prst="rightBrace">
@@ -5988,7 +6241,7 @@
         </p:nvSpPr>
         <p:spPr>
           <a:xfrm>
-            <a:off x="6416161" y="3389798"/>
+            <a:off x="6480000" y="3389798"/>
             <a:ext cx="362583" cy="1011207"/>
           </a:xfrm>
           <a:prstGeom prst="rightBrace">
@@ -6040,7 +6293,7 @@
         </p:nvSpPr>
         <p:spPr>
           <a:xfrm>
-            <a:off x="6416161" y="4759169"/>
+            <a:off x="6480000" y="4759169"/>
             <a:ext cx="362583" cy="1597183"/>
           </a:xfrm>
           <a:prstGeom prst="rightBrace">
@@ -6135,7 +6388,7 @@
             </p:nvSpPr>
             <p:spPr>
               <a:xfrm>
-                <a:off x="8406789" y="121212"/>
+                <a:off x="8280000" y="180000"/>
                 <a:ext cx="3823354" cy="1200329"/>
               </a:xfrm>
               <a:prstGeom prst="rect">
@@ -6270,7 +6523,7 @@
             </p:nvSpPr>
             <p:spPr>
               <a:xfrm>
-                <a:off x="8406789" y="121212"/>
+                <a:off x="8280000" y="180000"/>
                 <a:ext cx="3823354" cy="1200329"/>
               </a:xfrm>
               <a:prstGeom prst="rect">
@@ -6279,7 +6532,7 @@
               <a:blipFill>
                 <a:blip r:embed="rId3"/>
                 <a:stretch>
-                  <a:fillRect l="-1113" t="-2513" r="-795" b="-6533"/>
+                  <a:fillRect l="-1113" t="-2525" r="-795" b="-7071"/>
                 </a:stretch>
               </a:blipFill>
               <a:ln>
@@ -6303,8 +6556,8 @@
           </p:sp>
         </mc:Fallback>
       </mc:AlternateContent>
-      <mc:AlternateContent xmlns:mc="http://schemas.openxmlformats.org/markup-compatibility/2006">
-        <mc:Choice xmlns:a14="http://schemas.microsoft.com/office/drawing/2010/main" Requires="a14">
+      <mc:AlternateContent xmlns:mc="http://schemas.openxmlformats.org/markup-compatibility/2006" xmlns:a14="http://schemas.microsoft.com/office/drawing/2010/main">
+        <mc:Choice Requires="a14">
           <p:sp>
             <p:nvSpPr>
               <p:cNvPr id="5" name="Rectangle 4">
@@ -6342,7 +6595,7 @@
                       <m:sSub>
                         <m:sSubPr>
                           <m:ctrlPr>
-                            <a:rPr lang="fr-FR" smtClean="0">
+                            <a:rPr lang="fr-FR" i="1" smtClean="0">
                               <a:solidFill>
                                 <a:srgbClr val="66D9EF"/>
                               </a:solidFill>
@@ -6584,7 +6837,7 @@
             </p:txBody>
           </p:sp>
         </mc:Choice>
-        <mc:Fallback>
+        <mc:Fallback xmlns="">
           <p:sp>
             <p:nvSpPr>
               <p:cNvPr id="5" name="Rectangle 4">
@@ -6629,8 +6882,8 @@
           </p:sp>
         </mc:Fallback>
       </mc:AlternateContent>
-      <mc:AlternateContent xmlns:mc="http://schemas.openxmlformats.org/markup-compatibility/2006">
-        <mc:Choice xmlns:a14="http://schemas.microsoft.com/office/drawing/2010/main" Requires="a14">
+      <mc:AlternateContent xmlns:mc="http://schemas.openxmlformats.org/markup-compatibility/2006" xmlns:a14="http://schemas.microsoft.com/office/drawing/2010/main">
+        <mc:Choice Requires="a14">
           <p:sp>
             <p:nvSpPr>
               <p:cNvPr id="6" name="Rectangle 5">
@@ -6668,7 +6921,7 @@
                       <m:sSub>
                         <m:sSubPr>
                           <m:ctrlPr>
-                            <a:rPr lang="fr-FR" smtClean="0">
+                            <a:rPr lang="fr-FR" i="1" smtClean="0">
                               <a:solidFill>
                                 <a:srgbClr val="66D9EF"/>
                               </a:solidFill>
@@ -7021,7 +7274,7 @@
             </p:txBody>
           </p:sp>
         </mc:Choice>
-        <mc:Fallback>
+        <mc:Fallback xmlns="">
           <p:sp>
             <p:nvSpPr>
               <p:cNvPr id="6" name="Rectangle 5">
@@ -7066,8 +7319,8 @@
           </p:sp>
         </mc:Fallback>
       </mc:AlternateContent>
-      <mc:AlternateContent xmlns:mc="http://schemas.openxmlformats.org/markup-compatibility/2006">
-        <mc:Choice xmlns:a14="http://schemas.microsoft.com/office/drawing/2010/main" Requires="a14">
+      <mc:AlternateContent xmlns:mc="http://schemas.openxmlformats.org/markup-compatibility/2006" xmlns:a14="http://schemas.microsoft.com/office/drawing/2010/main">
+        <mc:Choice Requires="a14">
           <p:sp>
             <p:nvSpPr>
               <p:cNvPr id="7" name="Rectangle 6">
@@ -7105,7 +7358,7 @@
                       <m:sSub>
                         <m:sSubPr>
                           <m:ctrlPr>
-                            <a:rPr lang="fr-FR" smtClean="0">
+                            <a:rPr lang="fr-FR" i="1" smtClean="0">
                               <a:solidFill>
                                 <a:srgbClr val="66D9EF"/>
                               </a:solidFill>
@@ -7397,7 +7650,7 @@
             </p:txBody>
           </p:sp>
         </mc:Choice>
-        <mc:Fallback>
+        <mc:Fallback xmlns="">
           <p:sp>
             <p:nvSpPr>
               <p:cNvPr id="7" name="Rectangle 6">
@@ -7494,14 +7747,13 @@
               </a:ext>
             </a:extLst>
           </a:blip>
-          <a:stretch>
-            <a:fillRect/>
-          </a:stretch>
+          <a:srcRect/>
+          <a:stretch/>
         </p:blipFill>
         <p:spPr>
           <a:xfrm>
-            <a:off x="360000" y="1439999"/>
-            <a:ext cx="6988906" cy="3538383"/>
+            <a:off x="360000" y="1440000"/>
+            <a:ext cx="6363001" cy="5040000"/>
           </a:xfrm>
           <a:prstGeom prst="rect">
             <a:avLst/>
@@ -7585,7 +7837,7 @@
         </p:nvSpPr>
         <p:spPr>
           <a:xfrm>
-            <a:off x="6422400" y="1515357"/>
+            <a:off x="6480000" y="1515357"/>
             <a:ext cx="362583" cy="1516971"/>
           </a:xfrm>
           <a:prstGeom prst="rightBrace">
@@ -7637,7 +7889,7 @@
         </p:nvSpPr>
         <p:spPr>
           <a:xfrm>
-            <a:off x="6422400" y="3429000"/>
+            <a:off x="6480000" y="3429000"/>
             <a:ext cx="362583" cy="1297004"/>
           </a:xfrm>
           <a:prstGeom prst="rightBrace">
@@ -7675,8 +7927,8 @@
           </a:p>
         </p:txBody>
       </p:sp>
-      <mc:AlternateContent xmlns:mc="http://schemas.openxmlformats.org/markup-compatibility/2006">
-        <mc:Choice xmlns:a14="http://schemas.microsoft.com/office/drawing/2010/main" Requires="a14">
+      <mc:AlternateContent xmlns:mc="http://schemas.openxmlformats.org/markup-compatibility/2006" xmlns:a14="http://schemas.microsoft.com/office/drawing/2010/main">
+        <mc:Choice Requires="a14">
           <p:sp>
             <p:nvSpPr>
               <p:cNvPr id="7" name="Rectangle 6">
@@ -7714,7 +7966,7 @@
                       <m:sSub>
                         <m:sSubPr>
                           <m:ctrlPr>
-                            <a:rPr lang="fr-FR" smtClean="0">
+                            <a:rPr lang="fr-FR" i="1" smtClean="0">
                               <a:solidFill>
                                 <a:srgbClr val="66D9EF"/>
                               </a:solidFill>
@@ -7956,7 +8208,7 @@
             </p:txBody>
           </p:sp>
         </mc:Choice>
-        <mc:Fallback>
+        <mc:Fallback xmlns="">
           <p:sp>
             <p:nvSpPr>
               <p:cNvPr id="7" name="Rectangle 6">
@@ -8001,8 +8253,8 @@
           </p:sp>
         </mc:Fallback>
       </mc:AlternateContent>
-      <mc:AlternateContent xmlns:mc="http://schemas.openxmlformats.org/markup-compatibility/2006">
-        <mc:Choice xmlns:a14="http://schemas.microsoft.com/office/drawing/2010/main" Requires="a14">
+      <mc:AlternateContent xmlns:mc="http://schemas.openxmlformats.org/markup-compatibility/2006" xmlns:a14="http://schemas.microsoft.com/office/drawing/2010/main">
+        <mc:Choice Requires="a14">
           <p:sp>
             <p:nvSpPr>
               <p:cNvPr id="8" name="Rectangle 7">
@@ -8040,7 +8292,7 @@
                       <m:sSub>
                         <m:sSubPr>
                           <m:ctrlPr>
-                            <a:rPr lang="fr-FR" smtClean="0">
+                            <a:rPr lang="fr-FR" i="1" smtClean="0">
                               <a:solidFill>
                                 <a:srgbClr val="66D9EF"/>
                               </a:solidFill>
@@ -8289,7 +8541,7 @@
             </p:txBody>
           </p:sp>
         </mc:Choice>
-        <mc:Fallback>
+        <mc:Fallback xmlns="">
           <p:sp>
             <p:nvSpPr>
               <p:cNvPr id="8" name="Rectangle 7">
@@ -8318,6 +8570,190 @@
                   <a:fillRect/>
                 </a:stretch>
               </a:blipFill>
+            </p:spPr>
+            <p:txBody>
+              <a:bodyPr/>
+              <a:lstStyle/>
+              <a:p>
+                <a:r>
+                  <a:rPr lang="fr-FR">
+                    <a:noFill/>
+                  </a:rPr>
+                  <a:t> </a:t>
+                </a:r>
+              </a:p>
+            </p:txBody>
+          </p:sp>
+        </mc:Fallback>
+      </mc:AlternateContent>
+      <mc:AlternateContent xmlns:mc="http://schemas.openxmlformats.org/markup-compatibility/2006">
+        <mc:Choice xmlns:a14="http://schemas.microsoft.com/office/drawing/2010/main" Requires="a14">
+          <p:sp>
+            <p:nvSpPr>
+              <p:cNvPr id="12" name="ZoneTexte 11">
+                <a:extLst>
+                  <a:ext uri="{FF2B5EF4-FFF2-40B4-BE49-F238E27FC236}">
+                    <a16:creationId xmlns:a16="http://schemas.microsoft.com/office/drawing/2014/main" id="{1EE9A904-8A45-4A9B-9112-9B9ED33B8AA7}"/>
+                  </a:ext>
+                </a:extLst>
+              </p:cNvPr>
+              <p:cNvSpPr txBox="1"/>
+              <p:nvPr/>
+            </p:nvSpPr>
+            <p:spPr>
+              <a:xfrm>
+                <a:off x="8280000" y="180000"/>
+                <a:ext cx="3823354" cy="1200329"/>
+              </a:xfrm>
+              <a:prstGeom prst="rect">
+                <a:avLst/>
+              </a:prstGeom>
+              <a:noFill/>
+              <a:ln>
+                <a:solidFill>
+                  <a:schemeClr val="tx1"/>
+                </a:solidFill>
+              </a:ln>
+            </p:spPr>
+            <p:txBody>
+              <a:bodyPr wrap="none" rtlCol="0">
+                <a:spAutoFit/>
+              </a:bodyPr>
+              <a:lstStyle/>
+              <a:p>
+                <a:r>
+                  <a:rPr lang="fr-FR" dirty="0">
+                    <a:solidFill>
+                      <a:srgbClr val="64B164"/>
+                    </a:solidFill>
+                  </a:rPr>
+                  <a:t>n = nombre d’actions du fichier</a:t>
+                </a:r>
+              </a:p>
+              <a:p>
+                <a:r>
+                  <a:rPr lang="fr-FR" dirty="0">
+                    <a:solidFill>
+                      <a:srgbClr val="64B164"/>
+                    </a:solidFill>
+                  </a:rPr>
+                  <a:t>C</a:t>
+                </a:r>
+                <a:r>
+                  <a:rPr lang="fr-FR" baseline="-25000" dirty="0">
+                    <a:solidFill>
+                      <a:srgbClr val="64B164"/>
+                    </a:solidFill>
+                  </a:rPr>
+                  <a:t>i</a:t>
+                </a:r>
+                <a:r>
+                  <a:rPr lang="fr-FR" dirty="0">
+                    <a:solidFill>
+                      <a:srgbClr val="64B164"/>
+                    </a:solidFill>
+                  </a:rPr>
+                  <a:t> = Constante de la fonction i</a:t>
+                </a:r>
+              </a:p>
+              <a:p>
+                <a:r>
+                  <a:rPr lang="fr-FR" dirty="0">
+                    <a:solidFill>
+                      <a:srgbClr val="64B164"/>
+                    </a:solidFill>
+                  </a:rPr>
+                  <a:t>n</a:t>
+                </a:r>
+                <a:r>
+                  <a:rPr lang="fr-FR" baseline="-25000" dirty="0">
+                    <a:solidFill>
+                      <a:srgbClr val="64B164"/>
+                    </a:solidFill>
+                  </a:rPr>
+                  <a:t>a</a:t>
+                </a:r>
+                <a:r>
+                  <a:rPr lang="fr-FR" dirty="0">
+                    <a:solidFill>
+                      <a:srgbClr val="64B164"/>
+                    </a:solidFill>
+                  </a:rPr>
+                  <a:t> = nombre actions de la combinaison</a:t>
+                </a:r>
+              </a:p>
+              <a:p>
+                <a14:m>
+                  <m:oMath xmlns:m="http://schemas.openxmlformats.org/officeDocument/2006/math">
+                    <m:r>
+                      <a:rPr lang="fr-FR" i="1">
+                        <a:solidFill>
+                          <a:srgbClr val="64B164"/>
+                        </a:solidFill>
+                        <a:latin typeface="Cambria Math" panose="02040503050406030204" pitchFamily="18" charset="0"/>
+                      </a:rPr>
+                      <m:t>𝜖</m:t>
+                    </m:r>
+                    <m:r>
+                      <m:rPr>
+                        <m:sty m:val="p"/>
+                      </m:rPr>
+                      <a:rPr lang="fr-FR" b="0" i="0" baseline="-25000" smtClean="0">
+                        <a:solidFill>
+                          <a:srgbClr val="64B164"/>
+                        </a:solidFill>
+                        <a:latin typeface="Cambria Math" panose="02040503050406030204" pitchFamily="18" charset="0"/>
+                      </a:rPr>
+                      <m:t>i</m:t>
+                    </m:r>
+                  </m:oMath>
+                </a14:m>
+                <a:r>
+                  <a:rPr lang="fr-FR" dirty="0">
+                    <a:solidFill>
+                      <a:srgbClr val="64B164"/>
+                    </a:solidFill>
+                  </a:rPr>
+                  <a:t> = négligeables</a:t>
+                </a:r>
+              </a:p>
+            </p:txBody>
+          </p:sp>
+        </mc:Choice>
+        <mc:Fallback>
+          <p:sp>
+            <p:nvSpPr>
+              <p:cNvPr id="12" name="ZoneTexte 11">
+                <a:extLst>
+                  <a:ext uri="{FF2B5EF4-FFF2-40B4-BE49-F238E27FC236}">
+                    <a16:creationId xmlns:a16="http://schemas.microsoft.com/office/drawing/2014/main" id="{1EE9A904-8A45-4A9B-9112-9B9ED33B8AA7}"/>
+                  </a:ext>
+                </a:extLst>
+              </p:cNvPr>
+              <p:cNvSpPr txBox="1">
+                <a:spLocks noRot="1" noChangeAspect="1" noMove="1" noResize="1" noEditPoints="1" noAdjustHandles="1" noChangeArrowheads="1" noChangeShapeType="1" noTextEdit="1"/>
+              </p:cNvSpPr>
+              <p:nvPr/>
+            </p:nvSpPr>
+            <p:spPr>
+              <a:xfrm>
+                <a:off x="8280000" y="180000"/>
+                <a:ext cx="3823354" cy="1200329"/>
+              </a:xfrm>
+              <a:prstGeom prst="rect">
+                <a:avLst/>
+              </a:prstGeom>
+              <a:blipFill>
+                <a:blip r:embed="rId5"/>
+                <a:stretch>
+                  <a:fillRect l="-1113" t="-2525" r="-795" b="-7071"/>
+                </a:stretch>
+              </a:blipFill>
+              <a:ln>
+                <a:solidFill>
+                  <a:schemeClr val="tx1"/>
+                </a:solidFill>
+              </a:ln>
             </p:spPr>
             <p:txBody>
               <a:bodyPr/>
@@ -8386,14 +8822,13 @@
               </a:ext>
             </a:extLst>
           </a:blip>
-          <a:stretch>
-            <a:fillRect/>
-          </a:stretch>
+          <a:srcRect/>
+          <a:stretch/>
         </p:blipFill>
         <p:spPr>
           <a:xfrm>
             <a:off x="360000" y="1440000"/>
-            <a:ext cx="7539169" cy="1792168"/>
+            <a:ext cx="6363000" cy="5040000"/>
           </a:xfrm>
           <a:prstGeom prst="rect">
             <a:avLst/>
@@ -8477,7 +8912,7 @@
         </p:nvSpPr>
         <p:spPr>
           <a:xfrm>
-            <a:off x="6422400" y="1707086"/>
+            <a:off x="6480000" y="1707086"/>
             <a:ext cx="362583" cy="628998"/>
           </a:xfrm>
           <a:prstGeom prst="rightBrace">
@@ -8529,8 +8964,8 @@
         </p:nvSpPr>
         <p:spPr>
           <a:xfrm>
-            <a:off x="2286804" y="3268327"/>
-            <a:ext cx="3616375" cy="369332"/>
+            <a:off x="2160000" y="3420000"/>
+            <a:ext cx="3892540" cy="369332"/>
           </a:xfrm>
           <a:prstGeom prst="rect">
             <a:avLst/>
@@ -8549,29 +8984,13 @@
                   <a:srgbClr val="64B164"/>
                 </a:solidFill>
               </a:rPr>
-              <a:t>Soit, pour l’ensemble du </a:t>
-            </a:r>
-            <a:r>
-              <a:rPr lang="fr-FR" dirty="0" err="1">
-                <a:solidFill>
-                  <a:srgbClr val="64B164"/>
-                </a:solidFill>
-              </a:rPr>
-              <a:t>bruteforce</a:t>
-            </a:r>
-            <a:r>
-              <a:rPr lang="fr-FR" dirty="0">
-                <a:solidFill>
-                  <a:srgbClr val="64B164"/>
-                </a:solidFill>
-              </a:rPr>
-              <a:t> :</a:t>
+              <a:t>Soit, pour l’ensemble de bruteforce.py :</a:t>
             </a:r>
           </a:p>
         </p:txBody>
       </p:sp>
-      <mc:AlternateContent xmlns:mc="http://schemas.openxmlformats.org/markup-compatibility/2006">
-        <mc:Choice xmlns:a14="http://schemas.microsoft.com/office/drawing/2010/main" Requires="a14">
+      <mc:AlternateContent xmlns:mc="http://schemas.openxmlformats.org/markup-compatibility/2006" xmlns:a14="http://schemas.microsoft.com/office/drawing/2010/main">
+        <mc:Choice Requires="a14">
           <p:sp>
             <p:nvSpPr>
               <p:cNvPr id="13" name="Rectangle 12">
@@ -8609,7 +9028,7 @@
                       <m:sSub>
                         <m:sSubPr>
                           <m:ctrlPr>
-                            <a:rPr lang="fr-FR" smtClean="0">
+                            <a:rPr lang="fr-FR" i="1" smtClean="0">
                               <a:solidFill>
                                 <a:srgbClr val="66D9EF"/>
                               </a:solidFill>
@@ -8815,7 +9234,7 @@
             </p:txBody>
           </p:sp>
         </mc:Choice>
-        <mc:Fallback>
+        <mc:Fallback xmlns="">
           <p:sp>
             <p:nvSpPr>
               <p:cNvPr id="13" name="Rectangle 12">
@@ -8876,7 +9295,7 @@
             </p:nvSpPr>
             <p:spPr>
               <a:xfrm>
-                <a:off x="1943100" y="3816329"/>
+                <a:off x="1943100" y="3960000"/>
                 <a:ext cx="8305800" cy="388696"/>
               </a:xfrm>
               <a:prstGeom prst="rect">
@@ -9481,7 +9900,7 @@
             </p:nvSpPr>
             <p:spPr>
               <a:xfrm>
-                <a:off x="1943100" y="3816329"/>
+                <a:off x="1943100" y="3960000"/>
                 <a:ext cx="8305800" cy="388696"/>
               </a:xfrm>
               <a:prstGeom prst="rect">
@@ -9525,7 +9944,7 @@
             </p:nvSpPr>
             <p:spPr>
               <a:xfrm>
-                <a:off x="5486827" y="4660446"/>
+                <a:off x="5486827" y="4680000"/>
                 <a:ext cx="1218346" cy="388696"/>
               </a:xfrm>
               <a:prstGeom prst="rect">
@@ -9675,7 +10094,7 @@
             </p:nvSpPr>
             <p:spPr>
               <a:xfrm>
-                <a:off x="5486827" y="4660446"/>
+                <a:off x="5486827" y="4680000"/>
                 <a:ext cx="1218346" cy="388696"/>
               </a:xfrm>
               <a:prstGeom prst="rect">
@@ -9690,6 +10109,190 @@
               <a:ln>
                 <a:solidFill>
                   <a:srgbClr val="66D9EF"/>
+                </a:solidFill>
+              </a:ln>
+            </p:spPr>
+            <p:txBody>
+              <a:bodyPr/>
+              <a:lstStyle/>
+              <a:p>
+                <a:r>
+                  <a:rPr lang="fr-FR">
+                    <a:noFill/>
+                  </a:rPr>
+                  <a:t> </a:t>
+                </a:r>
+              </a:p>
+            </p:txBody>
+          </p:sp>
+        </mc:Fallback>
+      </mc:AlternateContent>
+      <mc:AlternateContent xmlns:mc="http://schemas.openxmlformats.org/markup-compatibility/2006">
+        <mc:Choice xmlns:a14="http://schemas.microsoft.com/office/drawing/2010/main" Requires="a14">
+          <p:sp>
+            <p:nvSpPr>
+              <p:cNvPr id="12" name="ZoneTexte 11">
+                <a:extLst>
+                  <a:ext uri="{FF2B5EF4-FFF2-40B4-BE49-F238E27FC236}">
+                    <a16:creationId xmlns:a16="http://schemas.microsoft.com/office/drawing/2014/main" id="{0354648E-A361-4C82-86E0-C07158188A80}"/>
+                  </a:ext>
+                </a:extLst>
+              </p:cNvPr>
+              <p:cNvSpPr txBox="1"/>
+              <p:nvPr/>
+            </p:nvSpPr>
+            <p:spPr>
+              <a:xfrm>
+                <a:off x="8280000" y="180000"/>
+                <a:ext cx="3823354" cy="1200329"/>
+              </a:xfrm>
+              <a:prstGeom prst="rect">
+                <a:avLst/>
+              </a:prstGeom>
+              <a:noFill/>
+              <a:ln>
+                <a:solidFill>
+                  <a:schemeClr val="tx1"/>
+                </a:solidFill>
+              </a:ln>
+            </p:spPr>
+            <p:txBody>
+              <a:bodyPr wrap="none" rtlCol="0">
+                <a:spAutoFit/>
+              </a:bodyPr>
+              <a:lstStyle/>
+              <a:p>
+                <a:r>
+                  <a:rPr lang="fr-FR" dirty="0">
+                    <a:solidFill>
+                      <a:srgbClr val="64B164"/>
+                    </a:solidFill>
+                  </a:rPr>
+                  <a:t>n = nombre d’actions du fichier</a:t>
+                </a:r>
+              </a:p>
+              <a:p>
+                <a:r>
+                  <a:rPr lang="fr-FR" dirty="0">
+                    <a:solidFill>
+                      <a:srgbClr val="64B164"/>
+                    </a:solidFill>
+                  </a:rPr>
+                  <a:t>C</a:t>
+                </a:r>
+                <a:r>
+                  <a:rPr lang="fr-FR" baseline="-25000" dirty="0">
+                    <a:solidFill>
+                      <a:srgbClr val="64B164"/>
+                    </a:solidFill>
+                  </a:rPr>
+                  <a:t>i</a:t>
+                </a:r>
+                <a:r>
+                  <a:rPr lang="fr-FR" dirty="0">
+                    <a:solidFill>
+                      <a:srgbClr val="64B164"/>
+                    </a:solidFill>
+                  </a:rPr>
+                  <a:t> = Constante de la fonction i</a:t>
+                </a:r>
+              </a:p>
+              <a:p>
+                <a:r>
+                  <a:rPr lang="fr-FR" dirty="0">
+                    <a:solidFill>
+                      <a:srgbClr val="64B164"/>
+                    </a:solidFill>
+                  </a:rPr>
+                  <a:t>n</a:t>
+                </a:r>
+                <a:r>
+                  <a:rPr lang="fr-FR" baseline="-25000" dirty="0">
+                    <a:solidFill>
+                      <a:srgbClr val="64B164"/>
+                    </a:solidFill>
+                  </a:rPr>
+                  <a:t>a</a:t>
+                </a:r>
+                <a:r>
+                  <a:rPr lang="fr-FR" dirty="0">
+                    <a:solidFill>
+                      <a:srgbClr val="64B164"/>
+                    </a:solidFill>
+                  </a:rPr>
+                  <a:t> = nombre actions de la combinaison</a:t>
+                </a:r>
+              </a:p>
+              <a:p>
+                <a14:m>
+                  <m:oMath xmlns:m="http://schemas.openxmlformats.org/officeDocument/2006/math">
+                    <m:r>
+                      <a:rPr lang="fr-FR" i="1">
+                        <a:solidFill>
+                          <a:srgbClr val="64B164"/>
+                        </a:solidFill>
+                        <a:latin typeface="Cambria Math" panose="02040503050406030204" pitchFamily="18" charset="0"/>
+                      </a:rPr>
+                      <m:t>𝜖</m:t>
+                    </m:r>
+                    <m:r>
+                      <m:rPr>
+                        <m:sty m:val="p"/>
+                      </m:rPr>
+                      <a:rPr lang="fr-FR" b="0" i="0" baseline="-25000" smtClean="0">
+                        <a:solidFill>
+                          <a:srgbClr val="64B164"/>
+                        </a:solidFill>
+                        <a:latin typeface="Cambria Math" panose="02040503050406030204" pitchFamily="18" charset="0"/>
+                      </a:rPr>
+                      <m:t>i</m:t>
+                    </m:r>
+                  </m:oMath>
+                </a14:m>
+                <a:r>
+                  <a:rPr lang="fr-FR" dirty="0">
+                    <a:solidFill>
+                      <a:srgbClr val="64B164"/>
+                    </a:solidFill>
+                  </a:rPr>
+                  <a:t> = négligeables</a:t>
+                </a:r>
+              </a:p>
+            </p:txBody>
+          </p:sp>
+        </mc:Choice>
+        <mc:Fallback>
+          <p:sp>
+            <p:nvSpPr>
+              <p:cNvPr id="12" name="ZoneTexte 11">
+                <a:extLst>
+                  <a:ext uri="{FF2B5EF4-FFF2-40B4-BE49-F238E27FC236}">
+                    <a16:creationId xmlns:a16="http://schemas.microsoft.com/office/drawing/2014/main" id="{0354648E-A361-4C82-86E0-C07158188A80}"/>
+                  </a:ext>
+                </a:extLst>
+              </p:cNvPr>
+              <p:cNvSpPr txBox="1">
+                <a:spLocks noRot="1" noChangeAspect="1" noMove="1" noResize="1" noEditPoints="1" noAdjustHandles="1" noChangeArrowheads="1" noChangeShapeType="1" noTextEdit="1"/>
+              </p:cNvSpPr>
+              <p:nvPr/>
+            </p:nvSpPr>
+            <p:spPr>
+              <a:xfrm>
+                <a:off x="8280000" y="180000"/>
+                <a:ext cx="3823354" cy="1200329"/>
+              </a:xfrm>
+              <a:prstGeom prst="rect">
+                <a:avLst/>
+              </a:prstGeom>
+              <a:blipFill>
+                <a:blip r:embed="rId6"/>
+                <a:stretch>
+                  <a:fillRect l="-1113" t="-2525" r="-795" b="-7071"/>
+                </a:stretch>
+              </a:blipFill>
+              <a:ln>
+                <a:solidFill>
+                  <a:schemeClr val="tx1"/>
                 </a:solidFill>
               </a:ln>
             </p:spPr>
@@ -9848,7 +10451,7 @@
             <p:spPr>
               <a:xfrm>
                 <a:off x="8277765" y="3623461"/>
-                <a:ext cx="3214085" cy="369332"/>
+                <a:ext cx="3097066" cy="369332"/>
               </a:xfrm>
               <a:prstGeom prst="rect">
                 <a:avLst/>
@@ -9862,20 +10465,33 @@
               <a:lstStyle/>
               <a:p>
                 <a:r>
-                  <a:rPr lang="fr-FR" dirty="0"/>
+                  <a:rPr lang="fr-FR" dirty="0">
+                    <a:solidFill>
+                      <a:srgbClr val="64B164"/>
+                    </a:solidFill>
+                  </a:rPr>
                   <a:t>Complexité temporelle </a:t>
                 </a:r>
                 <a14:m>
                   <m:oMath xmlns:m="http://schemas.openxmlformats.org/officeDocument/2006/math">
                     <m:r>
-                      <a:rPr lang="fr-FR" i="1"/>
+                      <a:rPr lang="fr-FR" i="1">
+                        <a:solidFill>
+                          <a:srgbClr val="64B164"/>
+                        </a:solidFill>
+                        <a:latin typeface="Cambria Math" panose="02040503050406030204" pitchFamily="18" charset="0"/>
+                      </a:rPr>
                       <m:t>~</m:t>
                     </m:r>
                   </m:oMath>
                 </a14:m>
                 <a:r>
-                  <a:rPr lang="fr-FR" dirty="0"/>
-                  <a:t> 10,37s</a:t>
+                  <a:rPr lang="fr-FR" dirty="0">
+                    <a:solidFill>
+                      <a:srgbClr val="64B164"/>
+                    </a:solidFill>
+                  </a:rPr>
+                  <a:t> 7,64s</a:t>
                 </a:r>
               </a:p>
             </p:txBody>
@@ -9899,7 +10515,7 @@
             <p:spPr>
               <a:xfrm>
                 <a:off x="8277765" y="3623461"/>
-                <a:ext cx="3214085" cy="369332"/>
+                <a:ext cx="3097066" cy="369332"/>
               </a:xfrm>
               <a:prstGeom prst="rect">
                 <a:avLst/>
@@ -9907,7 +10523,7 @@
               <a:blipFill>
                 <a:blip r:embed="rId3"/>
                 <a:stretch>
-                  <a:fillRect l="-1708" t="-8197" r="-759" b="-24590"/>
+                  <a:fillRect l="-1772" t="-8197" r="-787" b="-24590"/>
                 </a:stretch>
               </a:blipFill>
             </p:spPr>
@@ -9956,6 +10572,41 @@
           <a:chExt cx="0" cy="0"/>
         </a:xfrm>
       </p:grpSpPr>
+      <p:pic>
+        <p:nvPicPr>
+          <p:cNvPr id="5" name="Image 4">
+            <a:extLst>
+              <a:ext uri="{FF2B5EF4-FFF2-40B4-BE49-F238E27FC236}">
+                <a16:creationId xmlns:a16="http://schemas.microsoft.com/office/drawing/2014/main" id="{253DCC93-79D0-418D-A552-D8360A16F221}"/>
+              </a:ext>
+            </a:extLst>
+          </p:cNvPr>
+          <p:cNvPicPr>
+            <a:picLocks noChangeAspect="1"/>
+          </p:cNvPicPr>
+          <p:nvPr/>
+        </p:nvPicPr>
+        <p:blipFill>
+          <a:blip r:embed="rId2">
+            <a:extLst>
+              <a:ext uri="{28A0092B-C50C-407E-A947-70E740481C1C}">
+                <a14:useLocalDpi xmlns:a14="http://schemas.microsoft.com/office/drawing/2010/main" val="0"/>
+              </a:ext>
+            </a:extLst>
+          </a:blip>
+          <a:srcRect/>
+          <a:stretch/>
+        </p:blipFill>
+        <p:spPr>
+          <a:xfrm>
+            <a:off x="360000" y="1440000"/>
+            <a:ext cx="8484000" cy="5040000"/>
+          </a:xfrm>
+          <a:prstGeom prst="rect">
+            <a:avLst/>
+          </a:prstGeom>
+        </p:spPr>
+      </p:pic>
       <p:sp>
         <p:nvSpPr>
           <p:cNvPr id="2" name="Titre 1">
@@ -9979,7 +10630,7 @@
           <a:p>
             <a:r>
               <a:rPr lang="fr-FR" dirty="0"/>
-              <a:t>optimized.py =&gt; Pseudocode/diagrammes</a:t>
+              <a:t>optimized.py =&gt; Pseudocode</a:t>
             </a:r>
           </a:p>
         </p:txBody>
@@ -10014,6 +10665,956 @@
           </a:p>
         </p:txBody>
       </p:sp>
+      <p:sp>
+        <p:nvSpPr>
+          <p:cNvPr id="6" name="Accolade fermante 5">
+            <a:extLst>
+              <a:ext uri="{FF2B5EF4-FFF2-40B4-BE49-F238E27FC236}">
+                <a16:creationId xmlns:a16="http://schemas.microsoft.com/office/drawing/2014/main" id="{BDF7350B-B9E5-4AEE-A58A-3C6FF7161BA5}"/>
+              </a:ext>
+            </a:extLst>
+          </p:cNvPr>
+          <p:cNvSpPr/>
+          <p:nvPr/>
+        </p:nvSpPr>
+        <p:spPr>
+          <a:xfrm>
+            <a:off x="6480000" y="2451063"/>
+            <a:ext cx="362583" cy="1325563"/>
+          </a:xfrm>
+          <a:prstGeom prst="rightBrace">
+            <a:avLst>
+              <a:gd name="adj1" fmla="val 6862"/>
+              <a:gd name="adj2" fmla="val 51471"/>
+            </a:avLst>
+          </a:prstGeom>
+          <a:ln w="15875">
+            <a:solidFill>
+              <a:srgbClr val="64B164"/>
+            </a:solidFill>
+          </a:ln>
+        </p:spPr>
+        <p:style>
+          <a:lnRef idx="1">
+            <a:schemeClr val="accent1"/>
+          </a:lnRef>
+          <a:fillRef idx="0">
+            <a:schemeClr val="accent1"/>
+          </a:fillRef>
+          <a:effectRef idx="0">
+            <a:schemeClr val="accent1"/>
+          </a:effectRef>
+          <a:fontRef idx="minor">
+            <a:schemeClr val="tx1"/>
+          </a:fontRef>
+        </p:style>
+        <p:txBody>
+          <a:bodyPr rtlCol="0" anchor="ctr"/>
+          <a:lstStyle/>
+          <a:p>
+            <a:pPr algn="ctr"/>
+            <a:endParaRPr lang="fr-FR"/>
+          </a:p>
+        </p:txBody>
+      </p:sp>
+      <p:sp>
+        <p:nvSpPr>
+          <p:cNvPr id="7" name="Accolade fermante 6">
+            <a:extLst>
+              <a:ext uri="{FF2B5EF4-FFF2-40B4-BE49-F238E27FC236}">
+                <a16:creationId xmlns:a16="http://schemas.microsoft.com/office/drawing/2014/main" id="{935385AE-07F7-4124-B596-59E0CD1310D5}"/>
+              </a:ext>
+            </a:extLst>
+          </p:cNvPr>
+          <p:cNvSpPr/>
+          <p:nvPr/>
+        </p:nvSpPr>
+        <p:spPr>
+          <a:xfrm>
+            <a:off x="6480000" y="4255545"/>
+            <a:ext cx="362583" cy="499335"/>
+          </a:xfrm>
+          <a:prstGeom prst="rightBrace">
+            <a:avLst>
+              <a:gd name="adj1" fmla="val 6862"/>
+              <a:gd name="adj2" fmla="val 51471"/>
+            </a:avLst>
+          </a:prstGeom>
+          <a:ln w="15875">
+            <a:solidFill>
+              <a:srgbClr val="64B164"/>
+            </a:solidFill>
+          </a:ln>
+        </p:spPr>
+        <p:style>
+          <a:lnRef idx="1">
+            <a:schemeClr val="accent1"/>
+          </a:lnRef>
+          <a:fillRef idx="0">
+            <a:schemeClr val="accent1"/>
+          </a:fillRef>
+          <a:effectRef idx="0">
+            <a:schemeClr val="accent1"/>
+          </a:effectRef>
+          <a:fontRef idx="minor">
+            <a:schemeClr val="tx1"/>
+          </a:fontRef>
+        </p:style>
+        <p:txBody>
+          <a:bodyPr rtlCol="0" anchor="ctr"/>
+          <a:lstStyle/>
+          <a:p>
+            <a:pPr algn="ctr"/>
+            <a:endParaRPr lang="fr-FR"/>
+          </a:p>
+        </p:txBody>
+      </p:sp>
+      <mc:AlternateContent xmlns:mc="http://schemas.openxmlformats.org/markup-compatibility/2006">
+        <mc:Choice xmlns:a14="http://schemas.microsoft.com/office/drawing/2010/main" Requires="a14">
+          <p:sp>
+            <p:nvSpPr>
+              <p:cNvPr id="9" name="Rectangle 8">
+                <a:extLst>
+                  <a:ext uri="{FF2B5EF4-FFF2-40B4-BE49-F238E27FC236}">
+                    <a16:creationId xmlns:a16="http://schemas.microsoft.com/office/drawing/2014/main" id="{A636D2CD-4D40-4DD8-BE1A-F0C7EA3D13EF}"/>
+                  </a:ext>
+                </a:extLst>
+              </p:cNvPr>
+              <p:cNvSpPr/>
+              <p:nvPr/>
+            </p:nvSpPr>
+            <p:spPr>
+              <a:xfrm>
+                <a:off x="7020000" y="2929178"/>
+                <a:ext cx="2945230" cy="369332"/>
+              </a:xfrm>
+              <a:prstGeom prst="rect">
+                <a:avLst/>
+              </a:prstGeom>
+            </p:spPr>
+            <p:txBody>
+              <a:bodyPr wrap="none">
+                <a:spAutoFit/>
+              </a:bodyPr>
+              <a:lstStyle/>
+              <a:p>
+                <a:pPr/>
+                <a14:m>
+                  <m:oMathPara xmlns:m="http://schemas.openxmlformats.org/officeDocument/2006/math">
+                    <m:oMathParaPr>
+                      <m:jc m:val="left"/>
+                    </m:oMathParaPr>
+                    <m:oMath xmlns:m="http://schemas.openxmlformats.org/officeDocument/2006/math">
+                      <m:sSub>
+                        <m:sSubPr>
+                          <m:ctrlPr>
+                            <a:rPr lang="fr-FR" smtClean="0">
+                              <a:solidFill>
+                                <a:srgbClr val="66D9EF"/>
+                              </a:solidFill>
+                              <a:latin typeface="Cambria Math" panose="02040503050406030204" pitchFamily="18" charset="0"/>
+                            </a:rPr>
+                          </m:ctrlPr>
+                        </m:sSubPr>
+                        <m:e>
+                          <m:r>
+                            <m:rPr>
+                              <m:sty m:val="p"/>
+                            </m:rPr>
+                            <a:rPr lang="fr-FR">
+                              <a:solidFill>
+                                <a:srgbClr val="66D9EF"/>
+                              </a:solidFill>
+                              <a:latin typeface="Cambria Math" panose="02040503050406030204" pitchFamily="18" charset="0"/>
+                            </a:rPr>
+                            <m:t>Ο</m:t>
+                          </m:r>
+                        </m:e>
+                        <m:sub>
+                          <m:r>
+                            <a:rPr lang="fr-FR" i="0">
+                              <a:solidFill>
+                                <a:srgbClr val="66D9EF"/>
+                              </a:solidFill>
+                              <a:latin typeface="Cambria Math" panose="02040503050406030204" pitchFamily="18" charset="0"/>
+                            </a:rPr>
+                            <m:t>1</m:t>
+                          </m:r>
+                        </m:sub>
+                      </m:sSub>
+                      <m:d>
+                        <m:dPr>
+                          <m:ctrlPr>
+                            <a:rPr lang="fr-FR" i="1">
+                              <a:solidFill>
+                                <a:srgbClr val="66D9EF"/>
+                              </a:solidFill>
+                              <a:latin typeface="Cambria Math" panose="02040503050406030204" pitchFamily="18" charset="0"/>
+                            </a:rPr>
+                          </m:ctrlPr>
+                        </m:dPr>
+                        <m:e>
+                          <m:r>
+                            <a:rPr lang="fr-FR" i="1">
+                              <a:solidFill>
+                                <a:srgbClr val="66D9EF"/>
+                              </a:solidFill>
+                              <a:latin typeface="Cambria Math" panose="02040503050406030204" pitchFamily="18" charset="0"/>
+                            </a:rPr>
+                            <m:t>𝑛</m:t>
+                          </m:r>
+                          <m:r>
+                            <a:rPr lang="fr-FR" i="0">
+                              <a:solidFill>
+                                <a:srgbClr val="66D9EF"/>
+                              </a:solidFill>
+                              <a:latin typeface="Cambria Math" panose="02040503050406030204" pitchFamily="18" charset="0"/>
+                            </a:rPr>
+                            <m:t>+</m:t>
+                          </m:r>
+                          <m:sSub>
+                            <m:sSubPr>
+                              <m:ctrlPr>
+                                <a:rPr lang="fr-FR" i="1">
+                                  <a:solidFill>
+                                    <a:srgbClr val="66D9EF"/>
+                                  </a:solidFill>
+                                  <a:latin typeface="Cambria Math" panose="02040503050406030204" pitchFamily="18" charset="0"/>
+                                </a:rPr>
+                              </m:ctrlPr>
+                            </m:sSubPr>
+                            <m:e>
+                              <m:r>
+                                <a:rPr lang="fr-FR" i="1">
+                                  <a:solidFill>
+                                    <a:srgbClr val="66D9EF"/>
+                                  </a:solidFill>
+                                  <a:latin typeface="Cambria Math" panose="02040503050406030204" pitchFamily="18" charset="0"/>
+                                </a:rPr>
+                                <m:t>𝐶</m:t>
+                              </m:r>
+                            </m:e>
+                            <m:sub>
+                              <m:r>
+                                <a:rPr lang="fr-FR" i="0">
+                                  <a:solidFill>
+                                    <a:srgbClr val="66D9EF"/>
+                                  </a:solidFill>
+                                  <a:latin typeface="Cambria Math" panose="02040503050406030204" pitchFamily="18" charset="0"/>
+                                </a:rPr>
+                                <m:t>1</m:t>
+                              </m:r>
+                            </m:sub>
+                          </m:sSub>
+                        </m:e>
+                      </m:d>
+                      <m:r>
+                        <a:rPr lang="fr-FR" i="0">
+                          <a:solidFill>
+                            <a:srgbClr val="66D9EF"/>
+                          </a:solidFill>
+                          <a:latin typeface="Cambria Math" panose="02040503050406030204" pitchFamily="18" charset="0"/>
+                        </a:rPr>
+                        <m:t>  =   </m:t>
+                      </m:r>
+                      <m:sSub>
+                        <m:sSubPr>
+                          <m:ctrlPr>
+                            <a:rPr lang="fr-FR" i="1">
+                              <a:solidFill>
+                                <a:srgbClr val="66D9EF"/>
+                              </a:solidFill>
+                              <a:latin typeface="Cambria Math" panose="02040503050406030204" pitchFamily="18" charset="0"/>
+                            </a:rPr>
+                          </m:ctrlPr>
+                        </m:sSubPr>
+                        <m:e>
+                          <m:r>
+                            <m:rPr>
+                              <m:sty m:val="p"/>
+                            </m:rPr>
+                            <a:rPr lang="fr-FR" i="0">
+                              <a:solidFill>
+                                <a:srgbClr val="66D9EF"/>
+                              </a:solidFill>
+                              <a:latin typeface="Cambria Math" panose="02040503050406030204" pitchFamily="18" charset="0"/>
+                            </a:rPr>
+                            <m:t>Ο</m:t>
+                          </m:r>
+                        </m:e>
+                        <m:sub>
+                          <m:r>
+                            <a:rPr lang="fr-FR" i="0">
+                              <a:solidFill>
+                                <a:srgbClr val="66D9EF"/>
+                              </a:solidFill>
+                              <a:latin typeface="Cambria Math" panose="02040503050406030204" pitchFamily="18" charset="0"/>
+                            </a:rPr>
+                            <m:t>1</m:t>
+                          </m:r>
+                        </m:sub>
+                      </m:sSub>
+                      <m:d>
+                        <m:dPr>
+                          <m:ctrlPr>
+                            <a:rPr lang="fr-FR" i="1">
+                              <a:solidFill>
+                                <a:srgbClr val="66D9EF"/>
+                              </a:solidFill>
+                              <a:latin typeface="Cambria Math" panose="02040503050406030204" pitchFamily="18" charset="0"/>
+                            </a:rPr>
+                          </m:ctrlPr>
+                        </m:dPr>
+                        <m:e>
+                          <m:r>
+                            <a:rPr lang="fr-FR" i="1">
+                              <a:solidFill>
+                                <a:srgbClr val="66D9EF"/>
+                              </a:solidFill>
+                              <a:latin typeface="Cambria Math" panose="02040503050406030204" pitchFamily="18" charset="0"/>
+                            </a:rPr>
+                            <m:t>𝑛</m:t>
+                          </m:r>
+                        </m:e>
+                      </m:d>
+                      <m:r>
+                        <a:rPr lang="fr-FR" i="0">
+                          <a:solidFill>
+                            <a:srgbClr val="66D9EF"/>
+                          </a:solidFill>
+                          <a:latin typeface="Cambria Math" panose="02040503050406030204" pitchFamily="18" charset="0"/>
+                        </a:rPr>
+                        <m:t>+</m:t>
+                      </m:r>
+                      <m:sSub>
+                        <m:sSubPr>
+                          <m:ctrlPr>
+                            <a:rPr lang="fr-FR" i="1">
+                              <a:solidFill>
+                                <a:srgbClr val="66D9EF"/>
+                              </a:solidFill>
+                              <a:latin typeface="Cambria Math" panose="02040503050406030204" pitchFamily="18" charset="0"/>
+                            </a:rPr>
+                          </m:ctrlPr>
+                        </m:sSubPr>
+                        <m:e>
+                          <m:r>
+                            <a:rPr lang="fr-FR" i="1">
+                              <a:solidFill>
+                                <a:srgbClr val="66D9EF"/>
+                              </a:solidFill>
+                              <a:latin typeface="Cambria Math" panose="02040503050406030204" pitchFamily="18" charset="0"/>
+                            </a:rPr>
+                            <m:t>𝜖</m:t>
+                          </m:r>
+                        </m:e>
+                        <m:sub>
+                          <m:r>
+                            <a:rPr lang="fr-FR" i="0">
+                              <a:solidFill>
+                                <a:srgbClr val="66D9EF"/>
+                              </a:solidFill>
+                              <a:latin typeface="Cambria Math" panose="02040503050406030204" pitchFamily="18" charset="0"/>
+                            </a:rPr>
+                            <m:t>1</m:t>
+                          </m:r>
+                        </m:sub>
+                      </m:sSub>
+                    </m:oMath>
+                  </m:oMathPara>
+                </a14:m>
+                <a:endParaRPr lang="fr-FR" dirty="0">
+                  <a:solidFill>
+                    <a:srgbClr val="66D9EF"/>
+                  </a:solidFill>
+                </a:endParaRPr>
+              </a:p>
+            </p:txBody>
+          </p:sp>
+        </mc:Choice>
+        <mc:Fallback>
+          <p:sp>
+            <p:nvSpPr>
+              <p:cNvPr id="9" name="Rectangle 8">
+                <a:extLst>
+                  <a:ext uri="{FF2B5EF4-FFF2-40B4-BE49-F238E27FC236}">
+                    <a16:creationId xmlns:a16="http://schemas.microsoft.com/office/drawing/2014/main" id="{A636D2CD-4D40-4DD8-BE1A-F0C7EA3D13EF}"/>
+                  </a:ext>
+                </a:extLst>
+              </p:cNvPr>
+              <p:cNvSpPr>
+                <a:spLocks noRot="1" noChangeAspect="1" noMove="1" noResize="1" noEditPoints="1" noAdjustHandles="1" noChangeArrowheads="1" noChangeShapeType="1" noTextEdit="1"/>
+              </p:cNvSpPr>
+              <p:nvPr/>
+            </p:nvSpPr>
+            <p:spPr>
+              <a:xfrm>
+                <a:off x="7020000" y="2929178"/>
+                <a:ext cx="2945230" cy="369332"/>
+              </a:xfrm>
+              <a:prstGeom prst="rect">
+                <a:avLst/>
+              </a:prstGeom>
+              <a:blipFill>
+                <a:blip r:embed="rId3"/>
+                <a:stretch>
+                  <a:fillRect/>
+                </a:stretch>
+              </a:blipFill>
+            </p:spPr>
+            <p:txBody>
+              <a:bodyPr/>
+              <a:lstStyle/>
+              <a:p>
+                <a:r>
+                  <a:rPr lang="fr-FR">
+                    <a:noFill/>
+                  </a:rPr>
+                  <a:t> </a:t>
+                </a:r>
+              </a:p>
+            </p:txBody>
+          </p:sp>
+        </mc:Fallback>
+      </mc:AlternateContent>
+      <mc:AlternateContent xmlns:mc="http://schemas.openxmlformats.org/markup-compatibility/2006">
+        <mc:Choice xmlns:a14="http://schemas.microsoft.com/office/drawing/2010/main" Requires="a14">
+          <p:sp>
+            <p:nvSpPr>
+              <p:cNvPr id="10" name="Rectangle 9">
+                <a:extLst>
+                  <a:ext uri="{FF2B5EF4-FFF2-40B4-BE49-F238E27FC236}">
+                    <a16:creationId xmlns:a16="http://schemas.microsoft.com/office/drawing/2014/main" id="{B7F994D7-778A-441B-A759-16F074E9EF39}"/>
+                  </a:ext>
+                </a:extLst>
+              </p:cNvPr>
+              <p:cNvSpPr/>
+              <p:nvPr/>
+            </p:nvSpPr>
+            <p:spPr>
+              <a:xfrm>
+                <a:off x="7020000" y="4302720"/>
+                <a:ext cx="4312784" cy="404983"/>
+              </a:xfrm>
+              <a:prstGeom prst="rect">
+                <a:avLst/>
+              </a:prstGeom>
+            </p:spPr>
+            <p:txBody>
+              <a:bodyPr wrap="none">
+                <a:spAutoFit/>
+              </a:bodyPr>
+              <a:lstStyle/>
+              <a:p>
+                <a:pPr/>
+                <a14:m>
+                  <m:oMathPara xmlns:m="http://schemas.openxmlformats.org/officeDocument/2006/math">
+                    <m:oMathParaPr>
+                      <m:jc m:val="left"/>
+                    </m:oMathParaPr>
+                    <m:oMath xmlns:m="http://schemas.openxmlformats.org/officeDocument/2006/math">
+                      <m:sSub>
+                        <m:sSubPr>
+                          <m:ctrlPr>
+                            <a:rPr lang="fr-FR" smtClean="0">
+                              <a:solidFill>
+                                <a:srgbClr val="66D9EF"/>
+                              </a:solidFill>
+                              <a:latin typeface="Cambria Math" panose="02040503050406030204" pitchFamily="18" charset="0"/>
+                            </a:rPr>
+                          </m:ctrlPr>
+                        </m:sSubPr>
+                        <m:e>
+                          <m:r>
+                            <m:rPr>
+                              <m:sty m:val="p"/>
+                            </m:rPr>
+                            <a:rPr lang="fr-FR">
+                              <a:solidFill>
+                                <a:srgbClr val="66D9EF"/>
+                              </a:solidFill>
+                              <a:latin typeface="Cambria Math" panose="02040503050406030204" pitchFamily="18" charset="0"/>
+                            </a:rPr>
+                            <m:t>Ο</m:t>
+                          </m:r>
+                        </m:e>
+                        <m:sub>
+                          <m:r>
+                            <a:rPr lang="fr-FR" i="0">
+                              <a:solidFill>
+                                <a:srgbClr val="66D9EF"/>
+                              </a:solidFill>
+                              <a:latin typeface="Cambria Math" panose="02040503050406030204" pitchFamily="18" charset="0"/>
+                            </a:rPr>
+                            <m:t>2</m:t>
+                          </m:r>
+                        </m:sub>
+                      </m:sSub>
+                      <m:d>
+                        <m:dPr>
+                          <m:ctrlPr>
+                            <a:rPr lang="fr-FR" i="1">
+                              <a:solidFill>
+                                <a:srgbClr val="66D9EF"/>
+                              </a:solidFill>
+                              <a:latin typeface="Cambria Math" panose="02040503050406030204" pitchFamily="18" charset="0"/>
+                            </a:rPr>
+                          </m:ctrlPr>
+                        </m:dPr>
+                        <m:e>
+                          <m:r>
+                            <a:rPr lang="fr-FR" i="1">
+                              <a:solidFill>
+                                <a:srgbClr val="66D9EF"/>
+                              </a:solidFill>
+                              <a:latin typeface="Cambria Math" panose="02040503050406030204" pitchFamily="18" charset="0"/>
+                            </a:rPr>
+                            <m:t>𝑛𝑙𝑜𝑔</m:t>
+                          </m:r>
+                          <m:d>
+                            <m:dPr>
+                              <m:ctrlPr>
+                                <a:rPr lang="fr-FR" i="1">
+                                  <a:solidFill>
+                                    <a:srgbClr val="66D9EF"/>
+                                  </a:solidFill>
+                                  <a:latin typeface="Cambria Math" panose="02040503050406030204" pitchFamily="18" charset="0"/>
+                                </a:rPr>
+                              </m:ctrlPr>
+                            </m:dPr>
+                            <m:e>
+                              <m:r>
+                                <a:rPr lang="fr-FR" i="1">
+                                  <a:solidFill>
+                                    <a:srgbClr val="66D9EF"/>
+                                  </a:solidFill>
+                                  <a:latin typeface="Cambria Math" panose="02040503050406030204" pitchFamily="18" charset="0"/>
+                                </a:rPr>
+                                <m:t>𝑛</m:t>
+                              </m:r>
+                            </m:e>
+                          </m:d>
+                          <m:r>
+                            <a:rPr lang="fr-FR" i="0">
+                              <a:solidFill>
+                                <a:srgbClr val="66D9EF"/>
+                              </a:solidFill>
+                              <a:latin typeface="Cambria Math" panose="02040503050406030204" pitchFamily="18" charset="0"/>
+                            </a:rPr>
+                            <m:t>+</m:t>
+                          </m:r>
+                          <m:sSub>
+                            <m:sSubPr>
+                              <m:ctrlPr>
+                                <a:rPr lang="fr-FR" i="1">
+                                  <a:solidFill>
+                                    <a:srgbClr val="66D9EF"/>
+                                  </a:solidFill>
+                                  <a:latin typeface="Cambria Math" panose="02040503050406030204" pitchFamily="18" charset="0"/>
+                                </a:rPr>
+                              </m:ctrlPr>
+                            </m:sSubPr>
+                            <m:e>
+                              <m:r>
+                                <a:rPr lang="fr-FR" i="1">
+                                  <a:solidFill>
+                                    <a:srgbClr val="66D9EF"/>
+                                  </a:solidFill>
+                                  <a:latin typeface="Cambria Math" panose="02040503050406030204" pitchFamily="18" charset="0"/>
+                                </a:rPr>
+                                <m:t>𝐶</m:t>
+                              </m:r>
+                            </m:e>
+                            <m:sub>
+                              <m:r>
+                                <a:rPr lang="fr-FR" i="0">
+                                  <a:solidFill>
+                                    <a:srgbClr val="66D9EF"/>
+                                  </a:solidFill>
+                                  <a:latin typeface="Cambria Math" panose="02040503050406030204" pitchFamily="18" charset="0"/>
+                                </a:rPr>
+                                <m:t>2</m:t>
+                              </m:r>
+                            </m:sub>
+                          </m:sSub>
+                        </m:e>
+                      </m:d>
+                      <m:r>
+                        <a:rPr lang="fr-FR" i="0">
+                          <a:solidFill>
+                            <a:srgbClr val="66D9EF"/>
+                          </a:solidFill>
+                          <a:latin typeface="Cambria Math" panose="02040503050406030204" pitchFamily="18" charset="0"/>
+                        </a:rPr>
+                        <m:t>  =   </m:t>
+                      </m:r>
+                      <m:sSub>
+                        <m:sSubPr>
+                          <m:ctrlPr>
+                            <a:rPr lang="fr-FR" i="1">
+                              <a:solidFill>
+                                <a:srgbClr val="66D9EF"/>
+                              </a:solidFill>
+                              <a:latin typeface="Cambria Math" panose="02040503050406030204" pitchFamily="18" charset="0"/>
+                            </a:rPr>
+                          </m:ctrlPr>
+                        </m:sSubPr>
+                        <m:e>
+                          <m:r>
+                            <m:rPr>
+                              <m:sty m:val="p"/>
+                            </m:rPr>
+                            <a:rPr lang="fr-FR" i="0">
+                              <a:solidFill>
+                                <a:srgbClr val="66D9EF"/>
+                              </a:solidFill>
+                              <a:latin typeface="Cambria Math" panose="02040503050406030204" pitchFamily="18" charset="0"/>
+                            </a:rPr>
+                            <m:t>Ο</m:t>
+                          </m:r>
+                        </m:e>
+                        <m:sub>
+                          <m:r>
+                            <a:rPr lang="fr-FR" i="0">
+                              <a:solidFill>
+                                <a:srgbClr val="66D9EF"/>
+                              </a:solidFill>
+                              <a:latin typeface="Cambria Math" panose="02040503050406030204" pitchFamily="18" charset="0"/>
+                            </a:rPr>
+                            <m:t>2</m:t>
+                          </m:r>
+                        </m:sub>
+                      </m:sSub>
+                      <m:d>
+                        <m:dPr>
+                          <m:ctrlPr>
+                            <a:rPr lang="fr-FR" i="1">
+                              <a:solidFill>
+                                <a:srgbClr val="66D9EF"/>
+                              </a:solidFill>
+                              <a:latin typeface="Cambria Math" panose="02040503050406030204" pitchFamily="18" charset="0"/>
+                            </a:rPr>
+                          </m:ctrlPr>
+                        </m:dPr>
+                        <m:e>
+                          <m:r>
+                            <a:rPr lang="fr-FR" i="1">
+                              <a:solidFill>
+                                <a:srgbClr val="66D9EF"/>
+                              </a:solidFill>
+                              <a:latin typeface="Cambria Math" panose="02040503050406030204" pitchFamily="18" charset="0"/>
+                            </a:rPr>
+                            <m:t>𝑛𝑙𝑜𝑔</m:t>
+                          </m:r>
+                          <m:d>
+                            <m:dPr>
+                              <m:ctrlPr>
+                                <a:rPr lang="fr-FR" i="1">
+                                  <a:solidFill>
+                                    <a:srgbClr val="66D9EF"/>
+                                  </a:solidFill>
+                                  <a:latin typeface="Cambria Math" panose="02040503050406030204" pitchFamily="18" charset="0"/>
+                                </a:rPr>
+                              </m:ctrlPr>
+                            </m:dPr>
+                            <m:e>
+                              <m:r>
+                                <a:rPr lang="fr-FR" i="1">
+                                  <a:solidFill>
+                                    <a:srgbClr val="66D9EF"/>
+                                  </a:solidFill>
+                                  <a:latin typeface="Cambria Math" panose="02040503050406030204" pitchFamily="18" charset="0"/>
+                                </a:rPr>
+                                <m:t>𝑛</m:t>
+                              </m:r>
+                            </m:e>
+                          </m:d>
+                        </m:e>
+                      </m:d>
+                      <m:r>
+                        <a:rPr lang="fr-FR" i="0">
+                          <a:solidFill>
+                            <a:srgbClr val="66D9EF"/>
+                          </a:solidFill>
+                          <a:latin typeface="Cambria Math" panose="02040503050406030204" pitchFamily="18" charset="0"/>
+                        </a:rPr>
+                        <m:t>+</m:t>
+                      </m:r>
+                      <m:sSub>
+                        <m:sSubPr>
+                          <m:ctrlPr>
+                            <a:rPr lang="fr-FR" i="1">
+                              <a:solidFill>
+                                <a:srgbClr val="66D9EF"/>
+                              </a:solidFill>
+                              <a:latin typeface="Cambria Math" panose="02040503050406030204" pitchFamily="18" charset="0"/>
+                            </a:rPr>
+                          </m:ctrlPr>
+                        </m:sSubPr>
+                        <m:e>
+                          <m:r>
+                            <a:rPr lang="fr-FR" i="1">
+                              <a:solidFill>
+                                <a:srgbClr val="66D9EF"/>
+                              </a:solidFill>
+                              <a:latin typeface="Cambria Math" panose="02040503050406030204" pitchFamily="18" charset="0"/>
+                            </a:rPr>
+                            <m:t>𝜖</m:t>
+                          </m:r>
+                        </m:e>
+                        <m:sub>
+                          <m:r>
+                            <a:rPr lang="fr-FR" i="0">
+                              <a:solidFill>
+                                <a:srgbClr val="66D9EF"/>
+                              </a:solidFill>
+                              <a:latin typeface="Cambria Math" panose="02040503050406030204" pitchFamily="18" charset="0"/>
+                            </a:rPr>
+                            <m:t>2</m:t>
+                          </m:r>
+                        </m:sub>
+                      </m:sSub>
+                    </m:oMath>
+                  </m:oMathPara>
+                </a14:m>
+                <a:endParaRPr lang="fr-FR" dirty="0">
+                  <a:solidFill>
+                    <a:srgbClr val="66D9EF"/>
+                  </a:solidFill>
+                </a:endParaRPr>
+              </a:p>
+            </p:txBody>
+          </p:sp>
+        </mc:Choice>
+        <mc:Fallback>
+          <p:sp>
+            <p:nvSpPr>
+              <p:cNvPr id="10" name="Rectangle 9">
+                <a:extLst>
+                  <a:ext uri="{FF2B5EF4-FFF2-40B4-BE49-F238E27FC236}">
+                    <a16:creationId xmlns:a16="http://schemas.microsoft.com/office/drawing/2014/main" id="{B7F994D7-778A-441B-A759-16F074E9EF39}"/>
+                  </a:ext>
+                </a:extLst>
+              </p:cNvPr>
+              <p:cNvSpPr>
+                <a:spLocks noRot="1" noChangeAspect="1" noMove="1" noResize="1" noEditPoints="1" noAdjustHandles="1" noChangeArrowheads="1" noChangeShapeType="1" noTextEdit="1"/>
+              </p:cNvSpPr>
+              <p:nvPr/>
+            </p:nvSpPr>
+            <p:spPr>
+              <a:xfrm>
+                <a:off x="7020000" y="4302720"/>
+                <a:ext cx="4312784" cy="404983"/>
+              </a:xfrm>
+              <a:prstGeom prst="rect">
+                <a:avLst/>
+              </a:prstGeom>
+              <a:blipFill>
+                <a:blip r:embed="rId4"/>
+                <a:stretch>
+                  <a:fillRect b="-9091"/>
+                </a:stretch>
+              </a:blipFill>
+            </p:spPr>
+            <p:txBody>
+              <a:bodyPr/>
+              <a:lstStyle/>
+              <a:p>
+                <a:r>
+                  <a:rPr lang="fr-FR">
+                    <a:noFill/>
+                  </a:rPr>
+                  <a:t> </a:t>
+                </a:r>
+              </a:p>
+            </p:txBody>
+          </p:sp>
+        </mc:Fallback>
+      </mc:AlternateContent>
+      <mc:AlternateContent xmlns:mc="http://schemas.openxmlformats.org/markup-compatibility/2006">
+        <mc:Choice xmlns:a14="http://schemas.microsoft.com/office/drawing/2010/main" Requires="a14">
+          <p:sp>
+            <p:nvSpPr>
+              <p:cNvPr id="11" name="ZoneTexte 10">
+                <a:extLst>
+                  <a:ext uri="{FF2B5EF4-FFF2-40B4-BE49-F238E27FC236}">
+                    <a16:creationId xmlns:a16="http://schemas.microsoft.com/office/drawing/2014/main" id="{E7A20DEB-A760-460A-BE8B-9BCADDE27882}"/>
+                  </a:ext>
+                </a:extLst>
+              </p:cNvPr>
+              <p:cNvSpPr txBox="1"/>
+              <p:nvPr/>
+            </p:nvSpPr>
+            <p:spPr>
+              <a:xfrm>
+                <a:off x="8280000" y="180000"/>
+                <a:ext cx="3823354" cy="1200329"/>
+              </a:xfrm>
+              <a:prstGeom prst="rect">
+                <a:avLst/>
+              </a:prstGeom>
+              <a:noFill/>
+              <a:ln>
+                <a:solidFill>
+                  <a:schemeClr val="tx1"/>
+                </a:solidFill>
+              </a:ln>
+            </p:spPr>
+            <p:txBody>
+              <a:bodyPr wrap="none" rtlCol="0">
+                <a:spAutoFit/>
+              </a:bodyPr>
+              <a:lstStyle/>
+              <a:p>
+                <a:r>
+                  <a:rPr lang="fr-FR" dirty="0">
+                    <a:solidFill>
+                      <a:srgbClr val="64B164"/>
+                    </a:solidFill>
+                  </a:rPr>
+                  <a:t>n = nombre d’actions du fichier</a:t>
+                </a:r>
+              </a:p>
+              <a:p>
+                <a:r>
+                  <a:rPr lang="fr-FR" dirty="0">
+                    <a:solidFill>
+                      <a:srgbClr val="64B164"/>
+                    </a:solidFill>
+                  </a:rPr>
+                  <a:t>C</a:t>
+                </a:r>
+                <a:r>
+                  <a:rPr lang="fr-FR" baseline="-25000" dirty="0">
+                    <a:solidFill>
+                      <a:srgbClr val="64B164"/>
+                    </a:solidFill>
+                  </a:rPr>
+                  <a:t>i</a:t>
+                </a:r>
+                <a:r>
+                  <a:rPr lang="fr-FR" dirty="0">
+                    <a:solidFill>
+                      <a:srgbClr val="64B164"/>
+                    </a:solidFill>
+                  </a:rPr>
+                  <a:t> = Constante de la fonction i</a:t>
+                </a:r>
+              </a:p>
+              <a:p>
+                <a:r>
+                  <a:rPr lang="fr-FR" dirty="0">
+                    <a:solidFill>
+                      <a:srgbClr val="64B164"/>
+                    </a:solidFill>
+                  </a:rPr>
+                  <a:t>n</a:t>
+                </a:r>
+                <a:r>
+                  <a:rPr lang="fr-FR" baseline="-25000" dirty="0">
+                    <a:solidFill>
+                      <a:srgbClr val="64B164"/>
+                    </a:solidFill>
+                  </a:rPr>
+                  <a:t>a</a:t>
+                </a:r>
+                <a:r>
+                  <a:rPr lang="fr-FR" dirty="0">
+                    <a:solidFill>
+                      <a:srgbClr val="64B164"/>
+                    </a:solidFill>
+                  </a:rPr>
+                  <a:t> = nombre actions de la combinaison</a:t>
+                </a:r>
+              </a:p>
+              <a:p>
+                <a14:m>
+                  <m:oMath xmlns:m="http://schemas.openxmlformats.org/officeDocument/2006/math">
+                    <m:r>
+                      <a:rPr lang="fr-FR" i="1">
+                        <a:solidFill>
+                          <a:srgbClr val="64B164"/>
+                        </a:solidFill>
+                        <a:latin typeface="Cambria Math" panose="02040503050406030204" pitchFamily="18" charset="0"/>
+                      </a:rPr>
+                      <m:t>𝜖</m:t>
+                    </m:r>
+                    <m:r>
+                      <m:rPr>
+                        <m:sty m:val="p"/>
+                      </m:rPr>
+                      <a:rPr lang="fr-FR" b="0" i="0" baseline="-25000" smtClean="0">
+                        <a:solidFill>
+                          <a:srgbClr val="64B164"/>
+                        </a:solidFill>
+                        <a:latin typeface="Cambria Math" panose="02040503050406030204" pitchFamily="18" charset="0"/>
+                      </a:rPr>
+                      <m:t>i</m:t>
+                    </m:r>
+                  </m:oMath>
+                </a14:m>
+                <a:r>
+                  <a:rPr lang="fr-FR" dirty="0">
+                    <a:solidFill>
+                      <a:srgbClr val="64B164"/>
+                    </a:solidFill>
+                  </a:rPr>
+                  <a:t> = négligeables</a:t>
+                </a:r>
+              </a:p>
+            </p:txBody>
+          </p:sp>
+        </mc:Choice>
+        <mc:Fallback>
+          <p:sp>
+            <p:nvSpPr>
+              <p:cNvPr id="11" name="ZoneTexte 10">
+                <a:extLst>
+                  <a:ext uri="{FF2B5EF4-FFF2-40B4-BE49-F238E27FC236}">
+                    <a16:creationId xmlns:a16="http://schemas.microsoft.com/office/drawing/2014/main" id="{E7A20DEB-A760-460A-BE8B-9BCADDE27882}"/>
+                  </a:ext>
+                </a:extLst>
+              </p:cNvPr>
+              <p:cNvSpPr txBox="1">
+                <a:spLocks noRot="1" noChangeAspect="1" noMove="1" noResize="1" noEditPoints="1" noAdjustHandles="1" noChangeArrowheads="1" noChangeShapeType="1" noTextEdit="1"/>
+              </p:cNvSpPr>
+              <p:nvPr/>
+            </p:nvSpPr>
+            <p:spPr>
+              <a:xfrm>
+                <a:off x="8280000" y="180000"/>
+                <a:ext cx="3823354" cy="1200329"/>
+              </a:xfrm>
+              <a:prstGeom prst="rect">
+                <a:avLst/>
+              </a:prstGeom>
+              <a:blipFill>
+                <a:blip r:embed="rId5"/>
+                <a:stretch>
+                  <a:fillRect l="-1113" t="-2525" r="-795" b="-7071"/>
+                </a:stretch>
+              </a:blipFill>
+              <a:ln>
+                <a:solidFill>
+                  <a:schemeClr val="tx1"/>
+                </a:solidFill>
+              </a:ln>
+            </p:spPr>
+            <p:txBody>
+              <a:bodyPr/>
+              <a:lstStyle/>
+              <a:p>
+                <a:r>
+                  <a:rPr lang="fr-FR">
+                    <a:noFill/>
+                  </a:rPr>
+                  <a:t> </a:t>
+                </a:r>
+              </a:p>
+            </p:txBody>
+          </p:sp>
+        </mc:Fallback>
+      </mc:AlternateContent>
     </p:spTree>
     <p:extLst>
       <p:ext uri="{BB962C8B-B14F-4D97-AF65-F5344CB8AC3E}">
@@ -10044,12 +11645,47 @@
           <a:chExt cx="0" cy="0"/>
         </a:xfrm>
       </p:grpSpPr>
+      <p:pic>
+        <p:nvPicPr>
+          <p:cNvPr id="6" name="Image 5">
+            <a:extLst>
+              <a:ext uri="{FF2B5EF4-FFF2-40B4-BE49-F238E27FC236}">
+                <a16:creationId xmlns:a16="http://schemas.microsoft.com/office/drawing/2014/main" id="{D0790833-9973-48F8-9FE6-B0A7270BB4D7}"/>
+              </a:ext>
+            </a:extLst>
+          </p:cNvPr>
+          <p:cNvPicPr>
+            <a:picLocks noChangeAspect="1"/>
+          </p:cNvPicPr>
+          <p:nvPr/>
+        </p:nvPicPr>
+        <p:blipFill>
+          <a:blip r:embed="rId2">
+            <a:extLst>
+              <a:ext uri="{28A0092B-C50C-407E-A947-70E740481C1C}">
+                <a14:useLocalDpi xmlns:a14="http://schemas.microsoft.com/office/drawing/2010/main" val="0"/>
+              </a:ext>
+            </a:extLst>
+          </a:blip>
+          <a:srcRect/>
+          <a:stretch/>
+        </p:blipFill>
+        <p:spPr>
+          <a:xfrm>
+            <a:off x="360000" y="1440000"/>
+            <a:ext cx="8484000" cy="5040000"/>
+          </a:xfrm>
+          <a:prstGeom prst="rect">
+            <a:avLst/>
+          </a:prstGeom>
+        </p:spPr>
+      </p:pic>
       <p:sp>
         <p:nvSpPr>
           <p:cNvPr id="2" name="Titre 1">
             <a:extLst>
               <a:ext uri="{FF2B5EF4-FFF2-40B4-BE49-F238E27FC236}">
-                <a16:creationId xmlns:a16="http://schemas.microsoft.com/office/drawing/2014/main" id="{18A2161E-D157-4DD3-8676-561D46832918}"/>
+                <a16:creationId xmlns:a16="http://schemas.microsoft.com/office/drawing/2014/main" id="{6E12BD60-FFB7-4FFC-8A8F-58ABA2B92C65}"/>
               </a:ext>
             </a:extLst>
           </p:cNvPr>
@@ -10067,7 +11703,7 @@
           <a:p>
             <a:r>
               <a:rPr lang="fr-FR" dirty="0"/>
-              <a:t>optimized.py =&gt; Cas limites</a:t>
+              <a:t>optimized.py =&gt; Pseudocode</a:t>
             </a:r>
           </a:p>
         </p:txBody>
@@ -10077,7 +11713,7 @@
           <p:cNvPr id="3" name="Espace réservé du numéro de diapositive 2">
             <a:extLst>
               <a:ext uri="{FF2B5EF4-FFF2-40B4-BE49-F238E27FC236}">
-                <a16:creationId xmlns:a16="http://schemas.microsoft.com/office/drawing/2014/main" id="{280DC6FB-56E6-483B-ABE2-6FA64B789CDA}"/>
+                <a16:creationId xmlns:a16="http://schemas.microsoft.com/office/drawing/2014/main" id="{5F9381FE-7645-4B0D-93DB-6C2975E58491}"/>
               </a:ext>
             </a:extLst>
           </p:cNvPr>
@@ -10102,10 +11738,964 @@
           </a:p>
         </p:txBody>
       </p:sp>
+      <p:sp>
+        <p:nvSpPr>
+          <p:cNvPr id="7" name="Accolade fermante 6">
+            <a:extLst>
+              <a:ext uri="{FF2B5EF4-FFF2-40B4-BE49-F238E27FC236}">
+                <a16:creationId xmlns:a16="http://schemas.microsoft.com/office/drawing/2014/main" id="{03A9BB18-BBBF-4C78-958B-B375A370D9EA}"/>
+              </a:ext>
+            </a:extLst>
+          </p:cNvPr>
+          <p:cNvSpPr/>
+          <p:nvPr/>
+        </p:nvSpPr>
+        <p:spPr>
+          <a:xfrm>
+            <a:off x="6480000" y="1809556"/>
+            <a:ext cx="362583" cy="1912013"/>
+          </a:xfrm>
+          <a:prstGeom prst="rightBrace">
+            <a:avLst>
+              <a:gd name="adj1" fmla="val 6862"/>
+              <a:gd name="adj2" fmla="val 51471"/>
+            </a:avLst>
+          </a:prstGeom>
+          <a:ln w="15875">
+            <a:solidFill>
+              <a:srgbClr val="64B164"/>
+            </a:solidFill>
+          </a:ln>
+        </p:spPr>
+        <p:style>
+          <a:lnRef idx="1">
+            <a:schemeClr val="accent1"/>
+          </a:lnRef>
+          <a:fillRef idx="0">
+            <a:schemeClr val="accent1"/>
+          </a:fillRef>
+          <a:effectRef idx="0">
+            <a:schemeClr val="accent1"/>
+          </a:effectRef>
+          <a:fontRef idx="minor">
+            <a:schemeClr val="tx1"/>
+          </a:fontRef>
+        </p:style>
+        <p:txBody>
+          <a:bodyPr rtlCol="0" anchor="ctr"/>
+          <a:lstStyle/>
+          <a:p>
+            <a:pPr algn="ctr"/>
+            <a:endParaRPr lang="fr-FR"/>
+          </a:p>
+        </p:txBody>
+      </p:sp>
+      <p:sp>
+        <p:nvSpPr>
+          <p:cNvPr id="8" name="Accolade fermante 7">
+            <a:extLst>
+              <a:ext uri="{FF2B5EF4-FFF2-40B4-BE49-F238E27FC236}">
+                <a16:creationId xmlns:a16="http://schemas.microsoft.com/office/drawing/2014/main" id="{317EB4D3-8B15-40CA-9DA9-F1C04BBDA4D4}"/>
+              </a:ext>
+            </a:extLst>
+          </p:cNvPr>
+          <p:cNvSpPr/>
+          <p:nvPr/>
+        </p:nvSpPr>
+        <p:spPr>
+          <a:xfrm>
+            <a:off x="6480000" y="4127640"/>
+            <a:ext cx="362583" cy="1936276"/>
+          </a:xfrm>
+          <a:prstGeom prst="rightBrace">
+            <a:avLst>
+              <a:gd name="adj1" fmla="val 6862"/>
+              <a:gd name="adj2" fmla="val 51471"/>
+            </a:avLst>
+          </a:prstGeom>
+          <a:ln w="15875">
+            <a:solidFill>
+              <a:srgbClr val="64B164"/>
+            </a:solidFill>
+          </a:ln>
+        </p:spPr>
+        <p:style>
+          <a:lnRef idx="1">
+            <a:schemeClr val="accent1"/>
+          </a:lnRef>
+          <a:fillRef idx="0">
+            <a:schemeClr val="accent1"/>
+          </a:fillRef>
+          <a:effectRef idx="0">
+            <a:schemeClr val="accent1"/>
+          </a:effectRef>
+          <a:fontRef idx="minor">
+            <a:schemeClr val="tx1"/>
+          </a:fontRef>
+        </p:style>
+        <p:txBody>
+          <a:bodyPr rtlCol="0" anchor="ctr"/>
+          <a:lstStyle/>
+          <a:p>
+            <a:pPr algn="ctr"/>
+            <a:endParaRPr lang="fr-FR"/>
+          </a:p>
+        </p:txBody>
+      </p:sp>
+      <mc:AlternateContent xmlns:mc="http://schemas.openxmlformats.org/markup-compatibility/2006">
+        <mc:Choice xmlns:a14="http://schemas.microsoft.com/office/drawing/2010/main" Requires="a14">
+          <p:sp>
+            <p:nvSpPr>
+              <p:cNvPr id="9" name="Rectangle 8">
+                <a:extLst>
+                  <a:ext uri="{FF2B5EF4-FFF2-40B4-BE49-F238E27FC236}">
+                    <a16:creationId xmlns:a16="http://schemas.microsoft.com/office/drawing/2014/main" id="{92244115-CF44-44A7-9E81-37589ABB9314}"/>
+                  </a:ext>
+                </a:extLst>
+              </p:cNvPr>
+              <p:cNvSpPr/>
+              <p:nvPr/>
+            </p:nvSpPr>
+            <p:spPr>
+              <a:xfrm>
+                <a:off x="7020000" y="2580896"/>
+                <a:ext cx="2966518" cy="369332"/>
+              </a:xfrm>
+              <a:prstGeom prst="rect">
+                <a:avLst/>
+              </a:prstGeom>
+            </p:spPr>
+            <p:txBody>
+              <a:bodyPr wrap="none">
+                <a:spAutoFit/>
+              </a:bodyPr>
+              <a:lstStyle/>
+              <a:p>
+                <a:pPr/>
+                <a14:m>
+                  <m:oMathPara xmlns:m="http://schemas.openxmlformats.org/officeDocument/2006/math">
+                    <m:oMathParaPr>
+                      <m:jc m:val="left"/>
+                    </m:oMathParaPr>
+                    <m:oMath xmlns:m="http://schemas.openxmlformats.org/officeDocument/2006/math">
+                      <m:sSub>
+                        <m:sSubPr>
+                          <m:ctrlPr>
+                            <a:rPr lang="fr-FR" smtClean="0">
+                              <a:solidFill>
+                                <a:srgbClr val="66D9EF"/>
+                              </a:solidFill>
+                              <a:latin typeface="Cambria Math" panose="02040503050406030204" pitchFamily="18" charset="0"/>
+                            </a:rPr>
+                          </m:ctrlPr>
+                        </m:sSubPr>
+                        <m:e>
+                          <m:r>
+                            <m:rPr>
+                              <m:sty m:val="p"/>
+                            </m:rPr>
+                            <a:rPr lang="fr-FR">
+                              <a:solidFill>
+                                <a:srgbClr val="66D9EF"/>
+                              </a:solidFill>
+                              <a:latin typeface="Cambria Math" panose="02040503050406030204" pitchFamily="18" charset="0"/>
+                            </a:rPr>
+                            <m:t>Ο</m:t>
+                          </m:r>
+                        </m:e>
+                        <m:sub>
+                          <m:r>
+                            <a:rPr lang="fr-FR" i="0">
+                              <a:solidFill>
+                                <a:srgbClr val="66D9EF"/>
+                              </a:solidFill>
+                              <a:latin typeface="Cambria Math" panose="02040503050406030204" pitchFamily="18" charset="0"/>
+                            </a:rPr>
+                            <m:t>3</m:t>
+                          </m:r>
+                        </m:sub>
+                      </m:sSub>
+                      <m:d>
+                        <m:dPr>
+                          <m:ctrlPr>
+                            <a:rPr lang="fr-FR" i="1">
+                              <a:solidFill>
+                                <a:srgbClr val="66D9EF"/>
+                              </a:solidFill>
+                              <a:latin typeface="Cambria Math" panose="02040503050406030204" pitchFamily="18" charset="0"/>
+                            </a:rPr>
+                          </m:ctrlPr>
+                        </m:dPr>
+                        <m:e>
+                          <m:r>
+                            <a:rPr lang="fr-FR" i="1">
+                              <a:solidFill>
+                                <a:srgbClr val="66D9EF"/>
+                              </a:solidFill>
+                              <a:latin typeface="Cambria Math" panose="02040503050406030204" pitchFamily="18" charset="0"/>
+                            </a:rPr>
+                            <m:t>𝑛</m:t>
+                          </m:r>
+                          <m:r>
+                            <a:rPr lang="fr-FR" i="0">
+                              <a:solidFill>
+                                <a:srgbClr val="66D9EF"/>
+                              </a:solidFill>
+                              <a:latin typeface="Cambria Math" panose="02040503050406030204" pitchFamily="18" charset="0"/>
+                            </a:rPr>
+                            <m:t>+</m:t>
+                          </m:r>
+                          <m:sSub>
+                            <m:sSubPr>
+                              <m:ctrlPr>
+                                <a:rPr lang="fr-FR" i="1">
+                                  <a:solidFill>
+                                    <a:srgbClr val="66D9EF"/>
+                                  </a:solidFill>
+                                  <a:latin typeface="Cambria Math" panose="02040503050406030204" pitchFamily="18" charset="0"/>
+                                </a:rPr>
+                              </m:ctrlPr>
+                            </m:sSubPr>
+                            <m:e>
+                              <m:r>
+                                <a:rPr lang="fr-FR" i="1">
+                                  <a:solidFill>
+                                    <a:srgbClr val="66D9EF"/>
+                                  </a:solidFill>
+                                  <a:latin typeface="Cambria Math" panose="02040503050406030204" pitchFamily="18" charset="0"/>
+                                </a:rPr>
+                                <m:t>𝐶</m:t>
+                              </m:r>
+                            </m:e>
+                            <m:sub>
+                              <m:r>
+                                <a:rPr lang="fr-FR" i="0">
+                                  <a:solidFill>
+                                    <a:srgbClr val="66D9EF"/>
+                                  </a:solidFill>
+                                  <a:latin typeface="Cambria Math" panose="02040503050406030204" pitchFamily="18" charset="0"/>
+                                </a:rPr>
+                                <m:t>3</m:t>
+                              </m:r>
+                            </m:sub>
+                          </m:sSub>
+                        </m:e>
+                      </m:d>
+                      <m:r>
+                        <a:rPr lang="fr-FR" i="0">
+                          <a:solidFill>
+                            <a:srgbClr val="66D9EF"/>
+                          </a:solidFill>
+                          <a:latin typeface="Cambria Math" panose="02040503050406030204" pitchFamily="18" charset="0"/>
+                        </a:rPr>
+                        <m:t>  =   </m:t>
+                      </m:r>
+                      <m:sSub>
+                        <m:sSubPr>
+                          <m:ctrlPr>
+                            <a:rPr lang="fr-FR" i="1">
+                              <a:solidFill>
+                                <a:srgbClr val="66D9EF"/>
+                              </a:solidFill>
+                              <a:latin typeface="Cambria Math" panose="02040503050406030204" pitchFamily="18" charset="0"/>
+                            </a:rPr>
+                          </m:ctrlPr>
+                        </m:sSubPr>
+                        <m:e>
+                          <m:r>
+                            <m:rPr>
+                              <m:sty m:val="p"/>
+                            </m:rPr>
+                            <a:rPr lang="fr-FR" i="0">
+                              <a:solidFill>
+                                <a:srgbClr val="66D9EF"/>
+                              </a:solidFill>
+                              <a:latin typeface="Cambria Math" panose="02040503050406030204" pitchFamily="18" charset="0"/>
+                            </a:rPr>
+                            <m:t>Ο</m:t>
+                          </m:r>
+                        </m:e>
+                        <m:sub>
+                          <m:r>
+                            <a:rPr lang="fr-FR" i="0">
+                              <a:solidFill>
+                                <a:srgbClr val="66D9EF"/>
+                              </a:solidFill>
+                              <a:latin typeface="Cambria Math" panose="02040503050406030204" pitchFamily="18" charset="0"/>
+                            </a:rPr>
+                            <m:t>3</m:t>
+                          </m:r>
+                        </m:sub>
+                      </m:sSub>
+                      <m:d>
+                        <m:dPr>
+                          <m:ctrlPr>
+                            <a:rPr lang="fr-FR" i="1">
+                              <a:solidFill>
+                                <a:srgbClr val="66D9EF"/>
+                              </a:solidFill>
+                              <a:latin typeface="Cambria Math" panose="02040503050406030204" pitchFamily="18" charset="0"/>
+                            </a:rPr>
+                          </m:ctrlPr>
+                        </m:dPr>
+                        <m:e>
+                          <m:r>
+                            <a:rPr lang="fr-FR" i="1">
+                              <a:solidFill>
+                                <a:srgbClr val="66D9EF"/>
+                              </a:solidFill>
+                              <a:latin typeface="Cambria Math" panose="02040503050406030204" pitchFamily="18" charset="0"/>
+                            </a:rPr>
+                            <m:t>𝑛</m:t>
+                          </m:r>
+                        </m:e>
+                      </m:d>
+                      <m:r>
+                        <a:rPr lang="fr-FR" i="0">
+                          <a:solidFill>
+                            <a:srgbClr val="66D9EF"/>
+                          </a:solidFill>
+                          <a:latin typeface="Cambria Math" panose="02040503050406030204" pitchFamily="18" charset="0"/>
+                        </a:rPr>
+                        <m:t>+</m:t>
+                      </m:r>
+                      <m:sSub>
+                        <m:sSubPr>
+                          <m:ctrlPr>
+                            <a:rPr lang="fr-FR" i="1">
+                              <a:solidFill>
+                                <a:srgbClr val="66D9EF"/>
+                              </a:solidFill>
+                              <a:latin typeface="Cambria Math" panose="02040503050406030204" pitchFamily="18" charset="0"/>
+                            </a:rPr>
+                          </m:ctrlPr>
+                        </m:sSubPr>
+                        <m:e>
+                          <m:r>
+                            <a:rPr lang="fr-FR" i="1">
+                              <a:solidFill>
+                                <a:srgbClr val="66D9EF"/>
+                              </a:solidFill>
+                              <a:latin typeface="Cambria Math" panose="02040503050406030204" pitchFamily="18" charset="0"/>
+                            </a:rPr>
+                            <m:t>𝜖</m:t>
+                          </m:r>
+                        </m:e>
+                        <m:sub>
+                          <m:r>
+                            <a:rPr lang="fr-FR" i="0">
+                              <a:solidFill>
+                                <a:srgbClr val="66D9EF"/>
+                              </a:solidFill>
+                              <a:latin typeface="Cambria Math" panose="02040503050406030204" pitchFamily="18" charset="0"/>
+                            </a:rPr>
+                            <m:t>3</m:t>
+                          </m:r>
+                        </m:sub>
+                      </m:sSub>
+                    </m:oMath>
+                  </m:oMathPara>
+                </a14:m>
+                <a:endParaRPr lang="fr-FR" dirty="0">
+                  <a:solidFill>
+                    <a:srgbClr val="66D9EF"/>
+                  </a:solidFill>
+                </a:endParaRPr>
+              </a:p>
+            </p:txBody>
+          </p:sp>
+        </mc:Choice>
+        <mc:Fallback>
+          <p:sp>
+            <p:nvSpPr>
+              <p:cNvPr id="9" name="Rectangle 8">
+                <a:extLst>
+                  <a:ext uri="{FF2B5EF4-FFF2-40B4-BE49-F238E27FC236}">
+                    <a16:creationId xmlns:a16="http://schemas.microsoft.com/office/drawing/2014/main" id="{92244115-CF44-44A7-9E81-37589ABB9314}"/>
+                  </a:ext>
+                </a:extLst>
+              </p:cNvPr>
+              <p:cNvSpPr>
+                <a:spLocks noRot="1" noChangeAspect="1" noMove="1" noResize="1" noEditPoints="1" noAdjustHandles="1" noChangeArrowheads="1" noChangeShapeType="1" noTextEdit="1"/>
+              </p:cNvSpPr>
+              <p:nvPr/>
+            </p:nvSpPr>
+            <p:spPr>
+              <a:xfrm>
+                <a:off x="7020000" y="2580896"/>
+                <a:ext cx="2966518" cy="369332"/>
+              </a:xfrm>
+              <a:prstGeom prst="rect">
+                <a:avLst/>
+              </a:prstGeom>
+              <a:blipFill>
+                <a:blip r:embed="rId3"/>
+                <a:stretch>
+                  <a:fillRect/>
+                </a:stretch>
+              </a:blipFill>
+            </p:spPr>
+            <p:txBody>
+              <a:bodyPr/>
+              <a:lstStyle/>
+              <a:p>
+                <a:r>
+                  <a:rPr lang="fr-FR">
+                    <a:noFill/>
+                  </a:rPr>
+                  <a:t> </a:t>
+                </a:r>
+              </a:p>
+            </p:txBody>
+          </p:sp>
+        </mc:Fallback>
+      </mc:AlternateContent>
+      <mc:AlternateContent xmlns:mc="http://schemas.openxmlformats.org/markup-compatibility/2006">
+        <mc:Choice xmlns:a14="http://schemas.microsoft.com/office/drawing/2010/main" Requires="a14">
+          <p:sp>
+            <p:nvSpPr>
+              <p:cNvPr id="10" name="Rectangle 9">
+                <a:extLst>
+                  <a:ext uri="{FF2B5EF4-FFF2-40B4-BE49-F238E27FC236}">
+                    <a16:creationId xmlns:a16="http://schemas.microsoft.com/office/drawing/2014/main" id="{ACC01F6F-AA81-4B0C-8B8B-91B03C9851A3}"/>
+                  </a:ext>
+                </a:extLst>
+              </p:cNvPr>
+              <p:cNvSpPr/>
+              <p:nvPr/>
+            </p:nvSpPr>
+            <p:spPr>
+              <a:xfrm>
+                <a:off x="7020000" y="4911112"/>
+                <a:ext cx="3197477" cy="369332"/>
+              </a:xfrm>
+              <a:prstGeom prst="rect">
+                <a:avLst/>
+              </a:prstGeom>
+            </p:spPr>
+            <p:txBody>
+              <a:bodyPr wrap="none">
+                <a:spAutoFit/>
+              </a:bodyPr>
+              <a:lstStyle/>
+              <a:p>
+                <a:pPr/>
+                <a14:m>
+                  <m:oMathPara xmlns:m="http://schemas.openxmlformats.org/officeDocument/2006/math">
+                    <m:oMathParaPr>
+                      <m:jc m:val="left"/>
+                    </m:oMathParaPr>
+                    <m:oMath xmlns:m="http://schemas.openxmlformats.org/officeDocument/2006/math">
+                      <m:sSub>
+                        <m:sSubPr>
+                          <m:ctrlPr>
+                            <a:rPr lang="fr-FR" smtClean="0">
+                              <a:solidFill>
+                                <a:srgbClr val="66D9EF"/>
+                              </a:solidFill>
+                              <a:latin typeface="Cambria Math" panose="02040503050406030204" pitchFamily="18" charset="0"/>
+                            </a:rPr>
+                          </m:ctrlPr>
+                        </m:sSubPr>
+                        <m:e>
+                          <m:r>
+                            <m:rPr>
+                              <m:sty m:val="p"/>
+                            </m:rPr>
+                            <a:rPr lang="fr-FR">
+                              <a:solidFill>
+                                <a:srgbClr val="66D9EF"/>
+                              </a:solidFill>
+                              <a:latin typeface="Cambria Math" panose="02040503050406030204" pitchFamily="18" charset="0"/>
+                            </a:rPr>
+                            <m:t>Ο</m:t>
+                          </m:r>
+                        </m:e>
+                        <m:sub>
+                          <m:r>
+                            <a:rPr lang="fr-FR" i="0">
+                              <a:solidFill>
+                                <a:srgbClr val="66D9EF"/>
+                              </a:solidFill>
+                              <a:latin typeface="Cambria Math" panose="02040503050406030204" pitchFamily="18" charset="0"/>
+                            </a:rPr>
+                            <m:t>4</m:t>
+                          </m:r>
+                        </m:sub>
+                      </m:sSub>
+                      <m:d>
+                        <m:dPr>
+                          <m:ctrlPr>
+                            <a:rPr lang="fr-FR" i="1">
+                              <a:solidFill>
+                                <a:srgbClr val="66D9EF"/>
+                              </a:solidFill>
+                              <a:latin typeface="Cambria Math" panose="02040503050406030204" pitchFamily="18" charset="0"/>
+                            </a:rPr>
+                          </m:ctrlPr>
+                        </m:dPr>
+                        <m:e>
+                          <m:sSub>
+                            <m:sSubPr>
+                              <m:ctrlPr>
+                                <a:rPr lang="fr-FR" i="1">
+                                  <a:solidFill>
+                                    <a:srgbClr val="66D9EF"/>
+                                  </a:solidFill>
+                                  <a:latin typeface="Cambria Math" panose="02040503050406030204" pitchFamily="18" charset="0"/>
+                                </a:rPr>
+                              </m:ctrlPr>
+                            </m:sSubPr>
+                            <m:e>
+                              <m:r>
+                                <a:rPr lang="fr-FR" i="1">
+                                  <a:solidFill>
+                                    <a:srgbClr val="66D9EF"/>
+                                  </a:solidFill>
+                                  <a:latin typeface="Cambria Math" panose="02040503050406030204" pitchFamily="18" charset="0"/>
+                                </a:rPr>
+                                <m:t>𝑛</m:t>
+                              </m:r>
+                            </m:e>
+                            <m:sub>
+                              <m:r>
+                                <a:rPr lang="fr-FR" i="1">
+                                  <a:solidFill>
+                                    <a:srgbClr val="66D9EF"/>
+                                  </a:solidFill>
+                                  <a:latin typeface="Cambria Math" panose="02040503050406030204" pitchFamily="18" charset="0"/>
+                                </a:rPr>
+                                <m:t>𝑎</m:t>
+                              </m:r>
+                            </m:sub>
+                          </m:sSub>
+                          <m:r>
+                            <a:rPr lang="fr-FR" i="0">
+                              <a:solidFill>
+                                <a:srgbClr val="66D9EF"/>
+                              </a:solidFill>
+                              <a:latin typeface="Cambria Math" panose="02040503050406030204" pitchFamily="18" charset="0"/>
+                            </a:rPr>
+                            <m:t>+</m:t>
+                          </m:r>
+                          <m:sSub>
+                            <m:sSubPr>
+                              <m:ctrlPr>
+                                <a:rPr lang="fr-FR" i="1">
+                                  <a:solidFill>
+                                    <a:srgbClr val="66D9EF"/>
+                                  </a:solidFill>
+                                  <a:latin typeface="Cambria Math" panose="02040503050406030204" pitchFamily="18" charset="0"/>
+                                </a:rPr>
+                              </m:ctrlPr>
+                            </m:sSubPr>
+                            <m:e>
+                              <m:r>
+                                <a:rPr lang="fr-FR" i="1">
+                                  <a:solidFill>
+                                    <a:srgbClr val="66D9EF"/>
+                                  </a:solidFill>
+                                  <a:latin typeface="Cambria Math" panose="02040503050406030204" pitchFamily="18" charset="0"/>
+                                </a:rPr>
+                                <m:t>𝐶</m:t>
+                              </m:r>
+                            </m:e>
+                            <m:sub>
+                              <m:r>
+                                <a:rPr lang="fr-FR" i="0">
+                                  <a:solidFill>
+                                    <a:srgbClr val="66D9EF"/>
+                                  </a:solidFill>
+                                  <a:latin typeface="Cambria Math" panose="02040503050406030204" pitchFamily="18" charset="0"/>
+                                </a:rPr>
+                                <m:t>4</m:t>
+                              </m:r>
+                            </m:sub>
+                          </m:sSub>
+                        </m:e>
+                      </m:d>
+                      <m:r>
+                        <a:rPr lang="fr-FR" i="0">
+                          <a:solidFill>
+                            <a:srgbClr val="66D9EF"/>
+                          </a:solidFill>
+                          <a:latin typeface="Cambria Math" panose="02040503050406030204" pitchFamily="18" charset="0"/>
+                        </a:rPr>
+                        <m:t>  =   </m:t>
+                      </m:r>
+                      <m:sSub>
+                        <m:sSubPr>
+                          <m:ctrlPr>
+                            <a:rPr lang="fr-FR" i="1">
+                              <a:solidFill>
+                                <a:srgbClr val="66D9EF"/>
+                              </a:solidFill>
+                              <a:latin typeface="Cambria Math" panose="02040503050406030204" pitchFamily="18" charset="0"/>
+                            </a:rPr>
+                          </m:ctrlPr>
+                        </m:sSubPr>
+                        <m:e>
+                          <m:r>
+                            <m:rPr>
+                              <m:sty m:val="p"/>
+                            </m:rPr>
+                            <a:rPr lang="fr-FR" i="0">
+                              <a:solidFill>
+                                <a:srgbClr val="66D9EF"/>
+                              </a:solidFill>
+                              <a:latin typeface="Cambria Math" panose="02040503050406030204" pitchFamily="18" charset="0"/>
+                            </a:rPr>
+                            <m:t>Ο</m:t>
+                          </m:r>
+                        </m:e>
+                        <m:sub>
+                          <m:r>
+                            <a:rPr lang="fr-FR" i="0">
+                              <a:solidFill>
+                                <a:srgbClr val="66D9EF"/>
+                              </a:solidFill>
+                              <a:latin typeface="Cambria Math" panose="02040503050406030204" pitchFamily="18" charset="0"/>
+                            </a:rPr>
+                            <m:t>4</m:t>
+                          </m:r>
+                        </m:sub>
+                      </m:sSub>
+                      <m:d>
+                        <m:dPr>
+                          <m:ctrlPr>
+                            <a:rPr lang="fr-FR" i="1">
+                              <a:solidFill>
+                                <a:srgbClr val="66D9EF"/>
+                              </a:solidFill>
+                              <a:latin typeface="Cambria Math" panose="02040503050406030204" pitchFamily="18" charset="0"/>
+                            </a:rPr>
+                          </m:ctrlPr>
+                        </m:dPr>
+                        <m:e>
+                          <m:sSub>
+                            <m:sSubPr>
+                              <m:ctrlPr>
+                                <a:rPr lang="fr-FR" i="1">
+                                  <a:solidFill>
+                                    <a:srgbClr val="66D9EF"/>
+                                  </a:solidFill>
+                                  <a:latin typeface="Cambria Math" panose="02040503050406030204" pitchFamily="18" charset="0"/>
+                                </a:rPr>
+                              </m:ctrlPr>
+                            </m:sSubPr>
+                            <m:e>
+                              <m:r>
+                                <a:rPr lang="fr-FR" i="1">
+                                  <a:solidFill>
+                                    <a:srgbClr val="66D9EF"/>
+                                  </a:solidFill>
+                                  <a:latin typeface="Cambria Math" panose="02040503050406030204" pitchFamily="18" charset="0"/>
+                                </a:rPr>
+                                <m:t>𝑛</m:t>
+                              </m:r>
+                            </m:e>
+                            <m:sub>
+                              <m:r>
+                                <a:rPr lang="fr-FR" i="1">
+                                  <a:solidFill>
+                                    <a:srgbClr val="66D9EF"/>
+                                  </a:solidFill>
+                                  <a:latin typeface="Cambria Math" panose="02040503050406030204" pitchFamily="18" charset="0"/>
+                                </a:rPr>
+                                <m:t>𝑎</m:t>
+                              </m:r>
+                            </m:sub>
+                          </m:sSub>
+                        </m:e>
+                      </m:d>
+                      <m:r>
+                        <a:rPr lang="fr-FR" i="0">
+                          <a:solidFill>
+                            <a:srgbClr val="66D9EF"/>
+                          </a:solidFill>
+                          <a:latin typeface="Cambria Math" panose="02040503050406030204" pitchFamily="18" charset="0"/>
+                        </a:rPr>
+                        <m:t>+</m:t>
+                      </m:r>
+                      <m:sSub>
+                        <m:sSubPr>
+                          <m:ctrlPr>
+                            <a:rPr lang="fr-FR" i="1">
+                              <a:solidFill>
+                                <a:srgbClr val="66D9EF"/>
+                              </a:solidFill>
+                              <a:latin typeface="Cambria Math" panose="02040503050406030204" pitchFamily="18" charset="0"/>
+                            </a:rPr>
+                          </m:ctrlPr>
+                        </m:sSubPr>
+                        <m:e>
+                          <m:r>
+                            <a:rPr lang="fr-FR" i="1">
+                              <a:solidFill>
+                                <a:srgbClr val="66D9EF"/>
+                              </a:solidFill>
+                              <a:latin typeface="Cambria Math" panose="02040503050406030204" pitchFamily="18" charset="0"/>
+                            </a:rPr>
+                            <m:t>𝜖</m:t>
+                          </m:r>
+                        </m:e>
+                        <m:sub>
+                          <m:r>
+                            <a:rPr lang="fr-FR" i="0">
+                              <a:solidFill>
+                                <a:srgbClr val="66D9EF"/>
+                              </a:solidFill>
+                              <a:latin typeface="Cambria Math" panose="02040503050406030204" pitchFamily="18" charset="0"/>
+                            </a:rPr>
+                            <m:t>4</m:t>
+                          </m:r>
+                        </m:sub>
+                      </m:sSub>
+                    </m:oMath>
+                  </m:oMathPara>
+                </a14:m>
+                <a:endParaRPr lang="fr-FR" dirty="0">
+                  <a:solidFill>
+                    <a:srgbClr val="66D9EF"/>
+                  </a:solidFill>
+                </a:endParaRPr>
+              </a:p>
+            </p:txBody>
+          </p:sp>
+        </mc:Choice>
+        <mc:Fallback>
+          <p:sp>
+            <p:nvSpPr>
+              <p:cNvPr id="10" name="Rectangle 9">
+                <a:extLst>
+                  <a:ext uri="{FF2B5EF4-FFF2-40B4-BE49-F238E27FC236}">
+                    <a16:creationId xmlns:a16="http://schemas.microsoft.com/office/drawing/2014/main" id="{ACC01F6F-AA81-4B0C-8B8B-91B03C9851A3}"/>
+                  </a:ext>
+                </a:extLst>
+              </p:cNvPr>
+              <p:cNvSpPr>
+                <a:spLocks noRot="1" noChangeAspect="1" noMove="1" noResize="1" noEditPoints="1" noAdjustHandles="1" noChangeArrowheads="1" noChangeShapeType="1" noTextEdit="1"/>
+              </p:cNvSpPr>
+              <p:nvPr/>
+            </p:nvSpPr>
+            <p:spPr>
+              <a:xfrm>
+                <a:off x="7020000" y="4911112"/>
+                <a:ext cx="3197477" cy="369332"/>
+              </a:xfrm>
+              <a:prstGeom prst="rect">
+                <a:avLst/>
+              </a:prstGeom>
+              <a:blipFill>
+                <a:blip r:embed="rId4"/>
+                <a:stretch>
+                  <a:fillRect/>
+                </a:stretch>
+              </a:blipFill>
+            </p:spPr>
+            <p:txBody>
+              <a:bodyPr/>
+              <a:lstStyle/>
+              <a:p>
+                <a:r>
+                  <a:rPr lang="fr-FR">
+                    <a:noFill/>
+                  </a:rPr>
+                  <a:t> </a:t>
+                </a:r>
+              </a:p>
+            </p:txBody>
+          </p:sp>
+        </mc:Fallback>
+      </mc:AlternateContent>
+      <mc:AlternateContent xmlns:mc="http://schemas.openxmlformats.org/markup-compatibility/2006">
+        <mc:Choice xmlns:a14="http://schemas.microsoft.com/office/drawing/2010/main" Requires="a14">
+          <p:sp>
+            <p:nvSpPr>
+              <p:cNvPr id="12" name="ZoneTexte 11">
+                <a:extLst>
+                  <a:ext uri="{FF2B5EF4-FFF2-40B4-BE49-F238E27FC236}">
+                    <a16:creationId xmlns:a16="http://schemas.microsoft.com/office/drawing/2014/main" id="{E0489D23-597E-47E4-9C25-42A0E152A55F}"/>
+                  </a:ext>
+                </a:extLst>
+              </p:cNvPr>
+              <p:cNvSpPr txBox="1"/>
+              <p:nvPr/>
+            </p:nvSpPr>
+            <p:spPr>
+              <a:xfrm>
+                <a:off x="8280000" y="180000"/>
+                <a:ext cx="3823354" cy="1200329"/>
+              </a:xfrm>
+              <a:prstGeom prst="rect">
+                <a:avLst/>
+              </a:prstGeom>
+              <a:noFill/>
+              <a:ln>
+                <a:solidFill>
+                  <a:schemeClr val="tx1"/>
+                </a:solidFill>
+              </a:ln>
+            </p:spPr>
+            <p:txBody>
+              <a:bodyPr wrap="none" rtlCol="0">
+                <a:spAutoFit/>
+              </a:bodyPr>
+              <a:lstStyle/>
+              <a:p>
+                <a:r>
+                  <a:rPr lang="fr-FR" dirty="0">
+                    <a:solidFill>
+                      <a:srgbClr val="64B164"/>
+                    </a:solidFill>
+                  </a:rPr>
+                  <a:t>n = nombre d’actions du fichier</a:t>
+                </a:r>
+              </a:p>
+              <a:p>
+                <a:r>
+                  <a:rPr lang="fr-FR" dirty="0">
+                    <a:solidFill>
+                      <a:srgbClr val="64B164"/>
+                    </a:solidFill>
+                  </a:rPr>
+                  <a:t>C</a:t>
+                </a:r>
+                <a:r>
+                  <a:rPr lang="fr-FR" baseline="-25000" dirty="0">
+                    <a:solidFill>
+                      <a:srgbClr val="64B164"/>
+                    </a:solidFill>
+                  </a:rPr>
+                  <a:t>i</a:t>
+                </a:r>
+                <a:r>
+                  <a:rPr lang="fr-FR" dirty="0">
+                    <a:solidFill>
+                      <a:srgbClr val="64B164"/>
+                    </a:solidFill>
+                  </a:rPr>
+                  <a:t> = Constante de la fonction i</a:t>
+                </a:r>
+              </a:p>
+              <a:p>
+                <a:r>
+                  <a:rPr lang="fr-FR" dirty="0">
+                    <a:solidFill>
+                      <a:srgbClr val="64B164"/>
+                    </a:solidFill>
+                  </a:rPr>
+                  <a:t>n</a:t>
+                </a:r>
+                <a:r>
+                  <a:rPr lang="fr-FR" baseline="-25000" dirty="0">
+                    <a:solidFill>
+                      <a:srgbClr val="64B164"/>
+                    </a:solidFill>
+                  </a:rPr>
+                  <a:t>a</a:t>
+                </a:r>
+                <a:r>
+                  <a:rPr lang="fr-FR" dirty="0">
+                    <a:solidFill>
+                      <a:srgbClr val="64B164"/>
+                    </a:solidFill>
+                  </a:rPr>
+                  <a:t> = nombre actions de la combinaison</a:t>
+                </a:r>
+              </a:p>
+              <a:p>
+                <a14:m>
+                  <m:oMath xmlns:m="http://schemas.openxmlformats.org/officeDocument/2006/math">
+                    <m:r>
+                      <a:rPr lang="fr-FR" i="1">
+                        <a:solidFill>
+                          <a:srgbClr val="64B164"/>
+                        </a:solidFill>
+                        <a:latin typeface="Cambria Math" panose="02040503050406030204" pitchFamily="18" charset="0"/>
+                      </a:rPr>
+                      <m:t>𝜖</m:t>
+                    </m:r>
+                    <m:r>
+                      <m:rPr>
+                        <m:sty m:val="p"/>
+                      </m:rPr>
+                      <a:rPr lang="fr-FR" b="0" i="0" baseline="-25000" smtClean="0">
+                        <a:solidFill>
+                          <a:srgbClr val="64B164"/>
+                        </a:solidFill>
+                        <a:latin typeface="Cambria Math" panose="02040503050406030204" pitchFamily="18" charset="0"/>
+                      </a:rPr>
+                      <m:t>i</m:t>
+                    </m:r>
+                  </m:oMath>
+                </a14:m>
+                <a:r>
+                  <a:rPr lang="fr-FR" dirty="0">
+                    <a:solidFill>
+                      <a:srgbClr val="64B164"/>
+                    </a:solidFill>
+                  </a:rPr>
+                  <a:t> = négligeables</a:t>
+                </a:r>
+              </a:p>
+            </p:txBody>
+          </p:sp>
+        </mc:Choice>
+        <mc:Fallback>
+          <p:sp>
+            <p:nvSpPr>
+              <p:cNvPr id="12" name="ZoneTexte 11">
+                <a:extLst>
+                  <a:ext uri="{FF2B5EF4-FFF2-40B4-BE49-F238E27FC236}">
+                    <a16:creationId xmlns:a16="http://schemas.microsoft.com/office/drawing/2014/main" id="{E0489D23-597E-47E4-9C25-42A0E152A55F}"/>
+                  </a:ext>
+                </a:extLst>
+              </p:cNvPr>
+              <p:cNvSpPr txBox="1">
+                <a:spLocks noRot="1" noChangeAspect="1" noMove="1" noResize="1" noEditPoints="1" noAdjustHandles="1" noChangeArrowheads="1" noChangeShapeType="1" noTextEdit="1"/>
+              </p:cNvSpPr>
+              <p:nvPr/>
+            </p:nvSpPr>
+            <p:spPr>
+              <a:xfrm>
+                <a:off x="8280000" y="180000"/>
+                <a:ext cx="3823354" cy="1200329"/>
+              </a:xfrm>
+              <a:prstGeom prst="rect">
+                <a:avLst/>
+              </a:prstGeom>
+              <a:blipFill>
+                <a:blip r:embed="rId5"/>
+                <a:stretch>
+                  <a:fillRect l="-1113" t="-2525" r="-795" b="-7071"/>
+                </a:stretch>
+              </a:blipFill>
+              <a:ln>
+                <a:solidFill>
+                  <a:schemeClr val="tx1"/>
+                </a:solidFill>
+              </a:ln>
+            </p:spPr>
+            <p:txBody>
+              <a:bodyPr/>
+              <a:lstStyle/>
+              <a:p>
+                <a:r>
+                  <a:rPr lang="fr-FR">
+                    <a:noFill/>
+                  </a:rPr>
+                  <a:t> </a:t>
+                </a:r>
+              </a:p>
+            </p:txBody>
+          </p:sp>
+        </mc:Fallback>
+      </mc:AlternateContent>
     </p:spTree>
     <p:extLst>
       <p:ext uri="{BB962C8B-B14F-4D97-AF65-F5344CB8AC3E}">
-        <p14:creationId xmlns:p14="http://schemas.microsoft.com/office/powerpoint/2010/main" val="3814144576"/>
+        <p14:creationId xmlns:p14="http://schemas.microsoft.com/office/powerpoint/2010/main" val="2250738715"/>
       </p:ext>
     </p:extLst>
   </p:cSld>
@@ -10132,12 +12722,47 @@
           <a:chExt cx="0" cy="0"/>
         </a:xfrm>
       </p:grpSpPr>
+      <p:pic>
+        <p:nvPicPr>
+          <p:cNvPr id="5" name="Image 4">
+            <a:extLst>
+              <a:ext uri="{FF2B5EF4-FFF2-40B4-BE49-F238E27FC236}">
+                <a16:creationId xmlns:a16="http://schemas.microsoft.com/office/drawing/2014/main" id="{91BEA5F4-E97B-47A0-AC0A-D3E3449B9E72}"/>
+              </a:ext>
+            </a:extLst>
+          </p:cNvPr>
+          <p:cNvPicPr>
+            <a:picLocks noChangeAspect="1"/>
+          </p:cNvPicPr>
+          <p:nvPr/>
+        </p:nvPicPr>
+        <p:blipFill>
+          <a:blip r:embed="rId2">
+            <a:extLst>
+              <a:ext uri="{28A0092B-C50C-407E-A947-70E740481C1C}">
+                <a14:useLocalDpi xmlns:a14="http://schemas.microsoft.com/office/drawing/2010/main" val="0"/>
+              </a:ext>
+            </a:extLst>
+          </a:blip>
+          <a:srcRect/>
+          <a:stretch/>
+        </p:blipFill>
+        <p:spPr>
+          <a:xfrm>
+            <a:off x="360000" y="1440000"/>
+            <a:ext cx="8484000" cy="5040000"/>
+          </a:xfrm>
+          <a:prstGeom prst="rect">
+            <a:avLst/>
+          </a:prstGeom>
+        </p:spPr>
+      </p:pic>
       <p:sp>
         <p:nvSpPr>
           <p:cNvPr id="2" name="Titre 1">
             <a:extLst>
               <a:ext uri="{FF2B5EF4-FFF2-40B4-BE49-F238E27FC236}">
-                <a16:creationId xmlns:a16="http://schemas.microsoft.com/office/drawing/2014/main" id="{D0902EAC-08A5-4F86-BA0C-296DC5B4C3F0}"/>
+                <a16:creationId xmlns:a16="http://schemas.microsoft.com/office/drawing/2014/main" id="{6E12BD60-FFB7-4FFC-8A8F-58ABA2B92C65}"/>
               </a:ext>
             </a:extLst>
           </p:cNvPr>
@@ -10155,13 +12780,8 @@
           <a:p>
             <a:r>
               <a:rPr lang="fr-FR" dirty="0"/>
-              <a:t>Comparaison performances brute/</a:t>
+              <a:t>optimized.py =&gt; Pseudocode</a:t>
             </a:r>
-            <a:r>
-              <a:rPr lang="fr-FR" dirty="0" err="1"/>
-              <a:t>opti</a:t>
-            </a:r>
-            <a:endParaRPr lang="fr-FR" dirty="0"/>
           </a:p>
         </p:txBody>
       </p:sp>
@@ -10170,7 +12790,7 @@
           <p:cNvPr id="3" name="Espace réservé du numéro de diapositive 2">
             <a:extLst>
               <a:ext uri="{FF2B5EF4-FFF2-40B4-BE49-F238E27FC236}">
-                <a16:creationId xmlns:a16="http://schemas.microsoft.com/office/drawing/2014/main" id="{C16F43A3-9526-46B7-AFCD-BAB05B23A532}"/>
+                <a16:creationId xmlns:a16="http://schemas.microsoft.com/office/drawing/2014/main" id="{5F9381FE-7645-4B0D-93DB-6C2975E58491}"/>
               </a:ext>
             </a:extLst>
           </p:cNvPr>
@@ -10195,10 +12815,1246 @@
           </a:p>
         </p:txBody>
       </p:sp>
+      <p:sp>
+        <p:nvSpPr>
+          <p:cNvPr id="7" name="Accolade fermante 6">
+            <a:extLst>
+              <a:ext uri="{FF2B5EF4-FFF2-40B4-BE49-F238E27FC236}">
+                <a16:creationId xmlns:a16="http://schemas.microsoft.com/office/drawing/2014/main" id="{430ABDDF-F06D-455D-89DB-593C57B40396}"/>
+              </a:ext>
+            </a:extLst>
+          </p:cNvPr>
+          <p:cNvSpPr/>
+          <p:nvPr/>
+        </p:nvSpPr>
+        <p:spPr>
+          <a:xfrm>
+            <a:off x="6480000" y="1690690"/>
+            <a:ext cx="362583" cy="937007"/>
+          </a:xfrm>
+          <a:prstGeom prst="rightBrace">
+            <a:avLst>
+              <a:gd name="adj1" fmla="val 6862"/>
+              <a:gd name="adj2" fmla="val 51471"/>
+            </a:avLst>
+          </a:prstGeom>
+          <a:ln w="15875">
+            <a:solidFill>
+              <a:srgbClr val="64B164"/>
+            </a:solidFill>
+          </a:ln>
+        </p:spPr>
+        <p:style>
+          <a:lnRef idx="1">
+            <a:schemeClr val="accent1"/>
+          </a:lnRef>
+          <a:fillRef idx="0">
+            <a:schemeClr val="accent1"/>
+          </a:fillRef>
+          <a:effectRef idx="0">
+            <a:schemeClr val="accent1"/>
+          </a:effectRef>
+          <a:fontRef idx="minor">
+            <a:schemeClr val="tx1"/>
+          </a:fontRef>
+        </p:style>
+        <p:txBody>
+          <a:bodyPr rtlCol="0" anchor="ctr"/>
+          <a:lstStyle/>
+          <a:p>
+            <a:pPr algn="ctr"/>
+            <a:endParaRPr lang="fr-FR"/>
+          </a:p>
+        </p:txBody>
+      </p:sp>
+      <mc:AlternateContent xmlns:mc="http://schemas.openxmlformats.org/markup-compatibility/2006">
+        <mc:Choice xmlns:a14="http://schemas.microsoft.com/office/drawing/2010/main" Requires="a14">
+          <p:sp>
+            <p:nvSpPr>
+              <p:cNvPr id="8" name="Rectangle 7">
+                <a:extLst>
+                  <a:ext uri="{FF2B5EF4-FFF2-40B4-BE49-F238E27FC236}">
+                    <a16:creationId xmlns:a16="http://schemas.microsoft.com/office/drawing/2014/main" id="{6617E168-27F5-4281-AAA0-DF03158F7AF7}"/>
+                  </a:ext>
+                </a:extLst>
+              </p:cNvPr>
+              <p:cNvSpPr/>
+              <p:nvPr/>
+            </p:nvSpPr>
+            <p:spPr>
+              <a:xfrm>
+                <a:off x="7115963" y="1974527"/>
+                <a:ext cx="2060436" cy="369332"/>
+              </a:xfrm>
+              <a:prstGeom prst="rect">
+                <a:avLst/>
+              </a:prstGeom>
+            </p:spPr>
+            <p:txBody>
+              <a:bodyPr wrap="none">
+                <a:spAutoFit/>
+              </a:bodyPr>
+              <a:lstStyle/>
+              <a:p>
+                <a:pPr/>
+                <a14:m>
+                  <m:oMathPara xmlns:m="http://schemas.openxmlformats.org/officeDocument/2006/math">
+                    <m:oMathParaPr>
+                      <m:jc m:val="left"/>
+                    </m:oMathParaPr>
+                    <m:oMath xmlns:m="http://schemas.openxmlformats.org/officeDocument/2006/math">
+                      <m:d>
+                        <m:dPr>
+                          <m:begChr m:val=""/>
+                          <m:ctrlPr>
+                            <a:rPr lang="fr-FR" smtClean="0">
+                              <a:solidFill>
+                                <a:srgbClr val="66D9EF"/>
+                              </a:solidFill>
+                              <a:latin typeface="Cambria Math" panose="02040503050406030204" pitchFamily="18" charset="0"/>
+                            </a:rPr>
+                          </m:ctrlPr>
+                        </m:dPr>
+                        <m:e>
+                          <m:sSub>
+                            <m:sSubPr>
+                              <m:ctrlPr>
+                                <a:rPr lang="fr-FR">
+                                  <a:solidFill>
+                                    <a:srgbClr val="66D9EF"/>
+                                  </a:solidFill>
+                                  <a:latin typeface="Cambria Math" panose="02040503050406030204" pitchFamily="18" charset="0"/>
+                                </a:rPr>
+                              </m:ctrlPr>
+                            </m:sSubPr>
+                            <m:e>
+                              <m:r>
+                                <m:rPr>
+                                  <m:sty m:val="p"/>
+                                </m:rPr>
+                                <a:rPr lang="fr-FR">
+                                  <a:solidFill>
+                                    <a:srgbClr val="66D9EF"/>
+                                  </a:solidFill>
+                                  <a:latin typeface="Cambria Math" panose="02040503050406030204" pitchFamily="18" charset="0"/>
+                                </a:rPr>
+                                <m:t>Ο</m:t>
+                              </m:r>
+                            </m:e>
+                            <m:sub>
+                              <m:r>
+                                <a:rPr lang="fr-FR" i="0">
+                                  <a:solidFill>
+                                    <a:srgbClr val="66D9EF"/>
+                                  </a:solidFill>
+                                  <a:latin typeface="Cambria Math" panose="02040503050406030204" pitchFamily="18" charset="0"/>
+                                </a:rPr>
+                                <m:t>5</m:t>
+                              </m:r>
+                            </m:sub>
+                          </m:sSub>
+                          <m:d>
+                            <m:dPr>
+                              <m:ctrlPr>
+                                <a:rPr lang="fr-FR" i="1">
+                                  <a:solidFill>
+                                    <a:srgbClr val="66D9EF"/>
+                                  </a:solidFill>
+                                  <a:latin typeface="Cambria Math" panose="02040503050406030204" pitchFamily="18" charset="0"/>
+                                </a:rPr>
+                              </m:ctrlPr>
+                            </m:dPr>
+                            <m:e>
+                              <m:sSub>
+                                <m:sSubPr>
+                                  <m:ctrlPr>
+                                    <a:rPr lang="fr-FR" i="1">
+                                      <a:solidFill>
+                                        <a:srgbClr val="66D9EF"/>
+                                      </a:solidFill>
+                                      <a:latin typeface="Cambria Math" panose="02040503050406030204" pitchFamily="18" charset="0"/>
+                                    </a:rPr>
+                                  </m:ctrlPr>
+                                </m:sSubPr>
+                                <m:e>
+                                  <m:r>
+                                    <m:rPr>
+                                      <m:sty m:val="p"/>
+                                    </m:rPr>
+                                    <a:rPr lang="fr-FR" i="0">
+                                      <a:solidFill>
+                                        <a:srgbClr val="66D9EF"/>
+                                      </a:solidFill>
+                                      <a:latin typeface="Cambria Math" panose="02040503050406030204" pitchFamily="18" charset="0"/>
+                                    </a:rPr>
+                                    <m:t>C</m:t>
+                                  </m:r>
+                                </m:e>
+                                <m:sub>
+                                  <m:r>
+                                    <a:rPr lang="fr-FR" i="0">
+                                      <a:solidFill>
+                                        <a:srgbClr val="66D9EF"/>
+                                      </a:solidFill>
+                                      <a:latin typeface="Cambria Math" panose="02040503050406030204" pitchFamily="18" charset="0"/>
+                                    </a:rPr>
+                                    <m:t>5</m:t>
+                                  </m:r>
+                                </m:sub>
+                              </m:sSub>
+                            </m:e>
+                          </m:d>
+                          <m:r>
+                            <a:rPr lang="fr-FR" i="0">
+                              <a:solidFill>
+                                <a:srgbClr val="66D9EF"/>
+                              </a:solidFill>
+                              <a:latin typeface="Cambria Math" panose="02040503050406030204" pitchFamily="18" charset="0"/>
+                            </a:rPr>
+                            <m:t>  =   </m:t>
+                          </m:r>
+                          <m:sSub>
+                            <m:sSubPr>
+                              <m:ctrlPr>
+                                <a:rPr lang="fr-FR" i="1">
+                                  <a:solidFill>
+                                    <a:srgbClr val="66D9EF"/>
+                                  </a:solidFill>
+                                  <a:latin typeface="Cambria Math" panose="02040503050406030204" pitchFamily="18" charset="0"/>
+                                </a:rPr>
+                              </m:ctrlPr>
+                            </m:sSubPr>
+                            <m:e>
+                              <m:r>
+                                <m:rPr>
+                                  <m:sty m:val="p"/>
+                                </m:rPr>
+                                <a:rPr lang="fr-FR" i="0">
+                                  <a:solidFill>
+                                    <a:srgbClr val="66D9EF"/>
+                                  </a:solidFill>
+                                  <a:latin typeface="Cambria Math" panose="02040503050406030204" pitchFamily="18" charset="0"/>
+                                </a:rPr>
+                                <m:t>Ο</m:t>
+                              </m:r>
+                            </m:e>
+                            <m:sub>
+                              <m:r>
+                                <a:rPr lang="fr-FR" i="0">
+                                  <a:solidFill>
+                                    <a:srgbClr val="66D9EF"/>
+                                  </a:solidFill>
+                                  <a:latin typeface="Cambria Math" panose="02040503050406030204" pitchFamily="18" charset="0"/>
+                                </a:rPr>
+                                <m:t>5</m:t>
+                              </m:r>
+                            </m:sub>
+                          </m:sSub>
+                          <m:r>
+                            <a:rPr lang="fr-FR" i="0">
+                              <a:solidFill>
+                                <a:srgbClr val="66D9EF"/>
+                              </a:solidFill>
+                              <a:latin typeface="Cambria Math" panose="02040503050406030204" pitchFamily="18" charset="0"/>
+                            </a:rPr>
+                            <m:t>(1</m:t>
+                          </m:r>
+                        </m:e>
+                      </m:d>
+                    </m:oMath>
+                  </m:oMathPara>
+                </a14:m>
+                <a:endParaRPr lang="fr-FR" dirty="0">
+                  <a:solidFill>
+                    <a:srgbClr val="66D9EF"/>
+                  </a:solidFill>
+                </a:endParaRPr>
+              </a:p>
+            </p:txBody>
+          </p:sp>
+        </mc:Choice>
+        <mc:Fallback>
+          <p:sp>
+            <p:nvSpPr>
+              <p:cNvPr id="8" name="Rectangle 7">
+                <a:extLst>
+                  <a:ext uri="{FF2B5EF4-FFF2-40B4-BE49-F238E27FC236}">
+                    <a16:creationId xmlns:a16="http://schemas.microsoft.com/office/drawing/2014/main" id="{6617E168-27F5-4281-AAA0-DF03158F7AF7}"/>
+                  </a:ext>
+                </a:extLst>
+              </p:cNvPr>
+              <p:cNvSpPr>
+                <a:spLocks noRot="1" noChangeAspect="1" noMove="1" noResize="1" noEditPoints="1" noAdjustHandles="1" noChangeArrowheads="1" noChangeShapeType="1" noTextEdit="1"/>
+              </p:cNvSpPr>
+              <p:nvPr/>
+            </p:nvSpPr>
+            <p:spPr>
+              <a:xfrm>
+                <a:off x="7115963" y="1974527"/>
+                <a:ext cx="2060436" cy="369332"/>
+              </a:xfrm>
+              <a:prstGeom prst="rect">
+                <a:avLst/>
+              </a:prstGeom>
+              <a:blipFill>
+                <a:blip r:embed="rId3"/>
+                <a:stretch>
+                  <a:fillRect t="-121667" r="-23077" b="-188333"/>
+                </a:stretch>
+              </a:blipFill>
+            </p:spPr>
+            <p:txBody>
+              <a:bodyPr/>
+              <a:lstStyle/>
+              <a:p>
+                <a:r>
+                  <a:rPr lang="fr-FR">
+                    <a:noFill/>
+                  </a:rPr>
+                  <a:t> </a:t>
+                </a:r>
+              </a:p>
+            </p:txBody>
+          </p:sp>
+        </mc:Fallback>
+      </mc:AlternateContent>
+      <p:sp>
+        <p:nvSpPr>
+          <p:cNvPr id="10" name="ZoneTexte 9">
+            <a:extLst>
+              <a:ext uri="{FF2B5EF4-FFF2-40B4-BE49-F238E27FC236}">
+                <a16:creationId xmlns:a16="http://schemas.microsoft.com/office/drawing/2014/main" id="{69989E2D-68EA-4A74-9B7F-5A16F2F572AA}"/>
+              </a:ext>
+            </a:extLst>
+          </p:cNvPr>
+          <p:cNvSpPr txBox="1"/>
+          <p:nvPr/>
+        </p:nvSpPr>
+        <p:spPr>
+          <a:xfrm>
+            <a:off x="2160000" y="3420000"/>
+            <a:ext cx="3836628" cy="369332"/>
+          </a:xfrm>
+          <a:prstGeom prst="rect">
+            <a:avLst/>
+          </a:prstGeom>
+          <a:noFill/>
+        </p:spPr>
+        <p:txBody>
+          <a:bodyPr wrap="none" rtlCol="0">
+            <a:spAutoFit/>
+          </a:bodyPr>
+          <a:lstStyle/>
+          <a:p>
+            <a:r>
+              <a:rPr lang="fr-FR" dirty="0">
+                <a:solidFill>
+                  <a:srgbClr val="64B164"/>
+                </a:solidFill>
+              </a:rPr>
+              <a:t>Soit, pour l’ensemble de optimized.py :</a:t>
+            </a:r>
+          </a:p>
+        </p:txBody>
+      </p:sp>
+      <mc:AlternateContent xmlns:mc="http://schemas.openxmlformats.org/markup-compatibility/2006">
+        <mc:Choice xmlns:a14="http://schemas.microsoft.com/office/drawing/2010/main" Requires="a14">
+          <p:sp>
+            <p:nvSpPr>
+              <p:cNvPr id="11" name="Rectangle 10">
+                <a:extLst>
+                  <a:ext uri="{FF2B5EF4-FFF2-40B4-BE49-F238E27FC236}">
+                    <a16:creationId xmlns:a16="http://schemas.microsoft.com/office/drawing/2014/main" id="{406DF2A9-74C4-464E-999E-12A22D7B3BCF}"/>
+                  </a:ext>
+                </a:extLst>
+              </p:cNvPr>
+              <p:cNvSpPr/>
+              <p:nvPr/>
+            </p:nvSpPr>
+            <p:spPr>
+              <a:xfrm>
+                <a:off x="2541069" y="3960000"/>
+                <a:ext cx="7109861" cy="369332"/>
+              </a:xfrm>
+              <a:prstGeom prst="rect">
+                <a:avLst/>
+              </a:prstGeom>
+            </p:spPr>
+            <p:txBody>
+              <a:bodyPr wrap="square">
+                <a:spAutoFit/>
+              </a:bodyPr>
+              <a:lstStyle/>
+              <a:p>
+                <a:pPr/>
+                <a14:m>
+                  <m:oMathPara xmlns:m="http://schemas.openxmlformats.org/officeDocument/2006/math">
+                    <m:oMathParaPr>
+                      <m:jc m:val="center"/>
+                    </m:oMathParaPr>
+                    <m:oMath xmlns:m="http://schemas.openxmlformats.org/officeDocument/2006/math">
+                      <m:r>
+                        <m:rPr>
+                          <m:sty m:val="p"/>
+                        </m:rPr>
+                        <a:rPr lang="fr-FR" smtClean="0">
+                          <a:solidFill>
+                            <a:srgbClr val="66D9EF"/>
+                          </a:solidFill>
+                          <a:latin typeface="Cambria Math" panose="02040503050406030204" pitchFamily="18" charset="0"/>
+                        </a:rPr>
+                        <m:t>Ο</m:t>
+                      </m:r>
+                      <m:d>
+                        <m:dPr>
+                          <m:ctrlPr>
+                            <a:rPr lang="fr-FR" i="1">
+                              <a:solidFill>
+                                <a:srgbClr val="66D9EF"/>
+                              </a:solidFill>
+                              <a:latin typeface="Cambria Math" panose="02040503050406030204" pitchFamily="18" charset="0"/>
+                            </a:rPr>
+                          </m:ctrlPr>
+                        </m:dPr>
+                        <m:e>
+                          <m:sSub>
+                            <m:sSubPr>
+                              <m:ctrlPr>
+                                <a:rPr lang="fr-FR" i="1">
+                                  <a:solidFill>
+                                    <a:srgbClr val="66D9EF"/>
+                                  </a:solidFill>
+                                  <a:latin typeface="Cambria Math" panose="02040503050406030204" pitchFamily="18" charset="0"/>
+                                </a:rPr>
+                              </m:ctrlPr>
+                            </m:sSubPr>
+                            <m:e>
+                              <m:r>
+                                <m:rPr>
+                                  <m:sty m:val="p"/>
+                                </m:rPr>
+                                <a:rPr lang="fr-FR" i="0">
+                                  <a:solidFill>
+                                    <a:srgbClr val="66D9EF"/>
+                                  </a:solidFill>
+                                  <a:latin typeface="Cambria Math" panose="02040503050406030204" pitchFamily="18" charset="0"/>
+                                </a:rPr>
+                                <m:t>Ο</m:t>
+                              </m:r>
+                            </m:e>
+                            <m:sub>
+                              <m:r>
+                                <a:rPr lang="fr-FR" i="0">
+                                  <a:solidFill>
+                                    <a:srgbClr val="66D9EF"/>
+                                  </a:solidFill>
+                                  <a:latin typeface="Cambria Math" panose="02040503050406030204" pitchFamily="18" charset="0"/>
+                                </a:rPr>
+                                <m:t>1</m:t>
+                              </m:r>
+                            </m:sub>
+                          </m:sSub>
+                          <m:r>
+                            <a:rPr lang="fr-FR" i="0">
+                              <a:solidFill>
+                                <a:srgbClr val="66D9EF"/>
+                              </a:solidFill>
+                              <a:latin typeface="Cambria Math" panose="02040503050406030204" pitchFamily="18" charset="0"/>
+                            </a:rPr>
+                            <m:t>+</m:t>
+                          </m:r>
+                          <m:sSub>
+                            <m:sSubPr>
+                              <m:ctrlPr>
+                                <a:rPr lang="fr-FR" i="1">
+                                  <a:solidFill>
+                                    <a:srgbClr val="66D9EF"/>
+                                  </a:solidFill>
+                                  <a:latin typeface="Cambria Math" panose="02040503050406030204" pitchFamily="18" charset="0"/>
+                                </a:rPr>
+                              </m:ctrlPr>
+                            </m:sSubPr>
+                            <m:e>
+                              <m:r>
+                                <m:rPr>
+                                  <m:sty m:val="p"/>
+                                </m:rPr>
+                                <a:rPr lang="fr-FR" i="0">
+                                  <a:solidFill>
+                                    <a:srgbClr val="66D9EF"/>
+                                  </a:solidFill>
+                                  <a:latin typeface="Cambria Math" panose="02040503050406030204" pitchFamily="18" charset="0"/>
+                                </a:rPr>
+                                <m:t>Ο</m:t>
+                              </m:r>
+                            </m:e>
+                            <m:sub>
+                              <m:r>
+                                <a:rPr lang="fr-FR" i="0">
+                                  <a:solidFill>
+                                    <a:srgbClr val="66D9EF"/>
+                                  </a:solidFill>
+                                  <a:latin typeface="Cambria Math" panose="02040503050406030204" pitchFamily="18" charset="0"/>
+                                </a:rPr>
+                                <m:t>2</m:t>
+                              </m:r>
+                            </m:sub>
+                          </m:sSub>
+                          <m:r>
+                            <a:rPr lang="fr-FR" i="0">
+                              <a:solidFill>
+                                <a:srgbClr val="66D9EF"/>
+                              </a:solidFill>
+                              <a:latin typeface="Cambria Math" panose="02040503050406030204" pitchFamily="18" charset="0"/>
+                            </a:rPr>
+                            <m:t>+</m:t>
+                          </m:r>
+                          <m:sSub>
+                            <m:sSubPr>
+                              <m:ctrlPr>
+                                <a:rPr lang="fr-FR" i="1">
+                                  <a:solidFill>
+                                    <a:srgbClr val="66D9EF"/>
+                                  </a:solidFill>
+                                  <a:latin typeface="Cambria Math" panose="02040503050406030204" pitchFamily="18" charset="0"/>
+                                </a:rPr>
+                              </m:ctrlPr>
+                            </m:sSubPr>
+                            <m:e>
+                              <m:r>
+                                <m:rPr>
+                                  <m:sty m:val="p"/>
+                                </m:rPr>
+                                <a:rPr lang="fr-FR" i="0">
+                                  <a:solidFill>
+                                    <a:srgbClr val="66D9EF"/>
+                                  </a:solidFill>
+                                  <a:latin typeface="Cambria Math" panose="02040503050406030204" pitchFamily="18" charset="0"/>
+                                </a:rPr>
+                                <m:t>Ο</m:t>
+                              </m:r>
+                            </m:e>
+                            <m:sub>
+                              <m:r>
+                                <a:rPr lang="fr-FR" i="0">
+                                  <a:solidFill>
+                                    <a:srgbClr val="66D9EF"/>
+                                  </a:solidFill>
+                                  <a:latin typeface="Cambria Math" panose="02040503050406030204" pitchFamily="18" charset="0"/>
+                                </a:rPr>
+                                <m:t>3</m:t>
+                              </m:r>
+                            </m:sub>
+                          </m:sSub>
+                          <m:r>
+                            <a:rPr lang="fr-FR" i="0">
+                              <a:solidFill>
+                                <a:srgbClr val="66D9EF"/>
+                              </a:solidFill>
+                              <a:latin typeface="Cambria Math" panose="02040503050406030204" pitchFamily="18" charset="0"/>
+                            </a:rPr>
+                            <m:t>+</m:t>
+                          </m:r>
+                          <m:sSub>
+                            <m:sSubPr>
+                              <m:ctrlPr>
+                                <a:rPr lang="fr-FR" i="1">
+                                  <a:solidFill>
+                                    <a:srgbClr val="66D9EF"/>
+                                  </a:solidFill>
+                                  <a:latin typeface="Cambria Math" panose="02040503050406030204" pitchFamily="18" charset="0"/>
+                                </a:rPr>
+                              </m:ctrlPr>
+                            </m:sSubPr>
+                            <m:e>
+                              <m:r>
+                                <m:rPr>
+                                  <m:sty m:val="p"/>
+                                </m:rPr>
+                                <a:rPr lang="fr-FR" i="0">
+                                  <a:solidFill>
+                                    <a:srgbClr val="66D9EF"/>
+                                  </a:solidFill>
+                                  <a:latin typeface="Cambria Math" panose="02040503050406030204" pitchFamily="18" charset="0"/>
+                                </a:rPr>
+                                <m:t>Ο</m:t>
+                              </m:r>
+                            </m:e>
+                            <m:sub>
+                              <m:r>
+                                <a:rPr lang="fr-FR" i="0">
+                                  <a:solidFill>
+                                    <a:srgbClr val="66D9EF"/>
+                                  </a:solidFill>
+                                  <a:latin typeface="Cambria Math" panose="02040503050406030204" pitchFamily="18" charset="0"/>
+                                </a:rPr>
+                                <m:t>4</m:t>
+                              </m:r>
+                            </m:sub>
+                          </m:sSub>
+                          <m:r>
+                            <a:rPr lang="fr-FR" i="0">
+                              <a:solidFill>
+                                <a:srgbClr val="66D9EF"/>
+                              </a:solidFill>
+                              <a:latin typeface="Cambria Math" panose="02040503050406030204" pitchFamily="18" charset="0"/>
+                            </a:rPr>
+                            <m:t>+</m:t>
+                          </m:r>
+                          <m:sSub>
+                            <m:sSubPr>
+                              <m:ctrlPr>
+                                <a:rPr lang="fr-FR" i="1">
+                                  <a:solidFill>
+                                    <a:srgbClr val="66D9EF"/>
+                                  </a:solidFill>
+                                  <a:latin typeface="Cambria Math" panose="02040503050406030204" pitchFamily="18" charset="0"/>
+                                </a:rPr>
+                              </m:ctrlPr>
+                            </m:sSubPr>
+                            <m:e>
+                              <m:r>
+                                <m:rPr>
+                                  <m:sty m:val="p"/>
+                                </m:rPr>
+                                <a:rPr lang="fr-FR" i="0">
+                                  <a:solidFill>
+                                    <a:srgbClr val="66D9EF"/>
+                                  </a:solidFill>
+                                  <a:latin typeface="Cambria Math" panose="02040503050406030204" pitchFamily="18" charset="0"/>
+                                </a:rPr>
+                                <m:t>Ο</m:t>
+                              </m:r>
+                            </m:e>
+                            <m:sub>
+                              <m:r>
+                                <a:rPr lang="fr-FR" i="0">
+                                  <a:solidFill>
+                                    <a:srgbClr val="66D9EF"/>
+                                  </a:solidFill>
+                                  <a:latin typeface="Cambria Math" panose="02040503050406030204" pitchFamily="18" charset="0"/>
+                                </a:rPr>
+                                <m:t>5</m:t>
+                              </m:r>
+                            </m:sub>
+                          </m:sSub>
+                        </m:e>
+                      </m:d>
+                      <m:r>
+                        <a:rPr lang="fr-FR" i="0">
+                          <a:solidFill>
+                            <a:srgbClr val="66D9EF"/>
+                          </a:solidFill>
+                          <a:latin typeface="Cambria Math" panose="02040503050406030204" pitchFamily="18" charset="0"/>
+                        </a:rPr>
+                        <m:t>+</m:t>
+                      </m:r>
+                      <m:r>
+                        <a:rPr lang="fr-FR" i="1">
+                          <a:solidFill>
+                            <a:srgbClr val="66D9EF"/>
+                          </a:solidFill>
+                          <a:latin typeface="Cambria Math" panose="02040503050406030204" pitchFamily="18" charset="0"/>
+                        </a:rPr>
+                        <m:t>𝜖</m:t>
+                      </m:r>
+                      <m:r>
+                        <a:rPr lang="fr-FR" i="0">
+                          <a:solidFill>
+                            <a:srgbClr val="66D9EF"/>
+                          </a:solidFill>
+                          <a:latin typeface="Cambria Math" panose="02040503050406030204" pitchFamily="18" charset="0"/>
+                        </a:rPr>
+                        <m:t>  =   </m:t>
+                      </m:r>
+                      <m:r>
+                        <m:rPr>
+                          <m:sty m:val="p"/>
+                        </m:rPr>
+                        <a:rPr lang="fr-FR" i="0">
+                          <a:solidFill>
+                            <a:srgbClr val="66D9EF"/>
+                          </a:solidFill>
+                          <a:latin typeface="Cambria Math" panose="02040503050406030204" pitchFamily="18" charset="0"/>
+                        </a:rPr>
+                        <m:t>Ο</m:t>
+                      </m:r>
+                      <m:d>
+                        <m:dPr>
+                          <m:ctrlPr>
+                            <a:rPr lang="fr-FR" i="1">
+                              <a:solidFill>
+                                <a:srgbClr val="66D9EF"/>
+                              </a:solidFill>
+                              <a:latin typeface="Cambria Math" panose="02040503050406030204" pitchFamily="18" charset="0"/>
+                            </a:rPr>
+                          </m:ctrlPr>
+                        </m:dPr>
+                        <m:e>
+                          <m:r>
+                            <a:rPr lang="fr-FR" i="1">
+                              <a:solidFill>
+                                <a:srgbClr val="66D9EF"/>
+                              </a:solidFill>
+                              <a:latin typeface="Cambria Math" panose="02040503050406030204" pitchFamily="18" charset="0"/>
+                            </a:rPr>
+                            <m:t>𝑛</m:t>
+                          </m:r>
+                          <m:r>
+                            <a:rPr lang="fr-FR" i="0">
+                              <a:solidFill>
+                                <a:srgbClr val="66D9EF"/>
+                              </a:solidFill>
+                              <a:latin typeface="Cambria Math" panose="02040503050406030204" pitchFamily="18" charset="0"/>
+                            </a:rPr>
+                            <m:t>+</m:t>
+                          </m:r>
+                          <m:r>
+                            <a:rPr lang="fr-FR" i="1">
+                              <a:solidFill>
+                                <a:srgbClr val="66D9EF"/>
+                              </a:solidFill>
+                              <a:latin typeface="Cambria Math" panose="02040503050406030204" pitchFamily="18" charset="0"/>
+                            </a:rPr>
+                            <m:t>𝑛𝑙𝑜𝑔</m:t>
+                          </m:r>
+                          <m:d>
+                            <m:dPr>
+                              <m:ctrlPr>
+                                <a:rPr lang="fr-FR" i="1">
+                                  <a:solidFill>
+                                    <a:srgbClr val="66D9EF"/>
+                                  </a:solidFill>
+                                  <a:latin typeface="Cambria Math" panose="02040503050406030204" pitchFamily="18" charset="0"/>
+                                </a:rPr>
+                              </m:ctrlPr>
+                            </m:dPr>
+                            <m:e>
+                              <m:r>
+                                <a:rPr lang="fr-FR" i="1">
+                                  <a:solidFill>
+                                    <a:srgbClr val="66D9EF"/>
+                                  </a:solidFill>
+                                  <a:latin typeface="Cambria Math" panose="02040503050406030204" pitchFamily="18" charset="0"/>
+                                </a:rPr>
+                                <m:t>𝑛</m:t>
+                              </m:r>
+                            </m:e>
+                          </m:d>
+                          <m:r>
+                            <a:rPr lang="fr-FR" i="0">
+                              <a:solidFill>
+                                <a:srgbClr val="66D9EF"/>
+                              </a:solidFill>
+                              <a:latin typeface="Cambria Math" panose="02040503050406030204" pitchFamily="18" charset="0"/>
+                            </a:rPr>
+                            <m:t>+</m:t>
+                          </m:r>
+                          <m:r>
+                            <a:rPr lang="fr-FR" i="1">
+                              <a:solidFill>
+                                <a:srgbClr val="66D9EF"/>
+                              </a:solidFill>
+                              <a:latin typeface="Cambria Math" panose="02040503050406030204" pitchFamily="18" charset="0"/>
+                            </a:rPr>
+                            <m:t>𝑛</m:t>
+                          </m:r>
+                          <m:r>
+                            <a:rPr lang="fr-FR" i="0">
+                              <a:solidFill>
+                                <a:srgbClr val="66D9EF"/>
+                              </a:solidFill>
+                              <a:latin typeface="Cambria Math" panose="02040503050406030204" pitchFamily="18" charset="0"/>
+                            </a:rPr>
+                            <m:t>+</m:t>
+                          </m:r>
+                          <m:sSub>
+                            <m:sSubPr>
+                              <m:ctrlPr>
+                                <a:rPr lang="fr-FR" i="1">
+                                  <a:solidFill>
+                                    <a:srgbClr val="66D9EF"/>
+                                  </a:solidFill>
+                                  <a:latin typeface="Cambria Math" panose="02040503050406030204" pitchFamily="18" charset="0"/>
+                                </a:rPr>
+                              </m:ctrlPr>
+                            </m:sSubPr>
+                            <m:e>
+                              <m:r>
+                                <a:rPr lang="fr-FR" i="1">
+                                  <a:solidFill>
+                                    <a:srgbClr val="66D9EF"/>
+                                  </a:solidFill>
+                                  <a:latin typeface="Cambria Math" panose="02040503050406030204" pitchFamily="18" charset="0"/>
+                                </a:rPr>
+                                <m:t>𝑛</m:t>
+                              </m:r>
+                            </m:e>
+                            <m:sub>
+                              <m:r>
+                                <a:rPr lang="fr-FR" i="1">
+                                  <a:solidFill>
+                                    <a:srgbClr val="66D9EF"/>
+                                  </a:solidFill>
+                                  <a:latin typeface="Cambria Math" panose="02040503050406030204" pitchFamily="18" charset="0"/>
+                                </a:rPr>
+                                <m:t>𝑎</m:t>
+                              </m:r>
+                            </m:sub>
+                          </m:sSub>
+                          <m:r>
+                            <a:rPr lang="fr-FR" i="0">
+                              <a:solidFill>
+                                <a:srgbClr val="66D9EF"/>
+                              </a:solidFill>
+                              <a:latin typeface="Cambria Math" panose="02040503050406030204" pitchFamily="18" charset="0"/>
+                            </a:rPr>
+                            <m:t>+1</m:t>
+                          </m:r>
+                        </m:e>
+                      </m:d>
+                      <m:r>
+                        <a:rPr lang="fr-FR" i="0">
+                          <a:solidFill>
+                            <a:srgbClr val="66D9EF"/>
+                          </a:solidFill>
+                          <a:latin typeface="Cambria Math" panose="02040503050406030204" pitchFamily="18" charset="0"/>
+                        </a:rPr>
+                        <m:t>+</m:t>
+                      </m:r>
+                      <m:r>
+                        <a:rPr lang="fr-FR" i="1">
+                          <a:solidFill>
+                            <a:srgbClr val="66D9EF"/>
+                          </a:solidFill>
+                          <a:latin typeface="Cambria Math" panose="02040503050406030204" pitchFamily="18" charset="0"/>
+                        </a:rPr>
+                        <m:t>𝜖</m:t>
+                      </m:r>
+                    </m:oMath>
+                  </m:oMathPara>
+                </a14:m>
+                <a:endParaRPr lang="fr-FR" dirty="0">
+                  <a:solidFill>
+                    <a:srgbClr val="66D9EF"/>
+                  </a:solidFill>
+                </a:endParaRPr>
+              </a:p>
+            </p:txBody>
+          </p:sp>
+        </mc:Choice>
+        <mc:Fallback>
+          <p:sp>
+            <p:nvSpPr>
+              <p:cNvPr id="11" name="Rectangle 10">
+                <a:extLst>
+                  <a:ext uri="{FF2B5EF4-FFF2-40B4-BE49-F238E27FC236}">
+                    <a16:creationId xmlns:a16="http://schemas.microsoft.com/office/drawing/2014/main" id="{406DF2A9-74C4-464E-999E-12A22D7B3BCF}"/>
+                  </a:ext>
+                </a:extLst>
+              </p:cNvPr>
+              <p:cNvSpPr>
+                <a:spLocks noRot="1" noChangeAspect="1" noMove="1" noResize="1" noEditPoints="1" noAdjustHandles="1" noChangeArrowheads="1" noChangeShapeType="1" noTextEdit="1"/>
+              </p:cNvSpPr>
+              <p:nvPr/>
+            </p:nvSpPr>
+            <p:spPr>
+              <a:xfrm>
+                <a:off x="2541069" y="3960000"/>
+                <a:ext cx="7109861" cy="369332"/>
+              </a:xfrm>
+              <a:prstGeom prst="rect">
+                <a:avLst/>
+              </a:prstGeom>
+              <a:blipFill>
+                <a:blip r:embed="rId4"/>
+                <a:stretch>
+                  <a:fillRect b="-13333"/>
+                </a:stretch>
+              </a:blipFill>
+            </p:spPr>
+            <p:txBody>
+              <a:bodyPr/>
+              <a:lstStyle/>
+              <a:p>
+                <a:r>
+                  <a:rPr lang="fr-FR">
+                    <a:noFill/>
+                  </a:rPr>
+                  <a:t> </a:t>
+                </a:r>
+              </a:p>
+            </p:txBody>
+          </p:sp>
+        </mc:Fallback>
+      </mc:AlternateContent>
+      <mc:AlternateContent xmlns:mc="http://schemas.openxmlformats.org/markup-compatibility/2006">
+        <mc:Choice xmlns:a14="http://schemas.microsoft.com/office/drawing/2010/main" Requires="a14">
+          <p:sp>
+            <p:nvSpPr>
+              <p:cNvPr id="12" name="Rectangle 11">
+                <a:extLst>
+                  <a:ext uri="{FF2B5EF4-FFF2-40B4-BE49-F238E27FC236}">
+                    <a16:creationId xmlns:a16="http://schemas.microsoft.com/office/drawing/2014/main" id="{53712C63-660E-4F57-BB3E-F4A31B4E7B59}"/>
+                  </a:ext>
+                </a:extLst>
+              </p:cNvPr>
+              <p:cNvSpPr/>
+              <p:nvPr/>
+            </p:nvSpPr>
+            <p:spPr>
+              <a:xfrm>
+                <a:off x="5201844" y="4680000"/>
+                <a:ext cx="1788310" cy="404983"/>
+              </a:xfrm>
+              <a:prstGeom prst="rect">
+                <a:avLst/>
+              </a:prstGeom>
+              <a:ln>
+                <a:solidFill>
+                  <a:srgbClr val="66D9EF"/>
+                </a:solidFill>
+              </a:ln>
+            </p:spPr>
+            <p:txBody>
+              <a:bodyPr wrap="none">
+                <a:spAutoFit/>
+              </a:bodyPr>
+              <a:lstStyle/>
+              <a:p>
+                <a:pPr/>
+                <a14:m>
+                  <m:oMathPara xmlns:m="http://schemas.openxmlformats.org/officeDocument/2006/math">
+                    <m:oMathParaPr>
+                      <m:jc m:val="center"/>
+                    </m:oMathParaPr>
+                    <m:oMath xmlns:m="http://schemas.openxmlformats.org/officeDocument/2006/math">
+                      <m:r>
+                        <m:rPr>
+                          <m:sty m:val="p"/>
+                        </m:rPr>
+                        <a:rPr lang="fr-FR" smtClean="0">
+                          <a:solidFill>
+                            <a:srgbClr val="66D9EF"/>
+                          </a:solidFill>
+                          <a:latin typeface="Cambria Math" panose="02040503050406030204" pitchFamily="18" charset="0"/>
+                        </a:rPr>
+                        <m:t>Ο</m:t>
+                      </m:r>
+                      <m:d>
+                        <m:dPr>
+                          <m:ctrlPr>
+                            <a:rPr lang="fr-FR" i="1">
+                              <a:solidFill>
+                                <a:srgbClr val="66D9EF"/>
+                              </a:solidFill>
+                              <a:latin typeface="Cambria Math" panose="02040503050406030204" pitchFamily="18" charset="0"/>
+                            </a:rPr>
+                          </m:ctrlPr>
+                        </m:dPr>
+                        <m:e>
+                          <m:r>
+                            <a:rPr lang="fr-FR" i="1">
+                              <a:solidFill>
+                                <a:srgbClr val="66D9EF"/>
+                              </a:solidFill>
+                              <a:latin typeface="Cambria Math" panose="02040503050406030204" pitchFamily="18" charset="0"/>
+                            </a:rPr>
+                            <m:t>𝑛𝑙𝑜𝑔</m:t>
+                          </m:r>
+                          <m:d>
+                            <m:dPr>
+                              <m:ctrlPr>
+                                <a:rPr lang="fr-FR" i="1">
+                                  <a:solidFill>
+                                    <a:srgbClr val="66D9EF"/>
+                                  </a:solidFill>
+                                  <a:latin typeface="Cambria Math" panose="02040503050406030204" pitchFamily="18" charset="0"/>
+                                </a:rPr>
+                              </m:ctrlPr>
+                            </m:dPr>
+                            <m:e>
+                              <m:r>
+                                <a:rPr lang="fr-FR" i="1">
+                                  <a:solidFill>
+                                    <a:srgbClr val="66D9EF"/>
+                                  </a:solidFill>
+                                  <a:latin typeface="Cambria Math" panose="02040503050406030204" pitchFamily="18" charset="0"/>
+                                </a:rPr>
+                                <m:t>𝑛</m:t>
+                              </m:r>
+                            </m:e>
+                          </m:d>
+                        </m:e>
+                      </m:d>
+                      <m:r>
+                        <a:rPr lang="fr-FR" i="0">
+                          <a:solidFill>
+                            <a:srgbClr val="66D9EF"/>
+                          </a:solidFill>
+                          <a:latin typeface="Cambria Math" panose="02040503050406030204" pitchFamily="18" charset="0"/>
+                        </a:rPr>
+                        <m:t>+</m:t>
+                      </m:r>
+                      <m:r>
+                        <a:rPr lang="fr-FR" i="1">
+                          <a:solidFill>
+                            <a:srgbClr val="66D9EF"/>
+                          </a:solidFill>
+                          <a:latin typeface="Cambria Math" panose="02040503050406030204" pitchFamily="18" charset="0"/>
+                        </a:rPr>
+                        <m:t>𝜖</m:t>
+                      </m:r>
+                    </m:oMath>
+                  </m:oMathPara>
+                </a14:m>
+                <a:endParaRPr lang="fr-FR" dirty="0">
+                  <a:solidFill>
+                    <a:srgbClr val="66D9EF"/>
+                  </a:solidFill>
+                </a:endParaRPr>
+              </a:p>
+            </p:txBody>
+          </p:sp>
+        </mc:Choice>
+        <mc:Fallback>
+          <p:sp>
+            <p:nvSpPr>
+              <p:cNvPr id="12" name="Rectangle 11">
+                <a:extLst>
+                  <a:ext uri="{FF2B5EF4-FFF2-40B4-BE49-F238E27FC236}">
+                    <a16:creationId xmlns:a16="http://schemas.microsoft.com/office/drawing/2014/main" id="{53712C63-660E-4F57-BB3E-F4A31B4E7B59}"/>
+                  </a:ext>
+                </a:extLst>
+              </p:cNvPr>
+              <p:cNvSpPr>
+                <a:spLocks noRot="1" noChangeAspect="1" noMove="1" noResize="1" noEditPoints="1" noAdjustHandles="1" noChangeArrowheads="1" noChangeShapeType="1" noTextEdit="1"/>
+              </p:cNvSpPr>
+              <p:nvPr/>
+            </p:nvSpPr>
+            <p:spPr>
+              <a:xfrm>
+                <a:off x="5201844" y="4680000"/>
+                <a:ext cx="1788310" cy="404983"/>
+              </a:xfrm>
+              <a:prstGeom prst="rect">
+                <a:avLst/>
+              </a:prstGeom>
+              <a:blipFill>
+                <a:blip r:embed="rId5"/>
+                <a:stretch>
+                  <a:fillRect b="-7353"/>
+                </a:stretch>
+              </a:blipFill>
+              <a:ln>
+                <a:solidFill>
+                  <a:srgbClr val="66D9EF"/>
+                </a:solidFill>
+              </a:ln>
+            </p:spPr>
+            <p:txBody>
+              <a:bodyPr/>
+              <a:lstStyle/>
+              <a:p>
+                <a:r>
+                  <a:rPr lang="fr-FR">
+                    <a:noFill/>
+                  </a:rPr>
+                  <a:t> </a:t>
+                </a:r>
+              </a:p>
+            </p:txBody>
+          </p:sp>
+        </mc:Fallback>
+      </mc:AlternateContent>
+      <mc:AlternateContent xmlns:mc="http://schemas.openxmlformats.org/markup-compatibility/2006">
+        <mc:Choice xmlns:a14="http://schemas.microsoft.com/office/drawing/2010/main" Requires="a14">
+          <p:sp>
+            <p:nvSpPr>
+              <p:cNvPr id="14" name="ZoneTexte 13">
+                <a:extLst>
+                  <a:ext uri="{FF2B5EF4-FFF2-40B4-BE49-F238E27FC236}">
+                    <a16:creationId xmlns:a16="http://schemas.microsoft.com/office/drawing/2014/main" id="{9E18651B-F120-499E-AC80-1CDD87269890}"/>
+                  </a:ext>
+                </a:extLst>
+              </p:cNvPr>
+              <p:cNvSpPr txBox="1"/>
+              <p:nvPr/>
+            </p:nvSpPr>
+            <p:spPr>
+              <a:xfrm>
+                <a:off x="8280000" y="180000"/>
+                <a:ext cx="3823354" cy="1200329"/>
+              </a:xfrm>
+              <a:prstGeom prst="rect">
+                <a:avLst/>
+              </a:prstGeom>
+              <a:noFill/>
+              <a:ln>
+                <a:solidFill>
+                  <a:schemeClr val="tx1"/>
+                </a:solidFill>
+              </a:ln>
+            </p:spPr>
+            <p:txBody>
+              <a:bodyPr wrap="none" rtlCol="0">
+                <a:spAutoFit/>
+              </a:bodyPr>
+              <a:lstStyle/>
+              <a:p>
+                <a:r>
+                  <a:rPr lang="fr-FR" dirty="0">
+                    <a:solidFill>
+                      <a:srgbClr val="64B164"/>
+                    </a:solidFill>
+                  </a:rPr>
+                  <a:t>n = nombre d’actions du fichier</a:t>
+                </a:r>
+              </a:p>
+              <a:p>
+                <a:r>
+                  <a:rPr lang="fr-FR" dirty="0">
+                    <a:solidFill>
+                      <a:srgbClr val="64B164"/>
+                    </a:solidFill>
+                  </a:rPr>
+                  <a:t>C</a:t>
+                </a:r>
+                <a:r>
+                  <a:rPr lang="fr-FR" baseline="-25000" dirty="0">
+                    <a:solidFill>
+                      <a:srgbClr val="64B164"/>
+                    </a:solidFill>
+                  </a:rPr>
+                  <a:t>i</a:t>
+                </a:r>
+                <a:r>
+                  <a:rPr lang="fr-FR" dirty="0">
+                    <a:solidFill>
+                      <a:srgbClr val="64B164"/>
+                    </a:solidFill>
+                  </a:rPr>
+                  <a:t> = Constante de la fonction i</a:t>
+                </a:r>
+              </a:p>
+              <a:p>
+                <a:r>
+                  <a:rPr lang="fr-FR" dirty="0">
+                    <a:solidFill>
+                      <a:srgbClr val="64B164"/>
+                    </a:solidFill>
+                  </a:rPr>
+                  <a:t>n</a:t>
+                </a:r>
+                <a:r>
+                  <a:rPr lang="fr-FR" baseline="-25000" dirty="0">
+                    <a:solidFill>
+                      <a:srgbClr val="64B164"/>
+                    </a:solidFill>
+                  </a:rPr>
+                  <a:t>a</a:t>
+                </a:r>
+                <a:r>
+                  <a:rPr lang="fr-FR" dirty="0">
+                    <a:solidFill>
+                      <a:srgbClr val="64B164"/>
+                    </a:solidFill>
+                  </a:rPr>
+                  <a:t> = nombre actions de la combinaison</a:t>
+                </a:r>
+              </a:p>
+              <a:p>
+                <a14:m>
+                  <m:oMath xmlns:m="http://schemas.openxmlformats.org/officeDocument/2006/math">
+                    <m:r>
+                      <a:rPr lang="fr-FR" i="1">
+                        <a:solidFill>
+                          <a:srgbClr val="64B164"/>
+                        </a:solidFill>
+                        <a:latin typeface="Cambria Math" panose="02040503050406030204" pitchFamily="18" charset="0"/>
+                      </a:rPr>
+                      <m:t>𝜖</m:t>
+                    </m:r>
+                    <m:r>
+                      <m:rPr>
+                        <m:sty m:val="p"/>
+                      </m:rPr>
+                      <a:rPr lang="fr-FR" b="0" i="0" baseline="-25000" smtClean="0">
+                        <a:solidFill>
+                          <a:srgbClr val="64B164"/>
+                        </a:solidFill>
+                        <a:latin typeface="Cambria Math" panose="02040503050406030204" pitchFamily="18" charset="0"/>
+                      </a:rPr>
+                      <m:t>i</m:t>
+                    </m:r>
+                  </m:oMath>
+                </a14:m>
+                <a:r>
+                  <a:rPr lang="fr-FR" dirty="0">
+                    <a:solidFill>
+                      <a:srgbClr val="64B164"/>
+                    </a:solidFill>
+                  </a:rPr>
+                  <a:t> = négligeables</a:t>
+                </a:r>
+              </a:p>
+            </p:txBody>
+          </p:sp>
+        </mc:Choice>
+        <mc:Fallback>
+          <p:sp>
+            <p:nvSpPr>
+              <p:cNvPr id="14" name="ZoneTexte 13">
+                <a:extLst>
+                  <a:ext uri="{FF2B5EF4-FFF2-40B4-BE49-F238E27FC236}">
+                    <a16:creationId xmlns:a16="http://schemas.microsoft.com/office/drawing/2014/main" id="{9E18651B-F120-499E-AC80-1CDD87269890}"/>
+                  </a:ext>
+                </a:extLst>
+              </p:cNvPr>
+              <p:cNvSpPr txBox="1">
+                <a:spLocks noRot="1" noChangeAspect="1" noMove="1" noResize="1" noEditPoints="1" noAdjustHandles="1" noChangeArrowheads="1" noChangeShapeType="1" noTextEdit="1"/>
+              </p:cNvSpPr>
+              <p:nvPr/>
+            </p:nvSpPr>
+            <p:spPr>
+              <a:xfrm>
+                <a:off x="8280000" y="180000"/>
+                <a:ext cx="3823354" cy="1200329"/>
+              </a:xfrm>
+              <a:prstGeom prst="rect">
+                <a:avLst/>
+              </a:prstGeom>
+              <a:blipFill>
+                <a:blip r:embed="rId6"/>
+                <a:stretch>
+                  <a:fillRect l="-1113" t="-2525" r="-795" b="-7071"/>
+                </a:stretch>
+              </a:blipFill>
+              <a:ln>
+                <a:solidFill>
+                  <a:schemeClr val="tx1"/>
+                </a:solidFill>
+              </a:ln>
+            </p:spPr>
+            <p:txBody>
+              <a:bodyPr/>
+              <a:lstStyle/>
+              <a:p>
+                <a:r>
+                  <a:rPr lang="fr-FR">
+                    <a:noFill/>
+                  </a:rPr>
+                  <a:t> </a:t>
+                </a:r>
+              </a:p>
+            </p:txBody>
+          </p:sp>
+        </mc:Fallback>
+      </mc:AlternateContent>
     </p:spTree>
     <p:extLst>
       <p:ext uri="{BB962C8B-B14F-4D97-AF65-F5344CB8AC3E}">
-        <p14:creationId xmlns:p14="http://schemas.microsoft.com/office/powerpoint/2010/main" val="1963989922"/>
+        <p14:creationId xmlns:p14="http://schemas.microsoft.com/office/powerpoint/2010/main" val="3960351224"/>
       </p:ext>
     </p:extLst>
   </p:cSld>

--- a/p07_slide.pptx
+++ b/p07_slide.pptx
@@ -12895,7 +12895,7 @@
           <a:p>
             <a:fld id="{006FEFC0-2236-48A2-B120-C759EDA2264F}" type="datetimeFigureOut">
               <a:rPr lang="fr-FR" smtClean="0"/>
-              <a:t>30/01/2022</a:t>
+              <a:t>31/01/2022</a:t>
             </a:fld>
             <a:endParaRPr lang="fr-FR"/>
           </a:p>
@@ -13072,7 +13072,7 @@
           <a:p>
             <a:fld id="{39A2C6B1-E7AA-4745-9EA3-948DDA335211}" type="datetimeFigureOut">
               <a:rPr lang="fr-FR" smtClean="0"/>
-              <a:t>30/01/2022</a:t>
+              <a:t>31/01/2022</a:t>
             </a:fld>
             <a:endParaRPr lang="fr-FR"/>
           </a:p>
@@ -13736,7 +13736,7 @@
             <a:fld id="{EEB52BBF-3D2E-4DB7-B1B2-3EEDAF05D916}" type="datetime1">
               <a:rPr lang="fr-FR" smtClean="0"/>
               <a:pPr/>
-              <a:t>30/01/2022</a:t>
+              <a:t>31/01/2022</a:t>
             </a:fld>
             <a:endParaRPr lang="fr-FR" dirty="0"/>
           </a:p>
@@ -13904,7 +13904,7 @@
           <a:p>
             <a:fld id="{D1B56501-E7FC-4AA4-829C-7EB06C5B501B}" type="datetime1">
               <a:rPr lang="fr-FR" smtClean="0"/>
-              <a:t>30/01/2022</a:t>
+              <a:t>31/01/2022</a:t>
             </a:fld>
             <a:endParaRPr lang="fr-FR"/>
           </a:p>
@@ -14142,7 +14142,7 @@
           <a:p>
             <a:fld id="{E1EA16D8-943B-480F-B7AB-8A20EEC88A30}" type="datetime1">
               <a:rPr lang="fr-FR" smtClean="0"/>
-              <a:t>30/01/2022</a:t>
+              <a:t>31/01/2022</a:t>
             </a:fld>
             <a:endParaRPr lang="fr-FR"/>
           </a:p>
@@ -14356,7 +14356,7 @@
           <a:p>
             <a:fld id="{B9F3C5A3-9381-4B97-82E4-385F6F49F69F}" type="datetime1">
               <a:rPr lang="fr-FR" smtClean="0"/>
-              <a:t>30/01/2022</a:t>
+              <a:t>31/01/2022</a:t>
             </a:fld>
             <a:endParaRPr lang="fr-FR"/>
           </a:p>
@@ -14485,7 +14485,7 @@
           <a:p>
             <a:fld id="{4716E524-F7FE-4CF1-BC8B-47DD9AC23070}" type="datetime1">
               <a:rPr lang="fr-FR" smtClean="0"/>
-              <a:t>30/01/2022</a:t>
+              <a:t>31/01/2022</a:t>
             </a:fld>
             <a:endParaRPr lang="fr-FR"/>
           </a:p>
@@ -15019,7 +15019,7 @@
           <a:p>
             <a:fld id="{336D8786-97C7-4BAF-A4C9-C839CD61D49F}" type="datetime1">
               <a:rPr lang="fr-FR" smtClean="0"/>
-              <a:t>30/01/2022</a:t>
+              <a:t>31/01/2022</a:t>
             </a:fld>
             <a:endParaRPr lang="fr-FR"/>
           </a:p>
@@ -15322,7 +15322,7 @@
           <a:p>
             <a:fld id="{074B9914-FBA4-40D6-94C7-D139128B50C8}" type="datetime1">
               <a:rPr lang="fr-FR" smtClean="0"/>
-              <a:t>30/01/2022</a:t>
+              <a:t>31/01/2022</a:t>
             </a:fld>
             <a:endParaRPr lang="fr-FR"/>
           </a:p>
@@ -15773,7 +15773,7 @@
           <a:p>
             <a:fld id="{51704AF8-D9A6-4385-8AB7-F174826852B4}" type="datetime1">
               <a:rPr lang="fr-FR" smtClean="0"/>
-              <a:t>30/01/2022</a:t>
+              <a:t>31/01/2022</a:t>
             </a:fld>
             <a:endParaRPr lang="fr-FR"/>
           </a:p>
@@ -16030,7 +16030,7 @@
           <a:p>
             <a:fld id="{2DB68652-01BB-4E56-9340-87662979ACA3}" type="datetime1">
               <a:rPr lang="fr-FR" smtClean="0"/>
-              <a:t>30/01/2022</a:t>
+              <a:t>31/01/2022</a:t>
             </a:fld>
             <a:endParaRPr lang="fr-FR"/>
           </a:p>
@@ -16374,7 +16374,7 @@
           <a:p>
             <a:fld id="{EC149F96-B5CE-4558-BCAE-5D6484994026}" type="datetime1">
               <a:rPr lang="fr-FR" smtClean="0"/>
-              <a:t>30/01/2022</a:t>
+              <a:t>31/01/2022</a:t>
             </a:fld>
             <a:endParaRPr lang="fr-FR"/>
           </a:p>
@@ -16695,7 +16695,7 @@
           <a:p>
             <a:fld id="{5B90BA0F-8B4E-4DE9-A747-69F5CB516130}" type="datetime1">
               <a:rPr lang="fr-FR" smtClean="0"/>
-              <a:t>30/01/2022</a:t>
+              <a:t>31/01/2022</a:t>
             </a:fld>
             <a:endParaRPr lang="fr-FR"/>
           </a:p>
@@ -16902,7 +16902,7 @@
             <a:fld id="{C1D57578-8FE2-4469-A516-156BBECEE892}" type="datetime1">
               <a:rPr lang="fr-FR" smtClean="0"/>
               <a:pPr/>
-              <a:t>30/01/2022</a:t>
+              <a:t>31/01/2022</a:t>
             </a:fld>
             <a:endParaRPr lang="fr-FR"/>
           </a:p>
@@ -19824,8 +19824,8 @@
           </a:p>
         </p:txBody>
       </p:sp>
-      <mc:AlternateContent xmlns:mc="http://schemas.openxmlformats.org/markup-compatibility/2006">
-        <mc:Choice xmlns:a14="http://schemas.microsoft.com/office/drawing/2010/main" Requires="a14">
+      <mc:AlternateContent xmlns:mc="http://schemas.openxmlformats.org/markup-compatibility/2006" xmlns:a14="http://schemas.microsoft.com/office/drawing/2010/main">
+        <mc:Choice Requires="a14">
           <p:sp>
             <p:nvSpPr>
               <p:cNvPr id="42" name="Rectangle 41">
@@ -19950,7 +19950,7 @@
             </p:txBody>
           </p:sp>
         </mc:Choice>
-        <mc:Fallback>
+        <mc:Fallback xmlns="">
           <p:sp>
             <p:nvSpPr>
               <p:cNvPr id="42" name="Rectangle 41">
@@ -20305,7 +20305,7 @@
         <p:spPr>
           <a:xfrm>
             <a:off x="584587" y="5718025"/>
-            <a:ext cx="2695803" cy="923330"/>
+            <a:ext cx="2622321" cy="923330"/>
           </a:xfrm>
           <a:prstGeom prst="rect">
             <a:avLst/>
@@ -20347,7 +20347,7 @@
                   <a:srgbClr val="FF0000"/>
                 </a:solidFill>
               </a:rPr>
-              <a:t>    − Durée de optimized.py</a:t>
+              <a:t>    − Durée de knapsack.py</a:t>
             </a:r>
           </a:p>
         </p:txBody>
@@ -21988,8 +21988,8 @@
             <a:chExt cx="3923096" cy="462326"/>
           </a:xfrm>
         </p:grpSpPr>
-        <mc:AlternateContent xmlns:mc="http://schemas.openxmlformats.org/markup-compatibility/2006">
-          <mc:Choice xmlns:a14="http://schemas.microsoft.com/office/drawing/2010/main" Requires="a14">
+        <mc:AlternateContent xmlns:mc="http://schemas.openxmlformats.org/markup-compatibility/2006" xmlns:a14="http://schemas.microsoft.com/office/drawing/2010/main">
+          <mc:Choice Requires="a14">
             <p:sp>
               <p:nvSpPr>
                 <p:cNvPr id="25" name="Rectangle 24">
@@ -22256,7 +22256,7 @@
               </p:txBody>
             </p:sp>
           </mc:Choice>
-          <mc:Fallback>
+          <mc:Fallback xmlns="">
             <p:sp>
               <p:nvSpPr>
                 <p:cNvPr id="25" name="Rectangle 24">
@@ -22882,10 +22882,10 @@
       </p:graphicFrame>
       <p:pic>
         <p:nvPicPr>
-          <p:cNvPr id="42" name="Image 41">
+          <p:cNvPr id="4" name="Image 3">
             <a:extLst>
               <a:ext uri="{FF2B5EF4-FFF2-40B4-BE49-F238E27FC236}">
-                <a16:creationId xmlns:a16="http://schemas.microsoft.com/office/drawing/2014/main" id="{C032D7ED-DFB4-40A8-8EB6-06BF23419BEF}"/>
+                <a16:creationId xmlns:a16="http://schemas.microsoft.com/office/drawing/2014/main" id="{38EF0601-173F-45FB-86AC-3B8D3883C926}"/>
               </a:ext>
             </a:extLst>
           </p:cNvPr>
@@ -22902,7 +22902,7 @@
         </p:blipFill>
         <p:spPr>
           <a:xfrm>
-            <a:off x="202255" y="3024000"/>
+            <a:off x="201600" y="3024000"/>
             <a:ext cx="11787489" cy="2084554"/>
           </a:xfrm>
           <a:prstGeom prst="rect">
@@ -26259,8 +26259,8 @@
           </p:sp>
         </mc:Fallback>
       </mc:AlternateContent>
-      <mc:AlternateContent xmlns:mc="http://schemas.openxmlformats.org/markup-compatibility/2006">
-        <mc:Choice xmlns:a14="http://schemas.microsoft.com/office/drawing/2010/main" Requires="a14">
+      <mc:AlternateContent xmlns:mc="http://schemas.openxmlformats.org/markup-compatibility/2006" xmlns:a14="http://schemas.microsoft.com/office/drawing/2010/main">
+        <mc:Choice Requires="a14">
           <p:sp>
             <p:nvSpPr>
               <p:cNvPr id="5" name="Rectangle 4">
@@ -26540,7 +26540,7 @@
             </p:txBody>
           </p:sp>
         </mc:Choice>
-        <mc:Fallback>
+        <mc:Fallback xmlns="">
           <p:sp>
             <p:nvSpPr>
               <p:cNvPr id="5" name="Rectangle 4">
@@ -26585,8 +26585,8 @@
           </p:sp>
         </mc:Fallback>
       </mc:AlternateContent>
-      <mc:AlternateContent xmlns:mc="http://schemas.openxmlformats.org/markup-compatibility/2006">
-        <mc:Choice xmlns:a14="http://schemas.microsoft.com/office/drawing/2010/main" Requires="a14">
+      <mc:AlternateContent xmlns:mc="http://schemas.openxmlformats.org/markup-compatibility/2006" xmlns:a14="http://schemas.microsoft.com/office/drawing/2010/main">
+        <mc:Choice Requires="a14">
           <p:sp>
             <p:nvSpPr>
               <p:cNvPr id="6" name="Rectangle 5">
@@ -26968,7 +26968,7 @@
             </p:txBody>
           </p:sp>
         </mc:Choice>
-        <mc:Fallback>
+        <mc:Fallback xmlns="">
           <p:sp>
             <p:nvSpPr>
               <p:cNvPr id="6" name="Rectangle 5">
@@ -27013,8 +27013,8 @@
           </p:sp>
         </mc:Fallback>
       </mc:AlternateContent>
-      <mc:AlternateContent xmlns:mc="http://schemas.openxmlformats.org/markup-compatibility/2006">
-        <mc:Choice xmlns:a14="http://schemas.microsoft.com/office/drawing/2010/main" Requires="a14">
+      <mc:AlternateContent xmlns:mc="http://schemas.openxmlformats.org/markup-compatibility/2006" xmlns:a14="http://schemas.microsoft.com/office/drawing/2010/main">
+        <mc:Choice Requires="a14">
           <p:sp>
             <p:nvSpPr>
               <p:cNvPr id="7" name="Rectangle 6">
@@ -27344,7 +27344,7 @@
             </p:txBody>
           </p:sp>
         </mc:Choice>
-        <mc:Fallback>
+        <mc:Fallback xmlns="">
           <p:sp>
             <p:nvSpPr>
               <p:cNvPr id="7" name="Rectangle 6">
@@ -27493,8 +27493,8 @@
           </a:p>
         </p:txBody>
       </p:sp>
-      <mc:AlternateContent xmlns:mc="http://schemas.openxmlformats.org/markup-compatibility/2006">
-        <mc:Choice xmlns:a14="http://schemas.microsoft.com/office/drawing/2010/main" Requires="a14">
+      <mc:AlternateContent xmlns:mc="http://schemas.openxmlformats.org/markup-compatibility/2006" xmlns:a14="http://schemas.microsoft.com/office/drawing/2010/main">
+        <mc:Choice Requires="a14">
           <p:sp>
             <p:nvSpPr>
               <p:cNvPr id="19" name="Rectangle 18">
@@ -27774,7 +27774,7 @@
             </p:txBody>
           </p:sp>
         </mc:Choice>
-        <mc:Fallback>
+        <mc:Fallback xmlns="">
           <p:sp>
             <p:nvSpPr>
               <p:cNvPr id="19" name="Rectangle 18">
@@ -27819,8 +27819,8 @@
           </p:sp>
         </mc:Fallback>
       </mc:AlternateContent>
-      <mc:AlternateContent xmlns:mc="http://schemas.openxmlformats.org/markup-compatibility/2006">
-        <mc:Choice xmlns:a14="http://schemas.microsoft.com/office/drawing/2010/main" Requires="a14">
+      <mc:AlternateContent xmlns:mc="http://schemas.openxmlformats.org/markup-compatibility/2006" xmlns:a14="http://schemas.microsoft.com/office/drawing/2010/main">
+        <mc:Choice Requires="a14">
           <p:sp>
             <p:nvSpPr>
               <p:cNvPr id="21" name="Rectangle 20">
@@ -28064,7 +28064,7 @@
             </p:txBody>
           </p:sp>
         </mc:Choice>
-        <mc:Fallback>
+        <mc:Fallback xmlns="">
           <p:sp>
             <p:nvSpPr>
               <p:cNvPr id="21" name="Rectangle 20">
@@ -28236,8 +28236,8 @@
           </a:p>
         </p:txBody>
       </p:sp>
-      <mc:AlternateContent xmlns:mc="http://schemas.openxmlformats.org/markup-compatibility/2006">
-        <mc:Choice xmlns:a14="http://schemas.microsoft.com/office/drawing/2010/main" Requires="a14">
+      <mc:AlternateContent xmlns:mc="http://schemas.openxmlformats.org/markup-compatibility/2006" xmlns:a14="http://schemas.microsoft.com/office/drawing/2010/main">
+        <mc:Choice Requires="a14">
           <p:sp>
             <p:nvSpPr>
               <p:cNvPr id="15" name="Rectangle 14">
@@ -28786,7 +28786,7 @@
             </p:txBody>
           </p:sp>
         </mc:Choice>
-        <mc:Fallback>
+        <mc:Fallback xmlns="">
           <p:sp>
             <p:nvSpPr>
               <p:cNvPr id="15" name="Rectangle 14">
@@ -28831,8 +28831,8 @@
           </p:sp>
         </mc:Fallback>
       </mc:AlternateContent>
-      <mc:AlternateContent xmlns:mc="http://schemas.openxmlformats.org/markup-compatibility/2006">
-        <mc:Choice xmlns:a14="http://schemas.microsoft.com/office/drawing/2010/main" Requires="a14">
+      <mc:AlternateContent xmlns:mc="http://schemas.openxmlformats.org/markup-compatibility/2006" xmlns:a14="http://schemas.microsoft.com/office/drawing/2010/main">
+        <mc:Choice Requires="a14">
           <p:sp>
             <p:nvSpPr>
               <p:cNvPr id="18" name="Rectangle 17">
@@ -28958,7 +28958,7 @@
             </p:txBody>
           </p:sp>
         </mc:Choice>
-        <mc:Fallback>
+        <mc:Fallback xmlns="">
           <p:sp>
             <p:nvSpPr>
               <p:cNvPr id="18" name="Rectangle 17">
@@ -30106,8 +30106,8 @@
           </a:p>
         </p:txBody>
       </p:sp>
-      <mc:AlternateContent xmlns:mc="http://schemas.openxmlformats.org/markup-compatibility/2006">
-        <mc:Choice xmlns:a14="http://schemas.microsoft.com/office/drawing/2010/main" Requires="a14">
+      <mc:AlternateContent xmlns:mc="http://schemas.openxmlformats.org/markup-compatibility/2006" xmlns:a14="http://schemas.microsoft.com/office/drawing/2010/main">
+        <mc:Choice Requires="a14">
           <p:sp>
             <p:nvSpPr>
               <p:cNvPr id="9" name="Rectangle 8">
@@ -30369,7 +30369,7 @@
             </p:txBody>
           </p:sp>
         </mc:Choice>
-        <mc:Fallback>
+        <mc:Fallback xmlns="">
           <p:sp>
             <p:nvSpPr>
               <p:cNvPr id="9" name="Rectangle 8">
@@ -30414,8 +30414,8 @@
           </p:sp>
         </mc:Fallback>
       </mc:AlternateContent>
-      <mc:AlternateContent xmlns:mc="http://schemas.openxmlformats.org/markup-compatibility/2006">
-        <mc:Choice xmlns:a14="http://schemas.microsoft.com/office/drawing/2010/main" Requires="a14">
+      <mc:AlternateContent xmlns:mc="http://schemas.openxmlformats.org/markup-compatibility/2006" xmlns:a14="http://schemas.microsoft.com/office/drawing/2010/main">
+        <mc:Choice Requires="a14">
           <p:sp>
             <p:nvSpPr>
               <p:cNvPr id="10" name="Rectangle 9">
@@ -30723,7 +30723,7 @@
             </p:txBody>
           </p:sp>
         </mc:Choice>
-        <mc:Fallback>
+        <mc:Fallback xmlns="">
           <p:sp>
             <p:nvSpPr>
               <p:cNvPr id="10" name="Rectangle 9">
@@ -31056,8 +31056,8 @@
           </a:p>
         </p:txBody>
       </p:sp>
-      <mc:AlternateContent xmlns:mc="http://schemas.openxmlformats.org/markup-compatibility/2006">
-        <mc:Choice xmlns:a14="http://schemas.microsoft.com/office/drawing/2010/main" Requires="a14">
+      <mc:AlternateContent xmlns:mc="http://schemas.openxmlformats.org/markup-compatibility/2006" xmlns:a14="http://schemas.microsoft.com/office/drawing/2010/main">
+        <mc:Choice Requires="a14">
           <p:sp>
             <p:nvSpPr>
               <p:cNvPr id="14" name="Rectangle 13">
@@ -31319,7 +31319,7 @@
             </p:txBody>
           </p:sp>
         </mc:Choice>
-        <mc:Fallback>
+        <mc:Fallback xmlns="">
           <p:sp>
             <p:nvSpPr>
               <p:cNvPr id="14" name="Rectangle 13">
@@ -31364,8 +31364,8 @@
           </p:sp>
         </mc:Fallback>
       </mc:AlternateContent>
-      <mc:AlternateContent xmlns:mc="http://schemas.openxmlformats.org/markup-compatibility/2006">
-        <mc:Choice xmlns:a14="http://schemas.microsoft.com/office/drawing/2010/main" Requires="a14">
+      <mc:AlternateContent xmlns:mc="http://schemas.openxmlformats.org/markup-compatibility/2006" xmlns:a14="http://schemas.microsoft.com/office/drawing/2010/main">
+        <mc:Choice Requires="a14">
           <p:sp>
             <p:nvSpPr>
               <p:cNvPr id="16" name="Rectangle 15">
@@ -31570,7 +31570,7 @@
             </p:txBody>
           </p:sp>
         </mc:Choice>
-        <mc:Fallback>
+        <mc:Fallback xmlns="">
           <p:sp>
             <p:nvSpPr>
               <p:cNvPr id="16" name="Rectangle 15">
@@ -31742,8 +31742,8 @@
           </a:p>
         </p:txBody>
       </p:sp>
-      <mc:AlternateContent xmlns:mc="http://schemas.openxmlformats.org/markup-compatibility/2006">
-        <mc:Choice xmlns:a14="http://schemas.microsoft.com/office/drawing/2010/main" Requires="a14">
+      <mc:AlternateContent xmlns:mc="http://schemas.openxmlformats.org/markup-compatibility/2006" xmlns:a14="http://schemas.microsoft.com/office/drawing/2010/main">
+        <mc:Choice Requires="a14">
           <p:sp>
             <p:nvSpPr>
               <p:cNvPr id="11" name="Rectangle 10">
@@ -32139,7 +32139,7 @@
             </p:txBody>
           </p:sp>
         </mc:Choice>
-        <mc:Fallback>
+        <mc:Fallback xmlns="">
           <p:sp>
             <p:nvSpPr>
               <p:cNvPr id="11" name="Rectangle 10">
@@ -32184,8 +32184,8 @@
           </p:sp>
         </mc:Fallback>
       </mc:AlternateContent>
-      <mc:AlternateContent xmlns:mc="http://schemas.openxmlformats.org/markup-compatibility/2006">
-        <mc:Choice xmlns:a14="http://schemas.microsoft.com/office/drawing/2010/main" Requires="a14">
+      <mc:AlternateContent xmlns:mc="http://schemas.openxmlformats.org/markup-compatibility/2006" xmlns:a14="http://schemas.microsoft.com/office/drawing/2010/main">
+        <mc:Choice Requires="a14">
           <p:sp>
             <p:nvSpPr>
               <p:cNvPr id="12" name="Rectangle 11">
@@ -32295,7 +32295,7 @@
             </p:txBody>
           </p:sp>
         </mc:Choice>
-        <mc:Fallback>
+        <mc:Fallback xmlns="">
           <p:sp>
             <p:nvSpPr>
               <p:cNvPr id="12" name="Rectangle 11">
@@ -32662,7 +32662,7 @@
         <p:spPr>
           <a:xfrm>
             <a:off x="584587" y="5718025"/>
-            <a:ext cx="2695803" cy="923330"/>
+            <a:ext cx="2732479" cy="923330"/>
           </a:xfrm>
           <a:prstGeom prst="rect">
             <a:avLst/>
@@ -32720,7 +32720,7 @@
                   <a:srgbClr val="FF0000"/>
                 </a:solidFill>
               </a:rPr>
-              <a:t>    − Durée de optimized.py</a:t>
+              <a:t>    − Durée de gourmand.py</a:t>
             </a:r>
           </a:p>
         </p:txBody>

--- a/p07_slide.pptx
+++ b/p07_slide.pptx
@@ -5,10 +5,10 @@
     <p:sldMasterId id="2147483660" r:id="rId1"/>
   </p:sldMasterIdLst>
   <p:notesMasterIdLst>
-    <p:notesMasterId r:id="rId19"/>
+    <p:notesMasterId r:id="rId20"/>
   </p:notesMasterIdLst>
   <p:handoutMasterIdLst>
-    <p:handoutMasterId r:id="rId20"/>
+    <p:handoutMasterId r:id="rId21"/>
   </p:handoutMasterIdLst>
   <p:sldIdLst>
     <p:sldId id="261" r:id="rId2"/>
@@ -25,9 +25,10 @@
     <p:sldId id="344" r:id="rId13"/>
     <p:sldId id="340" r:id="rId14"/>
     <p:sldId id="338" r:id="rId15"/>
-    <p:sldId id="341" r:id="rId16"/>
-    <p:sldId id="343" r:id="rId17"/>
-    <p:sldId id="273" r:id="rId18"/>
+    <p:sldId id="345" r:id="rId16"/>
+    <p:sldId id="341" r:id="rId17"/>
+    <p:sldId id="343" r:id="rId18"/>
+    <p:sldId id="273" r:id="rId19"/>
   </p:sldIdLst>
   <p:sldSz cx="12192000" cy="6858000"/>
   <p:notesSz cx="6858000" cy="9144000"/>
@@ -188,6 +189,7 @@
         <p14:section name="Synthèse des 4 méthodes" id="{EC63B18B-4F9C-44BE-B858-194F136B4F8C}">
           <p14:sldIdLst>
             <p14:sldId id="338"/>
+            <p14:sldId id="345"/>
           </p14:sldIdLst>
         </p14:section>
         <p14:section name="Achats bu/gourmand/Sienna" id="{A7AEC4D9-B5EC-4EC1-8491-9C3DD89C3B11}">
@@ -22882,10 +22884,10 @@
       </p:graphicFrame>
       <p:pic>
         <p:nvPicPr>
-          <p:cNvPr id="4" name="Image 3">
+          <p:cNvPr id="5" name="Image 4">
             <a:extLst>
               <a:ext uri="{FF2B5EF4-FFF2-40B4-BE49-F238E27FC236}">
-                <a16:creationId xmlns:a16="http://schemas.microsoft.com/office/drawing/2014/main" id="{38EF0601-173F-45FB-86AC-3B8D3883C926}"/>
+                <a16:creationId xmlns:a16="http://schemas.microsoft.com/office/drawing/2014/main" id="{0BDCE12E-2AFD-4136-9E41-45B6B2B9D9F2}"/>
               </a:ext>
             </a:extLst>
           </p:cNvPr>
@@ -22963,6 +22965,1030 @@
           <a:p>
             <a:r>
               <a:rPr lang="fr-FR" dirty="0"/>
+              <a:t>Synthèse des 4 méthodes</a:t>
+            </a:r>
+          </a:p>
+        </p:txBody>
+      </p:sp>
+      <p:sp>
+        <p:nvSpPr>
+          <p:cNvPr id="3" name="Espace réservé du numéro de diapositive 2">
+            <a:extLst>
+              <a:ext uri="{FF2B5EF4-FFF2-40B4-BE49-F238E27FC236}">
+                <a16:creationId xmlns:a16="http://schemas.microsoft.com/office/drawing/2014/main" id="{C16F43A3-9526-46B7-AFCD-BAB05B23A532}"/>
+              </a:ext>
+            </a:extLst>
+          </p:cNvPr>
+          <p:cNvSpPr>
+            <a:spLocks noGrp="1"/>
+          </p:cNvSpPr>
+          <p:nvPr>
+            <p:ph type="sldNum" sz="quarter" idx="12"/>
+          </p:nvPr>
+        </p:nvSpPr>
+        <p:spPr/>
+        <p:txBody>
+          <a:bodyPr/>
+          <a:lstStyle/>
+          <a:p>
+            <a:fld id="{2CEE6A89-DFCB-4FC8-A1BB-9845AC41F306}" type="slidenum">
+              <a:rPr lang="fr-FR" smtClean="0"/>
+              <a:pPr/>
+              <a:t>15</a:t>
+            </a:fld>
+            <a:endParaRPr lang="fr-FR" dirty="0"/>
+          </a:p>
+        </p:txBody>
+      </p:sp>
+      <p:grpSp>
+        <p:nvGrpSpPr>
+          <p:cNvPr id="16" name="Groupe 15">
+            <a:extLst>
+              <a:ext uri="{FF2B5EF4-FFF2-40B4-BE49-F238E27FC236}">
+                <a16:creationId xmlns:a16="http://schemas.microsoft.com/office/drawing/2014/main" id="{1A5DFFFA-4B2C-449D-B3B0-DBDC77774F9E}"/>
+              </a:ext>
+            </a:extLst>
+          </p:cNvPr>
+          <p:cNvGrpSpPr/>
+          <p:nvPr/>
+        </p:nvGrpSpPr>
+        <p:grpSpPr>
+          <a:xfrm>
+            <a:off x="6169794" y="5826649"/>
+            <a:ext cx="3923096" cy="462326"/>
+            <a:chOff x="7430703" y="2468839"/>
+            <a:chExt cx="3923096" cy="462326"/>
+          </a:xfrm>
+        </p:grpSpPr>
+        <mc:AlternateContent xmlns:mc="http://schemas.openxmlformats.org/markup-compatibility/2006">
+          <mc:Choice xmlns:a14="http://schemas.microsoft.com/office/drawing/2010/main" Requires="a14">
+            <p:sp>
+              <p:nvSpPr>
+                <p:cNvPr id="25" name="Rectangle 24">
+                  <a:extLst>
+                    <a:ext uri="{FF2B5EF4-FFF2-40B4-BE49-F238E27FC236}">
+                      <a16:creationId xmlns:a16="http://schemas.microsoft.com/office/drawing/2014/main" id="{36D5A616-16A3-40FB-ABD2-48519ED620EF}"/>
+                    </a:ext>
+                  </a:extLst>
+                </p:cNvPr>
+                <p:cNvSpPr/>
+                <p:nvPr/>
+              </p:nvSpPr>
+              <p:spPr>
+                <a:xfrm>
+                  <a:off x="7855918" y="2561833"/>
+                  <a:ext cx="3497881" cy="369332"/>
+                </a:xfrm>
+                <a:prstGeom prst="rect">
+                  <a:avLst/>
+                </a:prstGeom>
+              </p:spPr>
+              <p:txBody>
+                <a:bodyPr wrap="none">
+                  <a:spAutoFit/>
+                </a:bodyPr>
+                <a:lstStyle/>
+                <a:p>
+                  <a:pPr/>
+                  <a14:m>
+                    <m:oMathPara xmlns:m="http://schemas.openxmlformats.org/officeDocument/2006/math">
+                      <m:oMathParaPr>
+                        <m:jc m:val="left"/>
+                      </m:oMathParaPr>
+                      <m:oMath xmlns:m="http://schemas.openxmlformats.org/officeDocument/2006/math">
+                        <m:r>
+                          <m:rPr>
+                            <m:sty m:val="p"/>
+                          </m:rPr>
+                          <a:rPr lang="fr-FR" b="0" i="0" smtClean="0">
+                            <a:solidFill>
+                              <a:srgbClr val="66D9EF"/>
+                            </a:solidFill>
+                            <a:latin typeface="Cambria Math" panose="02040503050406030204" pitchFamily="18" charset="0"/>
+                          </a:rPr>
+                          <m:t>Ο</m:t>
+                        </m:r>
+                        <m:d>
+                          <m:dPr>
+                            <m:ctrlPr>
+                              <a:rPr lang="fr-FR" b="0" i="1" smtClean="0">
+                                <a:solidFill>
+                                  <a:srgbClr val="66D9EF"/>
+                                </a:solidFill>
+                                <a:latin typeface="Cambria Math" panose="02040503050406030204" pitchFamily="18" charset="0"/>
+                              </a:rPr>
+                            </m:ctrlPr>
+                          </m:dPr>
+                          <m:e>
+                            <m:sSup>
+                              <m:sSupPr>
+                                <m:ctrlPr>
+                                  <a:rPr lang="fr-FR" b="0" i="1" smtClean="0">
+                                    <a:solidFill>
+                                      <a:srgbClr val="66D9EF"/>
+                                    </a:solidFill>
+                                    <a:latin typeface="Cambria Math" panose="02040503050406030204" pitchFamily="18" charset="0"/>
+                                  </a:rPr>
+                                </m:ctrlPr>
+                              </m:sSupPr>
+                              <m:e>
+                                <m:r>
+                                  <a:rPr lang="fr-FR" b="0" i="1" smtClean="0">
+                                    <a:solidFill>
+                                      <a:srgbClr val="66D9EF"/>
+                                    </a:solidFill>
+                                    <a:latin typeface="Cambria Math" panose="02040503050406030204" pitchFamily="18" charset="0"/>
+                                  </a:rPr>
+                                  <m:t>𝑛</m:t>
+                                </m:r>
+                              </m:e>
+                              <m:sup>
+                                <m:r>
+                                  <a:rPr lang="fr-FR" b="0" i="1" smtClean="0">
+                                    <a:solidFill>
+                                      <a:srgbClr val="66D9EF"/>
+                                    </a:solidFill>
+                                    <a:latin typeface="Cambria Math" panose="02040503050406030204" pitchFamily="18" charset="0"/>
+                                  </a:rPr>
+                                  <m:t>2</m:t>
+                                </m:r>
+                              </m:sup>
+                            </m:sSup>
+                          </m:e>
+                        </m:d>
+                        <m:r>
+                          <a:rPr lang="fr-FR" b="0" i="1" smtClean="0">
+                            <a:solidFill>
+                              <a:srgbClr val="66D9EF"/>
+                            </a:solidFill>
+                            <a:latin typeface="Cambria Math" panose="02040503050406030204" pitchFamily="18" charset="0"/>
+                          </a:rPr>
+                          <m:t>&lt;</m:t>
+                        </m:r>
+                        <m:sSub>
+                          <m:sSubPr>
+                            <m:ctrlPr>
+                              <a:rPr lang="fr-FR" i="1" smtClean="0">
+                                <a:solidFill>
+                                  <a:srgbClr val="66D9EF"/>
+                                </a:solidFill>
+                                <a:latin typeface="Cambria Math" panose="02040503050406030204" pitchFamily="18" charset="0"/>
+                              </a:rPr>
+                            </m:ctrlPr>
+                          </m:sSubPr>
+                          <m:e>
+                            <m:r>
+                              <m:rPr>
+                                <m:sty m:val="p"/>
+                              </m:rPr>
+                              <a:rPr lang="fr-FR">
+                                <a:solidFill>
+                                  <a:srgbClr val="66D9EF"/>
+                                </a:solidFill>
+                                <a:latin typeface="Cambria Math" panose="02040503050406030204" pitchFamily="18" charset="0"/>
+                              </a:rPr>
+                              <m:t>Ο</m:t>
+                            </m:r>
+                          </m:e>
+                          <m:sub>
+                            <m:r>
+                              <a:rPr lang="fr-FR" b="0" i="0" smtClean="0">
+                                <a:solidFill>
+                                  <a:srgbClr val="66D9EF"/>
+                                </a:solidFill>
+                                <a:latin typeface="Cambria Math" panose="02040503050406030204" pitchFamily="18" charset="0"/>
+                              </a:rPr>
+                              <m:t> </m:t>
+                            </m:r>
+                          </m:sub>
+                        </m:sSub>
+                        <m:d>
+                          <m:dPr>
+                            <m:ctrlPr>
+                              <a:rPr lang="fr-FR" i="1">
+                                <a:solidFill>
+                                  <a:srgbClr val="66D9EF"/>
+                                </a:solidFill>
+                                <a:latin typeface="Cambria Math" panose="02040503050406030204" pitchFamily="18" charset="0"/>
+                              </a:rPr>
+                            </m:ctrlPr>
+                          </m:dPr>
+                          <m:e>
+                            <m:r>
+                              <a:rPr lang="fr-FR" i="1">
+                                <a:solidFill>
+                                  <a:srgbClr val="66D9EF"/>
+                                </a:solidFill>
+                                <a:latin typeface="Cambria Math" panose="02040503050406030204" pitchFamily="18" charset="0"/>
+                              </a:rPr>
+                              <m:t>𝑛</m:t>
+                            </m:r>
+                            <m:r>
+                              <a:rPr lang="fr-FR" b="0" i="1" smtClean="0">
+                                <a:solidFill>
+                                  <a:srgbClr val="66D9EF"/>
+                                </a:solidFill>
+                                <a:latin typeface="Cambria Math" panose="02040503050406030204" pitchFamily="18" charset="0"/>
+                              </a:rPr>
+                              <m:t>∗</m:t>
+                            </m:r>
+                            <m:r>
+                              <a:rPr lang="fr-FR" b="0" i="1" smtClean="0">
+                                <a:solidFill>
+                                  <a:srgbClr val="66D9EF"/>
+                                </a:solidFill>
+                                <a:latin typeface="Cambria Math" panose="02040503050406030204" pitchFamily="18" charset="0"/>
+                              </a:rPr>
+                              <m:t>𝑏𝑢𝑑𝑔𝑒𝑡</m:t>
+                            </m:r>
+                          </m:e>
+                        </m:d>
+                        <m:r>
+                          <a:rPr lang="fr-FR" b="0" i="1" smtClean="0">
+                            <a:solidFill>
+                              <a:srgbClr val="66D9EF"/>
+                            </a:solidFill>
+                            <a:latin typeface="Cambria Math" panose="02040503050406030204" pitchFamily="18" charset="0"/>
+                          </a:rPr>
+                          <m:t>&lt;</m:t>
+                        </m:r>
+                        <m:r>
+                          <m:rPr>
+                            <m:sty m:val="p"/>
+                          </m:rPr>
+                          <a:rPr lang="fr-FR" b="0" i="0" smtClean="0">
+                            <a:solidFill>
+                              <a:srgbClr val="66D9EF"/>
+                            </a:solidFill>
+                            <a:latin typeface="Cambria Math" panose="02040503050406030204" pitchFamily="18" charset="0"/>
+                          </a:rPr>
+                          <m:t>Ο</m:t>
+                        </m:r>
+                        <m:r>
+                          <a:rPr lang="fr-FR" b="0" i="1" smtClean="0">
+                            <a:solidFill>
+                              <a:srgbClr val="66D9EF"/>
+                            </a:solidFill>
+                            <a:latin typeface="Cambria Math" panose="02040503050406030204" pitchFamily="18" charset="0"/>
+                          </a:rPr>
+                          <m:t>(</m:t>
+                        </m:r>
+                        <m:sSup>
+                          <m:sSupPr>
+                            <m:ctrlPr>
+                              <a:rPr lang="fr-FR" b="0" i="1" smtClean="0">
+                                <a:solidFill>
+                                  <a:srgbClr val="66D9EF"/>
+                                </a:solidFill>
+                                <a:latin typeface="Cambria Math" panose="02040503050406030204" pitchFamily="18" charset="0"/>
+                              </a:rPr>
+                            </m:ctrlPr>
+                          </m:sSupPr>
+                          <m:e>
+                            <m:r>
+                              <a:rPr lang="fr-FR" b="0" i="1" smtClean="0">
+                                <a:solidFill>
+                                  <a:srgbClr val="66D9EF"/>
+                                </a:solidFill>
+                                <a:latin typeface="Cambria Math" panose="02040503050406030204" pitchFamily="18" charset="0"/>
+                              </a:rPr>
+                              <m:t>𝑛</m:t>
+                            </m:r>
+                          </m:e>
+                          <m:sup>
+                            <m:r>
+                              <a:rPr lang="fr-FR" b="0" i="1" smtClean="0">
+                                <a:solidFill>
+                                  <a:srgbClr val="66D9EF"/>
+                                </a:solidFill>
+                                <a:latin typeface="Cambria Math" panose="02040503050406030204" pitchFamily="18" charset="0"/>
+                              </a:rPr>
+                              <m:t>3</m:t>
+                            </m:r>
+                          </m:sup>
+                        </m:sSup>
+                        <m:r>
+                          <a:rPr lang="fr-FR" b="0" i="1" smtClean="0">
+                            <a:solidFill>
+                              <a:srgbClr val="66D9EF"/>
+                            </a:solidFill>
+                            <a:latin typeface="Cambria Math" panose="02040503050406030204" pitchFamily="18" charset="0"/>
+                          </a:rPr>
+                          <m:t>)</m:t>
+                        </m:r>
+                      </m:oMath>
+                    </m:oMathPara>
+                  </a14:m>
+                  <a:endParaRPr lang="fr-FR" dirty="0">
+                    <a:solidFill>
+                      <a:srgbClr val="66D9EF"/>
+                    </a:solidFill>
+                  </a:endParaRPr>
+                </a:p>
+              </p:txBody>
+            </p:sp>
+          </mc:Choice>
+          <mc:Fallback>
+            <p:sp>
+              <p:nvSpPr>
+                <p:cNvPr id="25" name="Rectangle 24">
+                  <a:extLst>
+                    <a:ext uri="{FF2B5EF4-FFF2-40B4-BE49-F238E27FC236}">
+                      <a16:creationId xmlns:a16="http://schemas.microsoft.com/office/drawing/2014/main" id="{36D5A616-16A3-40FB-ABD2-48519ED620EF}"/>
+                    </a:ext>
+                  </a:extLst>
+                </p:cNvPr>
+                <p:cNvSpPr>
+                  <a:spLocks noRot="1" noChangeAspect="1" noMove="1" noResize="1" noEditPoints="1" noAdjustHandles="1" noChangeArrowheads="1" noChangeShapeType="1" noTextEdit="1"/>
+                </p:cNvSpPr>
+                <p:nvPr/>
+              </p:nvSpPr>
+              <p:spPr>
+                <a:xfrm>
+                  <a:off x="7855918" y="2561833"/>
+                  <a:ext cx="3497881" cy="369332"/>
+                </a:xfrm>
+                <a:prstGeom prst="rect">
+                  <a:avLst/>
+                </a:prstGeom>
+                <a:blipFill>
+                  <a:blip r:embed="rId2"/>
+                  <a:stretch>
+                    <a:fillRect b="-13115"/>
+                  </a:stretch>
+                </a:blipFill>
+              </p:spPr>
+              <p:txBody>
+                <a:bodyPr/>
+                <a:lstStyle/>
+                <a:p>
+                  <a:r>
+                    <a:rPr lang="fr-FR">
+                      <a:noFill/>
+                    </a:rPr>
+                    <a:t> </a:t>
+                  </a:r>
+                </a:p>
+              </p:txBody>
+            </p:sp>
+          </mc:Fallback>
+        </mc:AlternateContent>
+        <p:sp>
+          <p:nvSpPr>
+            <p:cNvPr id="15" name="ZoneTexte 14">
+              <a:extLst>
+                <a:ext uri="{FF2B5EF4-FFF2-40B4-BE49-F238E27FC236}">
+                  <a16:creationId xmlns:a16="http://schemas.microsoft.com/office/drawing/2014/main" id="{0992C7D9-3500-4FFC-AB6A-3FEE866D8C16}"/>
+                </a:ext>
+              </a:extLst>
+            </p:cNvPr>
+            <p:cNvSpPr txBox="1"/>
+            <p:nvPr/>
+          </p:nvSpPr>
+          <p:spPr>
+            <a:xfrm>
+              <a:off x="7430703" y="2468839"/>
+              <a:ext cx="300082" cy="369332"/>
+            </a:xfrm>
+            <a:prstGeom prst="rect">
+              <a:avLst/>
+            </a:prstGeom>
+            <a:noFill/>
+          </p:spPr>
+          <p:txBody>
+            <a:bodyPr wrap="none" rtlCol="0">
+              <a:spAutoFit/>
+            </a:bodyPr>
+            <a:lstStyle/>
+            <a:p>
+              <a:pPr algn="l"/>
+              <a:r>
+                <a:rPr lang="fr-FR" dirty="0">
+                  <a:solidFill>
+                    <a:srgbClr val="4E95A1"/>
+                  </a:solidFill>
+                </a:rPr>
+                <a:t>*</a:t>
+              </a:r>
+            </a:p>
+          </p:txBody>
+        </p:sp>
+      </p:grpSp>
+      <p:graphicFrame>
+        <p:nvGraphicFramePr>
+          <p:cNvPr id="26" name="Tableau 25">
+            <a:extLst>
+              <a:ext uri="{FF2B5EF4-FFF2-40B4-BE49-F238E27FC236}">
+                <a16:creationId xmlns:a16="http://schemas.microsoft.com/office/drawing/2014/main" id="{EE849CDA-F09E-499E-8B59-FF5767FB191F}"/>
+              </a:ext>
+            </a:extLst>
+          </p:cNvPr>
+          <p:cNvGraphicFramePr>
+            <a:graphicFrameLocks noGrp="1"/>
+          </p:cNvGraphicFramePr>
+          <p:nvPr/>
+        </p:nvGraphicFramePr>
+        <p:xfrm>
+          <a:off x="838200" y="5975352"/>
+          <a:ext cx="4686300" cy="381000"/>
+        </p:xfrm>
+        <a:graphic>
+          <a:graphicData uri="http://schemas.openxmlformats.org/drawingml/2006/table">
+            <a:tbl>
+              <a:tblPr/>
+              <a:tblGrid>
+                <a:gridCol w="837632">
+                  <a:extLst>
+                    <a:ext uri="{9D8B030D-6E8A-4147-A177-3AD203B41FA5}">
+                      <a16:colId xmlns:a16="http://schemas.microsoft.com/office/drawing/2014/main" val="2610859423"/>
+                    </a:ext>
+                  </a:extLst>
+                </a:gridCol>
+                <a:gridCol w="751966">
+                  <a:extLst>
+                    <a:ext uri="{9D8B030D-6E8A-4147-A177-3AD203B41FA5}">
+                      <a16:colId xmlns:a16="http://schemas.microsoft.com/office/drawing/2014/main" val="3627573296"/>
+                    </a:ext>
+                  </a:extLst>
+                </a:gridCol>
+                <a:gridCol w="1548351">
+                  <a:extLst>
+                    <a:ext uri="{9D8B030D-6E8A-4147-A177-3AD203B41FA5}">
+                      <a16:colId xmlns:a16="http://schemas.microsoft.com/office/drawing/2014/main" val="951938905"/>
+                    </a:ext>
+                  </a:extLst>
+                </a:gridCol>
+                <a:gridCol w="1548351">
+                  <a:extLst>
+                    <a:ext uri="{9D8B030D-6E8A-4147-A177-3AD203B41FA5}">
+                      <a16:colId xmlns:a16="http://schemas.microsoft.com/office/drawing/2014/main" val="3085420651"/>
+                    </a:ext>
+                  </a:extLst>
+                </a:gridCol>
+              </a:tblGrid>
+              <a:tr h="190500">
+                <a:tc>
+                  <a:txBody>
+                    <a:bodyPr/>
+                    <a:lstStyle/>
+                    <a:p>
+                      <a:pPr algn="l" fontAlgn="ctr"/>
+                      <a:endParaRPr lang="fr-FR" sz="1100" b="0" i="0" u="none" strike="noStrike">
+                        <a:solidFill>
+                          <a:srgbClr val="000000"/>
+                        </a:solidFill>
+                        <a:effectLst/>
+                        <a:latin typeface="Cambria" panose="02040503050406030204" pitchFamily="18" charset="0"/>
+                      </a:endParaRPr>
+                    </a:p>
+                  </a:txBody>
+                  <a:tcPr marL="9525" marR="9525" marT="9525" marB="0" anchor="ctr">
+                    <a:lnL>
+                      <a:noFill/>
+                    </a:lnL>
+                    <a:lnR w="12700" cap="flat" cmpd="sng" algn="ctr">
+                      <a:solidFill>
+                        <a:srgbClr val="000000"/>
+                      </a:solidFill>
+                      <a:prstDash val="solid"/>
+                      <a:round/>
+                      <a:headEnd type="none" w="med" len="med"/>
+                      <a:tailEnd type="none" w="med" len="med"/>
+                    </a:lnR>
+                    <a:lnT>
+                      <a:noFill/>
+                    </a:lnT>
+                    <a:lnB w="12700" cap="flat" cmpd="sng" algn="ctr">
+                      <a:solidFill>
+                        <a:srgbClr val="000000"/>
+                      </a:solidFill>
+                      <a:prstDash val="solid"/>
+                      <a:round/>
+                      <a:headEnd type="none" w="med" len="med"/>
+                      <a:tailEnd type="none" w="med" len="med"/>
+                    </a:lnB>
+                  </a:tcPr>
+                </a:tc>
+                <a:tc>
+                  <a:txBody>
+                    <a:bodyPr/>
+                    <a:lstStyle/>
+                    <a:p>
+                      <a:pPr algn="l" fontAlgn="ctr"/>
+                      <a:r>
+                        <a:rPr lang="fr-FR" sz="1100" b="0" i="0" u="none" strike="noStrike">
+                          <a:solidFill>
+                            <a:srgbClr val="000000"/>
+                          </a:solidFill>
+                          <a:effectLst/>
+                          <a:latin typeface="Cambria" panose="02040503050406030204" pitchFamily="18" charset="0"/>
+                        </a:rPr>
+                        <a:t>A</a:t>
+                      </a:r>
+                    </a:p>
+                  </a:txBody>
+                  <a:tcPr marL="9525" marR="9525" marT="9525" marB="0" anchor="ctr">
+                    <a:lnL w="12700" cap="flat" cmpd="sng" algn="ctr">
+                      <a:solidFill>
+                        <a:srgbClr val="000000"/>
+                      </a:solidFill>
+                      <a:prstDash val="solid"/>
+                      <a:round/>
+                      <a:headEnd type="none" w="med" len="med"/>
+                      <a:tailEnd type="none" w="med" len="med"/>
+                    </a:lnL>
+                    <a:lnR w="6350" cap="flat" cmpd="sng" algn="ctr">
+                      <a:solidFill>
+                        <a:srgbClr val="000000"/>
+                      </a:solidFill>
+                      <a:prstDash val="solid"/>
+                      <a:round/>
+                      <a:headEnd type="none" w="med" len="med"/>
+                      <a:tailEnd type="none" w="med" len="med"/>
+                    </a:lnR>
+                    <a:lnT w="12700" cap="flat" cmpd="sng" algn="ctr">
+                      <a:solidFill>
+                        <a:srgbClr val="000000"/>
+                      </a:solidFill>
+                      <a:prstDash val="solid"/>
+                      <a:round/>
+                      <a:headEnd type="none" w="med" len="med"/>
+                      <a:tailEnd type="none" w="med" len="med"/>
+                    </a:lnT>
+                    <a:lnB w="12700" cap="flat" cmpd="sng" algn="ctr">
+                      <a:solidFill>
+                        <a:srgbClr val="000000"/>
+                      </a:solidFill>
+                      <a:prstDash val="solid"/>
+                      <a:round/>
+                      <a:headEnd type="none" w="med" len="med"/>
+                      <a:tailEnd type="none" w="med" len="med"/>
+                    </a:lnB>
+                    <a:solidFill>
+                      <a:srgbClr val="808080"/>
+                    </a:solidFill>
+                  </a:tcPr>
+                </a:tc>
+                <a:tc>
+                  <a:txBody>
+                    <a:bodyPr/>
+                    <a:lstStyle/>
+                    <a:p>
+                      <a:pPr algn="l" fontAlgn="ctr"/>
+                      <a:r>
+                        <a:rPr lang="fr-FR" sz="1100" b="0" i="0" u="none" strike="noStrike">
+                          <a:solidFill>
+                            <a:srgbClr val="000000"/>
+                          </a:solidFill>
+                          <a:effectLst/>
+                          <a:latin typeface="Cambria" panose="02040503050406030204" pitchFamily="18" charset="0"/>
+                        </a:rPr>
+                        <a:t>B</a:t>
+                      </a:r>
+                    </a:p>
+                  </a:txBody>
+                  <a:tcPr marL="9525" marR="9525" marT="9525" marB="0" anchor="ctr">
+                    <a:lnL w="6350" cap="flat" cmpd="sng" algn="ctr">
+                      <a:solidFill>
+                        <a:srgbClr val="000000"/>
+                      </a:solidFill>
+                      <a:prstDash val="solid"/>
+                      <a:round/>
+                      <a:headEnd type="none" w="med" len="med"/>
+                      <a:tailEnd type="none" w="med" len="med"/>
+                    </a:lnL>
+                    <a:lnR w="6350" cap="flat" cmpd="sng" algn="ctr">
+                      <a:solidFill>
+                        <a:srgbClr val="000000"/>
+                      </a:solidFill>
+                      <a:prstDash val="solid"/>
+                      <a:round/>
+                      <a:headEnd type="none" w="med" len="med"/>
+                      <a:tailEnd type="none" w="med" len="med"/>
+                    </a:lnR>
+                    <a:lnT w="12700" cap="flat" cmpd="sng" algn="ctr">
+                      <a:solidFill>
+                        <a:srgbClr val="000000"/>
+                      </a:solidFill>
+                      <a:prstDash val="solid"/>
+                      <a:round/>
+                      <a:headEnd type="none" w="med" len="med"/>
+                      <a:tailEnd type="none" w="med" len="med"/>
+                    </a:lnT>
+                    <a:lnB w="12700" cap="flat" cmpd="sng" algn="ctr">
+                      <a:solidFill>
+                        <a:srgbClr val="000000"/>
+                      </a:solidFill>
+                      <a:prstDash val="solid"/>
+                      <a:round/>
+                      <a:headEnd type="none" w="med" len="med"/>
+                      <a:tailEnd type="none" w="med" len="med"/>
+                    </a:lnB>
+                    <a:solidFill>
+                      <a:srgbClr val="808080"/>
+                    </a:solidFill>
+                  </a:tcPr>
+                </a:tc>
+                <a:tc>
+                  <a:txBody>
+                    <a:bodyPr/>
+                    <a:lstStyle/>
+                    <a:p>
+                      <a:pPr algn="l" fontAlgn="ctr"/>
+                      <a:r>
+                        <a:rPr lang="fr-FR" sz="1100" b="0" i="0" u="none" strike="noStrike">
+                          <a:solidFill>
+                            <a:srgbClr val="000000"/>
+                          </a:solidFill>
+                          <a:effectLst/>
+                          <a:latin typeface="Cambria" panose="02040503050406030204" pitchFamily="18" charset="0"/>
+                        </a:rPr>
+                        <a:t>C</a:t>
+                      </a:r>
+                    </a:p>
+                  </a:txBody>
+                  <a:tcPr marL="9525" marR="9525" marT="9525" marB="0" anchor="ctr">
+                    <a:lnL w="6350" cap="flat" cmpd="sng" algn="ctr">
+                      <a:solidFill>
+                        <a:srgbClr val="000000"/>
+                      </a:solidFill>
+                      <a:prstDash val="solid"/>
+                      <a:round/>
+                      <a:headEnd type="none" w="med" len="med"/>
+                      <a:tailEnd type="none" w="med" len="med"/>
+                    </a:lnL>
+                    <a:lnR w="12700" cap="flat" cmpd="sng" algn="ctr">
+                      <a:solidFill>
+                        <a:srgbClr val="000000"/>
+                      </a:solidFill>
+                      <a:prstDash val="solid"/>
+                      <a:round/>
+                      <a:headEnd type="none" w="med" len="med"/>
+                      <a:tailEnd type="none" w="med" len="med"/>
+                    </a:lnR>
+                    <a:lnT w="12700" cap="flat" cmpd="sng" algn="ctr">
+                      <a:solidFill>
+                        <a:srgbClr val="000000"/>
+                      </a:solidFill>
+                      <a:prstDash val="solid"/>
+                      <a:round/>
+                      <a:headEnd type="none" w="med" len="med"/>
+                      <a:tailEnd type="none" w="med" len="med"/>
+                    </a:lnT>
+                    <a:lnB w="12700" cap="flat" cmpd="sng" algn="ctr">
+                      <a:solidFill>
+                        <a:srgbClr val="000000"/>
+                      </a:solidFill>
+                      <a:prstDash val="solid"/>
+                      <a:round/>
+                      <a:headEnd type="none" w="med" len="med"/>
+                      <a:tailEnd type="none" w="med" len="med"/>
+                    </a:lnB>
+                    <a:solidFill>
+                      <a:srgbClr val="808080"/>
+                    </a:solidFill>
+                  </a:tcPr>
+                </a:tc>
+                <a:extLst>
+                  <a:ext uri="{0D108BD9-81ED-4DB2-BD59-A6C34878D82A}">
+                    <a16:rowId xmlns:a16="http://schemas.microsoft.com/office/drawing/2014/main" val="4217257699"/>
+                  </a:ext>
+                </a:extLst>
+              </a:tr>
+              <a:tr h="190500">
+                <a:tc>
+                  <a:txBody>
+                    <a:bodyPr/>
+                    <a:lstStyle/>
+                    <a:p>
+                      <a:pPr algn="l" fontAlgn="ctr"/>
+                      <a:r>
+                        <a:rPr lang="fr-FR" sz="1100" b="0" i="0" u="none" strike="noStrike">
+                          <a:solidFill>
+                            <a:srgbClr val="000000"/>
+                          </a:solidFill>
+                          <a:effectLst/>
+                          <a:latin typeface="Cambria" panose="02040503050406030204" pitchFamily="18" charset="0"/>
+                        </a:rPr>
+                        <a:t>Fichier</a:t>
+                      </a:r>
+                    </a:p>
+                  </a:txBody>
+                  <a:tcPr marL="9525" marR="9525" marT="9525" marB="0" anchor="ctr">
+                    <a:lnL w="12700" cap="flat" cmpd="sng" algn="ctr">
+                      <a:solidFill>
+                        <a:srgbClr val="000000"/>
+                      </a:solidFill>
+                      <a:prstDash val="solid"/>
+                      <a:round/>
+                      <a:headEnd type="none" w="med" len="med"/>
+                      <a:tailEnd type="none" w="med" len="med"/>
+                    </a:lnL>
+                    <a:lnR w="12700" cap="flat" cmpd="sng" algn="ctr">
+                      <a:solidFill>
+                        <a:srgbClr val="000000"/>
+                      </a:solidFill>
+                      <a:prstDash val="solid"/>
+                      <a:round/>
+                      <a:headEnd type="none" w="med" len="med"/>
+                      <a:tailEnd type="none" w="med" len="med"/>
+                    </a:lnR>
+                    <a:lnT w="12700" cap="flat" cmpd="sng" algn="ctr">
+                      <a:solidFill>
+                        <a:srgbClr val="000000"/>
+                      </a:solidFill>
+                      <a:prstDash val="solid"/>
+                      <a:round/>
+                      <a:headEnd type="none" w="med" len="med"/>
+                      <a:tailEnd type="none" w="med" len="med"/>
+                    </a:lnT>
+                    <a:lnB w="12700" cap="flat" cmpd="sng" algn="ctr">
+                      <a:solidFill>
+                        <a:srgbClr val="000000"/>
+                      </a:solidFill>
+                      <a:prstDash val="solid"/>
+                      <a:round/>
+                      <a:headEnd type="none" w="med" len="med"/>
+                      <a:tailEnd type="none" w="med" len="med"/>
+                    </a:lnB>
+                    <a:solidFill>
+                      <a:srgbClr val="808080"/>
+                    </a:solidFill>
+                  </a:tcPr>
+                </a:tc>
+                <a:tc>
+                  <a:txBody>
+                    <a:bodyPr/>
+                    <a:lstStyle/>
+                    <a:p>
+                      <a:pPr algn="l" fontAlgn="ctr"/>
+                      <a:r>
+                        <a:rPr lang="fr-FR" sz="1100" b="0" i="0" u="none" strike="noStrike" dirty="0">
+                          <a:solidFill>
+                            <a:srgbClr val="000000"/>
+                          </a:solidFill>
+                          <a:effectLst/>
+                          <a:latin typeface="Cambria" panose="02040503050406030204" pitchFamily="18" charset="0"/>
+                        </a:rPr>
+                        <a:t>shares.csv</a:t>
+                      </a:r>
+                    </a:p>
+                  </a:txBody>
+                  <a:tcPr marL="9525" marR="9525" marT="9525" marB="0" anchor="ctr">
+                    <a:lnL w="12700" cap="flat" cmpd="sng" algn="ctr">
+                      <a:solidFill>
+                        <a:srgbClr val="000000"/>
+                      </a:solidFill>
+                      <a:prstDash val="solid"/>
+                      <a:round/>
+                      <a:headEnd type="none" w="med" len="med"/>
+                      <a:tailEnd type="none" w="med" len="med"/>
+                    </a:lnL>
+                    <a:lnR w="6350" cap="flat" cmpd="sng" algn="ctr">
+                      <a:solidFill>
+                        <a:srgbClr val="000000"/>
+                      </a:solidFill>
+                      <a:prstDash val="solid"/>
+                      <a:round/>
+                      <a:headEnd type="none" w="med" len="med"/>
+                      <a:tailEnd type="none" w="med" len="med"/>
+                    </a:lnR>
+                    <a:lnT w="12700" cap="flat" cmpd="sng" algn="ctr">
+                      <a:solidFill>
+                        <a:srgbClr val="000000"/>
+                      </a:solidFill>
+                      <a:prstDash val="solid"/>
+                      <a:round/>
+                      <a:headEnd type="none" w="med" len="med"/>
+                      <a:tailEnd type="none" w="med" len="med"/>
+                    </a:lnT>
+                    <a:lnB w="12700" cap="flat" cmpd="sng" algn="ctr">
+                      <a:solidFill>
+                        <a:srgbClr val="000000"/>
+                      </a:solidFill>
+                      <a:prstDash val="solid"/>
+                      <a:round/>
+                      <a:headEnd type="none" w="med" len="med"/>
+                      <a:tailEnd type="none" w="med" len="med"/>
+                    </a:lnB>
+                    <a:solidFill>
+                      <a:srgbClr val="BFBFBF"/>
+                    </a:solidFill>
+                  </a:tcPr>
+                </a:tc>
+                <a:tc>
+                  <a:txBody>
+                    <a:bodyPr/>
+                    <a:lstStyle/>
+                    <a:p>
+                      <a:pPr algn="l" fontAlgn="ctr"/>
+                      <a:r>
+                        <a:rPr lang="fr-FR" sz="1100" b="0" i="0" u="none" strike="noStrike">
+                          <a:solidFill>
+                            <a:srgbClr val="000000"/>
+                          </a:solidFill>
+                          <a:effectLst/>
+                          <a:latin typeface="Cambria" panose="02040503050406030204" pitchFamily="18" charset="0"/>
+                        </a:rPr>
+                        <a:t>dataset1_Python+P7.csv</a:t>
+                      </a:r>
+                    </a:p>
+                  </a:txBody>
+                  <a:tcPr marL="9525" marR="9525" marT="9525" marB="0" anchor="ctr">
+                    <a:lnL w="6350" cap="flat" cmpd="sng" algn="ctr">
+                      <a:solidFill>
+                        <a:srgbClr val="000000"/>
+                      </a:solidFill>
+                      <a:prstDash val="solid"/>
+                      <a:round/>
+                      <a:headEnd type="none" w="med" len="med"/>
+                      <a:tailEnd type="none" w="med" len="med"/>
+                    </a:lnL>
+                    <a:lnR w="6350" cap="flat" cmpd="sng" algn="ctr">
+                      <a:solidFill>
+                        <a:srgbClr val="000000"/>
+                      </a:solidFill>
+                      <a:prstDash val="solid"/>
+                      <a:round/>
+                      <a:headEnd type="none" w="med" len="med"/>
+                      <a:tailEnd type="none" w="med" len="med"/>
+                    </a:lnR>
+                    <a:lnT w="12700" cap="flat" cmpd="sng" algn="ctr">
+                      <a:solidFill>
+                        <a:srgbClr val="000000"/>
+                      </a:solidFill>
+                      <a:prstDash val="solid"/>
+                      <a:round/>
+                      <a:headEnd type="none" w="med" len="med"/>
+                      <a:tailEnd type="none" w="med" len="med"/>
+                    </a:lnT>
+                    <a:lnB w="12700" cap="flat" cmpd="sng" algn="ctr">
+                      <a:solidFill>
+                        <a:srgbClr val="000000"/>
+                      </a:solidFill>
+                      <a:prstDash val="solid"/>
+                      <a:round/>
+                      <a:headEnd type="none" w="med" len="med"/>
+                      <a:tailEnd type="none" w="med" len="med"/>
+                    </a:lnB>
+                    <a:solidFill>
+                      <a:srgbClr val="BFBFBF"/>
+                    </a:solidFill>
+                  </a:tcPr>
+                </a:tc>
+                <a:tc>
+                  <a:txBody>
+                    <a:bodyPr/>
+                    <a:lstStyle/>
+                    <a:p>
+                      <a:pPr algn="l" fontAlgn="ctr"/>
+                      <a:r>
+                        <a:rPr lang="fr-FR" sz="1100" b="0" i="0" u="none" strike="noStrike" dirty="0">
+                          <a:solidFill>
+                            <a:srgbClr val="000000"/>
+                          </a:solidFill>
+                          <a:effectLst/>
+                          <a:latin typeface="Cambria" panose="02040503050406030204" pitchFamily="18" charset="0"/>
+                        </a:rPr>
+                        <a:t>dataset2_Python+P7.csv</a:t>
+                      </a:r>
+                    </a:p>
+                  </a:txBody>
+                  <a:tcPr marL="9525" marR="9525" marT="9525" marB="0" anchor="ctr">
+                    <a:lnL w="6350" cap="flat" cmpd="sng" algn="ctr">
+                      <a:solidFill>
+                        <a:srgbClr val="000000"/>
+                      </a:solidFill>
+                      <a:prstDash val="solid"/>
+                      <a:round/>
+                      <a:headEnd type="none" w="med" len="med"/>
+                      <a:tailEnd type="none" w="med" len="med"/>
+                    </a:lnL>
+                    <a:lnR w="12700" cap="flat" cmpd="sng" algn="ctr">
+                      <a:solidFill>
+                        <a:srgbClr val="000000"/>
+                      </a:solidFill>
+                      <a:prstDash val="solid"/>
+                      <a:round/>
+                      <a:headEnd type="none" w="med" len="med"/>
+                      <a:tailEnd type="none" w="med" len="med"/>
+                    </a:lnR>
+                    <a:lnT w="12700" cap="flat" cmpd="sng" algn="ctr">
+                      <a:solidFill>
+                        <a:srgbClr val="000000"/>
+                      </a:solidFill>
+                      <a:prstDash val="solid"/>
+                      <a:round/>
+                      <a:headEnd type="none" w="med" len="med"/>
+                      <a:tailEnd type="none" w="med" len="med"/>
+                    </a:lnT>
+                    <a:lnB w="12700" cap="flat" cmpd="sng" algn="ctr">
+                      <a:solidFill>
+                        <a:srgbClr val="000000"/>
+                      </a:solidFill>
+                      <a:prstDash val="solid"/>
+                      <a:round/>
+                      <a:headEnd type="none" w="med" len="med"/>
+                      <a:tailEnd type="none" w="med" len="med"/>
+                    </a:lnB>
+                    <a:solidFill>
+                      <a:srgbClr val="BFBFBF"/>
+                    </a:solidFill>
+                  </a:tcPr>
+                </a:tc>
+                <a:extLst>
+                  <a:ext uri="{0D108BD9-81ED-4DB2-BD59-A6C34878D82A}">
+                    <a16:rowId xmlns:a16="http://schemas.microsoft.com/office/drawing/2014/main" val="1960090714"/>
+                  </a:ext>
+                </a:extLst>
+              </a:tr>
+            </a:tbl>
+          </a:graphicData>
+        </a:graphic>
+      </p:graphicFrame>
+      <p:pic>
+        <p:nvPicPr>
+          <p:cNvPr id="4" name="Image 3">
+            <a:extLst>
+              <a:ext uri="{FF2B5EF4-FFF2-40B4-BE49-F238E27FC236}">
+                <a16:creationId xmlns:a16="http://schemas.microsoft.com/office/drawing/2014/main" id="{38EF0601-173F-45FB-86AC-3B8D3883C926}"/>
+              </a:ext>
+            </a:extLst>
+          </p:cNvPr>
+          <p:cNvPicPr>
+            <a:picLocks noChangeAspect="1"/>
+          </p:cNvPicPr>
+          <p:nvPr/>
+        </p:nvPicPr>
+        <p:blipFill>
+          <a:blip r:embed="rId3"/>
+          <a:stretch>
+            <a:fillRect/>
+          </a:stretch>
+        </p:blipFill>
+        <p:spPr>
+          <a:xfrm>
+            <a:off x="201600" y="3024000"/>
+            <a:ext cx="11787489" cy="2084554"/>
+          </a:xfrm>
+          <a:prstGeom prst="rect">
+            <a:avLst/>
+          </a:prstGeom>
+        </p:spPr>
+      </p:pic>
+    </p:spTree>
+    <p:extLst>
+      <p:ext uri="{BB962C8B-B14F-4D97-AF65-F5344CB8AC3E}">
+        <p14:creationId xmlns:p14="http://schemas.microsoft.com/office/powerpoint/2010/main" val="2864627800"/>
+      </p:ext>
+    </p:extLst>
+  </p:cSld>
+  <p:clrMapOvr>
+    <a:masterClrMapping/>
+  </p:clrMapOvr>
+</p:sld>
+</file>
+
+<file path=ppt/slides/slide16.xml><?xml version="1.0" encoding="utf-8"?>
+<p:sld xmlns:a="http://schemas.openxmlformats.org/drawingml/2006/main" xmlns:r="http://schemas.openxmlformats.org/officeDocument/2006/relationships" xmlns:p="http://schemas.openxmlformats.org/presentationml/2006/main">
+  <p:cSld>
+    <p:spTree>
+      <p:nvGrpSpPr>
+        <p:cNvPr id="1" name=""/>
+        <p:cNvGrpSpPr/>
+        <p:nvPr/>
+      </p:nvGrpSpPr>
+      <p:grpSpPr>
+        <a:xfrm>
+          <a:off x="0" y="0"/>
+          <a:ext cx="0" cy="0"/>
+          <a:chOff x="0" y="0"/>
+          <a:chExt cx="0" cy="0"/>
+        </a:xfrm>
+      </p:grpSpPr>
+      <p:sp>
+        <p:nvSpPr>
+          <p:cNvPr id="2" name="Titre 1">
+            <a:extLst>
+              <a:ext uri="{FF2B5EF4-FFF2-40B4-BE49-F238E27FC236}">
+                <a16:creationId xmlns:a16="http://schemas.microsoft.com/office/drawing/2014/main" id="{D0902EAC-08A5-4F86-BA0C-296DC5B4C3F0}"/>
+              </a:ext>
+            </a:extLst>
+          </p:cNvPr>
+          <p:cNvSpPr>
+            <a:spLocks noGrp="1"/>
+          </p:cNvSpPr>
+          <p:nvPr>
+            <p:ph type="title"/>
+          </p:nvPr>
+        </p:nvSpPr>
+        <p:spPr/>
+        <p:txBody>
+          <a:bodyPr/>
+          <a:lstStyle/>
+          <a:p>
+            <a:r>
+              <a:rPr lang="fr-FR" dirty="0"/>
               <a:t>Comparaison achats pour dataset1</a:t>
             </a:r>
           </a:p>
@@ -22992,7 +24018,7 @@
             <a:fld id="{2CEE6A89-DFCB-4FC8-A1BB-9845AC41F306}" type="slidenum">
               <a:rPr lang="fr-FR" smtClean="0"/>
               <a:pPr/>
-              <a:t>15</a:t>
+              <a:t>16</a:t>
             </a:fld>
             <a:endParaRPr lang="fr-FR" dirty="0"/>
           </a:p>
@@ -23481,7 +24507,7 @@
 </p:sld>
 </file>
 
-<file path=ppt/slides/slide16.xml><?xml version="1.0" encoding="utf-8"?>
+<file path=ppt/slides/slide17.xml><?xml version="1.0" encoding="utf-8"?>
 <p:sld xmlns:a="http://schemas.openxmlformats.org/drawingml/2006/main" xmlns:r="http://schemas.openxmlformats.org/officeDocument/2006/relationships" xmlns:p="http://schemas.openxmlformats.org/presentationml/2006/main">
   <p:cSld>
     <p:spTree>
@@ -23560,7 +24586,7 @@
             <a:fld id="{2CEE6A89-DFCB-4FC8-A1BB-9845AC41F306}" type="slidenum">
               <a:rPr lang="fr-FR" smtClean="0"/>
               <a:pPr/>
-              <a:t>16</a:t>
+              <a:t>17</a:t>
             </a:fld>
             <a:endParaRPr lang="fr-FR" dirty="0"/>
           </a:p>
@@ -24356,7 +25382,7 @@
 </p:sld>
 </file>
 
-<file path=ppt/slides/slide17.xml><?xml version="1.0" encoding="utf-8"?>
+<file path=ppt/slides/slide18.xml><?xml version="1.0" encoding="utf-8"?>
 <p:sld xmlns:a="http://schemas.openxmlformats.org/drawingml/2006/main" xmlns:r="http://schemas.openxmlformats.org/officeDocument/2006/relationships" xmlns:p="http://schemas.openxmlformats.org/presentationml/2006/main">
   <p:cSld>
     <p:spTree>

--- a/p07_slide.pptx
+++ b/p07_slide.pptx
@@ -5,10 +5,10 @@
     <p:sldMasterId id="2147483660" r:id="rId1"/>
   </p:sldMasterIdLst>
   <p:notesMasterIdLst>
-    <p:notesMasterId r:id="rId20"/>
+    <p:notesMasterId r:id="rId19"/>
   </p:notesMasterIdLst>
   <p:handoutMasterIdLst>
-    <p:handoutMasterId r:id="rId21"/>
+    <p:handoutMasterId r:id="rId20"/>
   </p:handoutMasterIdLst>
   <p:sldIdLst>
     <p:sldId id="261" r:id="rId2"/>
@@ -25,10 +25,9 @@
     <p:sldId id="344" r:id="rId13"/>
     <p:sldId id="340" r:id="rId14"/>
     <p:sldId id="338" r:id="rId15"/>
-    <p:sldId id="345" r:id="rId16"/>
-    <p:sldId id="341" r:id="rId17"/>
-    <p:sldId id="343" r:id="rId18"/>
-    <p:sldId id="273" r:id="rId19"/>
+    <p:sldId id="341" r:id="rId16"/>
+    <p:sldId id="343" r:id="rId17"/>
+    <p:sldId id="273" r:id="rId18"/>
   </p:sldIdLst>
   <p:sldSz cx="12192000" cy="6858000"/>
   <p:notesSz cx="6858000" cy="9144000"/>
@@ -189,7 +188,6 @@
         <p14:section name="Synthèse des 4 méthodes" id="{EC63B18B-4F9C-44BE-B858-194F136B4F8C}">
           <p14:sldIdLst>
             <p14:sldId id="338"/>
-            <p14:sldId id="345"/>
           </p14:sldIdLst>
         </p14:section>
         <p14:section name="Achats bu/gourmand/Sienna" id="{A7AEC4D9-B5EC-4EC1-8491-9C3DD89C3B11}">
@@ -19184,13 +19182,13 @@
               </a:ext>
             </a:extLst>
           </a:blip>
-          <a:srcRect t="-1" b="44832"/>
+          <a:srcRect t="6" b="44822"/>
           <a:stretch/>
         </p:blipFill>
         <p:spPr>
           <a:xfrm>
-            <a:off x="3476259" y="2377236"/>
-            <a:ext cx="2619741" cy="2628000"/>
+            <a:off x="3477701" y="2377236"/>
+            <a:ext cx="2619539" cy="2628000"/>
           </a:xfrm>
           <a:prstGeom prst="rect">
             <a:avLst/>
@@ -19552,12 +19550,12 @@
               </a:ext>
             </a:extLst>
           </a:blip>
-          <a:srcRect t="21" b="38801"/>
+          <a:srcRect b="38797"/>
           <a:stretch/>
         </p:blipFill>
         <p:spPr>
           <a:xfrm>
-            <a:off x="6624000" y="2376000"/>
+            <a:off x="6624000" y="2376988"/>
             <a:ext cx="2620434" cy="2916000"/>
           </a:xfrm>
           <a:prstGeom prst="rect">
@@ -20937,12 +20935,12 @@
               </a:ext>
             </a:extLst>
           </a:blip>
-          <a:srcRect l="-346" t="1913" r="346" b="12705"/>
+          <a:srcRect t="2050" b="12566"/>
           <a:stretch/>
         </p:blipFill>
         <p:spPr>
           <a:xfrm>
-            <a:off x="5050473" y="1989332"/>
+            <a:off x="5050473" y="2088000"/>
             <a:ext cx="2620434" cy="4068000"/>
           </a:xfrm>
           <a:prstGeom prst="rect">
@@ -22965,7 +22963,7 @@
           <a:p>
             <a:r>
               <a:rPr lang="fr-FR" dirty="0"/>
-              <a:t>Synthèse des 4 méthodes</a:t>
+              <a:t>Comparaison achats pour dataset1</a:t>
             </a:r>
           </a:p>
         </p:txBody>
@@ -23000,1030 +22998,6 @@
           </a:p>
         </p:txBody>
       </p:sp>
-      <p:grpSp>
-        <p:nvGrpSpPr>
-          <p:cNvPr id="16" name="Groupe 15">
-            <a:extLst>
-              <a:ext uri="{FF2B5EF4-FFF2-40B4-BE49-F238E27FC236}">
-                <a16:creationId xmlns:a16="http://schemas.microsoft.com/office/drawing/2014/main" id="{1A5DFFFA-4B2C-449D-B3B0-DBDC77774F9E}"/>
-              </a:ext>
-            </a:extLst>
-          </p:cNvPr>
-          <p:cNvGrpSpPr/>
-          <p:nvPr/>
-        </p:nvGrpSpPr>
-        <p:grpSpPr>
-          <a:xfrm>
-            <a:off x="6169794" y="5826649"/>
-            <a:ext cx="3923096" cy="462326"/>
-            <a:chOff x="7430703" y="2468839"/>
-            <a:chExt cx="3923096" cy="462326"/>
-          </a:xfrm>
-        </p:grpSpPr>
-        <mc:AlternateContent xmlns:mc="http://schemas.openxmlformats.org/markup-compatibility/2006">
-          <mc:Choice xmlns:a14="http://schemas.microsoft.com/office/drawing/2010/main" Requires="a14">
-            <p:sp>
-              <p:nvSpPr>
-                <p:cNvPr id="25" name="Rectangle 24">
-                  <a:extLst>
-                    <a:ext uri="{FF2B5EF4-FFF2-40B4-BE49-F238E27FC236}">
-                      <a16:creationId xmlns:a16="http://schemas.microsoft.com/office/drawing/2014/main" id="{36D5A616-16A3-40FB-ABD2-48519ED620EF}"/>
-                    </a:ext>
-                  </a:extLst>
-                </p:cNvPr>
-                <p:cNvSpPr/>
-                <p:nvPr/>
-              </p:nvSpPr>
-              <p:spPr>
-                <a:xfrm>
-                  <a:off x="7855918" y="2561833"/>
-                  <a:ext cx="3497881" cy="369332"/>
-                </a:xfrm>
-                <a:prstGeom prst="rect">
-                  <a:avLst/>
-                </a:prstGeom>
-              </p:spPr>
-              <p:txBody>
-                <a:bodyPr wrap="none">
-                  <a:spAutoFit/>
-                </a:bodyPr>
-                <a:lstStyle/>
-                <a:p>
-                  <a:pPr/>
-                  <a14:m>
-                    <m:oMathPara xmlns:m="http://schemas.openxmlformats.org/officeDocument/2006/math">
-                      <m:oMathParaPr>
-                        <m:jc m:val="left"/>
-                      </m:oMathParaPr>
-                      <m:oMath xmlns:m="http://schemas.openxmlformats.org/officeDocument/2006/math">
-                        <m:r>
-                          <m:rPr>
-                            <m:sty m:val="p"/>
-                          </m:rPr>
-                          <a:rPr lang="fr-FR" b="0" i="0" smtClean="0">
-                            <a:solidFill>
-                              <a:srgbClr val="66D9EF"/>
-                            </a:solidFill>
-                            <a:latin typeface="Cambria Math" panose="02040503050406030204" pitchFamily="18" charset="0"/>
-                          </a:rPr>
-                          <m:t>Ο</m:t>
-                        </m:r>
-                        <m:d>
-                          <m:dPr>
-                            <m:ctrlPr>
-                              <a:rPr lang="fr-FR" b="0" i="1" smtClean="0">
-                                <a:solidFill>
-                                  <a:srgbClr val="66D9EF"/>
-                                </a:solidFill>
-                                <a:latin typeface="Cambria Math" panose="02040503050406030204" pitchFamily="18" charset="0"/>
-                              </a:rPr>
-                            </m:ctrlPr>
-                          </m:dPr>
-                          <m:e>
-                            <m:sSup>
-                              <m:sSupPr>
-                                <m:ctrlPr>
-                                  <a:rPr lang="fr-FR" b="0" i="1" smtClean="0">
-                                    <a:solidFill>
-                                      <a:srgbClr val="66D9EF"/>
-                                    </a:solidFill>
-                                    <a:latin typeface="Cambria Math" panose="02040503050406030204" pitchFamily="18" charset="0"/>
-                                  </a:rPr>
-                                </m:ctrlPr>
-                              </m:sSupPr>
-                              <m:e>
-                                <m:r>
-                                  <a:rPr lang="fr-FR" b="0" i="1" smtClean="0">
-                                    <a:solidFill>
-                                      <a:srgbClr val="66D9EF"/>
-                                    </a:solidFill>
-                                    <a:latin typeface="Cambria Math" panose="02040503050406030204" pitchFamily="18" charset="0"/>
-                                  </a:rPr>
-                                  <m:t>𝑛</m:t>
-                                </m:r>
-                              </m:e>
-                              <m:sup>
-                                <m:r>
-                                  <a:rPr lang="fr-FR" b="0" i="1" smtClean="0">
-                                    <a:solidFill>
-                                      <a:srgbClr val="66D9EF"/>
-                                    </a:solidFill>
-                                    <a:latin typeface="Cambria Math" panose="02040503050406030204" pitchFamily="18" charset="0"/>
-                                  </a:rPr>
-                                  <m:t>2</m:t>
-                                </m:r>
-                              </m:sup>
-                            </m:sSup>
-                          </m:e>
-                        </m:d>
-                        <m:r>
-                          <a:rPr lang="fr-FR" b="0" i="1" smtClean="0">
-                            <a:solidFill>
-                              <a:srgbClr val="66D9EF"/>
-                            </a:solidFill>
-                            <a:latin typeface="Cambria Math" panose="02040503050406030204" pitchFamily="18" charset="0"/>
-                          </a:rPr>
-                          <m:t>&lt;</m:t>
-                        </m:r>
-                        <m:sSub>
-                          <m:sSubPr>
-                            <m:ctrlPr>
-                              <a:rPr lang="fr-FR" i="1" smtClean="0">
-                                <a:solidFill>
-                                  <a:srgbClr val="66D9EF"/>
-                                </a:solidFill>
-                                <a:latin typeface="Cambria Math" panose="02040503050406030204" pitchFamily="18" charset="0"/>
-                              </a:rPr>
-                            </m:ctrlPr>
-                          </m:sSubPr>
-                          <m:e>
-                            <m:r>
-                              <m:rPr>
-                                <m:sty m:val="p"/>
-                              </m:rPr>
-                              <a:rPr lang="fr-FR">
-                                <a:solidFill>
-                                  <a:srgbClr val="66D9EF"/>
-                                </a:solidFill>
-                                <a:latin typeface="Cambria Math" panose="02040503050406030204" pitchFamily="18" charset="0"/>
-                              </a:rPr>
-                              <m:t>Ο</m:t>
-                            </m:r>
-                          </m:e>
-                          <m:sub>
-                            <m:r>
-                              <a:rPr lang="fr-FR" b="0" i="0" smtClean="0">
-                                <a:solidFill>
-                                  <a:srgbClr val="66D9EF"/>
-                                </a:solidFill>
-                                <a:latin typeface="Cambria Math" panose="02040503050406030204" pitchFamily="18" charset="0"/>
-                              </a:rPr>
-                              <m:t> </m:t>
-                            </m:r>
-                          </m:sub>
-                        </m:sSub>
-                        <m:d>
-                          <m:dPr>
-                            <m:ctrlPr>
-                              <a:rPr lang="fr-FR" i="1">
-                                <a:solidFill>
-                                  <a:srgbClr val="66D9EF"/>
-                                </a:solidFill>
-                                <a:latin typeface="Cambria Math" panose="02040503050406030204" pitchFamily="18" charset="0"/>
-                              </a:rPr>
-                            </m:ctrlPr>
-                          </m:dPr>
-                          <m:e>
-                            <m:r>
-                              <a:rPr lang="fr-FR" i="1">
-                                <a:solidFill>
-                                  <a:srgbClr val="66D9EF"/>
-                                </a:solidFill>
-                                <a:latin typeface="Cambria Math" panose="02040503050406030204" pitchFamily="18" charset="0"/>
-                              </a:rPr>
-                              <m:t>𝑛</m:t>
-                            </m:r>
-                            <m:r>
-                              <a:rPr lang="fr-FR" b="0" i="1" smtClean="0">
-                                <a:solidFill>
-                                  <a:srgbClr val="66D9EF"/>
-                                </a:solidFill>
-                                <a:latin typeface="Cambria Math" panose="02040503050406030204" pitchFamily="18" charset="0"/>
-                              </a:rPr>
-                              <m:t>∗</m:t>
-                            </m:r>
-                            <m:r>
-                              <a:rPr lang="fr-FR" b="0" i="1" smtClean="0">
-                                <a:solidFill>
-                                  <a:srgbClr val="66D9EF"/>
-                                </a:solidFill>
-                                <a:latin typeface="Cambria Math" panose="02040503050406030204" pitchFamily="18" charset="0"/>
-                              </a:rPr>
-                              <m:t>𝑏𝑢𝑑𝑔𝑒𝑡</m:t>
-                            </m:r>
-                          </m:e>
-                        </m:d>
-                        <m:r>
-                          <a:rPr lang="fr-FR" b="0" i="1" smtClean="0">
-                            <a:solidFill>
-                              <a:srgbClr val="66D9EF"/>
-                            </a:solidFill>
-                            <a:latin typeface="Cambria Math" panose="02040503050406030204" pitchFamily="18" charset="0"/>
-                          </a:rPr>
-                          <m:t>&lt;</m:t>
-                        </m:r>
-                        <m:r>
-                          <m:rPr>
-                            <m:sty m:val="p"/>
-                          </m:rPr>
-                          <a:rPr lang="fr-FR" b="0" i="0" smtClean="0">
-                            <a:solidFill>
-                              <a:srgbClr val="66D9EF"/>
-                            </a:solidFill>
-                            <a:latin typeface="Cambria Math" panose="02040503050406030204" pitchFamily="18" charset="0"/>
-                          </a:rPr>
-                          <m:t>Ο</m:t>
-                        </m:r>
-                        <m:r>
-                          <a:rPr lang="fr-FR" b="0" i="1" smtClean="0">
-                            <a:solidFill>
-                              <a:srgbClr val="66D9EF"/>
-                            </a:solidFill>
-                            <a:latin typeface="Cambria Math" panose="02040503050406030204" pitchFamily="18" charset="0"/>
-                          </a:rPr>
-                          <m:t>(</m:t>
-                        </m:r>
-                        <m:sSup>
-                          <m:sSupPr>
-                            <m:ctrlPr>
-                              <a:rPr lang="fr-FR" b="0" i="1" smtClean="0">
-                                <a:solidFill>
-                                  <a:srgbClr val="66D9EF"/>
-                                </a:solidFill>
-                                <a:latin typeface="Cambria Math" panose="02040503050406030204" pitchFamily="18" charset="0"/>
-                              </a:rPr>
-                            </m:ctrlPr>
-                          </m:sSupPr>
-                          <m:e>
-                            <m:r>
-                              <a:rPr lang="fr-FR" b="0" i="1" smtClean="0">
-                                <a:solidFill>
-                                  <a:srgbClr val="66D9EF"/>
-                                </a:solidFill>
-                                <a:latin typeface="Cambria Math" panose="02040503050406030204" pitchFamily="18" charset="0"/>
-                              </a:rPr>
-                              <m:t>𝑛</m:t>
-                            </m:r>
-                          </m:e>
-                          <m:sup>
-                            <m:r>
-                              <a:rPr lang="fr-FR" b="0" i="1" smtClean="0">
-                                <a:solidFill>
-                                  <a:srgbClr val="66D9EF"/>
-                                </a:solidFill>
-                                <a:latin typeface="Cambria Math" panose="02040503050406030204" pitchFamily="18" charset="0"/>
-                              </a:rPr>
-                              <m:t>3</m:t>
-                            </m:r>
-                          </m:sup>
-                        </m:sSup>
-                        <m:r>
-                          <a:rPr lang="fr-FR" b="0" i="1" smtClean="0">
-                            <a:solidFill>
-                              <a:srgbClr val="66D9EF"/>
-                            </a:solidFill>
-                            <a:latin typeface="Cambria Math" panose="02040503050406030204" pitchFamily="18" charset="0"/>
-                          </a:rPr>
-                          <m:t>)</m:t>
-                        </m:r>
-                      </m:oMath>
-                    </m:oMathPara>
-                  </a14:m>
-                  <a:endParaRPr lang="fr-FR" dirty="0">
-                    <a:solidFill>
-                      <a:srgbClr val="66D9EF"/>
-                    </a:solidFill>
-                  </a:endParaRPr>
-                </a:p>
-              </p:txBody>
-            </p:sp>
-          </mc:Choice>
-          <mc:Fallback>
-            <p:sp>
-              <p:nvSpPr>
-                <p:cNvPr id="25" name="Rectangle 24">
-                  <a:extLst>
-                    <a:ext uri="{FF2B5EF4-FFF2-40B4-BE49-F238E27FC236}">
-                      <a16:creationId xmlns:a16="http://schemas.microsoft.com/office/drawing/2014/main" id="{36D5A616-16A3-40FB-ABD2-48519ED620EF}"/>
-                    </a:ext>
-                  </a:extLst>
-                </p:cNvPr>
-                <p:cNvSpPr>
-                  <a:spLocks noRot="1" noChangeAspect="1" noMove="1" noResize="1" noEditPoints="1" noAdjustHandles="1" noChangeArrowheads="1" noChangeShapeType="1" noTextEdit="1"/>
-                </p:cNvSpPr>
-                <p:nvPr/>
-              </p:nvSpPr>
-              <p:spPr>
-                <a:xfrm>
-                  <a:off x="7855918" y="2561833"/>
-                  <a:ext cx="3497881" cy="369332"/>
-                </a:xfrm>
-                <a:prstGeom prst="rect">
-                  <a:avLst/>
-                </a:prstGeom>
-                <a:blipFill>
-                  <a:blip r:embed="rId2"/>
-                  <a:stretch>
-                    <a:fillRect b="-13115"/>
-                  </a:stretch>
-                </a:blipFill>
-              </p:spPr>
-              <p:txBody>
-                <a:bodyPr/>
-                <a:lstStyle/>
-                <a:p>
-                  <a:r>
-                    <a:rPr lang="fr-FR">
-                      <a:noFill/>
-                    </a:rPr>
-                    <a:t> </a:t>
-                  </a:r>
-                </a:p>
-              </p:txBody>
-            </p:sp>
-          </mc:Fallback>
-        </mc:AlternateContent>
-        <p:sp>
-          <p:nvSpPr>
-            <p:cNvPr id="15" name="ZoneTexte 14">
-              <a:extLst>
-                <a:ext uri="{FF2B5EF4-FFF2-40B4-BE49-F238E27FC236}">
-                  <a16:creationId xmlns:a16="http://schemas.microsoft.com/office/drawing/2014/main" id="{0992C7D9-3500-4FFC-AB6A-3FEE866D8C16}"/>
-                </a:ext>
-              </a:extLst>
-            </p:cNvPr>
-            <p:cNvSpPr txBox="1"/>
-            <p:nvPr/>
-          </p:nvSpPr>
-          <p:spPr>
-            <a:xfrm>
-              <a:off x="7430703" y="2468839"/>
-              <a:ext cx="300082" cy="369332"/>
-            </a:xfrm>
-            <a:prstGeom prst="rect">
-              <a:avLst/>
-            </a:prstGeom>
-            <a:noFill/>
-          </p:spPr>
-          <p:txBody>
-            <a:bodyPr wrap="none" rtlCol="0">
-              <a:spAutoFit/>
-            </a:bodyPr>
-            <a:lstStyle/>
-            <a:p>
-              <a:pPr algn="l"/>
-              <a:r>
-                <a:rPr lang="fr-FR" dirty="0">
-                  <a:solidFill>
-                    <a:srgbClr val="4E95A1"/>
-                  </a:solidFill>
-                </a:rPr>
-                <a:t>*</a:t>
-              </a:r>
-            </a:p>
-          </p:txBody>
-        </p:sp>
-      </p:grpSp>
-      <p:graphicFrame>
-        <p:nvGraphicFramePr>
-          <p:cNvPr id="26" name="Tableau 25">
-            <a:extLst>
-              <a:ext uri="{FF2B5EF4-FFF2-40B4-BE49-F238E27FC236}">
-                <a16:creationId xmlns:a16="http://schemas.microsoft.com/office/drawing/2014/main" id="{EE849CDA-F09E-499E-8B59-FF5767FB191F}"/>
-              </a:ext>
-            </a:extLst>
-          </p:cNvPr>
-          <p:cNvGraphicFramePr>
-            <a:graphicFrameLocks noGrp="1"/>
-          </p:cNvGraphicFramePr>
-          <p:nvPr/>
-        </p:nvGraphicFramePr>
-        <p:xfrm>
-          <a:off x="838200" y="5975352"/>
-          <a:ext cx="4686300" cy="381000"/>
-        </p:xfrm>
-        <a:graphic>
-          <a:graphicData uri="http://schemas.openxmlformats.org/drawingml/2006/table">
-            <a:tbl>
-              <a:tblPr/>
-              <a:tblGrid>
-                <a:gridCol w="837632">
-                  <a:extLst>
-                    <a:ext uri="{9D8B030D-6E8A-4147-A177-3AD203B41FA5}">
-                      <a16:colId xmlns:a16="http://schemas.microsoft.com/office/drawing/2014/main" val="2610859423"/>
-                    </a:ext>
-                  </a:extLst>
-                </a:gridCol>
-                <a:gridCol w="751966">
-                  <a:extLst>
-                    <a:ext uri="{9D8B030D-6E8A-4147-A177-3AD203B41FA5}">
-                      <a16:colId xmlns:a16="http://schemas.microsoft.com/office/drawing/2014/main" val="3627573296"/>
-                    </a:ext>
-                  </a:extLst>
-                </a:gridCol>
-                <a:gridCol w="1548351">
-                  <a:extLst>
-                    <a:ext uri="{9D8B030D-6E8A-4147-A177-3AD203B41FA5}">
-                      <a16:colId xmlns:a16="http://schemas.microsoft.com/office/drawing/2014/main" val="951938905"/>
-                    </a:ext>
-                  </a:extLst>
-                </a:gridCol>
-                <a:gridCol w="1548351">
-                  <a:extLst>
-                    <a:ext uri="{9D8B030D-6E8A-4147-A177-3AD203B41FA5}">
-                      <a16:colId xmlns:a16="http://schemas.microsoft.com/office/drawing/2014/main" val="3085420651"/>
-                    </a:ext>
-                  </a:extLst>
-                </a:gridCol>
-              </a:tblGrid>
-              <a:tr h="190500">
-                <a:tc>
-                  <a:txBody>
-                    <a:bodyPr/>
-                    <a:lstStyle/>
-                    <a:p>
-                      <a:pPr algn="l" fontAlgn="ctr"/>
-                      <a:endParaRPr lang="fr-FR" sz="1100" b="0" i="0" u="none" strike="noStrike">
-                        <a:solidFill>
-                          <a:srgbClr val="000000"/>
-                        </a:solidFill>
-                        <a:effectLst/>
-                        <a:latin typeface="Cambria" panose="02040503050406030204" pitchFamily="18" charset="0"/>
-                      </a:endParaRPr>
-                    </a:p>
-                  </a:txBody>
-                  <a:tcPr marL="9525" marR="9525" marT="9525" marB="0" anchor="ctr">
-                    <a:lnL>
-                      <a:noFill/>
-                    </a:lnL>
-                    <a:lnR w="12700" cap="flat" cmpd="sng" algn="ctr">
-                      <a:solidFill>
-                        <a:srgbClr val="000000"/>
-                      </a:solidFill>
-                      <a:prstDash val="solid"/>
-                      <a:round/>
-                      <a:headEnd type="none" w="med" len="med"/>
-                      <a:tailEnd type="none" w="med" len="med"/>
-                    </a:lnR>
-                    <a:lnT>
-                      <a:noFill/>
-                    </a:lnT>
-                    <a:lnB w="12700" cap="flat" cmpd="sng" algn="ctr">
-                      <a:solidFill>
-                        <a:srgbClr val="000000"/>
-                      </a:solidFill>
-                      <a:prstDash val="solid"/>
-                      <a:round/>
-                      <a:headEnd type="none" w="med" len="med"/>
-                      <a:tailEnd type="none" w="med" len="med"/>
-                    </a:lnB>
-                  </a:tcPr>
-                </a:tc>
-                <a:tc>
-                  <a:txBody>
-                    <a:bodyPr/>
-                    <a:lstStyle/>
-                    <a:p>
-                      <a:pPr algn="l" fontAlgn="ctr"/>
-                      <a:r>
-                        <a:rPr lang="fr-FR" sz="1100" b="0" i="0" u="none" strike="noStrike">
-                          <a:solidFill>
-                            <a:srgbClr val="000000"/>
-                          </a:solidFill>
-                          <a:effectLst/>
-                          <a:latin typeface="Cambria" panose="02040503050406030204" pitchFamily="18" charset="0"/>
-                        </a:rPr>
-                        <a:t>A</a:t>
-                      </a:r>
-                    </a:p>
-                  </a:txBody>
-                  <a:tcPr marL="9525" marR="9525" marT="9525" marB="0" anchor="ctr">
-                    <a:lnL w="12700" cap="flat" cmpd="sng" algn="ctr">
-                      <a:solidFill>
-                        <a:srgbClr val="000000"/>
-                      </a:solidFill>
-                      <a:prstDash val="solid"/>
-                      <a:round/>
-                      <a:headEnd type="none" w="med" len="med"/>
-                      <a:tailEnd type="none" w="med" len="med"/>
-                    </a:lnL>
-                    <a:lnR w="6350" cap="flat" cmpd="sng" algn="ctr">
-                      <a:solidFill>
-                        <a:srgbClr val="000000"/>
-                      </a:solidFill>
-                      <a:prstDash val="solid"/>
-                      <a:round/>
-                      <a:headEnd type="none" w="med" len="med"/>
-                      <a:tailEnd type="none" w="med" len="med"/>
-                    </a:lnR>
-                    <a:lnT w="12700" cap="flat" cmpd="sng" algn="ctr">
-                      <a:solidFill>
-                        <a:srgbClr val="000000"/>
-                      </a:solidFill>
-                      <a:prstDash val="solid"/>
-                      <a:round/>
-                      <a:headEnd type="none" w="med" len="med"/>
-                      <a:tailEnd type="none" w="med" len="med"/>
-                    </a:lnT>
-                    <a:lnB w="12700" cap="flat" cmpd="sng" algn="ctr">
-                      <a:solidFill>
-                        <a:srgbClr val="000000"/>
-                      </a:solidFill>
-                      <a:prstDash val="solid"/>
-                      <a:round/>
-                      <a:headEnd type="none" w="med" len="med"/>
-                      <a:tailEnd type="none" w="med" len="med"/>
-                    </a:lnB>
-                    <a:solidFill>
-                      <a:srgbClr val="808080"/>
-                    </a:solidFill>
-                  </a:tcPr>
-                </a:tc>
-                <a:tc>
-                  <a:txBody>
-                    <a:bodyPr/>
-                    <a:lstStyle/>
-                    <a:p>
-                      <a:pPr algn="l" fontAlgn="ctr"/>
-                      <a:r>
-                        <a:rPr lang="fr-FR" sz="1100" b="0" i="0" u="none" strike="noStrike">
-                          <a:solidFill>
-                            <a:srgbClr val="000000"/>
-                          </a:solidFill>
-                          <a:effectLst/>
-                          <a:latin typeface="Cambria" panose="02040503050406030204" pitchFamily="18" charset="0"/>
-                        </a:rPr>
-                        <a:t>B</a:t>
-                      </a:r>
-                    </a:p>
-                  </a:txBody>
-                  <a:tcPr marL="9525" marR="9525" marT="9525" marB="0" anchor="ctr">
-                    <a:lnL w="6350" cap="flat" cmpd="sng" algn="ctr">
-                      <a:solidFill>
-                        <a:srgbClr val="000000"/>
-                      </a:solidFill>
-                      <a:prstDash val="solid"/>
-                      <a:round/>
-                      <a:headEnd type="none" w="med" len="med"/>
-                      <a:tailEnd type="none" w="med" len="med"/>
-                    </a:lnL>
-                    <a:lnR w="6350" cap="flat" cmpd="sng" algn="ctr">
-                      <a:solidFill>
-                        <a:srgbClr val="000000"/>
-                      </a:solidFill>
-                      <a:prstDash val="solid"/>
-                      <a:round/>
-                      <a:headEnd type="none" w="med" len="med"/>
-                      <a:tailEnd type="none" w="med" len="med"/>
-                    </a:lnR>
-                    <a:lnT w="12700" cap="flat" cmpd="sng" algn="ctr">
-                      <a:solidFill>
-                        <a:srgbClr val="000000"/>
-                      </a:solidFill>
-                      <a:prstDash val="solid"/>
-                      <a:round/>
-                      <a:headEnd type="none" w="med" len="med"/>
-                      <a:tailEnd type="none" w="med" len="med"/>
-                    </a:lnT>
-                    <a:lnB w="12700" cap="flat" cmpd="sng" algn="ctr">
-                      <a:solidFill>
-                        <a:srgbClr val="000000"/>
-                      </a:solidFill>
-                      <a:prstDash val="solid"/>
-                      <a:round/>
-                      <a:headEnd type="none" w="med" len="med"/>
-                      <a:tailEnd type="none" w="med" len="med"/>
-                    </a:lnB>
-                    <a:solidFill>
-                      <a:srgbClr val="808080"/>
-                    </a:solidFill>
-                  </a:tcPr>
-                </a:tc>
-                <a:tc>
-                  <a:txBody>
-                    <a:bodyPr/>
-                    <a:lstStyle/>
-                    <a:p>
-                      <a:pPr algn="l" fontAlgn="ctr"/>
-                      <a:r>
-                        <a:rPr lang="fr-FR" sz="1100" b="0" i="0" u="none" strike="noStrike">
-                          <a:solidFill>
-                            <a:srgbClr val="000000"/>
-                          </a:solidFill>
-                          <a:effectLst/>
-                          <a:latin typeface="Cambria" panose="02040503050406030204" pitchFamily="18" charset="0"/>
-                        </a:rPr>
-                        <a:t>C</a:t>
-                      </a:r>
-                    </a:p>
-                  </a:txBody>
-                  <a:tcPr marL="9525" marR="9525" marT="9525" marB="0" anchor="ctr">
-                    <a:lnL w="6350" cap="flat" cmpd="sng" algn="ctr">
-                      <a:solidFill>
-                        <a:srgbClr val="000000"/>
-                      </a:solidFill>
-                      <a:prstDash val="solid"/>
-                      <a:round/>
-                      <a:headEnd type="none" w="med" len="med"/>
-                      <a:tailEnd type="none" w="med" len="med"/>
-                    </a:lnL>
-                    <a:lnR w="12700" cap="flat" cmpd="sng" algn="ctr">
-                      <a:solidFill>
-                        <a:srgbClr val="000000"/>
-                      </a:solidFill>
-                      <a:prstDash val="solid"/>
-                      <a:round/>
-                      <a:headEnd type="none" w="med" len="med"/>
-                      <a:tailEnd type="none" w="med" len="med"/>
-                    </a:lnR>
-                    <a:lnT w="12700" cap="flat" cmpd="sng" algn="ctr">
-                      <a:solidFill>
-                        <a:srgbClr val="000000"/>
-                      </a:solidFill>
-                      <a:prstDash val="solid"/>
-                      <a:round/>
-                      <a:headEnd type="none" w="med" len="med"/>
-                      <a:tailEnd type="none" w="med" len="med"/>
-                    </a:lnT>
-                    <a:lnB w="12700" cap="flat" cmpd="sng" algn="ctr">
-                      <a:solidFill>
-                        <a:srgbClr val="000000"/>
-                      </a:solidFill>
-                      <a:prstDash val="solid"/>
-                      <a:round/>
-                      <a:headEnd type="none" w="med" len="med"/>
-                      <a:tailEnd type="none" w="med" len="med"/>
-                    </a:lnB>
-                    <a:solidFill>
-                      <a:srgbClr val="808080"/>
-                    </a:solidFill>
-                  </a:tcPr>
-                </a:tc>
-                <a:extLst>
-                  <a:ext uri="{0D108BD9-81ED-4DB2-BD59-A6C34878D82A}">
-                    <a16:rowId xmlns:a16="http://schemas.microsoft.com/office/drawing/2014/main" val="4217257699"/>
-                  </a:ext>
-                </a:extLst>
-              </a:tr>
-              <a:tr h="190500">
-                <a:tc>
-                  <a:txBody>
-                    <a:bodyPr/>
-                    <a:lstStyle/>
-                    <a:p>
-                      <a:pPr algn="l" fontAlgn="ctr"/>
-                      <a:r>
-                        <a:rPr lang="fr-FR" sz="1100" b="0" i="0" u="none" strike="noStrike">
-                          <a:solidFill>
-                            <a:srgbClr val="000000"/>
-                          </a:solidFill>
-                          <a:effectLst/>
-                          <a:latin typeface="Cambria" panose="02040503050406030204" pitchFamily="18" charset="0"/>
-                        </a:rPr>
-                        <a:t>Fichier</a:t>
-                      </a:r>
-                    </a:p>
-                  </a:txBody>
-                  <a:tcPr marL="9525" marR="9525" marT="9525" marB="0" anchor="ctr">
-                    <a:lnL w="12700" cap="flat" cmpd="sng" algn="ctr">
-                      <a:solidFill>
-                        <a:srgbClr val="000000"/>
-                      </a:solidFill>
-                      <a:prstDash val="solid"/>
-                      <a:round/>
-                      <a:headEnd type="none" w="med" len="med"/>
-                      <a:tailEnd type="none" w="med" len="med"/>
-                    </a:lnL>
-                    <a:lnR w="12700" cap="flat" cmpd="sng" algn="ctr">
-                      <a:solidFill>
-                        <a:srgbClr val="000000"/>
-                      </a:solidFill>
-                      <a:prstDash val="solid"/>
-                      <a:round/>
-                      <a:headEnd type="none" w="med" len="med"/>
-                      <a:tailEnd type="none" w="med" len="med"/>
-                    </a:lnR>
-                    <a:lnT w="12700" cap="flat" cmpd="sng" algn="ctr">
-                      <a:solidFill>
-                        <a:srgbClr val="000000"/>
-                      </a:solidFill>
-                      <a:prstDash val="solid"/>
-                      <a:round/>
-                      <a:headEnd type="none" w="med" len="med"/>
-                      <a:tailEnd type="none" w="med" len="med"/>
-                    </a:lnT>
-                    <a:lnB w="12700" cap="flat" cmpd="sng" algn="ctr">
-                      <a:solidFill>
-                        <a:srgbClr val="000000"/>
-                      </a:solidFill>
-                      <a:prstDash val="solid"/>
-                      <a:round/>
-                      <a:headEnd type="none" w="med" len="med"/>
-                      <a:tailEnd type="none" w="med" len="med"/>
-                    </a:lnB>
-                    <a:solidFill>
-                      <a:srgbClr val="808080"/>
-                    </a:solidFill>
-                  </a:tcPr>
-                </a:tc>
-                <a:tc>
-                  <a:txBody>
-                    <a:bodyPr/>
-                    <a:lstStyle/>
-                    <a:p>
-                      <a:pPr algn="l" fontAlgn="ctr"/>
-                      <a:r>
-                        <a:rPr lang="fr-FR" sz="1100" b="0" i="0" u="none" strike="noStrike" dirty="0">
-                          <a:solidFill>
-                            <a:srgbClr val="000000"/>
-                          </a:solidFill>
-                          <a:effectLst/>
-                          <a:latin typeface="Cambria" panose="02040503050406030204" pitchFamily="18" charset="0"/>
-                        </a:rPr>
-                        <a:t>shares.csv</a:t>
-                      </a:r>
-                    </a:p>
-                  </a:txBody>
-                  <a:tcPr marL="9525" marR="9525" marT="9525" marB="0" anchor="ctr">
-                    <a:lnL w="12700" cap="flat" cmpd="sng" algn="ctr">
-                      <a:solidFill>
-                        <a:srgbClr val="000000"/>
-                      </a:solidFill>
-                      <a:prstDash val="solid"/>
-                      <a:round/>
-                      <a:headEnd type="none" w="med" len="med"/>
-                      <a:tailEnd type="none" w="med" len="med"/>
-                    </a:lnL>
-                    <a:lnR w="6350" cap="flat" cmpd="sng" algn="ctr">
-                      <a:solidFill>
-                        <a:srgbClr val="000000"/>
-                      </a:solidFill>
-                      <a:prstDash val="solid"/>
-                      <a:round/>
-                      <a:headEnd type="none" w="med" len="med"/>
-                      <a:tailEnd type="none" w="med" len="med"/>
-                    </a:lnR>
-                    <a:lnT w="12700" cap="flat" cmpd="sng" algn="ctr">
-                      <a:solidFill>
-                        <a:srgbClr val="000000"/>
-                      </a:solidFill>
-                      <a:prstDash val="solid"/>
-                      <a:round/>
-                      <a:headEnd type="none" w="med" len="med"/>
-                      <a:tailEnd type="none" w="med" len="med"/>
-                    </a:lnT>
-                    <a:lnB w="12700" cap="flat" cmpd="sng" algn="ctr">
-                      <a:solidFill>
-                        <a:srgbClr val="000000"/>
-                      </a:solidFill>
-                      <a:prstDash val="solid"/>
-                      <a:round/>
-                      <a:headEnd type="none" w="med" len="med"/>
-                      <a:tailEnd type="none" w="med" len="med"/>
-                    </a:lnB>
-                    <a:solidFill>
-                      <a:srgbClr val="BFBFBF"/>
-                    </a:solidFill>
-                  </a:tcPr>
-                </a:tc>
-                <a:tc>
-                  <a:txBody>
-                    <a:bodyPr/>
-                    <a:lstStyle/>
-                    <a:p>
-                      <a:pPr algn="l" fontAlgn="ctr"/>
-                      <a:r>
-                        <a:rPr lang="fr-FR" sz="1100" b="0" i="0" u="none" strike="noStrike">
-                          <a:solidFill>
-                            <a:srgbClr val="000000"/>
-                          </a:solidFill>
-                          <a:effectLst/>
-                          <a:latin typeface="Cambria" panose="02040503050406030204" pitchFamily="18" charset="0"/>
-                        </a:rPr>
-                        <a:t>dataset1_Python+P7.csv</a:t>
-                      </a:r>
-                    </a:p>
-                  </a:txBody>
-                  <a:tcPr marL="9525" marR="9525" marT="9525" marB="0" anchor="ctr">
-                    <a:lnL w="6350" cap="flat" cmpd="sng" algn="ctr">
-                      <a:solidFill>
-                        <a:srgbClr val="000000"/>
-                      </a:solidFill>
-                      <a:prstDash val="solid"/>
-                      <a:round/>
-                      <a:headEnd type="none" w="med" len="med"/>
-                      <a:tailEnd type="none" w="med" len="med"/>
-                    </a:lnL>
-                    <a:lnR w="6350" cap="flat" cmpd="sng" algn="ctr">
-                      <a:solidFill>
-                        <a:srgbClr val="000000"/>
-                      </a:solidFill>
-                      <a:prstDash val="solid"/>
-                      <a:round/>
-                      <a:headEnd type="none" w="med" len="med"/>
-                      <a:tailEnd type="none" w="med" len="med"/>
-                    </a:lnR>
-                    <a:lnT w="12700" cap="flat" cmpd="sng" algn="ctr">
-                      <a:solidFill>
-                        <a:srgbClr val="000000"/>
-                      </a:solidFill>
-                      <a:prstDash val="solid"/>
-                      <a:round/>
-                      <a:headEnd type="none" w="med" len="med"/>
-                      <a:tailEnd type="none" w="med" len="med"/>
-                    </a:lnT>
-                    <a:lnB w="12700" cap="flat" cmpd="sng" algn="ctr">
-                      <a:solidFill>
-                        <a:srgbClr val="000000"/>
-                      </a:solidFill>
-                      <a:prstDash val="solid"/>
-                      <a:round/>
-                      <a:headEnd type="none" w="med" len="med"/>
-                      <a:tailEnd type="none" w="med" len="med"/>
-                    </a:lnB>
-                    <a:solidFill>
-                      <a:srgbClr val="BFBFBF"/>
-                    </a:solidFill>
-                  </a:tcPr>
-                </a:tc>
-                <a:tc>
-                  <a:txBody>
-                    <a:bodyPr/>
-                    <a:lstStyle/>
-                    <a:p>
-                      <a:pPr algn="l" fontAlgn="ctr"/>
-                      <a:r>
-                        <a:rPr lang="fr-FR" sz="1100" b="0" i="0" u="none" strike="noStrike" dirty="0">
-                          <a:solidFill>
-                            <a:srgbClr val="000000"/>
-                          </a:solidFill>
-                          <a:effectLst/>
-                          <a:latin typeface="Cambria" panose="02040503050406030204" pitchFamily="18" charset="0"/>
-                        </a:rPr>
-                        <a:t>dataset2_Python+P7.csv</a:t>
-                      </a:r>
-                    </a:p>
-                  </a:txBody>
-                  <a:tcPr marL="9525" marR="9525" marT="9525" marB="0" anchor="ctr">
-                    <a:lnL w="6350" cap="flat" cmpd="sng" algn="ctr">
-                      <a:solidFill>
-                        <a:srgbClr val="000000"/>
-                      </a:solidFill>
-                      <a:prstDash val="solid"/>
-                      <a:round/>
-                      <a:headEnd type="none" w="med" len="med"/>
-                      <a:tailEnd type="none" w="med" len="med"/>
-                    </a:lnL>
-                    <a:lnR w="12700" cap="flat" cmpd="sng" algn="ctr">
-                      <a:solidFill>
-                        <a:srgbClr val="000000"/>
-                      </a:solidFill>
-                      <a:prstDash val="solid"/>
-                      <a:round/>
-                      <a:headEnd type="none" w="med" len="med"/>
-                      <a:tailEnd type="none" w="med" len="med"/>
-                    </a:lnR>
-                    <a:lnT w="12700" cap="flat" cmpd="sng" algn="ctr">
-                      <a:solidFill>
-                        <a:srgbClr val="000000"/>
-                      </a:solidFill>
-                      <a:prstDash val="solid"/>
-                      <a:round/>
-                      <a:headEnd type="none" w="med" len="med"/>
-                      <a:tailEnd type="none" w="med" len="med"/>
-                    </a:lnT>
-                    <a:lnB w="12700" cap="flat" cmpd="sng" algn="ctr">
-                      <a:solidFill>
-                        <a:srgbClr val="000000"/>
-                      </a:solidFill>
-                      <a:prstDash val="solid"/>
-                      <a:round/>
-                      <a:headEnd type="none" w="med" len="med"/>
-                      <a:tailEnd type="none" w="med" len="med"/>
-                    </a:lnB>
-                    <a:solidFill>
-                      <a:srgbClr val="BFBFBF"/>
-                    </a:solidFill>
-                  </a:tcPr>
-                </a:tc>
-                <a:extLst>
-                  <a:ext uri="{0D108BD9-81ED-4DB2-BD59-A6C34878D82A}">
-                    <a16:rowId xmlns:a16="http://schemas.microsoft.com/office/drawing/2014/main" val="1960090714"/>
-                  </a:ext>
-                </a:extLst>
-              </a:tr>
-            </a:tbl>
-          </a:graphicData>
-        </a:graphic>
-      </p:graphicFrame>
-      <p:pic>
-        <p:nvPicPr>
-          <p:cNvPr id="4" name="Image 3">
-            <a:extLst>
-              <a:ext uri="{FF2B5EF4-FFF2-40B4-BE49-F238E27FC236}">
-                <a16:creationId xmlns:a16="http://schemas.microsoft.com/office/drawing/2014/main" id="{38EF0601-173F-45FB-86AC-3B8D3883C926}"/>
-              </a:ext>
-            </a:extLst>
-          </p:cNvPr>
-          <p:cNvPicPr>
-            <a:picLocks noChangeAspect="1"/>
-          </p:cNvPicPr>
-          <p:nvPr/>
-        </p:nvPicPr>
-        <p:blipFill>
-          <a:blip r:embed="rId3"/>
-          <a:stretch>
-            <a:fillRect/>
-          </a:stretch>
-        </p:blipFill>
-        <p:spPr>
-          <a:xfrm>
-            <a:off x="201600" y="3024000"/>
-            <a:ext cx="11787489" cy="2084554"/>
-          </a:xfrm>
-          <a:prstGeom prst="rect">
-            <a:avLst/>
-          </a:prstGeom>
-        </p:spPr>
-      </p:pic>
-    </p:spTree>
-    <p:extLst>
-      <p:ext uri="{BB962C8B-B14F-4D97-AF65-F5344CB8AC3E}">
-        <p14:creationId xmlns:p14="http://schemas.microsoft.com/office/powerpoint/2010/main" val="2864627800"/>
-      </p:ext>
-    </p:extLst>
-  </p:cSld>
-  <p:clrMapOvr>
-    <a:masterClrMapping/>
-  </p:clrMapOvr>
-</p:sld>
-</file>
-
-<file path=ppt/slides/slide16.xml><?xml version="1.0" encoding="utf-8"?>
-<p:sld xmlns:a="http://schemas.openxmlformats.org/drawingml/2006/main" xmlns:r="http://schemas.openxmlformats.org/officeDocument/2006/relationships" xmlns:p="http://schemas.openxmlformats.org/presentationml/2006/main">
-  <p:cSld>
-    <p:spTree>
-      <p:nvGrpSpPr>
-        <p:cNvPr id="1" name=""/>
-        <p:cNvGrpSpPr/>
-        <p:nvPr/>
-      </p:nvGrpSpPr>
-      <p:grpSpPr>
-        <a:xfrm>
-          <a:off x="0" y="0"/>
-          <a:ext cx="0" cy="0"/>
-          <a:chOff x="0" y="0"/>
-          <a:chExt cx="0" cy="0"/>
-        </a:xfrm>
-      </p:grpSpPr>
-      <p:sp>
-        <p:nvSpPr>
-          <p:cNvPr id="2" name="Titre 1">
-            <a:extLst>
-              <a:ext uri="{FF2B5EF4-FFF2-40B4-BE49-F238E27FC236}">
-                <a16:creationId xmlns:a16="http://schemas.microsoft.com/office/drawing/2014/main" id="{D0902EAC-08A5-4F86-BA0C-296DC5B4C3F0}"/>
-              </a:ext>
-            </a:extLst>
-          </p:cNvPr>
-          <p:cNvSpPr>
-            <a:spLocks noGrp="1"/>
-          </p:cNvSpPr>
-          <p:nvPr>
-            <p:ph type="title"/>
-          </p:nvPr>
-        </p:nvSpPr>
-        <p:spPr/>
-        <p:txBody>
-          <a:bodyPr/>
-          <a:lstStyle/>
-          <a:p>
-            <a:r>
-              <a:rPr lang="fr-FR" dirty="0"/>
-              <a:t>Comparaison achats pour dataset1</a:t>
-            </a:r>
-          </a:p>
-        </p:txBody>
-      </p:sp>
-      <p:sp>
-        <p:nvSpPr>
-          <p:cNvPr id="3" name="Espace réservé du numéro de diapositive 2">
-            <a:extLst>
-              <a:ext uri="{FF2B5EF4-FFF2-40B4-BE49-F238E27FC236}">
-                <a16:creationId xmlns:a16="http://schemas.microsoft.com/office/drawing/2014/main" id="{C16F43A3-9526-46B7-AFCD-BAB05B23A532}"/>
-              </a:ext>
-            </a:extLst>
-          </p:cNvPr>
-          <p:cNvSpPr>
-            <a:spLocks noGrp="1"/>
-          </p:cNvSpPr>
-          <p:nvPr>
-            <p:ph type="sldNum" sz="quarter" idx="12"/>
-          </p:nvPr>
-        </p:nvSpPr>
-        <p:spPr/>
-        <p:txBody>
-          <a:bodyPr/>
-          <a:lstStyle/>
-          <a:p>
-            <a:fld id="{2CEE6A89-DFCB-4FC8-A1BB-9845AC41F306}" type="slidenum">
-              <a:rPr lang="fr-FR" smtClean="0"/>
-              <a:pPr/>
-              <a:t>16</a:t>
-            </a:fld>
-            <a:endParaRPr lang="fr-FR" dirty="0"/>
-          </a:p>
-        </p:txBody>
-      </p:sp>
       <p:pic>
         <p:nvPicPr>
           <p:cNvPr id="6" name="Image 5">
@@ -24046,13 +23020,13 @@
               </a:ext>
             </a:extLst>
           </a:blip>
-          <a:srcRect b="11570"/>
+          <a:srcRect b="11564"/>
           <a:stretch/>
         </p:blipFill>
         <p:spPr>
           <a:xfrm>
-            <a:off x="8278968" y="1747925"/>
-            <a:ext cx="2619741" cy="4212000"/>
+            <a:off x="8279069" y="1747925"/>
+            <a:ext cx="2619539" cy="4212000"/>
           </a:xfrm>
           <a:prstGeom prst="rect">
             <a:avLst/>
@@ -24081,13 +23055,13 @@
               </a:ext>
             </a:extLst>
           </a:blip>
-          <a:srcRect t="1" b="76575"/>
+          <a:srcRect b="76568"/>
           <a:stretch/>
         </p:blipFill>
         <p:spPr>
           <a:xfrm>
-            <a:off x="4787137" y="1746665"/>
-            <a:ext cx="2620434" cy="1116000"/>
+            <a:off x="4787584" y="1746665"/>
+            <a:ext cx="2619539" cy="1116000"/>
           </a:xfrm>
           <a:prstGeom prst="rect">
             <a:avLst/>
@@ -24116,13 +23090,13 @@
               </a:ext>
             </a:extLst>
           </a:blip>
-          <a:srcRect t="1" b="2501"/>
+          <a:srcRect b="2494"/>
           <a:stretch/>
         </p:blipFill>
         <p:spPr>
           <a:xfrm>
-            <a:off x="1296000" y="1717747"/>
-            <a:ext cx="2619740" cy="4644000"/>
+            <a:off x="1296100" y="1717747"/>
+            <a:ext cx="2619540" cy="4644000"/>
           </a:xfrm>
           <a:prstGeom prst="rect">
             <a:avLst/>
@@ -24507,7 +23481,7 @@
 </p:sld>
 </file>
 
-<file path=ppt/slides/slide17.xml><?xml version="1.0" encoding="utf-8"?>
+<file path=ppt/slides/slide16.xml><?xml version="1.0" encoding="utf-8"?>
 <p:sld xmlns:a="http://schemas.openxmlformats.org/drawingml/2006/main" xmlns:r="http://schemas.openxmlformats.org/officeDocument/2006/relationships" xmlns:p="http://schemas.openxmlformats.org/presentationml/2006/main">
   <p:cSld>
     <p:spTree>
@@ -24586,7 +23560,7 @@
             <a:fld id="{2CEE6A89-DFCB-4FC8-A1BB-9845AC41F306}" type="slidenum">
               <a:rPr lang="fr-FR" smtClean="0"/>
               <a:pPr/>
-              <a:t>17</a:t>
+              <a:t>16</a:t>
             </a:fld>
             <a:endParaRPr lang="fr-FR" dirty="0"/>
           </a:p>
@@ -24614,13 +23588,13 @@
               </a:ext>
             </a:extLst>
           </a:blip>
-          <a:srcRect b="14595"/>
+          <a:srcRect b="14588"/>
           <a:stretch/>
         </p:blipFill>
         <p:spPr>
           <a:xfrm>
-            <a:off x="8277613" y="1747925"/>
-            <a:ext cx="2619741" cy="4068000"/>
+            <a:off x="8277714" y="1747925"/>
+            <a:ext cx="2619539" cy="4068000"/>
           </a:xfrm>
           <a:prstGeom prst="rect">
             <a:avLst/>
@@ -24649,12 +23623,12 @@
               </a:ext>
             </a:extLst>
           </a:blip>
-          <a:srcRect t="-5" b="30492"/>
+          <a:srcRect b="30485"/>
           <a:stretch/>
         </p:blipFill>
         <p:spPr>
           <a:xfrm>
-            <a:off x="4785782" y="1746665"/>
+            <a:off x="4785782" y="1747653"/>
             <a:ext cx="2620433" cy="3312000"/>
           </a:xfrm>
           <a:prstGeom prst="rect">
@@ -24684,13 +23658,13 @@
               </a:ext>
             </a:extLst>
           </a:blip>
-          <a:srcRect b="9303"/>
+          <a:srcRect b="9297"/>
           <a:stretch/>
         </p:blipFill>
         <p:spPr>
           <a:xfrm>
-            <a:off x="1294645" y="1717747"/>
-            <a:ext cx="2619740" cy="4320000"/>
+            <a:off x="1294745" y="1717747"/>
+            <a:ext cx="2619540" cy="4320000"/>
           </a:xfrm>
           <a:prstGeom prst="rect">
             <a:avLst/>
@@ -25382,7 +24356,7 @@
 </p:sld>
 </file>
 
-<file path=ppt/slides/slide18.xml><?xml version="1.0" encoding="utf-8"?>
+<file path=ppt/slides/slide17.xml><?xml version="1.0" encoding="utf-8"?>
 <p:sld xmlns:a="http://schemas.openxmlformats.org/drawingml/2006/main" xmlns:r="http://schemas.openxmlformats.org/officeDocument/2006/relationships" xmlns:p="http://schemas.openxmlformats.org/presentationml/2006/main">
   <p:cSld>
     <p:spTree>
@@ -30250,6 +29224,41 @@
       </p:grpSpPr>
       <p:pic>
         <p:nvPicPr>
+          <p:cNvPr id="6" name="Image 5">
+            <a:extLst>
+              <a:ext uri="{FF2B5EF4-FFF2-40B4-BE49-F238E27FC236}">
+                <a16:creationId xmlns:a16="http://schemas.microsoft.com/office/drawing/2014/main" id="{7D979C7F-0659-4359-B566-5DC3B5865D1A}"/>
+              </a:ext>
+            </a:extLst>
+          </p:cNvPr>
+          <p:cNvPicPr>
+            <a:picLocks noChangeAspect="1"/>
+          </p:cNvPicPr>
+          <p:nvPr/>
+        </p:nvPicPr>
+        <p:blipFill rotWithShape="1">
+          <a:blip r:embed="rId2">
+            <a:extLst>
+              <a:ext uri="{28A0092B-C50C-407E-A947-70E740481C1C}">
+                <a14:useLocalDpi xmlns:a14="http://schemas.microsoft.com/office/drawing/2010/main" val="0"/>
+              </a:ext>
+            </a:extLst>
+          </a:blip>
+          <a:srcRect r="-289" b="43330"/>
+          <a:stretch/>
+        </p:blipFill>
+        <p:spPr>
+          <a:xfrm>
+            <a:off x="8100000" y="2844000"/>
+            <a:ext cx="2628000" cy="2700000"/>
+          </a:xfrm>
+          <a:prstGeom prst="rect">
+            <a:avLst/>
+          </a:prstGeom>
+        </p:spPr>
+      </p:pic>
+      <p:pic>
+        <p:nvPicPr>
           <p:cNvPr id="7" name="Image 6">
             <a:extLst>
               <a:ext uri="{FF2B5EF4-FFF2-40B4-BE49-F238E27FC236}">
@@ -30263,7 +29272,7 @@
           <p:nvPr/>
         </p:nvPicPr>
         <p:blipFill>
-          <a:blip r:embed="rId2">
+          <a:blip r:embed="rId3">
             <a:extLst>
               <a:ext uri="{28A0092B-C50C-407E-A947-70E740481C1C}">
                 <a14:useLocalDpi xmlns:a14="http://schemas.microsoft.com/office/drawing/2010/main" val="0"/>
@@ -30403,41 +29412,6 @@
           </a:p>
         </p:txBody>
       </p:sp>
-      <p:pic>
-        <p:nvPicPr>
-          <p:cNvPr id="14" name="Image 13">
-            <a:extLst>
-              <a:ext uri="{FF2B5EF4-FFF2-40B4-BE49-F238E27FC236}">
-                <a16:creationId xmlns:a16="http://schemas.microsoft.com/office/drawing/2014/main" id="{47CA2E73-FD0A-439E-98E5-4CED9035F5CB}"/>
-              </a:ext>
-            </a:extLst>
-          </p:cNvPr>
-          <p:cNvPicPr>
-            <a:picLocks noChangeAspect="1"/>
-          </p:cNvPicPr>
-          <p:nvPr/>
-        </p:nvPicPr>
-        <p:blipFill rotWithShape="1">
-          <a:blip r:embed="rId3">
-            <a:extLst>
-              <a:ext uri="{28A0092B-C50C-407E-A947-70E740481C1C}">
-                <a14:useLocalDpi xmlns:a14="http://schemas.microsoft.com/office/drawing/2010/main" val="0"/>
-              </a:ext>
-            </a:extLst>
-          </a:blip>
-          <a:srcRect t="-1" r="-315" b="43320"/>
-          <a:stretch/>
-        </p:blipFill>
-        <p:spPr>
-          <a:xfrm>
-            <a:off x="8100000" y="2844000"/>
-            <a:ext cx="2628000" cy="2700000"/>
-          </a:xfrm>
-          <a:prstGeom prst="rect">
-            <a:avLst/>
-          </a:prstGeom>
-        </p:spPr>
-      </p:pic>
       <p:graphicFrame>
         <p:nvGraphicFramePr>
           <p:cNvPr id="17" name="Tableau 16">
@@ -34264,8 +33238,8 @@
         </p:blipFill>
         <p:spPr>
           <a:xfrm>
-            <a:off x="8100000" y="1872000"/>
-            <a:ext cx="2619740" cy="4763165"/>
+            <a:off x="8100000" y="1872001"/>
+            <a:ext cx="2619740" cy="4763163"/>
           </a:xfrm>
           <a:prstGeom prst="rect">
             <a:avLst/>

--- a/p07_slide.pptx
+++ b/p07_slide.pptx
@@ -12895,7 +12895,7 @@
           <a:p>
             <a:fld id="{006FEFC0-2236-48A2-B120-C759EDA2264F}" type="datetimeFigureOut">
               <a:rPr lang="fr-FR" smtClean="0"/>
-              <a:t>31/01/2022</a:t>
+              <a:t>01/02/2022</a:t>
             </a:fld>
             <a:endParaRPr lang="fr-FR"/>
           </a:p>
@@ -13072,7 +13072,7 @@
           <a:p>
             <a:fld id="{39A2C6B1-E7AA-4745-9EA3-948DDA335211}" type="datetimeFigureOut">
               <a:rPr lang="fr-FR" smtClean="0"/>
-              <a:t>31/01/2022</a:t>
+              <a:t>01/02/2022</a:t>
             </a:fld>
             <a:endParaRPr lang="fr-FR"/>
           </a:p>
@@ -13736,7 +13736,7 @@
             <a:fld id="{EEB52BBF-3D2E-4DB7-B1B2-3EEDAF05D916}" type="datetime1">
               <a:rPr lang="fr-FR" smtClean="0"/>
               <a:pPr/>
-              <a:t>31/01/2022</a:t>
+              <a:t>01/02/2022</a:t>
             </a:fld>
             <a:endParaRPr lang="fr-FR" dirty="0"/>
           </a:p>
@@ -13904,7 +13904,7 @@
           <a:p>
             <a:fld id="{D1B56501-E7FC-4AA4-829C-7EB06C5B501B}" type="datetime1">
               <a:rPr lang="fr-FR" smtClean="0"/>
-              <a:t>31/01/2022</a:t>
+              <a:t>01/02/2022</a:t>
             </a:fld>
             <a:endParaRPr lang="fr-FR"/>
           </a:p>
@@ -14142,7 +14142,7 @@
           <a:p>
             <a:fld id="{E1EA16D8-943B-480F-B7AB-8A20EEC88A30}" type="datetime1">
               <a:rPr lang="fr-FR" smtClean="0"/>
-              <a:t>31/01/2022</a:t>
+              <a:t>01/02/2022</a:t>
             </a:fld>
             <a:endParaRPr lang="fr-FR"/>
           </a:p>
@@ -14356,7 +14356,7 @@
           <a:p>
             <a:fld id="{B9F3C5A3-9381-4B97-82E4-385F6F49F69F}" type="datetime1">
               <a:rPr lang="fr-FR" smtClean="0"/>
-              <a:t>31/01/2022</a:t>
+              <a:t>01/02/2022</a:t>
             </a:fld>
             <a:endParaRPr lang="fr-FR"/>
           </a:p>
@@ -14485,7 +14485,7 @@
           <a:p>
             <a:fld id="{4716E524-F7FE-4CF1-BC8B-47DD9AC23070}" type="datetime1">
               <a:rPr lang="fr-FR" smtClean="0"/>
-              <a:t>31/01/2022</a:t>
+              <a:t>01/02/2022</a:t>
             </a:fld>
             <a:endParaRPr lang="fr-FR"/>
           </a:p>
@@ -15019,7 +15019,7 @@
           <a:p>
             <a:fld id="{336D8786-97C7-4BAF-A4C9-C839CD61D49F}" type="datetime1">
               <a:rPr lang="fr-FR" smtClean="0"/>
-              <a:t>31/01/2022</a:t>
+              <a:t>01/02/2022</a:t>
             </a:fld>
             <a:endParaRPr lang="fr-FR"/>
           </a:p>
@@ -15322,7 +15322,7 @@
           <a:p>
             <a:fld id="{074B9914-FBA4-40D6-94C7-D139128B50C8}" type="datetime1">
               <a:rPr lang="fr-FR" smtClean="0"/>
-              <a:t>31/01/2022</a:t>
+              <a:t>01/02/2022</a:t>
             </a:fld>
             <a:endParaRPr lang="fr-FR"/>
           </a:p>
@@ -15773,7 +15773,7 @@
           <a:p>
             <a:fld id="{51704AF8-D9A6-4385-8AB7-F174826852B4}" type="datetime1">
               <a:rPr lang="fr-FR" smtClean="0"/>
-              <a:t>31/01/2022</a:t>
+              <a:t>01/02/2022</a:t>
             </a:fld>
             <a:endParaRPr lang="fr-FR"/>
           </a:p>
@@ -16030,7 +16030,7 @@
           <a:p>
             <a:fld id="{2DB68652-01BB-4E56-9340-87662979ACA3}" type="datetime1">
               <a:rPr lang="fr-FR" smtClean="0"/>
-              <a:t>31/01/2022</a:t>
+              <a:t>01/02/2022</a:t>
             </a:fld>
             <a:endParaRPr lang="fr-FR"/>
           </a:p>
@@ -16374,7 +16374,7 @@
           <a:p>
             <a:fld id="{EC149F96-B5CE-4558-BCAE-5D6484994026}" type="datetime1">
               <a:rPr lang="fr-FR" smtClean="0"/>
-              <a:t>31/01/2022</a:t>
+              <a:t>01/02/2022</a:t>
             </a:fld>
             <a:endParaRPr lang="fr-FR"/>
           </a:p>
@@ -16695,7 +16695,7 @@
           <a:p>
             <a:fld id="{5B90BA0F-8B4E-4DE9-A747-69F5CB516130}" type="datetime1">
               <a:rPr lang="fr-FR" smtClean="0"/>
-              <a:t>31/01/2022</a:t>
+              <a:t>01/02/2022</a:t>
             </a:fld>
             <a:endParaRPr lang="fr-FR"/>
           </a:p>
@@ -16902,7 +16902,7 @@
             <a:fld id="{C1D57578-8FE2-4469-A516-156BBECEE892}" type="datetime1">
               <a:rPr lang="fr-FR" smtClean="0"/>
               <a:pPr/>
-              <a:t>31/01/2022</a:t>
+              <a:t>01/02/2022</a:t>
             </a:fld>
             <a:endParaRPr lang="fr-FR"/>
           </a:p>
@@ -22882,10 +22882,10 @@
       </p:graphicFrame>
       <p:pic>
         <p:nvPicPr>
-          <p:cNvPr id="5" name="Image 4">
+          <p:cNvPr id="6" name="Image 5">
             <a:extLst>
               <a:ext uri="{FF2B5EF4-FFF2-40B4-BE49-F238E27FC236}">
-                <a16:creationId xmlns:a16="http://schemas.microsoft.com/office/drawing/2014/main" id="{0BDCE12E-2AFD-4136-9E41-45B6B2B9D9F2}"/>
+                <a16:creationId xmlns:a16="http://schemas.microsoft.com/office/drawing/2014/main" id="{F9F06FF2-0E74-41FA-A147-260F9C8DAF36}"/>
               </a:ext>
             </a:extLst>
           </p:cNvPr>
@@ -23082,7 +23082,7 @@
           </p:cNvPicPr>
           <p:nvPr/>
         </p:nvPicPr>
-        <p:blipFill rotWithShape="1">
+        <p:blipFill>
           <a:blip r:embed="rId4">
             <a:extLst>
               <a:ext uri="{28A0092B-C50C-407E-A947-70E740481C1C}">
@@ -23090,13 +23090,13 @@
               </a:ext>
             </a:extLst>
           </a:blip>
-          <a:srcRect b="2494"/>
+          <a:srcRect/>
           <a:stretch/>
         </p:blipFill>
         <p:spPr>
           <a:xfrm>
             <a:off x="1296100" y="1717747"/>
-            <a:ext cx="2619540" cy="4644000"/>
+            <a:ext cx="2619539" cy="4762800"/>
           </a:xfrm>
           <a:prstGeom prst="rect">
             <a:avLst/>
@@ -24774,6 +24774,574 @@
           <a:chExt cx="0" cy="0"/>
         </a:xfrm>
       </p:grpSpPr>
+      <p:grpSp>
+        <p:nvGrpSpPr>
+          <p:cNvPr id="41" name="Groupe 40">
+            <a:extLst>
+              <a:ext uri="{FF2B5EF4-FFF2-40B4-BE49-F238E27FC236}">
+                <a16:creationId xmlns:a16="http://schemas.microsoft.com/office/drawing/2014/main" id="{08F7B4DF-5DE5-487C-8918-231DB6168BFD}"/>
+              </a:ext>
+            </a:extLst>
+          </p:cNvPr>
+          <p:cNvGrpSpPr/>
+          <p:nvPr/>
+        </p:nvGrpSpPr>
+        <p:grpSpPr>
+          <a:xfrm>
+            <a:off x="838200" y="1522896"/>
+            <a:ext cx="6657975" cy="1994796"/>
+            <a:chOff x="838200" y="1522896"/>
+            <a:chExt cx="6657975" cy="1994796"/>
+          </a:xfrm>
+          <a:noFill/>
+        </p:grpSpPr>
+        <p:sp>
+          <p:nvSpPr>
+            <p:cNvPr id="39" name="Rectangle 38">
+              <a:extLst>
+                <a:ext uri="{FF2B5EF4-FFF2-40B4-BE49-F238E27FC236}">
+                  <a16:creationId xmlns:a16="http://schemas.microsoft.com/office/drawing/2014/main" id="{2566097C-6331-4A5A-B2A8-2444C727E076}"/>
+                </a:ext>
+              </a:extLst>
+            </p:cNvPr>
+            <p:cNvSpPr/>
+            <p:nvPr/>
+          </p:nvSpPr>
+          <p:spPr>
+            <a:xfrm>
+              <a:off x="894987" y="1522896"/>
+              <a:ext cx="6601188" cy="1994796"/>
+            </a:xfrm>
+            <a:prstGeom prst="rect">
+              <a:avLst/>
+            </a:prstGeom>
+            <a:solidFill>
+              <a:srgbClr val="272822"/>
+            </a:solidFill>
+            <a:ln w="38100">
+              <a:solidFill>
+                <a:schemeClr val="tx1"/>
+              </a:solidFill>
+            </a:ln>
+          </p:spPr>
+          <p:style>
+            <a:lnRef idx="2">
+              <a:schemeClr val="accent1">
+                <a:shade val="50000"/>
+              </a:schemeClr>
+            </a:lnRef>
+            <a:fillRef idx="1">
+              <a:schemeClr val="accent1"/>
+            </a:fillRef>
+            <a:effectRef idx="0">
+              <a:schemeClr val="accent1"/>
+            </a:effectRef>
+            <a:fontRef idx="minor">
+              <a:schemeClr val="lt1"/>
+            </a:fontRef>
+          </p:style>
+          <p:txBody>
+            <a:bodyPr rtlCol="0" anchor="ctr"/>
+            <a:lstStyle/>
+            <a:p>
+              <a:pPr algn="ctr"/>
+              <a:endParaRPr lang="fr-FR"/>
+            </a:p>
+          </p:txBody>
+        </p:sp>
+        <p:grpSp>
+          <p:nvGrpSpPr>
+            <p:cNvPr id="30" name="Groupe 29">
+              <a:extLst>
+                <a:ext uri="{FF2B5EF4-FFF2-40B4-BE49-F238E27FC236}">
+                  <a16:creationId xmlns:a16="http://schemas.microsoft.com/office/drawing/2014/main" id="{EAD51A72-DB75-4915-8F71-74D3CB252BC1}"/>
+                </a:ext>
+              </a:extLst>
+            </p:cNvPr>
+            <p:cNvGrpSpPr/>
+            <p:nvPr/>
+          </p:nvGrpSpPr>
+          <p:grpSpPr>
+            <a:xfrm>
+              <a:off x="838200" y="1581792"/>
+              <a:ext cx="6504188" cy="1706243"/>
+              <a:chOff x="838200" y="1581792"/>
+              <a:chExt cx="6504188" cy="1706243"/>
+            </a:xfrm>
+            <a:grpFill/>
+          </p:grpSpPr>
+          <p:sp>
+            <p:nvSpPr>
+              <p:cNvPr id="9" name="ZoneTexte 8">
+                <a:extLst>
+                  <a:ext uri="{FF2B5EF4-FFF2-40B4-BE49-F238E27FC236}">
+                    <a16:creationId xmlns:a16="http://schemas.microsoft.com/office/drawing/2014/main" id="{53BE3B5B-4EB1-4470-A36C-4825721C77D8}"/>
+                  </a:ext>
+                </a:extLst>
+              </p:cNvPr>
+              <p:cNvSpPr txBox="1"/>
+              <p:nvPr/>
+            </p:nvSpPr>
+            <p:spPr>
+              <a:xfrm>
+                <a:off x="838200" y="1581792"/>
+                <a:ext cx="2543710" cy="369332"/>
+              </a:xfrm>
+              <a:prstGeom prst="rect">
+                <a:avLst/>
+              </a:prstGeom>
+              <a:grpFill/>
+            </p:spPr>
+            <p:txBody>
+              <a:bodyPr wrap="none" rtlCol="0">
+                <a:spAutoFit/>
+              </a:bodyPr>
+              <a:lstStyle/>
+              <a:p>
+                <a:r>
+                  <a:rPr lang="fr-FR" dirty="0">
+                    <a:solidFill>
+                      <a:srgbClr val="64B164"/>
+                    </a:solidFill>
+                  </a:rPr>
+                  <a:t>Format attendu des .csv :</a:t>
+                </a:r>
+              </a:p>
+            </p:txBody>
+          </p:sp>
+          <p:sp>
+            <p:nvSpPr>
+              <p:cNvPr id="10" name="Rectangle 1">
+                <a:extLst>
+                  <a:ext uri="{FF2B5EF4-FFF2-40B4-BE49-F238E27FC236}">
+                    <a16:creationId xmlns:a16="http://schemas.microsoft.com/office/drawing/2014/main" id="{001B5D9F-D136-4E1A-A632-25AC3C5DA9A8}"/>
+                  </a:ext>
+                </a:extLst>
+              </p:cNvPr>
+              <p:cNvSpPr>
+                <a:spLocks noChangeArrowheads="1"/>
+              </p:cNvSpPr>
+              <p:nvPr/>
+            </p:nvSpPr>
+            <p:spPr bwMode="auto">
+              <a:xfrm>
+                <a:off x="1847766" y="2335866"/>
+                <a:ext cx="2156059" cy="707886"/>
+              </a:xfrm>
+              <a:prstGeom prst="rect">
+                <a:avLst/>
+              </a:prstGeom>
+              <a:grpFill/>
+              <a:ln>
+                <a:noFill/>
+              </a:ln>
+              <a:effectLst/>
+              <a:extLst>
+                <a:ext uri="{91240B29-F687-4F45-9708-019B960494DF}">
+                  <a14:hiddenLine xmlns:a14="http://schemas.microsoft.com/office/drawing/2010/main" w="9525">
+                    <a:solidFill>
+                      <a:schemeClr val="tx1"/>
+                    </a:solidFill>
+                    <a:miter lim="800000"/>
+                    <a:headEnd/>
+                    <a:tailEnd/>
+                  </a14:hiddenLine>
+                </a:ext>
+                <a:ext uri="{AF507438-7753-43E0-B8FC-AC1667EBCBE1}">
+                  <a14:hiddenEffects xmlns:a14="http://schemas.microsoft.com/office/drawing/2010/main">
+                    <a:effectLst>
+                      <a:outerShdw dist="35921" dir="2700000" algn="ctr" rotWithShape="0">
+                        <a:schemeClr val="bg2"/>
+                      </a:outerShdw>
+                    </a:effectLst>
+                  </a14:hiddenEffects>
+                </a:ext>
+              </a:extLst>
+            </p:spPr>
+            <p:txBody>
+              <a:bodyPr vert="horz" wrap="square" lIns="91440" tIns="45720" rIns="91440" bIns="45720" numCol="1" anchor="ctr" anchorCtr="0" compatLnSpc="1">
+                <a:prstTxWarp prst="textNoShape">
+                  <a:avLst/>
+                </a:prstTxWarp>
+                <a:spAutoFit/>
+              </a:bodyPr>
+              <a:lstStyle/>
+              <a:p>
+                <a:pPr marL="0" marR="0" lvl="0" indent="0" algn="l" defTabSz="914400" rtl="0" eaLnBrk="0" fontAlgn="base" latinLnBrk="0" hangingPunct="0">
+                  <a:lnSpc>
+                    <a:spcPct val="100000"/>
+                  </a:lnSpc>
+                  <a:spcBef>
+                    <a:spcPct val="0"/>
+                  </a:spcBef>
+                  <a:spcAft>
+                    <a:spcPct val="0"/>
+                  </a:spcAft>
+                  <a:buClrTx/>
+                  <a:buSzTx/>
+                  <a:buFontTx/>
+                  <a:buNone/>
+                  <a:tabLst/>
+                </a:pPr>
+                <a:r>
+                  <a:rPr kumimoji="0" lang="fr-FR" altLang="fr-FR" sz="1000" b="0" i="0" u="none" strike="noStrike" cap="none" normalizeH="0" baseline="0" dirty="0" err="1">
+                    <a:ln>
+                      <a:noFill/>
+                    </a:ln>
+                    <a:solidFill>
+                      <a:srgbClr val="F8F8F2"/>
+                    </a:solidFill>
+                    <a:effectLst/>
+                    <a:latin typeface="Courier New" panose="02070309020205020404" pitchFamily="49" charset="0"/>
+                    <a:cs typeface="Courier New" panose="02070309020205020404" pitchFamily="49" charset="0"/>
+                  </a:rPr>
+                  <a:t>name,price,profit</a:t>
+                </a:r>
+                <a:br>
+                  <a:rPr kumimoji="0" lang="fr-FR" altLang="fr-FR" sz="1000" b="0" i="0" u="none" strike="noStrike" cap="none" normalizeH="0" baseline="0" dirty="0">
+                    <a:ln>
+                      <a:noFill/>
+                    </a:ln>
+                    <a:solidFill>
+                      <a:srgbClr val="F8F8F2"/>
+                    </a:solidFill>
+                    <a:effectLst/>
+                    <a:latin typeface="Courier New" panose="02070309020205020404" pitchFamily="49" charset="0"/>
+                    <a:cs typeface="Courier New" panose="02070309020205020404" pitchFamily="49" charset="0"/>
+                  </a:rPr>
+                </a:br>
+                <a:r>
+                  <a:rPr kumimoji="0" lang="fr-FR" altLang="fr-FR" sz="1000" b="0" i="0" u="none" strike="noStrike" cap="none" normalizeH="0" baseline="0" dirty="0">
+                    <a:ln>
+                      <a:noFill/>
+                    </a:ln>
+                    <a:solidFill>
+                      <a:srgbClr val="F8F8F2"/>
+                    </a:solidFill>
+                    <a:effectLst/>
+                    <a:latin typeface="Courier New" panose="02070309020205020404" pitchFamily="49" charset="0"/>
+                    <a:cs typeface="Courier New" panose="02070309020205020404" pitchFamily="49" charset="0"/>
+                  </a:rPr>
+                  <a:t>name1,20,5</a:t>
+                </a:r>
+                <a:br>
+                  <a:rPr kumimoji="0" lang="fr-FR" altLang="fr-FR" sz="1000" b="0" i="0" u="none" strike="noStrike" cap="none" normalizeH="0" baseline="0" dirty="0">
+                    <a:ln>
+                      <a:noFill/>
+                    </a:ln>
+                    <a:solidFill>
+                      <a:srgbClr val="F8F8F2"/>
+                    </a:solidFill>
+                    <a:effectLst/>
+                    <a:latin typeface="Courier New" panose="02070309020205020404" pitchFamily="49" charset="0"/>
+                    <a:cs typeface="Courier New" panose="02070309020205020404" pitchFamily="49" charset="0"/>
+                  </a:rPr>
+                </a:br>
+                <a:r>
+                  <a:rPr kumimoji="0" lang="fr-FR" altLang="fr-FR" sz="1000" b="0" i="0" u="none" strike="noStrike" cap="none" normalizeH="0" baseline="0" dirty="0">
+                    <a:ln>
+                      <a:noFill/>
+                    </a:ln>
+                    <a:solidFill>
+                      <a:srgbClr val="F8F8F2"/>
+                    </a:solidFill>
+                    <a:effectLst/>
+                    <a:latin typeface="Courier New" panose="02070309020205020404" pitchFamily="49" charset="0"/>
+                    <a:cs typeface="Courier New" panose="02070309020205020404" pitchFamily="49" charset="0"/>
+                  </a:rPr>
+                  <a:t>NAME-2,37.59,10.221</a:t>
+                </a:r>
+              </a:p>
+              <a:p>
+                <a:pPr marL="0" marR="0" lvl="0" indent="0" algn="l" defTabSz="914400" rtl="0" eaLnBrk="0" fontAlgn="base" latinLnBrk="0" hangingPunct="0">
+                  <a:lnSpc>
+                    <a:spcPct val="100000"/>
+                  </a:lnSpc>
+                  <a:spcBef>
+                    <a:spcPct val="0"/>
+                  </a:spcBef>
+                  <a:spcAft>
+                    <a:spcPct val="0"/>
+                  </a:spcAft>
+                  <a:buClrTx/>
+                  <a:buSzTx/>
+                  <a:buFontTx/>
+                  <a:buNone/>
+                  <a:tabLst/>
+                </a:pPr>
+                <a:r>
+                  <a:rPr lang="fr-FR" altLang="fr-FR" sz="1000" dirty="0">
+                    <a:solidFill>
+                      <a:srgbClr val="F8F8F2"/>
+                    </a:solidFill>
+                    <a:latin typeface="Courier New" panose="02070309020205020404" pitchFamily="49" charset="0"/>
+                    <a:cs typeface="Courier New" panose="02070309020205020404" pitchFamily="49" charset="0"/>
+                  </a:rPr>
+                  <a:t>33name,02.1,09.3</a:t>
+                </a:r>
+                <a:endParaRPr kumimoji="0" lang="fr-FR" altLang="fr-FR" sz="1800" b="0" i="0" u="none" strike="noStrike" cap="none" normalizeH="0" baseline="0" dirty="0">
+                  <a:ln>
+                    <a:noFill/>
+                  </a:ln>
+                  <a:solidFill>
+                    <a:schemeClr val="tx1"/>
+                  </a:solidFill>
+                  <a:effectLst/>
+                  <a:latin typeface="Arial" panose="020B0604020202020204" pitchFamily="34" charset="0"/>
+                </a:endParaRPr>
+              </a:p>
+            </p:txBody>
+          </p:sp>
+          <p:cxnSp>
+            <p:nvCxnSpPr>
+              <p:cNvPr id="12" name="Connecteur droit avec flèche 11">
+                <a:extLst>
+                  <a:ext uri="{FF2B5EF4-FFF2-40B4-BE49-F238E27FC236}">
+                    <a16:creationId xmlns:a16="http://schemas.microsoft.com/office/drawing/2014/main" id="{7D313FF8-08AB-4A47-BDDC-3449ECDFE7EA}"/>
+                  </a:ext>
+                </a:extLst>
+              </p:cNvPr>
+              <p:cNvCxnSpPr/>
+              <p:nvPr/>
+            </p:nvCxnSpPr>
+            <p:spPr>
+              <a:xfrm>
+                <a:off x="3463490" y="2436709"/>
+                <a:ext cx="1507958" cy="0"/>
+              </a:xfrm>
+              <a:prstGeom prst="straightConnector1">
+                <a:avLst/>
+              </a:prstGeom>
+              <a:grpFill/>
+              <a:ln w="38100">
+                <a:solidFill>
+                  <a:srgbClr val="4E95A1"/>
+                </a:solidFill>
+                <a:tailEnd type="triangle"/>
+              </a:ln>
+            </p:spPr>
+            <p:style>
+              <a:lnRef idx="1">
+                <a:schemeClr val="accent1"/>
+              </a:lnRef>
+              <a:fillRef idx="0">
+                <a:schemeClr val="accent1"/>
+              </a:fillRef>
+              <a:effectRef idx="0">
+                <a:schemeClr val="accent1"/>
+              </a:effectRef>
+              <a:fontRef idx="minor">
+                <a:schemeClr val="tx1"/>
+              </a:fontRef>
+            </p:style>
+          </p:cxnSp>
+          <p:sp>
+            <p:nvSpPr>
+              <p:cNvPr id="13" name="ZoneTexte 12">
+                <a:extLst>
+                  <a:ext uri="{FF2B5EF4-FFF2-40B4-BE49-F238E27FC236}">
+                    <a16:creationId xmlns:a16="http://schemas.microsoft.com/office/drawing/2014/main" id="{7E069659-F03C-4C4F-8377-7F62CB40F9B5}"/>
+                  </a:ext>
+                </a:extLst>
+              </p:cNvPr>
+              <p:cNvSpPr txBox="1"/>
+              <p:nvPr/>
+            </p:nvSpPr>
+            <p:spPr>
+              <a:xfrm>
+                <a:off x="5231330" y="2260098"/>
+                <a:ext cx="1988621" cy="369332"/>
+              </a:xfrm>
+              <a:prstGeom prst="rect">
+                <a:avLst/>
+              </a:prstGeom>
+              <a:grpFill/>
+            </p:spPr>
+            <p:txBody>
+              <a:bodyPr wrap="none" rtlCol="0">
+                <a:spAutoFit/>
+              </a:bodyPr>
+              <a:lstStyle/>
+              <a:p>
+                <a:pPr algn="l"/>
+                <a:r>
+                  <a:rPr lang="fr-FR" dirty="0">
+                    <a:solidFill>
+                      <a:srgbClr val="64B164"/>
+                    </a:solidFill>
+                  </a:rPr>
+                  <a:t>Entêtes à respecter</a:t>
+                </a:r>
+              </a:p>
+            </p:txBody>
+          </p:sp>
+          <p:sp>
+            <p:nvSpPr>
+              <p:cNvPr id="15" name="ZoneTexte 14">
+                <a:extLst>
+                  <a:ext uri="{FF2B5EF4-FFF2-40B4-BE49-F238E27FC236}">
+                    <a16:creationId xmlns:a16="http://schemas.microsoft.com/office/drawing/2014/main" id="{747DAE54-0893-4709-BBA3-A59A6DED99C6}"/>
+                  </a:ext>
+                </a:extLst>
+              </p:cNvPr>
+              <p:cNvSpPr txBox="1"/>
+              <p:nvPr/>
+            </p:nvSpPr>
+            <p:spPr>
+              <a:xfrm>
+                <a:off x="3974158" y="2629430"/>
+                <a:ext cx="3368230" cy="369332"/>
+              </a:xfrm>
+              <a:prstGeom prst="rect">
+                <a:avLst/>
+              </a:prstGeom>
+              <a:grpFill/>
+            </p:spPr>
+            <p:txBody>
+              <a:bodyPr wrap="none" rtlCol="0">
+                <a:spAutoFit/>
+              </a:bodyPr>
+              <a:lstStyle/>
+              <a:p>
+                <a:pPr algn="l"/>
+                <a:r>
+                  <a:rPr lang="fr-FR" dirty="0">
+                    <a:solidFill>
+                      <a:srgbClr val="64B164"/>
+                    </a:solidFill>
+                  </a:rPr>
+                  <a:t>Séparateur de colonnes =&gt; virgule</a:t>
+                </a:r>
+              </a:p>
+            </p:txBody>
+          </p:sp>
+          <p:cxnSp>
+            <p:nvCxnSpPr>
+              <p:cNvPr id="21" name="Connecteur droit avec flèche 20">
+                <a:extLst>
+                  <a:ext uri="{FF2B5EF4-FFF2-40B4-BE49-F238E27FC236}">
+                    <a16:creationId xmlns:a16="http://schemas.microsoft.com/office/drawing/2014/main" id="{AA0BD167-F24B-430F-92CC-27C4DEA10979}"/>
+                  </a:ext>
+                </a:extLst>
+              </p:cNvPr>
+              <p:cNvCxnSpPr>
+                <a:cxnSpLocks/>
+              </p:cNvCxnSpPr>
+              <p:nvPr/>
+            </p:nvCxnSpPr>
+            <p:spPr>
+              <a:xfrm flipV="1">
+                <a:off x="3144344" y="2036175"/>
+                <a:ext cx="1291674" cy="300441"/>
+              </a:xfrm>
+              <a:prstGeom prst="straightConnector1">
+                <a:avLst/>
+              </a:prstGeom>
+              <a:grpFill/>
+              <a:ln w="38100">
+                <a:solidFill>
+                  <a:srgbClr val="4E95A1"/>
+                </a:solidFill>
+                <a:tailEnd type="triangle"/>
+              </a:ln>
+            </p:spPr>
+            <p:style>
+              <a:lnRef idx="1">
+                <a:schemeClr val="accent1"/>
+              </a:lnRef>
+              <a:fillRef idx="0">
+                <a:schemeClr val="accent1"/>
+              </a:fillRef>
+              <a:effectRef idx="0">
+                <a:schemeClr val="accent1"/>
+              </a:effectRef>
+              <a:fontRef idx="minor">
+                <a:schemeClr val="tx1"/>
+              </a:fontRef>
+            </p:style>
+          </p:cxnSp>
+          <p:sp>
+            <p:nvSpPr>
+              <p:cNvPr id="23" name="ZoneTexte 22">
+                <a:extLst>
+                  <a:ext uri="{FF2B5EF4-FFF2-40B4-BE49-F238E27FC236}">
+                    <a16:creationId xmlns:a16="http://schemas.microsoft.com/office/drawing/2014/main" id="{7D2DC8DB-B7A0-44E3-8D99-35DCC7E56A81}"/>
+                  </a:ext>
+                </a:extLst>
+              </p:cNvPr>
+              <p:cNvSpPr txBox="1"/>
+              <p:nvPr/>
+            </p:nvSpPr>
+            <p:spPr>
+              <a:xfrm>
+                <a:off x="4451057" y="1817063"/>
+                <a:ext cx="1657185" cy="369332"/>
+              </a:xfrm>
+              <a:prstGeom prst="rect">
+                <a:avLst/>
+              </a:prstGeom>
+              <a:grpFill/>
+            </p:spPr>
+            <p:txBody>
+              <a:bodyPr wrap="none" rtlCol="0">
+                <a:spAutoFit/>
+              </a:bodyPr>
+              <a:lstStyle/>
+              <a:p>
+                <a:pPr algn="l"/>
+                <a:r>
+                  <a:rPr lang="fr-FR" dirty="0">
+                    <a:solidFill>
+                      <a:srgbClr val="64B164"/>
+                    </a:solidFill>
+                  </a:rPr>
+                  <a:t>en pourcentage</a:t>
+                </a:r>
+              </a:p>
+            </p:txBody>
+          </p:sp>
+          <p:sp>
+            <p:nvSpPr>
+              <p:cNvPr id="25" name="ZoneTexte 24">
+                <a:extLst>
+                  <a:ext uri="{FF2B5EF4-FFF2-40B4-BE49-F238E27FC236}">
+                    <a16:creationId xmlns:a16="http://schemas.microsoft.com/office/drawing/2014/main" id="{B9110DB7-6C6B-4B6A-8E81-57A67C90DEB9}"/>
+                  </a:ext>
+                </a:extLst>
+              </p:cNvPr>
+              <p:cNvSpPr txBox="1"/>
+              <p:nvPr/>
+            </p:nvSpPr>
+            <p:spPr>
+              <a:xfrm>
+                <a:off x="3974158" y="2918703"/>
+                <a:ext cx="2947987" cy="369332"/>
+              </a:xfrm>
+              <a:prstGeom prst="rect">
+                <a:avLst/>
+              </a:prstGeom>
+              <a:grpFill/>
+            </p:spPr>
+            <p:txBody>
+              <a:bodyPr wrap="none" rtlCol="0">
+                <a:spAutoFit/>
+              </a:bodyPr>
+              <a:lstStyle/>
+              <a:p>
+                <a:pPr algn="l"/>
+                <a:r>
+                  <a:rPr lang="fr-FR" dirty="0">
+                    <a:solidFill>
+                      <a:srgbClr val="64B164"/>
+                    </a:solidFill>
+                  </a:rPr>
+                  <a:t>Séparateur décimale =&gt; point</a:t>
+                </a:r>
+              </a:p>
+            </p:txBody>
+          </p:sp>
+        </p:grpSp>
+      </p:grpSp>
       <p:sp>
         <p:nvSpPr>
           <p:cNvPr id="8" name="Titre 7">
@@ -25029,11 +25597,68 @@
         <p:grpSpPr>
           <a:xfrm>
             <a:off x="6108242" y="3742968"/>
-            <a:ext cx="5344191" cy="2333827"/>
+            <a:ext cx="5021561" cy="2333827"/>
             <a:chOff x="6046489" y="3568170"/>
-            <a:chExt cx="5344191" cy="2333827"/>
+            <a:chExt cx="5021561" cy="2333827"/>
           </a:xfrm>
+          <a:noFill/>
         </p:grpSpPr>
+        <p:sp>
+          <p:nvSpPr>
+            <p:cNvPr id="38" name="Rectangle 37">
+              <a:extLst>
+                <a:ext uri="{FF2B5EF4-FFF2-40B4-BE49-F238E27FC236}">
+                  <a16:creationId xmlns:a16="http://schemas.microsoft.com/office/drawing/2014/main" id="{AE83AB09-1130-4AA8-8A9C-DFC9256AE836}"/>
+                </a:ext>
+              </a:extLst>
+            </p:cNvPr>
+            <p:cNvSpPr/>
+            <p:nvPr/>
+          </p:nvSpPr>
+          <p:spPr>
+            <a:xfrm>
+              <a:off x="6046489" y="3568170"/>
+              <a:ext cx="5021561" cy="2333827"/>
+            </a:xfrm>
+            <a:prstGeom prst="rect">
+              <a:avLst/>
+            </a:prstGeom>
+            <a:solidFill>
+              <a:srgbClr val="272822"/>
+            </a:solidFill>
+            <a:ln w="38100">
+              <a:solidFill>
+                <a:schemeClr val="tx1"/>
+              </a:solidFill>
+            </a:ln>
+          </p:spPr>
+          <p:style>
+            <a:lnRef idx="2">
+              <a:schemeClr val="accent1">
+                <a:shade val="50000"/>
+              </a:schemeClr>
+            </a:lnRef>
+            <a:fillRef idx="1">
+              <a:schemeClr val="accent1"/>
+            </a:fillRef>
+            <a:effectRef idx="0">
+              <a:schemeClr val="accent1"/>
+            </a:effectRef>
+            <a:fontRef idx="minor">
+              <a:schemeClr val="lt1"/>
+            </a:fontRef>
+          </p:style>
+          <p:txBody>
+            <a:bodyPr rtlCol="0" anchor="ctr"/>
+            <a:lstStyle/>
+            <a:p>
+              <a:pPr algn="ctr"/>
+              <a:endParaRPr lang="fr-FR">
+                <a:noFill/>
+              </a:endParaRPr>
+            </a:p>
+          </p:txBody>
+        </p:sp>
         <p:grpSp>
           <p:nvGrpSpPr>
             <p:cNvPr id="37" name="Groupe 36">
@@ -25049,13 +25674,11 @@
           <p:grpSpPr>
             <a:xfrm>
               <a:off x="6046489" y="3577308"/>
-              <a:ext cx="5344191" cy="2324689"/>
+              <a:ext cx="4928449" cy="2211634"/>
               <a:chOff x="586060" y="4031663"/>
-              <a:chExt cx="5344191" cy="2324689"/>
+              <a:chExt cx="4928449" cy="2211634"/>
             </a:xfrm>
-            <a:solidFill>
-              <a:srgbClr val="272822"/>
-            </a:solidFill>
+            <a:grpFill/>
           </p:grpSpPr>
           <p:pic>
             <p:nvPicPr>
@@ -25071,7 +25694,7 @@
               </p:cNvPicPr>
               <p:nvPr/>
             </p:nvPicPr>
-            <p:blipFill>
+            <p:blipFill rotWithShape="1">
               <a:blip r:embed="rId2">
                 <a:extLst>
                   <a:ext uri="{28A0092B-C50C-407E-A947-70E740481C1C}">
@@ -25079,13 +25702,12 @@
                   </a:ext>
                 </a:extLst>
               </a:blip>
-              <a:stretch>
-                <a:fillRect/>
-              </a:stretch>
+              <a:srcRect l="-8708" t="-5964" r="8708" b="5964"/>
+              <a:stretch/>
             </p:blipFill>
             <p:spPr>
               <a:xfrm>
-                <a:off x="1157560" y="4460612"/>
+                <a:off x="741818" y="4347557"/>
                 <a:ext cx="4772691" cy="1895740"/>
               </a:xfrm>
               <a:prstGeom prst="rect">
@@ -25177,622 +25799,6 @@
             </p:style>
           </p:cxnSp>
         </p:grpSp>
-        <p:sp>
-          <p:nvSpPr>
-            <p:cNvPr id="38" name="Rectangle 37">
-              <a:extLst>
-                <a:ext uri="{FF2B5EF4-FFF2-40B4-BE49-F238E27FC236}">
-                  <a16:creationId xmlns:a16="http://schemas.microsoft.com/office/drawing/2014/main" id="{AE83AB09-1130-4AA8-8A9C-DFC9256AE836}"/>
-                </a:ext>
-              </a:extLst>
-            </p:cNvPr>
-            <p:cNvSpPr/>
-            <p:nvPr/>
-          </p:nvSpPr>
-          <p:spPr>
-            <a:xfrm>
-              <a:off x="6046489" y="3568170"/>
-              <a:ext cx="5021561" cy="2333827"/>
-            </a:xfrm>
-            <a:prstGeom prst="rect">
-              <a:avLst/>
-            </a:prstGeom>
-            <a:noFill/>
-            <a:ln w="38100">
-              <a:solidFill>
-                <a:schemeClr val="tx1"/>
-              </a:solidFill>
-            </a:ln>
-          </p:spPr>
-          <p:style>
-            <a:lnRef idx="2">
-              <a:schemeClr val="accent1">
-                <a:shade val="50000"/>
-              </a:schemeClr>
-            </a:lnRef>
-            <a:fillRef idx="1">
-              <a:schemeClr val="accent1"/>
-            </a:fillRef>
-            <a:effectRef idx="0">
-              <a:schemeClr val="accent1"/>
-            </a:effectRef>
-            <a:fontRef idx="minor">
-              <a:schemeClr val="lt1"/>
-            </a:fontRef>
-          </p:style>
-          <p:txBody>
-            <a:bodyPr rtlCol="0" anchor="ctr"/>
-            <a:lstStyle/>
-            <a:p>
-              <a:pPr algn="ctr"/>
-              <a:endParaRPr lang="fr-FR"/>
-            </a:p>
-          </p:txBody>
-        </p:sp>
-      </p:grpSp>
-      <p:grpSp>
-        <p:nvGrpSpPr>
-          <p:cNvPr id="41" name="Groupe 40">
-            <a:extLst>
-              <a:ext uri="{FF2B5EF4-FFF2-40B4-BE49-F238E27FC236}">
-                <a16:creationId xmlns:a16="http://schemas.microsoft.com/office/drawing/2014/main" id="{08F7B4DF-5DE5-487C-8918-231DB6168BFD}"/>
-              </a:ext>
-            </a:extLst>
-          </p:cNvPr>
-          <p:cNvGrpSpPr/>
-          <p:nvPr/>
-        </p:nvGrpSpPr>
-        <p:grpSpPr>
-          <a:xfrm>
-            <a:off x="838200" y="1522896"/>
-            <a:ext cx="6657975" cy="1994796"/>
-            <a:chOff x="838200" y="1522896"/>
-            <a:chExt cx="6657975" cy="1994796"/>
-          </a:xfrm>
-        </p:grpSpPr>
-        <p:grpSp>
-          <p:nvGrpSpPr>
-            <p:cNvPr id="30" name="Groupe 29">
-              <a:extLst>
-                <a:ext uri="{FF2B5EF4-FFF2-40B4-BE49-F238E27FC236}">
-                  <a16:creationId xmlns:a16="http://schemas.microsoft.com/office/drawing/2014/main" id="{EAD51A72-DB75-4915-8F71-74D3CB252BC1}"/>
-                </a:ext>
-              </a:extLst>
-            </p:cNvPr>
-            <p:cNvGrpSpPr/>
-            <p:nvPr/>
-          </p:nvGrpSpPr>
-          <p:grpSpPr>
-            <a:xfrm>
-              <a:off x="838200" y="1581792"/>
-              <a:ext cx="6504188" cy="1706243"/>
-              <a:chOff x="838200" y="1581792"/>
-              <a:chExt cx="6504188" cy="1706243"/>
-            </a:xfrm>
-          </p:grpSpPr>
-          <p:sp>
-            <p:nvSpPr>
-              <p:cNvPr id="9" name="ZoneTexte 8">
-                <a:extLst>
-                  <a:ext uri="{FF2B5EF4-FFF2-40B4-BE49-F238E27FC236}">
-                    <a16:creationId xmlns:a16="http://schemas.microsoft.com/office/drawing/2014/main" id="{53BE3B5B-4EB1-4470-A36C-4825721C77D8}"/>
-                  </a:ext>
-                </a:extLst>
-              </p:cNvPr>
-              <p:cNvSpPr txBox="1"/>
-              <p:nvPr/>
-            </p:nvSpPr>
-            <p:spPr>
-              <a:xfrm>
-                <a:off x="838200" y="1581792"/>
-                <a:ext cx="2543710" cy="369332"/>
-              </a:xfrm>
-              <a:prstGeom prst="rect">
-                <a:avLst/>
-              </a:prstGeom>
-              <a:noFill/>
-            </p:spPr>
-            <p:txBody>
-              <a:bodyPr wrap="none" rtlCol="0">
-                <a:spAutoFit/>
-              </a:bodyPr>
-              <a:lstStyle/>
-              <a:p>
-                <a:r>
-                  <a:rPr lang="fr-FR" dirty="0">
-                    <a:solidFill>
-                      <a:srgbClr val="64B164"/>
-                    </a:solidFill>
-                  </a:rPr>
-                  <a:t>Format attendu des .csv :</a:t>
-                </a:r>
-              </a:p>
-            </p:txBody>
-          </p:sp>
-          <p:sp>
-            <p:nvSpPr>
-              <p:cNvPr id="10" name="Rectangle 1">
-                <a:extLst>
-                  <a:ext uri="{FF2B5EF4-FFF2-40B4-BE49-F238E27FC236}">
-                    <a16:creationId xmlns:a16="http://schemas.microsoft.com/office/drawing/2014/main" id="{001B5D9F-D136-4E1A-A632-25AC3C5DA9A8}"/>
-                  </a:ext>
-                </a:extLst>
-              </p:cNvPr>
-              <p:cNvSpPr>
-                <a:spLocks noChangeArrowheads="1"/>
-              </p:cNvSpPr>
-              <p:nvPr/>
-            </p:nvSpPr>
-            <p:spPr bwMode="auto">
-              <a:xfrm>
-                <a:off x="1847766" y="2335866"/>
-                <a:ext cx="2156059" cy="707886"/>
-              </a:xfrm>
-              <a:prstGeom prst="rect">
-                <a:avLst/>
-              </a:prstGeom>
-              <a:solidFill>
-                <a:srgbClr val="272822"/>
-              </a:solidFill>
-              <a:ln>
-                <a:noFill/>
-              </a:ln>
-              <a:effectLst/>
-              <a:extLst>
-                <a:ext uri="{91240B29-F687-4F45-9708-019B960494DF}">
-                  <a14:hiddenLine xmlns:a14="http://schemas.microsoft.com/office/drawing/2010/main" w="9525">
-                    <a:solidFill>
-                      <a:schemeClr val="tx1"/>
-                    </a:solidFill>
-                    <a:miter lim="800000"/>
-                    <a:headEnd/>
-                    <a:tailEnd/>
-                  </a14:hiddenLine>
-                </a:ext>
-                <a:ext uri="{AF507438-7753-43E0-B8FC-AC1667EBCBE1}">
-                  <a14:hiddenEffects xmlns:a14="http://schemas.microsoft.com/office/drawing/2010/main">
-                    <a:effectLst>
-                      <a:outerShdw dist="35921" dir="2700000" algn="ctr" rotWithShape="0">
-                        <a:schemeClr val="bg2"/>
-                      </a:outerShdw>
-                    </a:effectLst>
-                  </a14:hiddenEffects>
-                </a:ext>
-              </a:extLst>
-            </p:spPr>
-            <p:txBody>
-              <a:bodyPr vert="horz" wrap="square" lIns="91440" tIns="45720" rIns="91440" bIns="45720" numCol="1" anchor="ctr" anchorCtr="0" compatLnSpc="1">
-                <a:prstTxWarp prst="textNoShape">
-                  <a:avLst/>
-                </a:prstTxWarp>
-                <a:spAutoFit/>
-              </a:bodyPr>
-              <a:lstStyle/>
-              <a:p>
-                <a:pPr marL="0" marR="0" lvl="0" indent="0" algn="l" defTabSz="914400" rtl="0" eaLnBrk="0" fontAlgn="base" latinLnBrk="0" hangingPunct="0">
-                  <a:lnSpc>
-                    <a:spcPct val="100000"/>
-                  </a:lnSpc>
-                  <a:spcBef>
-                    <a:spcPct val="0"/>
-                  </a:spcBef>
-                  <a:spcAft>
-                    <a:spcPct val="0"/>
-                  </a:spcAft>
-                  <a:buClrTx/>
-                  <a:buSzTx/>
-                  <a:buFontTx/>
-                  <a:buNone/>
-                  <a:tabLst/>
-                </a:pPr>
-                <a:r>
-                  <a:rPr kumimoji="0" lang="fr-FR" altLang="fr-FR" sz="1000" b="0" i="0" u="none" strike="noStrike" cap="none" normalizeH="0" baseline="0" dirty="0" err="1">
-                    <a:ln>
-                      <a:noFill/>
-                    </a:ln>
-                    <a:solidFill>
-                      <a:srgbClr val="F8F8F2"/>
-                    </a:solidFill>
-                    <a:effectLst/>
-                    <a:latin typeface="Courier New" panose="02070309020205020404" pitchFamily="49" charset="0"/>
-                    <a:cs typeface="Courier New" panose="02070309020205020404" pitchFamily="49" charset="0"/>
-                  </a:rPr>
-                  <a:t>name,price,profit</a:t>
-                </a:r>
-                <a:br>
-                  <a:rPr kumimoji="0" lang="fr-FR" altLang="fr-FR" sz="1000" b="0" i="0" u="none" strike="noStrike" cap="none" normalizeH="0" baseline="0" dirty="0">
-                    <a:ln>
-                      <a:noFill/>
-                    </a:ln>
-                    <a:solidFill>
-                      <a:srgbClr val="F8F8F2"/>
-                    </a:solidFill>
-                    <a:effectLst/>
-                    <a:latin typeface="Courier New" panose="02070309020205020404" pitchFamily="49" charset="0"/>
-                    <a:cs typeface="Courier New" panose="02070309020205020404" pitchFamily="49" charset="0"/>
-                  </a:rPr>
-                </a:br>
-                <a:r>
-                  <a:rPr kumimoji="0" lang="fr-FR" altLang="fr-FR" sz="1000" b="0" i="0" u="none" strike="noStrike" cap="none" normalizeH="0" baseline="0" dirty="0">
-                    <a:ln>
-                      <a:noFill/>
-                    </a:ln>
-                    <a:solidFill>
-                      <a:srgbClr val="F8F8F2"/>
-                    </a:solidFill>
-                    <a:effectLst/>
-                    <a:latin typeface="Courier New" panose="02070309020205020404" pitchFamily="49" charset="0"/>
-                    <a:cs typeface="Courier New" panose="02070309020205020404" pitchFamily="49" charset="0"/>
-                  </a:rPr>
-                  <a:t>name1,20,5</a:t>
-                </a:r>
-                <a:br>
-                  <a:rPr kumimoji="0" lang="fr-FR" altLang="fr-FR" sz="1000" b="0" i="0" u="none" strike="noStrike" cap="none" normalizeH="0" baseline="0" dirty="0">
-                    <a:ln>
-                      <a:noFill/>
-                    </a:ln>
-                    <a:solidFill>
-                      <a:srgbClr val="F8F8F2"/>
-                    </a:solidFill>
-                    <a:effectLst/>
-                    <a:latin typeface="Courier New" panose="02070309020205020404" pitchFamily="49" charset="0"/>
-                    <a:cs typeface="Courier New" panose="02070309020205020404" pitchFamily="49" charset="0"/>
-                  </a:rPr>
-                </a:br>
-                <a:r>
-                  <a:rPr kumimoji="0" lang="fr-FR" altLang="fr-FR" sz="1000" b="0" i="0" u="none" strike="noStrike" cap="none" normalizeH="0" baseline="0" dirty="0">
-                    <a:ln>
-                      <a:noFill/>
-                    </a:ln>
-                    <a:solidFill>
-                      <a:srgbClr val="F8F8F2"/>
-                    </a:solidFill>
-                    <a:effectLst/>
-                    <a:latin typeface="Courier New" panose="02070309020205020404" pitchFamily="49" charset="0"/>
-                    <a:cs typeface="Courier New" panose="02070309020205020404" pitchFamily="49" charset="0"/>
-                  </a:rPr>
-                  <a:t>NAME-2,37.59,10.221</a:t>
-                </a:r>
-              </a:p>
-              <a:p>
-                <a:pPr marL="0" marR="0" lvl="0" indent="0" algn="l" defTabSz="914400" rtl="0" eaLnBrk="0" fontAlgn="base" latinLnBrk="0" hangingPunct="0">
-                  <a:lnSpc>
-                    <a:spcPct val="100000"/>
-                  </a:lnSpc>
-                  <a:spcBef>
-                    <a:spcPct val="0"/>
-                  </a:spcBef>
-                  <a:spcAft>
-                    <a:spcPct val="0"/>
-                  </a:spcAft>
-                  <a:buClrTx/>
-                  <a:buSzTx/>
-                  <a:buFontTx/>
-                  <a:buNone/>
-                  <a:tabLst/>
-                </a:pPr>
-                <a:r>
-                  <a:rPr lang="fr-FR" altLang="fr-FR" sz="1000" dirty="0">
-                    <a:solidFill>
-                      <a:srgbClr val="F8F8F2"/>
-                    </a:solidFill>
-                    <a:latin typeface="Courier New" panose="02070309020205020404" pitchFamily="49" charset="0"/>
-                    <a:cs typeface="Courier New" panose="02070309020205020404" pitchFamily="49" charset="0"/>
-                  </a:rPr>
-                  <a:t>33name,02.1,09.3</a:t>
-                </a:r>
-                <a:endParaRPr kumimoji="0" lang="fr-FR" altLang="fr-FR" sz="1800" b="0" i="0" u="none" strike="noStrike" cap="none" normalizeH="0" baseline="0" dirty="0">
-                  <a:ln>
-                    <a:noFill/>
-                  </a:ln>
-                  <a:solidFill>
-                    <a:schemeClr val="tx1"/>
-                  </a:solidFill>
-                  <a:effectLst/>
-                  <a:latin typeface="Arial" panose="020B0604020202020204" pitchFamily="34" charset="0"/>
-                </a:endParaRPr>
-              </a:p>
-            </p:txBody>
-          </p:sp>
-          <p:cxnSp>
-            <p:nvCxnSpPr>
-              <p:cNvPr id="12" name="Connecteur droit avec flèche 11">
-                <a:extLst>
-                  <a:ext uri="{FF2B5EF4-FFF2-40B4-BE49-F238E27FC236}">
-                    <a16:creationId xmlns:a16="http://schemas.microsoft.com/office/drawing/2014/main" id="{7D313FF8-08AB-4A47-BDDC-3449ECDFE7EA}"/>
-                  </a:ext>
-                </a:extLst>
-              </p:cNvPr>
-              <p:cNvCxnSpPr/>
-              <p:nvPr/>
-            </p:nvCxnSpPr>
-            <p:spPr>
-              <a:xfrm>
-                <a:off x="3463490" y="2436709"/>
-                <a:ext cx="1507958" cy="0"/>
-              </a:xfrm>
-              <a:prstGeom prst="straightConnector1">
-                <a:avLst/>
-              </a:prstGeom>
-              <a:ln w="38100">
-                <a:solidFill>
-                  <a:srgbClr val="4E95A1"/>
-                </a:solidFill>
-                <a:tailEnd type="triangle"/>
-              </a:ln>
-            </p:spPr>
-            <p:style>
-              <a:lnRef idx="1">
-                <a:schemeClr val="accent1"/>
-              </a:lnRef>
-              <a:fillRef idx="0">
-                <a:schemeClr val="accent1"/>
-              </a:fillRef>
-              <a:effectRef idx="0">
-                <a:schemeClr val="accent1"/>
-              </a:effectRef>
-              <a:fontRef idx="minor">
-                <a:schemeClr val="tx1"/>
-              </a:fontRef>
-            </p:style>
-          </p:cxnSp>
-          <p:sp>
-            <p:nvSpPr>
-              <p:cNvPr id="13" name="ZoneTexte 12">
-                <a:extLst>
-                  <a:ext uri="{FF2B5EF4-FFF2-40B4-BE49-F238E27FC236}">
-                    <a16:creationId xmlns:a16="http://schemas.microsoft.com/office/drawing/2014/main" id="{7E069659-F03C-4C4F-8377-7F62CB40F9B5}"/>
-                  </a:ext>
-                </a:extLst>
-              </p:cNvPr>
-              <p:cNvSpPr txBox="1"/>
-              <p:nvPr/>
-            </p:nvSpPr>
-            <p:spPr>
-              <a:xfrm>
-                <a:off x="5231330" y="2260098"/>
-                <a:ext cx="1988621" cy="369332"/>
-              </a:xfrm>
-              <a:prstGeom prst="rect">
-                <a:avLst/>
-              </a:prstGeom>
-              <a:noFill/>
-            </p:spPr>
-            <p:txBody>
-              <a:bodyPr wrap="none" rtlCol="0">
-                <a:spAutoFit/>
-              </a:bodyPr>
-              <a:lstStyle/>
-              <a:p>
-                <a:pPr algn="l"/>
-                <a:r>
-                  <a:rPr lang="fr-FR" dirty="0">
-                    <a:solidFill>
-                      <a:srgbClr val="64B164"/>
-                    </a:solidFill>
-                  </a:rPr>
-                  <a:t>Entêtes à respecter</a:t>
-                </a:r>
-              </a:p>
-            </p:txBody>
-          </p:sp>
-          <p:sp>
-            <p:nvSpPr>
-              <p:cNvPr id="15" name="ZoneTexte 14">
-                <a:extLst>
-                  <a:ext uri="{FF2B5EF4-FFF2-40B4-BE49-F238E27FC236}">
-                    <a16:creationId xmlns:a16="http://schemas.microsoft.com/office/drawing/2014/main" id="{747DAE54-0893-4709-BBA3-A59A6DED99C6}"/>
-                  </a:ext>
-                </a:extLst>
-              </p:cNvPr>
-              <p:cNvSpPr txBox="1"/>
-              <p:nvPr/>
-            </p:nvSpPr>
-            <p:spPr>
-              <a:xfrm>
-                <a:off x="3974158" y="2629430"/>
-                <a:ext cx="3368230" cy="369332"/>
-              </a:xfrm>
-              <a:prstGeom prst="rect">
-                <a:avLst/>
-              </a:prstGeom>
-              <a:noFill/>
-            </p:spPr>
-            <p:txBody>
-              <a:bodyPr wrap="none" rtlCol="0">
-                <a:spAutoFit/>
-              </a:bodyPr>
-              <a:lstStyle/>
-              <a:p>
-                <a:pPr algn="l"/>
-                <a:r>
-                  <a:rPr lang="fr-FR" dirty="0">
-                    <a:solidFill>
-                      <a:srgbClr val="64B164"/>
-                    </a:solidFill>
-                  </a:rPr>
-                  <a:t>Séparateur de colonnes =&gt; virgule</a:t>
-                </a:r>
-              </a:p>
-            </p:txBody>
-          </p:sp>
-          <p:cxnSp>
-            <p:nvCxnSpPr>
-              <p:cNvPr id="21" name="Connecteur droit avec flèche 20">
-                <a:extLst>
-                  <a:ext uri="{FF2B5EF4-FFF2-40B4-BE49-F238E27FC236}">
-                    <a16:creationId xmlns:a16="http://schemas.microsoft.com/office/drawing/2014/main" id="{AA0BD167-F24B-430F-92CC-27C4DEA10979}"/>
-                  </a:ext>
-                </a:extLst>
-              </p:cNvPr>
-              <p:cNvCxnSpPr>
-                <a:cxnSpLocks/>
-              </p:cNvCxnSpPr>
-              <p:nvPr/>
-            </p:nvCxnSpPr>
-            <p:spPr>
-              <a:xfrm flipV="1">
-                <a:off x="3144344" y="2036175"/>
-                <a:ext cx="1291674" cy="300441"/>
-              </a:xfrm>
-              <a:prstGeom prst="straightConnector1">
-                <a:avLst/>
-              </a:prstGeom>
-              <a:ln w="38100">
-                <a:solidFill>
-                  <a:srgbClr val="4E95A1"/>
-                </a:solidFill>
-                <a:tailEnd type="triangle"/>
-              </a:ln>
-            </p:spPr>
-            <p:style>
-              <a:lnRef idx="1">
-                <a:schemeClr val="accent1"/>
-              </a:lnRef>
-              <a:fillRef idx="0">
-                <a:schemeClr val="accent1"/>
-              </a:fillRef>
-              <a:effectRef idx="0">
-                <a:schemeClr val="accent1"/>
-              </a:effectRef>
-              <a:fontRef idx="minor">
-                <a:schemeClr val="tx1"/>
-              </a:fontRef>
-            </p:style>
-          </p:cxnSp>
-          <p:sp>
-            <p:nvSpPr>
-              <p:cNvPr id="23" name="ZoneTexte 22">
-                <a:extLst>
-                  <a:ext uri="{FF2B5EF4-FFF2-40B4-BE49-F238E27FC236}">
-                    <a16:creationId xmlns:a16="http://schemas.microsoft.com/office/drawing/2014/main" id="{7D2DC8DB-B7A0-44E3-8D99-35DCC7E56A81}"/>
-                  </a:ext>
-                </a:extLst>
-              </p:cNvPr>
-              <p:cNvSpPr txBox="1"/>
-              <p:nvPr/>
-            </p:nvSpPr>
-            <p:spPr>
-              <a:xfrm>
-                <a:off x="4451057" y="1817063"/>
-                <a:ext cx="1657185" cy="369332"/>
-              </a:xfrm>
-              <a:prstGeom prst="rect">
-                <a:avLst/>
-              </a:prstGeom>
-              <a:noFill/>
-            </p:spPr>
-            <p:txBody>
-              <a:bodyPr wrap="none" rtlCol="0">
-                <a:spAutoFit/>
-              </a:bodyPr>
-              <a:lstStyle/>
-              <a:p>
-                <a:pPr algn="l"/>
-                <a:r>
-                  <a:rPr lang="fr-FR" dirty="0">
-                    <a:solidFill>
-                      <a:srgbClr val="64B164"/>
-                    </a:solidFill>
-                  </a:rPr>
-                  <a:t>en pourcentage</a:t>
-                </a:r>
-              </a:p>
-            </p:txBody>
-          </p:sp>
-          <p:sp>
-            <p:nvSpPr>
-              <p:cNvPr id="25" name="ZoneTexte 24">
-                <a:extLst>
-                  <a:ext uri="{FF2B5EF4-FFF2-40B4-BE49-F238E27FC236}">
-                    <a16:creationId xmlns:a16="http://schemas.microsoft.com/office/drawing/2014/main" id="{B9110DB7-6C6B-4B6A-8E81-57A67C90DEB9}"/>
-                  </a:ext>
-                </a:extLst>
-              </p:cNvPr>
-              <p:cNvSpPr txBox="1"/>
-              <p:nvPr/>
-            </p:nvSpPr>
-            <p:spPr>
-              <a:xfrm>
-                <a:off x="3974158" y="2918703"/>
-                <a:ext cx="2947987" cy="369332"/>
-              </a:xfrm>
-              <a:prstGeom prst="rect">
-                <a:avLst/>
-              </a:prstGeom>
-              <a:noFill/>
-            </p:spPr>
-            <p:txBody>
-              <a:bodyPr wrap="none" rtlCol="0">
-                <a:spAutoFit/>
-              </a:bodyPr>
-              <a:lstStyle/>
-              <a:p>
-                <a:pPr algn="l"/>
-                <a:r>
-                  <a:rPr lang="fr-FR" dirty="0">
-                    <a:solidFill>
-                      <a:srgbClr val="64B164"/>
-                    </a:solidFill>
-                  </a:rPr>
-                  <a:t>Séparateur décimale =&gt; point</a:t>
-                </a:r>
-              </a:p>
-            </p:txBody>
-          </p:sp>
-        </p:grpSp>
-        <p:sp>
-          <p:nvSpPr>
-            <p:cNvPr id="39" name="Rectangle 38">
-              <a:extLst>
-                <a:ext uri="{FF2B5EF4-FFF2-40B4-BE49-F238E27FC236}">
-                  <a16:creationId xmlns:a16="http://schemas.microsoft.com/office/drawing/2014/main" id="{2566097C-6331-4A5A-B2A8-2444C727E076}"/>
-                </a:ext>
-              </a:extLst>
-            </p:cNvPr>
-            <p:cNvSpPr/>
-            <p:nvPr/>
-          </p:nvSpPr>
-          <p:spPr>
-            <a:xfrm>
-              <a:off x="894987" y="1522896"/>
-              <a:ext cx="6601188" cy="1994796"/>
-            </a:xfrm>
-            <a:prstGeom prst="rect">
-              <a:avLst/>
-            </a:prstGeom>
-            <a:noFill/>
-            <a:ln w="38100">
-              <a:solidFill>
-                <a:schemeClr val="tx1"/>
-              </a:solidFill>
-            </a:ln>
-          </p:spPr>
-          <p:style>
-            <a:lnRef idx="2">
-              <a:schemeClr val="accent1">
-                <a:shade val="50000"/>
-              </a:schemeClr>
-            </a:lnRef>
-            <a:fillRef idx="1">
-              <a:schemeClr val="accent1"/>
-            </a:fillRef>
-            <a:effectRef idx="0">
-              <a:schemeClr val="accent1"/>
-            </a:effectRef>
-            <a:fontRef idx="minor">
-              <a:schemeClr val="lt1"/>
-            </a:fontRef>
-          </p:style>
-          <p:txBody>
-            <a:bodyPr rtlCol="0" anchor="ctr"/>
-            <a:lstStyle/>
-            <a:p>
-              <a:pPr algn="ctr"/>
-              <a:endParaRPr lang="fr-FR"/>
-            </a:p>
-          </p:txBody>
-        </p:sp>
       </p:grpSp>
     </p:spTree>
     <p:extLst>
@@ -33239,7 +33245,7 @@
         <p:spPr>
           <a:xfrm>
             <a:off x="8100000" y="1872001"/>
-            <a:ext cx="2619740" cy="4763163"/>
+            <a:ext cx="2619739" cy="4763163"/>
           </a:xfrm>
           <a:prstGeom prst="rect">
             <a:avLst/>
